--- a/Интерактивная игра.pptx
+++ b/Интерактивная игра.pptx
@@ -113,6 +113,11 @@
       </a:defRPr>
     </a:lvl9pPr>
   </p:defaultTextStyle>
+  <p:extLst>
+    <p:ext uri="{EFAFB233-063F-42B5-8137-9DF3F51BA10A}">
+      <p15:sldGuideLst xmlns:p15="http://schemas.microsoft.com/office/powerpoint/2012/main"/>
+    </p:ext>
+  </p:extLst>
 </p:presentation>
 </file>
 
@@ -263,7 +268,7 @@
           <a:p>
             <a:fld id="{9FB68831-C8AF-4D49-8B65-BDA0DD8F3CEE}" type="datetimeFigureOut">
               <a:rPr lang="ru-RU" smtClean="0"/>
-              <a:t>15.05.2024</a:t>
+              <a:t>16.05.2024</a:t>
             </a:fld>
             <a:endParaRPr lang="ru-RU"/>
           </a:p>
@@ -461,7 +466,7 @@
           <a:p>
             <a:fld id="{9FB68831-C8AF-4D49-8B65-BDA0DD8F3CEE}" type="datetimeFigureOut">
               <a:rPr lang="ru-RU" smtClean="0"/>
-              <a:t>15.05.2024</a:t>
+              <a:t>16.05.2024</a:t>
             </a:fld>
             <a:endParaRPr lang="ru-RU"/>
           </a:p>
@@ -669,7 +674,7 @@
           <a:p>
             <a:fld id="{9FB68831-C8AF-4D49-8B65-BDA0DD8F3CEE}" type="datetimeFigureOut">
               <a:rPr lang="ru-RU" smtClean="0"/>
-              <a:t>15.05.2024</a:t>
+              <a:t>16.05.2024</a:t>
             </a:fld>
             <a:endParaRPr lang="ru-RU"/>
           </a:p>
@@ -867,7 +872,7 @@
           <a:p>
             <a:fld id="{9FB68831-C8AF-4D49-8B65-BDA0DD8F3CEE}" type="datetimeFigureOut">
               <a:rPr lang="ru-RU" smtClean="0"/>
-              <a:t>15.05.2024</a:t>
+              <a:t>16.05.2024</a:t>
             </a:fld>
             <a:endParaRPr lang="ru-RU"/>
           </a:p>
@@ -1142,7 +1147,7 @@
           <a:p>
             <a:fld id="{9FB68831-C8AF-4D49-8B65-BDA0DD8F3CEE}" type="datetimeFigureOut">
               <a:rPr lang="ru-RU" smtClean="0"/>
-              <a:t>15.05.2024</a:t>
+              <a:t>16.05.2024</a:t>
             </a:fld>
             <a:endParaRPr lang="ru-RU"/>
           </a:p>
@@ -1407,7 +1412,7 @@
           <a:p>
             <a:fld id="{9FB68831-C8AF-4D49-8B65-BDA0DD8F3CEE}" type="datetimeFigureOut">
               <a:rPr lang="ru-RU" smtClean="0"/>
-              <a:t>15.05.2024</a:t>
+              <a:t>16.05.2024</a:t>
             </a:fld>
             <a:endParaRPr lang="ru-RU"/>
           </a:p>
@@ -1819,7 +1824,7 @@
           <a:p>
             <a:fld id="{9FB68831-C8AF-4D49-8B65-BDA0DD8F3CEE}" type="datetimeFigureOut">
               <a:rPr lang="ru-RU" smtClean="0"/>
-              <a:t>15.05.2024</a:t>
+              <a:t>16.05.2024</a:t>
             </a:fld>
             <a:endParaRPr lang="ru-RU"/>
           </a:p>
@@ -1960,7 +1965,7 @@
           <a:p>
             <a:fld id="{9FB68831-C8AF-4D49-8B65-BDA0DD8F3CEE}" type="datetimeFigureOut">
               <a:rPr lang="ru-RU" smtClean="0"/>
-              <a:t>15.05.2024</a:t>
+              <a:t>16.05.2024</a:t>
             </a:fld>
             <a:endParaRPr lang="ru-RU"/>
           </a:p>
@@ -2073,7 +2078,7 @@
           <a:p>
             <a:fld id="{9FB68831-C8AF-4D49-8B65-BDA0DD8F3CEE}" type="datetimeFigureOut">
               <a:rPr lang="ru-RU" smtClean="0"/>
-              <a:t>15.05.2024</a:t>
+              <a:t>16.05.2024</a:t>
             </a:fld>
             <a:endParaRPr lang="ru-RU"/>
           </a:p>
@@ -2384,7 +2389,7 @@
           <a:p>
             <a:fld id="{9FB68831-C8AF-4D49-8B65-BDA0DD8F3CEE}" type="datetimeFigureOut">
               <a:rPr lang="ru-RU" smtClean="0"/>
-              <a:t>15.05.2024</a:t>
+              <a:t>16.05.2024</a:t>
             </a:fld>
             <a:endParaRPr lang="ru-RU"/>
           </a:p>
@@ -2672,7 +2677,7 @@
           <a:p>
             <a:fld id="{9FB68831-C8AF-4D49-8B65-BDA0DD8F3CEE}" type="datetimeFigureOut">
               <a:rPr lang="ru-RU" smtClean="0"/>
-              <a:t>15.05.2024</a:t>
+              <a:t>16.05.2024</a:t>
             </a:fld>
             <a:endParaRPr lang="ru-RU"/>
           </a:p>
@@ -2913,7 +2918,7 @@
           <a:p>
             <a:fld id="{9FB68831-C8AF-4D49-8B65-BDA0DD8F3CEE}" type="datetimeFigureOut">
               <a:rPr lang="ru-RU" smtClean="0"/>
-              <a:t>15.05.2024</a:t>
+              <a:t>16.05.2024</a:t>
             </a:fld>
             <a:endParaRPr lang="ru-RU"/>
           </a:p>
@@ -3905,6 +3910,36 @@
           </a:p>
         </p:txBody>
       </p:sp>
+      <p:pic>
+        <p:nvPicPr>
+          <p:cNvPr id="4" name="Рисунок 3">
+            <a:extLst>
+              <a:ext uri="{FF2B5EF4-FFF2-40B4-BE49-F238E27FC236}">
+                <a16:creationId xmlns:a16="http://schemas.microsoft.com/office/drawing/2014/main" id="{B951B183-236B-4A90-AEB6-C82D5124106E}"/>
+              </a:ext>
+            </a:extLst>
+          </p:cNvPr>
+          <p:cNvPicPr>
+            <a:picLocks noChangeAspect="1"/>
+          </p:cNvPicPr>
+          <p:nvPr/>
+        </p:nvPicPr>
+        <p:blipFill>
+          <a:blip r:embed="rId3"/>
+          <a:stretch>
+            <a:fillRect/>
+          </a:stretch>
+        </p:blipFill>
+        <p:spPr>
+          <a:xfrm>
+            <a:off x="1537447" y="2600923"/>
+            <a:ext cx="9412013" cy="2800741"/>
+          </a:xfrm>
+          <a:prstGeom prst="rect">
+            <a:avLst/>
+          </a:prstGeom>
+        </p:spPr>
+      </p:pic>
     </p:spTree>
     <p:extLst>
       <p:ext uri="{BB962C8B-B14F-4D97-AF65-F5344CB8AC3E}">

--- a/Интерактивная игра.pptx
+++ b/Интерактивная игра.pptx
@@ -6,15 +6,20 @@
   </p:sldMasterIdLst>
   <p:sldIdLst>
     <p:sldId id="256" r:id="rId2"/>
-    <p:sldId id="258" r:id="rId3"/>
+    <p:sldId id="265" r:id="rId3"/>
     <p:sldId id="257" r:id="rId4"/>
     <p:sldId id="259" r:id="rId5"/>
     <p:sldId id="260" r:id="rId6"/>
     <p:sldId id="261" r:id="rId7"/>
     <p:sldId id="262" r:id="rId8"/>
-    <p:sldId id="263" r:id="rId9"/>
+    <p:sldId id="273" r:id="rId9"/>
     <p:sldId id="264" r:id="rId10"/>
-    <p:sldId id="265" r:id="rId11"/>
+    <p:sldId id="263" r:id="rId11"/>
+    <p:sldId id="267" r:id="rId12"/>
+    <p:sldId id="269" r:id="rId13"/>
+    <p:sldId id="270" r:id="rId14"/>
+    <p:sldId id="271" r:id="rId15"/>
+    <p:sldId id="272" r:id="rId16"/>
   </p:sldIdLst>
   <p:sldSz cx="12192000" cy="6858000"/>
   <p:notesSz cx="6858000" cy="9144000"/>
@@ -268,7 +273,7 @@
           <a:p>
             <a:fld id="{9FB68831-C8AF-4D49-8B65-BDA0DD8F3CEE}" type="datetimeFigureOut">
               <a:rPr lang="ru-RU" smtClean="0"/>
-              <a:t>16.05.2024</a:t>
+              <a:t>17.05.2024</a:t>
             </a:fld>
             <a:endParaRPr lang="ru-RU"/>
           </a:p>
@@ -466,7 +471,7 @@
           <a:p>
             <a:fld id="{9FB68831-C8AF-4D49-8B65-BDA0DD8F3CEE}" type="datetimeFigureOut">
               <a:rPr lang="ru-RU" smtClean="0"/>
-              <a:t>16.05.2024</a:t>
+              <a:t>17.05.2024</a:t>
             </a:fld>
             <a:endParaRPr lang="ru-RU"/>
           </a:p>
@@ -674,7 +679,7 @@
           <a:p>
             <a:fld id="{9FB68831-C8AF-4D49-8B65-BDA0DD8F3CEE}" type="datetimeFigureOut">
               <a:rPr lang="ru-RU" smtClean="0"/>
-              <a:t>16.05.2024</a:t>
+              <a:t>17.05.2024</a:t>
             </a:fld>
             <a:endParaRPr lang="ru-RU"/>
           </a:p>
@@ -872,7 +877,7 @@
           <a:p>
             <a:fld id="{9FB68831-C8AF-4D49-8B65-BDA0DD8F3CEE}" type="datetimeFigureOut">
               <a:rPr lang="ru-RU" smtClean="0"/>
-              <a:t>16.05.2024</a:t>
+              <a:t>17.05.2024</a:t>
             </a:fld>
             <a:endParaRPr lang="ru-RU"/>
           </a:p>
@@ -1147,7 +1152,7 @@
           <a:p>
             <a:fld id="{9FB68831-C8AF-4D49-8B65-BDA0DD8F3CEE}" type="datetimeFigureOut">
               <a:rPr lang="ru-RU" smtClean="0"/>
-              <a:t>16.05.2024</a:t>
+              <a:t>17.05.2024</a:t>
             </a:fld>
             <a:endParaRPr lang="ru-RU"/>
           </a:p>
@@ -1412,7 +1417,7 @@
           <a:p>
             <a:fld id="{9FB68831-C8AF-4D49-8B65-BDA0DD8F3CEE}" type="datetimeFigureOut">
               <a:rPr lang="ru-RU" smtClean="0"/>
-              <a:t>16.05.2024</a:t>
+              <a:t>17.05.2024</a:t>
             </a:fld>
             <a:endParaRPr lang="ru-RU"/>
           </a:p>
@@ -1824,7 +1829,7 @@
           <a:p>
             <a:fld id="{9FB68831-C8AF-4D49-8B65-BDA0DD8F3CEE}" type="datetimeFigureOut">
               <a:rPr lang="ru-RU" smtClean="0"/>
-              <a:t>16.05.2024</a:t>
+              <a:t>17.05.2024</a:t>
             </a:fld>
             <a:endParaRPr lang="ru-RU"/>
           </a:p>
@@ -1965,7 +1970,7 @@
           <a:p>
             <a:fld id="{9FB68831-C8AF-4D49-8B65-BDA0DD8F3CEE}" type="datetimeFigureOut">
               <a:rPr lang="ru-RU" smtClean="0"/>
-              <a:t>16.05.2024</a:t>
+              <a:t>17.05.2024</a:t>
             </a:fld>
             <a:endParaRPr lang="ru-RU"/>
           </a:p>
@@ -2078,7 +2083,7 @@
           <a:p>
             <a:fld id="{9FB68831-C8AF-4D49-8B65-BDA0DD8F3CEE}" type="datetimeFigureOut">
               <a:rPr lang="ru-RU" smtClean="0"/>
-              <a:t>16.05.2024</a:t>
+              <a:t>17.05.2024</a:t>
             </a:fld>
             <a:endParaRPr lang="ru-RU"/>
           </a:p>
@@ -2389,7 +2394,7 @@
           <a:p>
             <a:fld id="{9FB68831-C8AF-4D49-8B65-BDA0DD8F3CEE}" type="datetimeFigureOut">
               <a:rPr lang="ru-RU" smtClean="0"/>
-              <a:t>16.05.2024</a:t>
+              <a:t>17.05.2024</a:t>
             </a:fld>
             <a:endParaRPr lang="ru-RU"/>
           </a:p>
@@ -2677,7 +2682,7 @@
           <a:p>
             <a:fld id="{9FB68831-C8AF-4D49-8B65-BDA0DD8F3CEE}" type="datetimeFigureOut">
               <a:rPr lang="ru-RU" smtClean="0"/>
-              <a:t>16.05.2024</a:t>
+              <a:t>17.05.2024</a:t>
             </a:fld>
             <a:endParaRPr lang="ru-RU"/>
           </a:p>
@@ -2918,7 +2923,7 @@
           <a:p>
             <a:fld id="{9FB68831-C8AF-4D49-8B65-BDA0DD8F3CEE}" type="datetimeFigureOut">
               <a:rPr lang="ru-RU" smtClean="0"/>
-              <a:t>16.05.2024</a:t>
+              <a:t>17.05.2024</a:t>
             </a:fld>
             <a:endParaRPr lang="ru-RU"/>
           </a:p>
@@ -3337,55 +3342,31 @@
       </p:grpSpPr>
       <p:pic>
         <p:nvPicPr>
-          <p:cNvPr id="7" name="Рисунок 6">
+          <p:cNvPr id="8196" name="Picture 4" descr="Start button - Free gaming icons">
             <a:hlinkClick r:id="rId2" action="ppaction://hlinksldjump"/>
-            <a:extLst>
-              <a:ext uri="{FF2B5EF4-FFF2-40B4-BE49-F238E27FC236}">
-                <a16:creationId xmlns:a16="http://schemas.microsoft.com/office/drawing/2014/main" id="{0CABB31A-D446-4D47-9CB2-8EA3D4B7AC1E}"/>
-              </a:ext>
-            </a:extLst>
           </p:cNvPr>
           <p:cNvPicPr>
-            <a:picLocks noChangeAspect="1"/>
+            <a:picLocks noChangeAspect="1" noChangeArrowheads="1"/>
           </p:cNvPicPr>
           <p:nvPr/>
         </p:nvPicPr>
         <p:blipFill>
-          <a:blip r:embed="rId3"/>
+          <a:blip r:embed="rId3">
+            <a:extLst>
+              <a:ext uri="{28A0092B-C50C-407E-A947-70E740481C1C}">
+                <a14:useLocalDpi xmlns:a14="http://schemas.microsoft.com/office/drawing/2010/main" val="0"/>
+              </a:ext>
+            </a:extLst>
+          </a:blip>
+          <a:srcRect/>
           <a:stretch>
             <a:fillRect/>
           </a:stretch>
         </p:blipFill>
-        <p:spPr>
-          <a:xfrm>
-            <a:off x="4939553" y="-116261"/>
-            <a:ext cx="7252447" cy="7252447"/>
-          </a:xfrm>
-          <a:prstGeom prst="rect">
-            <a:avLst/>
-          </a:prstGeom>
-        </p:spPr>
-      </p:pic>
-      <p:sp>
-        <p:nvSpPr>
-          <p:cNvPr id="6" name="AutoShape 6" descr="Picture background">
-            <a:extLst>
-              <a:ext uri="{FF2B5EF4-FFF2-40B4-BE49-F238E27FC236}">
-                <a16:creationId xmlns:a16="http://schemas.microsoft.com/office/drawing/2014/main" id="{FC4EAABA-89F6-4AD6-A0AE-31804BDF6D9B}"/>
-              </a:ext>
-            </a:extLst>
-          </p:cNvPr>
-          <p:cNvSpPr>
-            <a:spLocks noGrp="1" noChangeAspect="1" noChangeArrowheads="1"/>
-          </p:cNvSpPr>
-          <p:nvPr>
-            <p:ph type="ctrTitle"/>
-          </p:nvPr>
-        </p:nvSpPr>
         <p:spPr bwMode="auto">
           <a:xfrm>
-            <a:off x="-755481" y="0"/>
-            <a:ext cx="9144000" cy="2387600"/>
+            <a:off x="3540613" y="826841"/>
+            <a:ext cx="4876800" cy="4876801"/>
           </a:xfrm>
           <a:prstGeom prst="rect">
             <a:avLst/>
@@ -3401,74 +3382,7 @@
             </a:ext>
           </a:extLst>
         </p:spPr>
-        <p:txBody>
-          <a:bodyPr vert="horz" wrap="square" lIns="91440" tIns="45720" rIns="91440" bIns="45720" numCol="1" anchor="t" anchorCtr="0" compatLnSpc="1">
-            <a:prstTxWarp prst="textNoShape">
-              <a:avLst/>
-            </a:prstTxWarp>
-          </a:bodyPr>
-          <a:lstStyle/>
-          <a:p>
-            <a:r>
-              <a:rPr lang="ru-RU" dirty="0"/>
-              <a:t>Нажмите, чтобы начать</a:t>
-            </a:r>
-            <a:br>
-              <a:rPr lang="ru-RU" dirty="0"/>
-            </a:br>
-            <a:r>
-              <a:rPr lang="en-US" dirty="0"/>
-              <a:t>                            </a:t>
-            </a:r>
-            <a:r>
-              <a:rPr lang="ru-RU" dirty="0">
-                <a:sym typeface="Wingdings" panose="05000000000000000000" pitchFamily="2" charset="2"/>
-              </a:rPr>
-              <a:t></a:t>
-            </a:r>
-            <a:endParaRPr lang="ru-RU" dirty="0"/>
-          </a:p>
-        </p:txBody>
-      </p:sp>
-      <p:cxnSp>
-        <p:nvCxnSpPr>
-          <p:cNvPr id="13" name="Прямая со стрелкой 12">
-            <a:extLst>
-              <a:ext uri="{FF2B5EF4-FFF2-40B4-BE49-F238E27FC236}">
-                <a16:creationId xmlns:a16="http://schemas.microsoft.com/office/drawing/2014/main" id="{68AA5B87-CEC1-4BA4-A825-A4D5CBC4E79D}"/>
-              </a:ext>
-            </a:extLst>
-          </p:cNvPr>
-          <p:cNvCxnSpPr/>
-          <p:nvPr/>
-        </p:nvCxnSpPr>
-        <p:spPr>
-          <a:xfrm flipV="1">
-            <a:off x="2133600" y="2387600"/>
-            <a:ext cx="4322618" cy="1519382"/>
-          </a:xfrm>
-          <a:prstGeom prst="straightConnector1">
-            <a:avLst/>
-          </a:prstGeom>
-          <a:ln>
-            <a:tailEnd type="triangle"/>
-          </a:ln>
-        </p:spPr>
-        <p:style>
-          <a:lnRef idx="1">
-            <a:schemeClr val="accent1"/>
-          </a:lnRef>
-          <a:fillRef idx="0">
-            <a:schemeClr val="accent1"/>
-          </a:fillRef>
-          <a:effectRef idx="0">
-            <a:schemeClr val="accent1"/>
-          </a:effectRef>
-          <a:fontRef idx="minor">
-            <a:schemeClr val="tx1"/>
-          </a:fontRef>
-        </p:style>
-      </p:cxnSp>
+      </p:pic>
     </p:spTree>
     <p:extLst>
       <p:ext uri="{BB962C8B-B14F-4D97-AF65-F5344CB8AC3E}">
@@ -3479,6 +3393,13 @@
   <p:clrMapOvr>
     <a:masterClrMapping/>
   </p:clrMapOvr>
+  <p:timing>
+    <p:tnLst>
+      <p:par>
+        <p:cTn id="1" dur="indefinite" restart="never" nodeType="tmRoot"/>
+      </p:par>
+    </p:tnLst>
+  </p:timing>
 </p:sld>
 </file>
 
@@ -3520,7 +3441,11 @@
           <a:bodyPr/>
           <a:lstStyle/>
           <a:p>
-            <a:endParaRPr lang="ru-RU"/>
+            <a:r>
+              <a:rPr lang="en-US" dirty="0"/>
+              <a:t>REST </a:t>
+            </a:r>
+            <a:endParaRPr lang="ru-RU" dirty="0"/>
           </a:p>
         </p:txBody>
       </p:sp>
@@ -3545,20 +3470,4538 @@
           <a:bodyPr/>
           <a:lstStyle/>
           <a:p>
-            <a:endParaRPr lang="ru-RU"/>
+            <a:r>
+              <a:rPr lang="en-US" dirty="0"/>
+              <a:t>REST (Representational State Transfer) — </a:t>
+            </a:r>
+            <a:r>
+              <a:rPr lang="ru-RU" dirty="0"/>
+              <a:t>это архитектурный стиль</a:t>
+            </a:r>
+            <a:r>
+              <a:rPr lang="en-US" dirty="0"/>
+              <a:t>. </a:t>
+            </a:r>
+            <a:r>
+              <a:rPr lang="ru-RU" dirty="0"/>
+              <a:t>В отличие от SOAP, который является протоколом, он не подчиняется строгим стандартам, более гибкий, простой и легковесный</a:t>
+            </a:r>
+            <a:r>
+              <a:rPr lang="ru-RU" dirty="0" smtClean="0"/>
+              <a:t>.</a:t>
+            </a:r>
+            <a:endParaRPr lang="en-US" dirty="0" smtClean="0"/>
+          </a:p>
+          <a:p>
+            <a:r>
+              <a:rPr lang="ru-RU" dirty="0"/>
+              <a:t>В основе REST лежат стандартные </a:t>
+            </a:r>
+            <a:r>
+              <a:rPr lang="ru-RU" dirty="0" smtClean="0"/>
+              <a:t>HTTP-методы</a:t>
+            </a:r>
+            <a:r>
+              <a:rPr lang="en-US" dirty="0" smtClean="0"/>
+              <a:t>, </a:t>
+            </a:r>
+            <a:r>
+              <a:rPr lang="ru-RU" dirty="0" smtClean="0"/>
+              <a:t>а </a:t>
+            </a:r>
+            <a:r>
+              <a:rPr lang="ru-RU" dirty="0"/>
+              <a:t>основным форматом данных для него является JSON</a:t>
+            </a:r>
+            <a:r>
+              <a:rPr lang="ru-RU" dirty="0" smtClean="0"/>
+              <a:t>.</a:t>
+            </a:r>
+            <a:endParaRPr lang="ru-RU" dirty="0"/>
+          </a:p>
+          <a:p>
+            <a:endParaRPr lang="ru-RU" dirty="0"/>
+          </a:p>
+        </p:txBody>
+      </p:sp>
+      <p:pic>
+        <p:nvPicPr>
+          <p:cNvPr id="5" name="Picture 2" descr="Picture background"/>
+          <p:cNvPicPr>
+            <a:picLocks noChangeAspect="1" noChangeArrowheads="1"/>
+          </p:cNvPicPr>
+          <p:nvPr/>
+        </p:nvPicPr>
+        <p:blipFill>
+          <a:blip r:embed="rId2">
+            <a:extLst>
+              <a:ext uri="{28A0092B-C50C-407E-A947-70E740481C1C}">
+                <a14:useLocalDpi xmlns:a14="http://schemas.microsoft.com/office/drawing/2010/main" val="0"/>
+              </a:ext>
+            </a:extLst>
+          </a:blip>
+          <a:srcRect/>
+          <a:stretch>
+            <a:fillRect/>
+          </a:stretch>
+        </p:blipFill>
+        <p:spPr bwMode="auto">
+          <a:xfrm>
+            <a:off x="4464806" y="4225760"/>
+            <a:ext cx="2762471" cy="2482771"/>
+          </a:xfrm>
+          <a:prstGeom prst="rect">
+            <a:avLst/>
+          </a:prstGeom>
+          <a:noFill/>
+          <a:extLst>
+            <a:ext uri="{909E8E84-426E-40DD-AFC4-6F175D3DCCD1}">
+              <a14:hiddenFill xmlns:a14="http://schemas.microsoft.com/office/drawing/2010/main">
+                <a:solidFill>
+                  <a:srgbClr val="FFFFFF"/>
+                </a:solidFill>
+              </a14:hiddenFill>
+            </a:ext>
+          </a:extLst>
+        </p:spPr>
+      </p:pic>
+      <p:sp>
+        <p:nvSpPr>
+          <p:cNvPr id="6" name="Стрелка: влево 3">
+            <a:hlinkClick r:id="rId3" action="ppaction://hlinksldjump"/>
+            <a:extLst>
+              <a:ext uri="{FF2B5EF4-FFF2-40B4-BE49-F238E27FC236}">
+                <a16:creationId xmlns:a16="http://schemas.microsoft.com/office/drawing/2014/main" id="{78436E58-2867-4B0B-89D1-643D50525DEA}"/>
+              </a:ext>
+            </a:extLst>
+          </p:cNvPr>
+          <p:cNvSpPr/>
+          <p:nvPr/>
+        </p:nvSpPr>
+        <p:spPr>
+          <a:xfrm>
+            <a:off x="10111260" y="5999400"/>
+            <a:ext cx="1008529" cy="858600"/>
+          </a:xfrm>
+          <a:prstGeom prst="leftArrow">
+            <a:avLst/>
+          </a:prstGeom>
+        </p:spPr>
+        <p:style>
+          <a:lnRef idx="2">
+            <a:schemeClr val="dk1">
+              <a:shade val="50000"/>
+            </a:schemeClr>
+          </a:lnRef>
+          <a:fillRef idx="1">
+            <a:schemeClr val="dk1"/>
+          </a:fillRef>
+          <a:effectRef idx="0">
+            <a:schemeClr val="dk1"/>
+          </a:effectRef>
+          <a:fontRef idx="minor">
+            <a:schemeClr val="lt1"/>
+          </a:fontRef>
+        </p:style>
+        <p:txBody>
+          <a:bodyPr rtlCol="0" anchor="ctr"/>
+          <a:lstStyle/>
+          <a:p>
+            <a:pPr algn="ctr"/>
+            <a:endParaRPr lang="ru-RU" dirty="0"/>
+          </a:p>
+        </p:txBody>
+      </p:sp>
+      <p:sp>
+        <p:nvSpPr>
+          <p:cNvPr id="7" name="Стрелка: влево 3">
+            <a:extLst>
+              <a:ext uri="{FF2B5EF4-FFF2-40B4-BE49-F238E27FC236}">
+                <a16:creationId xmlns:a16="http://schemas.microsoft.com/office/drawing/2014/main" id="{78436E58-2867-4B0B-89D1-643D50525DEA}"/>
+              </a:ext>
+            </a:extLst>
+          </p:cNvPr>
+          <p:cNvSpPr/>
+          <p:nvPr/>
+        </p:nvSpPr>
+        <p:spPr>
+          <a:xfrm rot="10800000">
+            <a:off x="11183471" y="5999400"/>
+            <a:ext cx="1008529" cy="858600"/>
+          </a:xfrm>
+          <a:prstGeom prst="leftArrow">
+            <a:avLst/>
+          </a:prstGeom>
+        </p:spPr>
+        <p:style>
+          <a:lnRef idx="2">
+            <a:schemeClr val="dk1">
+              <a:shade val="50000"/>
+            </a:schemeClr>
+          </a:lnRef>
+          <a:fillRef idx="1">
+            <a:schemeClr val="dk1"/>
+          </a:fillRef>
+          <a:effectRef idx="0">
+            <a:schemeClr val="dk1"/>
+          </a:effectRef>
+          <a:fontRef idx="minor">
+            <a:schemeClr val="lt1"/>
+          </a:fontRef>
+        </p:style>
+        <p:txBody>
+          <a:bodyPr rtlCol="0" anchor="ctr"/>
+          <a:lstStyle/>
+          <a:p>
+            <a:pPr algn="ctr"/>
+            <a:endParaRPr lang="ru-RU" dirty="0"/>
           </a:p>
         </p:txBody>
       </p:sp>
     </p:spTree>
     <p:extLst>
       <p:ext uri="{BB962C8B-B14F-4D97-AF65-F5344CB8AC3E}">
-        <p14:creationId xmlns:p14="http://schemas.microsoft.com/office/powerpoint/2010/main" val="2259443627"/>
+        <p14:creationId xmlns:p14="http://schemas.microsoft.com/office/powerpoint/2010/main" val="4115652147"/>
       </p:ext>
     </p:extLst>
   </p:cSld>
   <p:clrMapOvr>
     <a:masterClrMapping/>
   </p:clrMapOvr>
+  <p:timing>
+    <p:tnLst>
+      <p:par>
+        <p:cTn id="1" dur="indefinite" restart="never" nodeType="tmRoot"/>
+      </p:par>
+    </p:tnLst>
+  </p:timing>
+</p:sld>
+</file>
+
+<file path=ppt/slides/slide11.xml><?xml version="1.0" encoding="utf-8"?>
+<p:sld xmlns:a="http://schemas.openxmlformats.org/drawingml/2006/main" xmlns:r="http://schemas.openxmlformats.org/officeDocument/2006/relationships" xmlns:p="http://schemas.openxmlformats.org/presentationml/2006/main">
+  <p:cSld>
+    <p:spTree>
+      <p:nvGrpSpPr>
+        <p:cNvPr id="1" name=""/>
+        <p:cNvGrpSpPr/>
+        <p:nvPr/>
+      </p:nvGrpSpPr>
+      <p:grpSpPr>
+        <a:xfrm>
+          <a:off x="0" y="0"/>
+          <a:ext cx="0" cy="0"/>
+          <a:chOff x="0" y="0"/>
+          <a:chExt cx="0" cy="0"/>
+        </a:xfrm>
+      </p:grpSpPr>
+      <p:sp>
+        <p:nvSpPr>
+          <p:cNvPr id="3" name="Объект 2"/>
+          <p:cNvSpPr>
+            <a:spLocks noGrp="1"/>
+          </p:cNvSpPr>
+          <p:nvPr>
+            <p:ph idx="1"/>
+          </p:nvPr>
+        </p:nvSpPr>
+        <p:spPr/>
+        <p:txBody>
+          <a:bodyPr/>
+          <a:lstStyle/>
+          <a:p>
+            <a:r>
+              <a:rPr lang="ru-RU" dirty="0" smtClean="0"/>
+              <a:t>Какой язык разметки использует </a:t>
+            </a:r>
+            <a:r>
+              <a:rPr lang="en-US" dirty="0" smtClean="0"/>
+              <a:t>SOAP </a:t>
+            </a:r>
+            <a:r>
+              <a:rPr lang="ru-RU" dirty="0" smtClean="0"/>
+              <a:t>для </a:t>
+            </a:r>
+            <a:r>
+              <a:rPr lang="ru-RU" dirty="0"/>
+              <a:t>передачи </a:t>
+            </a:r>
+            <a:r>
+              <a:rPr lang="ru-RU" dirty="0" smtClean="0"/>
+              <a:t>сообщений?</a:t>
+            </a:r>
+            <a:endParaRPr lang="ru-RU" dirty="0"/>
+          </a:p>
+        </p:txBody>
+      </p:sp>
+      <p:sp>
+        <p:nvSpPr>
+          <p:cNvPr id="4" name="Заголовок 3"/>
+          <p:cNvSpPr>
+            <a:spLocks noGrp="1"/>
+          </p:cNvSpPr>
+          <p:nvPr>
+            <p:ph type="title"/>
+          </p:nvPr>
+        </p:nvSpPr>
+        <p:spPr/>
+        <p:txBody>
+          <a:bodyPr/>
+          <a:lstStyle/>
+          <a:p>
+            <a:r>
+              <a:rPr lang="ru-RU" b="1" dirty="0" smtClean="0"/>
+              <a:t>Вопрос 1.</a:t>
+            </a:r>
+            <a:endParaRPr lang="ru-RU" b="1" dirty="0"/>
+          </a:p>
+        </p:txBody>
+      </p:sp>
+      <p:pic>
+        <p:nvPicPr>
+          <p:cNvPr id="5" name="Рисунок 4"/>
+          <p:cNvPicPr>
+            <a:picLocks noChangeAspect="1"/>
+          </p:cNvPicPr>
+          <p:nvPr/>
+        </p:nvPicPr>
+        <p:blipFill>
+          <a:blip r:embed="rId2" cstate="print">
+            <a:extLst>
+              <a:ext uri="{28A0092B-C50C-407E-A947-70E740481C1C}">
+                <a14:useLocalDpi xmlns:a14="http://schemas.microsoft.com/office/drawing/2010/main" val="0"/>
+              </a:ext>
+            </a:extLst>
+          </a:blip>
+          <a:stretch>
+            <a:fillRect/>
+          </a:stretch>
+        </p:blipFill>
+        <p:spPr>
+          <a:xfrm>
+            <a:off x="1405207" y="3256097"/>
+            <a:ext cx="2045664" cy="2045664"/>
+          </a:xfrm>
+          <a:prstGeom prst="rect">
+            <a:avLst/>
+          </a:prstGeom>
+        </p:spPr>
+      </p:pic>
+      <p:pic>
+        <p:nvPicPr>
+          <p:cNvPr id="6" name="Рисунок 5"/>
+          <p:cNvPicPr>
+            <a:picLocks noChangeAspect="1"/>
+          </p:cNvPicPr>
+          <p:nvPr/>
+        </p:nvPicPr>
+        <p:blipFill>
+          <a:blip r:embed="rId3" cstate="hqprint">
+            <a:extLst>
+              <a:ext uri="{28A0092B-C50C-407E-A947-70E740481C1C}">
+                <a14:useLocalDpi xmlns:a14="http://schemas.microsoft.com/office/drawing/2010/main" val="0"/>
+              </a:ext>
+            </a:extLst>
+          </a:blip>
+          <a:stretch>
+            <a:fillRect/>
+          </a:stretch>
+        </p:blipFill>
+        <p:spPr>
+          <a:xfrm>
+            <a:off x="4751673" y="3229630"/>
+            <a:ext cx="1763426" cy="2072131"/>
+          </a:xfrm>
+          <a:prstGeom prst="rect">
+            <a:avLst/>
+          </a:prstGeom>
+        </p:spPr>
+      </p:pic>
+      <p:pic>
+        <p:nvPicPr>
+          <p:cNvPr id="7" name="Рисунок 6"/>
+          <p:cNvPicPr>
+            <a:picLocks noChangeAspect="1"/>
+          </p:cNvPicPr>
+          <p:nvPr/>
+        </p:nvPicPr>
+        <p:blipFill>
+          <a:blip r:embed="rId4">
+            <a:extLst>
+              <a:ext uri="{28A0092B-C50C-407E-A947-70E740481C1C}">
+                <a14:useLocalDpi xmlns:a14="http://schemas.microsoft.com/office/drawing/2010/main" val="0"/>
+              </a:ext>
+            </a:extLst>
+          </a:blip>
+          <a:stretch>
+            <a:fillRect/>
+          </a:stretch>
+        </p:blipFill>
+        <p:spPr>
+          <a:xfrm>
+            <a:off x="7999438" y="3256097"/>
+            <a:ext cx="2073474" cy="2073474"/>
+          </a:xfrm>
+          <a:prstGeom prst="rect">
+            <a:avLst/>
+          </a:prstGeom>
+        </p:spPr>
+      </p:pic>
+      <p:sp>
+        <p:nvSpPr>
+          <p:cNvPr id="8" name="TextBox 7"/>
+          <p:cNvSpPr txBox="1"/>
+          <p:nvPr/>
+        </p:nvSpPr>
+        <p:spPr>
+          <a:xfrm>
+            <a:off x="1005938" y="2759145"/>
+            <a:ext cx="798538" cy="523220"/>
+          </a:xfrm>
+          <a:prstGeom prst="rect">
+            <a:avLst/>
+          </a:prstGeom>
+          <a:noFill/>
+        </p:spPr>
+        <p:txBody>
+          <a:bodyPr wrap="square" rtlCol="0">
+            <a:spAutoFit/>
+          </a:bodyPr>
+          <a:lstStyle/>
+          <a:p>
+            <a:r>
+              <a:rPr lang="ru-RU" sz="2800" dirty="0" smtClean="0"/>
+              <a:t>1.</a:t>
+            </a:r>
+            <a:endParaRPr lang="ru-RU" sz="2800" dirty="0"/>
+          </a:p>
+        </p:txBody>
+      </p:sp>
+      <p:sp>
+        <p:nvSpPr>
+          <p:cNvPr id="9" name="TextBox 8"/>
+          <p:cNvSpPr txBox="1"/>
+          <p:nvPr/>
+        </p:nvSpPr>
+        <p:spPr>
+          <a:xfrm>
+            <a:off x="4244438" y="2785413"/>
+            <a:ext cx="798538" cy="523220"/>
+          </a:xfrm>
+          <a:prstGeom prst="rect">
+            <a:avLst/>
+          </a:prstGeom>
+          <a:noFill/>
+        </p:spPr>
+        <p:txBody>
+          <a:bodyPr wrap="square" rtlCol="0">
+            <a:spAutoFit/>
+          </a:bodyPr>
+          <a:lstStyle/>
+          <a:p>
+            <a:r>
+              <a:rPr lang="ru-RU" sz="2800" dirty="0"/>
+              <a:t>2</a:t>
+            </a:r>
+            <a:r>
+              <a:rPr lang="ru-RU" sz="2800" dirty="0" smtClean="0"/>
+              <a:t>.</a:t>
+            </a:r>
+            <a:endParaRPr lang="ru-RU" sz="2800" dirty="0"/>
+          </a:p>
+        </p:txBody>
+      </p:sp>
+      <p:sp>
+        <p:nvSpPr>
+          <p:cNvPr id="10" name="TextBox 9"/>
+          <p:cNvSpPr txBox="1"/>
+          <p:nvPr/>
+        </p:nvSpPr>
+        <p:spPr>
+          <a:xfrm>
+            <a:off x="7600169" y="2785413"/>
+            <a:ext cx="798538" cy="523220"/>
+          </a:xfrm>
+          <a:prstGeom prst="rect">
+            <a:avLst/>
+          </a:prstGeom>
+          <a:noFill/>
+        </p:spPr>
+        <p:txBody>
+          <a:bodyPr wrap="square" rtlCol="0">
+            <a:spAutoFit/>
+          </a:bodyPr>
+          <a:lstStyle/>
+          <a:p>
+            <a:r>
+              <a:rPr lang="ru-RU" sz="2800" dirty="0"/>
+              <a:t>3</a:t>
+            </a:r>
+            <a:r>
+              <a:rPr lang="ru-RU" sz="2800" dirty="0" smtClean="0"/>
+              <a:t>.</a:t>
+            </a:r>
+            <a:endParaRPr lang="ru-RU" sz="2800" dirty="0"/>
+          </a:p>
+        </p:txBody>
+      </p:sp>
+      <p:sp>
+        <p:nvSpPr>
+          <p:cNvPr id="12" name="Прямоугольник 11"/>
+          <p:cNvSpPr/>
+          <p:nvPr/>
+        </p:nvSpPr>
+        <p:spPr>
+          <a:xfrm>
+            <a:off x="3450871" y="567200"/>
+            <a:ext cx="3534508" cy="738554"/>
+          </a:xfrm>
+          <a:prstGeom prst="rect">
+            <a:avLst/>
+          </a:prstGeom>
+          <a:solidFill>
+            <a:srgbClr val="FF0000"/>
+          </a:solidFill>
+        </p:spPr>
+        <p:style>
+          <a:lnRef idx="2">
+            <a:schemeClr val="accent1">
+              <a:shade val="50000"/>
+            </a:schemeClr>
+          </a:lnRef>
+          <a:fillRef idx="1">
+            <a:schemeClr val="accent1"/>
+          </a:fillRef>
+          <a:effectRef idx="0">
+            <a:schemeClr val="accent1"/>
+          </a:effectRef>
+          <a:fontRef idx="minor">
+            <a:schemeClr val="lt1"/>
+          </a:fontRef>
+        </p:style>
+        <p:txBody>
+          <a:bodyPr rtlCol="0" anchor="ctr"/>
+          <a:lstStyle/>
+          <a:p>
+            <a:pPr algn="ctr"/>
+            <a:r>
+              <a:rPr lang="ru-RU" dirty="0" smtClean="0"/>
+              <a:t>Не правильно</a:t>
+            </a:r>
+            <a:endParaRPr lang="ru-RU" dirty="0"/>
+          </a:p>
+        </p:txBody>
+      </p:sp>
+      <p:sp>
+        <p:nvSpPr>
+          <p:cNvPr id="13" name="Прямоугольник 12"/>
+          <p:cNvSpPr/>
+          <p:nvPr/>
+        </p:nvSpPr>
+        <p:spPr>
+          <a:xfrm>
+            <a:off x="3450871" y="574000"/>
+            <a:ext cx="3534508" cy="738554"/>
+          </a:xfrm>
+          <a:prstGeom prst="rect">
+            <a:avLst/>
+          </a:prstGeom>
+          <a:solidFill>
+            <a:srgbClr val="FF0000"/>
+          </a:solidFill>
+        </p:spPr>
+        <p:style>
+          <a:lnRef idx="2">
+            <a:schemeClr val="accent1">
+              <a:shade val="50000"/>
+            </a:schemeClr>
+          </a:lnRef>
+          <a:fillRef idx="1">
+            <a:schemeClr val="accent1"/>
+          </a:fillRef>
+          <a:effectRef idx="0">
+            <a:schemeClr val="accent1"/>
+          </a:effectRef>
+          <a:fontRef idx="minor">
+            <a:schemeClr val="lt1"/>
+          </a:fontRef>
+        </p:style>
+        <p:txBody>
+          <a:bodyPr rtlCol="0" anchor="ctr"/>
+          <a:lstStyle/>
+          <a:p>
+            <a:pPr algn="ctr"/>
+            <a:r>
+              <a:rPr lang="ru-RU" dirty="0" smtClean="0"/>
+              <a:t>Не правильно</a:t>
+            </a:r>
+            <a:endParaRPr lang="ru-RU" dirty="0"/>
+          </a:p>
+        </p:txBody>
+      </p:sp>
+      <p:sp>
+        <p:nvSpPr>
+          <p:cNvPr id="11" name="Прямоугольник 10"/>
+          <p:cNvSpPr/>
+          <p:nvPr/>
+        </p:nvSpPr>
+        <p:spPr>
+          <a:xfrm>
+            <a:off x="3450871" y="580800"/>
+            <a:ext cx="3534508" cy="738554"/>
+          </a:xfrm>
+          <a:prstGeom prst="rect">
+            <a:avLst/>
+          </a:prstGeom>
+          <a:solidFill>
+            <a:srgbClr val="00B050"/>
+          </a:solidFill>
+        </p:spPr>
+        <p:style>
+          <a:lnRef idx="2">
+            <a:schemeClr val="accent1">
+              <a:shade val="50000"/>
+            </a:schemeClr>
+          </a:lnRef>
+          <a:fillRef idx="1">
+            <a:schemeClr val="accent1"/>
+          </a:fillRef>
+          <a:effectRef idx="0">
+            <a:schemeClr val="accent1"/>
+          </a:effectRef>
+          <a:fontRef idx="minor">
+            <a:schemeClr val="lt1"/>
+          </a:fontRef>
+        </p:style>
+        <p:txBody>
+          <a:bodyPr rtlCol="0" anchor="ctr"/>
+          <a:lstStyle/>
+          <a:p>
+            <a:pPr algn="ctr"/>
+            <a:r>
+              <a:rPr lang="ru-RU" dirty="0" smtClean="0"/>
+              <a:t>Правильно</a:t>
+            </a:r>
+            <a:endParaRPr lang="ru-RU" dirty="0"/>
+          </a:p>
+        </p:txBody>
+      </p:sp>
+      <p:sp>
+        <p:nvSpPr>
+          <p:cNvPr id="14" name="Стрелка: влево 3">
+            <a:hlinkClick r:id="rId5" action="ppaction://hlinksldjump"/>
+            <a:extLst>
+              <a:ext uri="{FF2B5EF4-FFF2-40B4-BE49-F238E27FC236}">
+                <a16:creationId xmlns:a16="http://schemas.microsoft.com/office/drawing/2014/main" id="{78436E58-2867-4B0B-89D1-643D50525DEA}"/>
+              </a:ext>
+            </a:extLst>
+          </p:cNvPr>
+          <p:cNvSpPr/>
+          <p:nvPr/>
+        </p:nvSpPr>
+        <p:spPr>
+          <a:xfrm rot="10800000">
+            <a:off x="11183471" y="5999400"/>
+            <a:ext cx="1008529" cy="858600"/>
+          </a:xfrm>
+          <a:prstGeom prst="leftArrow">
+            <a:avLst/>
+          </a:prstGeom>
+        </p:spPr>
+        <p:style>
+          <a:lnRef idx="2">
+            <a:schemeClr val="dk1">
+              <a:shade val="50000"/>
+            </a:schemeClr>
+          </a:lnRef>
+          <a:fillRef idx="1">
+            <a:schemeClr val="dk1"/>
+          </a:fillRef>
+          <a:effectRef idx="0">
+            <a:schemeClr val="dk1"/>
+          </a:effectRef>
+          <a:fontRef idx="minor">
+            <a:schemeClr val="lt1"/>
+          </a:fontRef>
+        </p:style>
+        <p:txBody>
+          <a:bodyPr rtlCol="0" anchor="ctr"/>
+          <a:lstStyle/>
+          <a:p>
+            <a:pPr algn="ctr"/>
+            <a:endParaRPr lang="ru-RU" dirty="0"/>
+          </a:p>
+        </p:txBody>
+      </p:sp>
+    </p:spTree>
+    <p:extLst>
+      <p:ext uri="{BB962C8B-B14F-4D97-AF65-F5344CB8AC3E}">
+        <p14:creationId xmlns:p14="http://schemas.microsoft.com/office/powerpoint/2010/main" val="3081827881"/>
+      </p:ext>
+    </p:extLst>
+  </p:cSld>
+  <p:clrMapOvr>
+    <a:masterClrMapping/>
+  </p:clrMapOvr>
+  <mc:AlternateContent xmlns:mc="http://schemas.openxmlformats.org/markup-compatibility/2006">
+    <mc:Choice xmlns:p14="http://schemas.microsoft.com/office/powerpoint/2010/main" Requires="p14">
+      <p:transition spd="slow" p14:dur="2000"/>
+    </mc:Choice>
+    <mc:Fallback>
+      <p:transition spd="slow"/>
+    </mc:Fallback>
+  </mc:AlternateContent>
+  <p:timing>
+    <p:tnLst>
+      <p:par>
+        <p:cTn id="1" dur="indefinite" restart="never" nodeType="tmRoot">
+          <p:childTnLst>
+            <p:seq concurrent="1" nextAc="seek">
+              <p:cTn id="2" restart="whenNotActive" fill="hold" evtFilter="cancelBubble" nodeType="interactiveSeq">
+                <p:stCondLst>
+                  <p:cond evt="onClick" delay="0">
+                    <p:tgtEl>
+                      <p:spTgt spid="6"/>
+                    </p:tgtEl>
+                  </p:cond>
+                </p:stCondLst>
+                <p:endSync evt="end" delay="0">
+                  <p:rtn val="all"/>
+                </p:endSync>
+                <p:childTnLst>
+                  <p:par>
+                    <p:cTn id="3" fill="hold">
+                      <p:stCondLst>
+                        <p:cond delay="0"/>
+                      </p:stCondLst>
+                      <p:childTnLst>
+                        <p:par>
+                          <p:cTn id="4" fill="hold">
+                            <p:stCondLst>
+                              <p:cond delay="0"/>
+                            </p:stCondLst>
+                            <p:childTnLst>
+                              <p:par>
+                                <p:cTn id="5" presetID="2" presetClass="entr" presetSubtype="4" fill="hold" grpId="0" nodeType="clickEffect">
+                                  <p:stCondLst>
+                                    <p:cond delay="0"/>
+                                  </p:stCondLst>
+                                  <p:childTnLst>
+                                    <p:set>
+                                      <p:cBhvr>
+                                        <p:cTn id="6" dur="1" fill="hold">
+                                          <p:stCondLst>
+                                            <p:cond delay="0"/>
+                                          </p:stCondLst>
+                                        </p:cTn>
+                                        <p:tgtEl>
+                                          <p:spTgt spid="11"/>
+                                        </p:tgtEl>
+                                        <p:attrNameLst>
+                                          <p:attrName>style.visibility</p:attrName>
+                                        </p:attrNameLst>
+                                      </p:cBhvr>
+                                      <p:to>
+                                        <p:strVal val="visible"/>
+                                      </p:to>
+                                    </p:set>
+                                    <p:anim calcmode="lin" valueType="num">
+                                      <p:cBhvr additive="base">
+                                        <p:cTn id="7" dur="500" fill="hold"/>
+                                        <p:tgtEl>
+                                          <p:spTgt spid="11"/>
+                                        </p:tgtEl>
+                                        <p:attrNameLst>
+                                          <p:attrName>ppt_x</p:attrName>
+                                        </p:attrNameLst>
+                                      </p:cBhvr>
+                                      <p:tavLst>
+                                        <p:tav tm="0">
+                                          <p:val>
+                                            <p:strVal val="#ppt_x"/>
+                                          </p:val>
+                                        </p:tav>
+                                        <p:tav tm="100000">
+                                          <p:val>
+                                            <p:strVal val="#ppt_x"/>
+                                          </p:val>
+                                        </p:tav>
+                                      </p:tavLst>
+                                    </p:anim>
+                                    <p:anim calcmode="lin" valueType="num">
+                                      <p:cBhvr additive="base">
+                                        <p:cTn id="8" dur="500" fill="hold"/>
+                                        <p:tgtEl>
+                                          <p:spTgt spid="11"/>
+                                        </p:tgtEl>
+                                        <p:attrNameLst>
+                                          <p:attrName>ppt_y</p:attrName>
+                                        </p:attrNameLst>
+                                      </p:cBhvr>
+                                      <p:tavLst>
+                                        <p:tav tm="0">
+                                          <p:val>
+                                            <p:strVal val="1+#ppt_h/2"/>
+                                          </p:val>
+                                        </p:tav>
+                                        <p:tav tm="100000">
+                                          <p:val>
+                                            <p:strVal val="#ppt_y"/>
+                                          </p:val>
+                                        </p:tav>
+                                      </p:tavLst>
+                                    </p:anim>
+                                  </p:childTnLst>
+                                </p:cTn>
+                              </p:par>
+                              <p:par>
+                                <p:cTn id="9" presetID="22" presetClass="entr" presetSubtype="4" fill="hold" grpId="0" nodeType="withEffect">
+                                  <p:stCondLst>
+                                    <p:cond delay="0"/>
+                                  </p:stCondLst>
+                                  <p:childTnLst>
+                                    <p:set>
+                                      <p:cBhvr>
+                                        <p:cTn id="10" dur="1" fill="hold">
+                                          <p:stCondLst>
+                                            <p:cond delay="0"/>
+                                          </p:stCondLst>
+                                        </p:cTn>
+                                        <p:tgtEl>
+                                          <p:spTgt spid="14"/>
+                                        </p:tgtEl>
+                                        <p:attrNameLst>
+                                          <p:attrName>style.visibility</p:attrName>
+                                        </p:attrNameLst>
+                                      </p:cBhvr>
+                                      <p:to>
+                                        <p:strVal val="visible"/>
+                                      </p:to>
+                                    </p:set>
+                                    <p:animEffect transition="in" filter="wipe(down)">
+                                      <p:cBhvr>
+                                        <p:cTn id="11" dur="500"/>
+                                        <p:tgtEl>
+                                          <p:spTgt spid="14"/>
+                                        </p:tgtEl>
+                                      </p:cBhvr>
+                                    </p:animEffect>
+                                  </p:childTnLst>
+                                </p:cTn>
+                              </p:par>
+                            </p:childTnLst>
+                          </p:cTn>
+                        </p:par>
+                      </p:childTnLst>
+                    </p:cTn>
+                  </p:par>
+                </p:childTnLst>
+              </p:cTn>
+              <p:nextCondLst>
+                <p:cond evt="onClick" delay="0">
+                  <p:tgtEl>
+                    <p:spTgt spid="6"/>
+                  </p:tgtEl>
+                </p:cond>
+              </p:nextCondLst>
+            </p:seq>
+            <p:seq concurrent="1" nextAc="seek">
+              <p:cTn id="12" restart="whenNotActive" fill="hold" evtFilter="cancelBubble" nodeType="interactiveSeq">
+                <p:stCondLst>
+                  <p:cond evt="onClick" delay="0">
+                    <p:tgtEl>
+                      <p:spTgt spid="5"/>
+                    </p:tgtEl>
+                  </p:cond>
+                </p:stCondLst>
+                <p:endSync evt="end" delay="0">
+                  <p:rtn val="all"/>
+                </p:endSync>
+                <p:childTnLst>
+                  <p:par>
+                    <p:cTn id="13" fill="hold">
+                      <p:stCondLst>
+                        <p:cond delay="0"/>
+                      </p:stCondLst>
+                      <p:childTnLst>
+                        <p:par>
+                          <p:cTn id="14" fill="hold">
+                            <p:stCondLst>
+                              <p:cond delay="0"/>
+                            </p:stCondLst>
+                            <p:childTnLst>
+                              <p:par>
+                                <p:cTn id="15" presetID="2" presetClass="entr" presetSubtype="4" fill="hold" grpId="0" nodeType="clickEffect">
+                                  <p:stCondLst>
+                                    <p:cond delay="0"/>
+                                  </p:stCondLst>
+                                  <p:childTnLst>
+                                    <p:set>
+                                      <p:cBhvr>
+                                        <p:cTn id="16" dur="1" fill="hold">
+                                          <p:stCondLst>
+                                            <p:cond delay="0"/>
+                                          </p:stCondLst>
+                                        </p:cTn>
+                                        <p:tgtEl>
+                                          <p:spTgt spid="12"/>
+                                        </p:tgtEl>
+                                        <p:attrNameLst>
+                                          <p:attrName>style.visibility</p:attrName>
+                                        </p:attrNameLst>
+                                      </p:cBhvr>
+                                      <p:to>
+                                        <p:strVal val="visible"/>
+                                      </p:to>
+                                    </p:set>
+                                    <p:anim calcmode="lin" valueType="num">
+                                      <p:cBhvr additive="base">
+                                        <p:cTn id="17" dur="500" fill="hold"/>
+                                        <p:tgtEl>
+                                          <p:spTgt spid="12"/>
+                                        </p:tgtEl>
+                                        <p:attrNameLst>
+                                          <p:attrName>ppt_x</p:attrName>
+                                        </p:attrNameLst>
+                                      </p:cBhvr>
+                                      <p:tavLst>
+                                        <p:tav tm="0">
+                                          <p:val>
+                                            <p:strVal val="#ppt_x"/>
+                                          </p:val>
+                                        </p:tav>
+                                        <p:tav tm="100000">
+                                          <p:val>
+                                            <p:strVal val="#ppt_x"/>
+                                          </p:val>
+                                        </p:tav>
+                                      </p:tavLst>
+                                    </p:anim>
+                                    <p:anim calcmode="lin" valueType="num">
+                                      <p:cBhvr additive="base">
+                                        <p:cTn id="18" dur="500" fill="hold"/>
+                                        <p:tgtEl>
+                                          <p:spTgt spid="12"/>
+                                        </p:tgtEl>
+                                        <p:attrNameLst>
+                                          <p:attrName>ppt_y</p:attrName>
+                                        </p:attrNameLst>
+                                      </p:cBhvr>
+                                      <p:tavLst>
+                                        <p:tav tm="0">
+                                          <p:val>
+                                            <p:strVal val="1+#ppt_h/2"/>
+                                          </p:val>
+                                        </p:tav>
+                                        <p:tav tm="100000">
+                                          <p:val>
+                                            <p:strVal val="#ppt_y"/>
+                                          </p:val>
+                                        </p:tav>
+                                      </p:tavLst>
+                                    </p:anim>
+                                  </p:childTnLst>
+                                </p:cTn>
+                              </p:par>
+                            </p:childTnLst>
+                          </p:cTn>
+                        </p:par>
+                      </p:childTnLst>
+                    </p:cTn>
+                  </p:par>
+                </p:childTnLst>
+              </p:cTn>
+              <p:nextCondLst>
+                <p:cond evt="onClick" delay="0">
+                  <p:tgtEl>
+                    <p:spTgt spid="5"/>
+                  </p:tgtEl>
+                </p:cond>
+              </p:nextCondLst>
+            </p:seq>
+            <p:seq concurrent="1" nextAc="seek">
+              <p:cTn id="19" restart="whenNotActive" fill="hold" evtFilter="cancelBubble" nodeType="interactiveSeq">
+                <p:stCondLst>
+                  <p:cond evt="onClick" delay="0">
+                    <p:tgtEl>
+                      <p:spTgt spid="7"/>
+                    </p:tgtEl>
+                  </p:cond>
+                </p:stCondLst>
+                <p:endSync evt="end" delay="0">
+                  <p:rtn val="all"/>
+                </p:endSync>
+                <p:childTnLst>
+                  <p:par>
+                    <p:cTn id="20" fill="hold">
+                      <p:stCondLst>
+                        <p:cond delay="0"/>
+                      </p:stCondLst>
+                      <p:childTnLst>
+                        <p:par>
+                          <p:cTn id="21" fill="hold">
+                            <p:stCondLst>
+                              <p:cond delay="0"/>
+                            </p:stCondLst>
+                            <p:childTnLst>
+                              <p:par>
+                                <p:cTn id="22" presetID="2" presetClass="entr" presetSubtype="4" fill="hold" grpId="0" nodeType="clickEffect">
+                                  <p:stCondLst>
+                                    <p:cond delay="0"/>
+                                  </p:stCondLst>
+                                  <p:childTnLst>
+                                    <p:set>
+                                      <p:cBhvr>
+                                        <p:cTn id="23" dur="1" fill="hold">
+                                          <p:stCondLst>
+                                            <p:cond delay="0"/>
+                                          </p:stCondLst>
+                                        </p:cTn>
+                                        <p:tgtEl>
+                                          <p:spTgt spid="13"/>
+                                        </p:tgtEl>
+                                        <p:attrNameLst>
+                                          <p:attrName>style.visibility</p:attrName>
+                                        </p:attrNameLst>
+                                      </p:cBhvr>
+                                      <p:to>
+                                        <p:strVal val="visible"/>
+                                      </p:to>
+                                    </p:set>
+                                    <p:anim calcmode="lin" valueType="num">
+                                      <p:cBhvr additive="base">
+                                        <p:cTn id="24" dur="500" fill="hold"/>
+                                        <p:tgtEl>
+                                          <p:spTgt spid="13"/>
+                                        </p:tgtEl>
+                                        <p:attrNameLst>
+                                          <p:attrName>ppt_x</p:attrName>
+                                        </p:attrNameLst>
+                                      </p:cBhvr>
+                                      <p:tavLst>
+                                        <p:tav tm="0">
+                                          <p:val>
+                                            <p:strVal val="#ppt_x"/>
+                                          </p:val>
+                                        </p:tav>
+                                        <p:tav tm="100000">
+                                          <p:val>
+                                            <p:strVal val="#ppt_x"/>
+                                          </p:val>
+                                        </p:tav>
+                                      </p:tavLst>
+                                    </p:anim>
+                                    <p:anim calcmode="lin" valueType="num">
+                                      <p:cBhvr additive="base">
+                                        <p:cTn id="25" dur="500" fill="hold"/>
+                                        <p:tgtEl>
+                                          <p:spTgt spid="13"/>
+                                        </p:tgtEl>
+                                        <p:attrNameLst>
+                                          <p:attrName>ppt_y</p:attrName>
+                                        </p:attrNameLst>
+                                      </p:cBhvr>
+                                      <p:tavLst>
+                                        <p:tav tm="0">
+                                          <p:val>
+                                            <p:strVal val="1+#ppt_h/2"/>
+                                          </p:val>
+                                        </p:tav>
+                                        <p:tav tm="100000">
+                                          <p:val>
+                                            <p:strVal val="#ppt_y"/>
+                                          </p:val>
+                                        </p:tav>
+                                      </p:tavLst>
+                                    </p:anim>
+                                  </p:childTnLst>
+                                </p:cTn>
+                              </p:par>
+                            </p:childTnLst>
+                          </p:cTn>
+                        </p:par>
+                      </p:childTnLst>
+                    </p:cTn>
+                  </p:par>
+                </p:childTnLst>
+              </p:cTn>
+              <p:nextCondLst>
+                <p:cond evt="onClick" delay="0">
+                  <p:tgtEl>
+                    <p:spTgt spid="7"/>
+                  </p:tgtEl>
+                </p:cond>
+              </p:nextCondLst>
+            </p:seq>
+          </p:childTnLst>
+        </p:cTn>
+      </p:par>
+    </p:tnLst>
+    <p:bldLst>
+      <p:bldP spid="12" grpId="0" animBg="1"/>
+      <p:bldP spid="13" grpId="0" animBg="1"/>
+      <p:bldP spid="11" grpId="0" animBg="1"/>
+      <p:bldP spid="14" grpId="0" animBg="1"/>
+    </p:bldLst>
+  </p:timing>
+</p:sld>
+</file>
+
+<file path=ppt/slides/slide12.xml><?xml version="1.0" encoding="utf-8"?>
+<p:sld xmlns:a="http://schemas.openxmlformats.org/drawingml/2006/main" xmlns:r="http://schemas.openxmlformats.org/officeDocument/2006/relationships" xmlns:p="http://schemas.openxmlformats.org/presentationml/2006/main">
+  <p:cSld>
+    <p:spTree>
+      <p:nvGrpSpPr>
+        <p:cNvPr id="1" name=""/>
+        <p:cNvGrpSpPr/>
+        <p:nvPr/>
+      </p:nvGrpSpPr>
+      <p:grpSpPr>
+        <a:xfrm>
+          <a:off x="0" y="0"/>
+          <a:ext cx="0" cy="0"/>
+          <a:chOff x="0" y="0"/>
+          <a:chExt cx="0" cy="0"/>
+        </a:xfrm>
+      </p:grpSpPr>
+      <p:sp>
+        <p:nvSpPr>
+          <p:cNvPr id="3" name="Объект 2"/>
+          <p:cNvSpPr>
+            <a:spLocks noGrp="1"/>
+          </p:cNvSpPr>
+          <p:nvPr>
+            <p:ph idx="1"/>
+          </p:nvPr>
+        </p:nvSpPr>
+        <p:spPr/>
+        <p:txBody>
+          <a:bodyPr/>
+          <a:lstStyle/>
+          <a:p>
+            <a:r>
+              <a:rPr lang="ru-RU" dirty="0"/>
+              <a:t>Какой основной формат данных является в </a:t>
+            </a:r>
+            <a:r>
+              <a:rPr lang="en-US" dirty="0"/>
+              <a:t>REST</a:t>
+            </a:r>
+            <a:r>
+              <a:rPr lang="ru-RU" dirty="0"/>
+              <a:t>?</a:t>
+            </a:r>
+            <a:endParaRPr lang="ru-RU" dirty="0"/>
+          </a:p>
+        </p:txBody>
+      </p:sp>
+      <p:sp>
+        <p:nvSpPr>
+          <p:cNvPr id="4" name="Заголовок 3"/>
+          <p:cNvSpPr>
+            <a:spLocks noGrp="1"/>
+          </p:cNvSpPr>
+          <p:nvPr>
+            <p:ph type="title"/>
+          </p:nvPr>
+        </p:nvSpPr>
+        <p:spPr/>
+        <p:txBody>
+          <a:bodyPr/>
+          <a:lstStyle/>
+          <a:p>
+            <a:r>
+              <a:rPr lang="ru-RU" b="1" dirty="0" smtClean="0"/>
+              <a:t>Вопрос </a:t>
+            </a:r>
+            <a:r>
+              <a:rPr lang="en-US" b="1" dirty="0" smtClean="0"/>
+              <a:t>2</a:t>
+            </a:r>
+            <a:r>
+              <a:rPr lang="ru-RU" b="1" dirty="0" smtClean="0"/>
+              <a:t>.</a:t>
+            </a:r>
+            <a:endParaRPr lang="ru-RU" b="1" dirty="0"/>
+          </a:p>
+        </p:txBody>
+      </p:sp>
+      <p:pic>
+        <p:nvPicPr>
+          <p:cNvPr id="5" name="Рисунок 4"/>
+          <p:cNvPicPr>
+            <a:picLocks noChangeAspect="1"/>
+          </p:cNvPicPr>
+          <p:nvPr/>
+        </p:nvPicPr>
+        <p:blipFill>
+          <a:blip r:embed="rId2" cstate="print">
+            <a:extLst>
+              <a:ext uri="{28A0092B-C50C-407E-A947-70E740481C1C}">
+                <a14:useLocalDpi xmlns:a14="http://schemas.microsoft.com/office/drawing/2010/main" val="0"/>
+              </a:ext>
+            </a:extLst>
+          </a:blip>
+          <a:stretch>
+            <a:fillRect/>
+          </a:stretch>
+        </p:blipFill>
+        <p:spPr>
+          <a:xfrm>
+            <a:off x="7913479" y="3229630"/>
+            <a:ext cx="2045664" cy="2045664"/>
+          </a:xfrm>
+          <a:prstGeom prst="rect">
+            <a:avLst/>
+          </a:prstGeom>
+        </p:spPr>
+      </p:pic>
+      <p:pic>
+        <p:nvPicPr>
+          <p:cNvPr id="6" name="Рисунок 5"/>
+          <p:cNvPicPr>
+            <a:picLocks noChangeAspect="1"/>
+          </p:cNvPicPr>
+          <p:nvPr/>
+        </p:nvPicPr>
+        <p:blipFill>
+          <a:blip r:embed="rId3" cstate="hqprint">
+            <a:extLst>
+              <a:ext uri="{28A0092B-C50C-407E-A947-70E740481C1C}">
+                <a14:useLocalDpi xmlns:a14="http://schemas.microsoft.com/office/drawing/2010/main" val="0"/>
+              </a:ext>
+            </a:extLst>
+          </a:blip>
+          <a:stretch>
+            <a:fillRect/>
+          </a:stretch>
+        </p:blipFill>
+        <p:spPr>
+          <a:xfrm>
+            <a:off x="4755396" y="3229630"/>
+            <a:ext cx="1763426" cy="2072131"/>
+          </a:xfrm>
+          <a:prstGeom prst="rect">
+            <a:avLst/>
+          </a:prstGeom>
+        </p:spPr>
+      </p:pic>
+      <p:pic>
+        <p:nvPicPr>
+          <p:cNvPr id="7" name="Рисунок 6"/>
+          <p:cNvPicPr>
+            <a:picLocks noChangeAspect="1"/>
+          </p:cNvPicPr>
+          <p:nvPr/>
+        </p:nvPicPr>
+        <p:blipFill>
+          <a:blip r:embed="rId4">
+            <a:extLst>
+              <a:ext uri="{28A0092B-C50C-407E-A947-70E740481C1C}">
+                <a14:useLocalDpi xmlns:a14="http://schemas.microsoft.com/office/drawing/2010/main" val="0"/>
+              </a:ext>
+            </a:extLst>
+          </a:blip>
+          <a:stretch>
+            <a:fillRect/>
+          </a:stretch>
+        </p:blipFill>
+        <p:spPr>
+          <a:xfrm>
+            <a:off x="1121486" y="3229630"/>
+            <a:ext cx="2073474" cy="2073474"/>
+          </a:xfrm>
+          <a:prstGeom prst="rect">
+            <a:avLst/>
+          </a:prstGeom>
+        </p:spPr>
+      </p:pic>
+      <p:sp>
+        <p:nvSpPr>
+          <p:cNvPr id="8" name="TextBox 7"/>
+          <p:cNvSpPr txBox="1"/>
+          <p:nvPr/>
+        </p:nvSpPr>
+        <p:spPr>
+          <a:xfrm>
+            <a:off x="1005938" y="2759145"/>
+            <a:ext cx="798538" cy="523220"/>
+          </a:xfrm>
+          <a:prstGeom prst="rect">
+            <a:avLst/>
+          </a:prstGeom>
+          <a:noFill/>
+        </p:spPr>
+        <p:txBody>
+          <a:bodyPr wrap="square" rtlCol="0">
+            <a:spAutoFit/>
+          </a:bodyPr>
+          <a:lstStyle/>
+          <a:p>
+            <a:r>
+              <a:rPr lang="ru-RU" sz="2800" dirty="0" smtClean="0"/>
+              <a:t>1.</a:t>
+            </a:r>
+            <a:endParaRPr lang="ru-RU" sz="2800" dirty="0"/>
+          </a:p>
+        </p:txBody>
+      </p:sp>
+      <p:sp>
+        <p:nvSpPr>
+          <p:cNvPr id="9" name="TextBox 8"/>
+          <p:cNvSpPr txBox="1"/>
+          <p:nvPr/>
+        </p:nvSpPr>
+        <p:spPr>
+          <a:xfrm>
+            <a:off x="4244438" y="2785413"/>
+            <a:ext cx="798538" cy="523220"/>
+          </a:xfrm>
+          <a:prstGeom prst="rect">
+            <a:avLst/>
+          </a:prstGeom>
+          <a:noFill/>
+        </p:spPr>
+        <p:txBody>
+          <a:bodyPr wrap="square" rtlCol="0">
+            <a:spAutoFit/>
+          </a:bodyPr>
+          <a:lstStyle/>
+          <a:p>
+            <a:r>
+              <a:rPr lang="ru-RU" sz="2800" dirty="0"/>
+              <a:t>2</a:t>
+            </a:r>
+            <a:r>
+              <a:rPr lang="ru-RU" sz="2800" dirty="0" smtClean="0"/>
+              <a:t>.</a:t>
+            </a:r>
+            <a:endParaRPr lang="ru-RU" sz="2800" dirty="0"/>
+          </a:p>
+        </p:txBody>
+      </p:sp>
+      <p:sp>
+        <p:nvSpPr>
+          <p:cNvPr id="10" name="TextBox 9"/>
+          <p:cNvSpPr txBox="1"/>
+          <p:nvPr/>
+        </p:nvSpPr>
+        <p:spPr>
+          <a:xfrm>
+            <a:off x="7600169" y="2785413"/>
+            <a:ext cx="798538" cy="523220"/>
+          </a:xfrm>
+          <a:prstGeom prst="rect">
+            <a:avLst/>
+          </a:prstGeom>
+          <a:noFill/>
+        </p:spPr>
+        <p:txBody>
+          <a:bodyPr wrap="square" rtlCol="0">
+            <a:spAutoFit/>
+          </a:bodyPr>
+          <a:lstStyle/>
+          <a:p>
+            <a:r>
+              <a:rPr lang="ru-RU" sz="2800" dirty="0"/>
+              <a:t>3</a:t>
+            </a:r>
+            <a:r>
+              <a:rPr lang="ru-RU" sz="2800" dirty="0" smtClean="0"/>
+              <a:t>.</a:t>
+            </a:r>
+            <a:endParaRPr lang="ru-RU" sz="2800" dirty="0"/>
+          </a:p>
+        </p:txBody>
+      </p:sp>
+      <p:sp>
+        <p:nvSpPr>
+          <p:cNvPr id="12" name="Прямоугольник 11"/>
+          <p:cNvSpPr/>
+          <p:nvPr/>
+        </p:nvSpPr>
+        <p:spPr>
+          <a:xfrm>
+            <a:off x="3450871" y="567200"/>
+            <a:ext cx="3534508" cy="738554"/>
+          </a:xfrm>
+          <a:prstGeom prst="rect">
+            <a:avLst/>
+          </a:prstGeom>
+          <a:solidFill>
+            <a:srgbClr val="FF0000"/>
+          </a:solidFill>
+        </p:spPr>
+        <p:style>
+          <a:lnRef idx="2">
+            <a:schemeClr val="accent1">
+              <a:shade val="50000"/>
+            </a:schemeClr>
+          </a:lnRef>
+          <a:fillRef idx="1">
+            <a:schemeClr val="accent1"/>
+          </a:fillRef>
+          <a:effectRef idx="0">
+            <a:schemeClr val="accent1"/>
+          </a:effectRef>
+          <a:fontRef idx="minor">
+            <a:schemeClr val="lt1"/>
+          </a:fontRef>
+        </p:style>
+        <p:txBody>
+          <a:bodyPr rtlCol="0" anchor="ctr"/>
+          <a:lstStyle/>
+          <a:p>
+            <a:pPr algn="ctr"/>
+            <a:r>
+              <a:rPr lang="ru-RU" dirty="0" smtClean="0"/>
+              <a:t>Не правильно</a:t>
+            </a:r>
+            <a:endParaRPr lang="ru-RU" dirty="0"/>
+          </a:p>
+        </p:txBody>
+      </p:sp>
+      <p:sp>
+        <p:nvSpPr>
+          <p:cNvPr id="13" name="Прямоугольник 12"/>
+          <p:cNvSpPr/>
+          <p:nvPr/>
+        </p:nvSpPr>
+        <p:spPr>
+          <a:xfrm>
+            <a:off x="3450871" y="560031"/>
+            <a:ext cx="3534508" cy="738554"/>
+          </a:xfrm>
+          <a:prstGeom prst="rect">
+            <a:avLst/>
+          </a:prstGeom>
+          <a:solidFill>
+            <a:srgbClr val="FF0000"/>
+          </a:solidFill>
+        </p:spPr>
+        <p:style>
+          <a:lnRef idx="2">
+            <a:schemeClr val="accent1">
+              <a:shade val="50000"/>
+            </a:schemeClr>
+          </a:lnRef>
+          <a:fillRef idx="1">
+            <a:schemeClr val="accent1"/>
+          </a:fillRef>
+          <a:effectRef idx="0">
+            <a:schemeClr val="accent1"/>
+          </a:effectRef>
+          <a:fontRef idx="minor">
+            <a:schemeClr val="lt1"/>
+          </a:fontRef>
+        </p:style>
+        <p:txBody>
+          <a:bodyPr rtlCol="0" anchor="ctr"/>
+          <a:lstStyle/>
+          <a:p>
+            <a:pPr algn="ctr"/>
+            <a:r>
+              <a:rPr lang="ru-RU" dirty="0" smtClean="0"/>
+              <a:t>Не правильно</a:t>
+            </a:r>
+            <a:endParaRPr lang="ru-RU" dirty="0"/>
+          </a:p>
+        </p:txBody>
+      </p:sp>
+      <p:sp>
+        <p:nvSpPr>
+          <p:cNvPr id="11" name="Прямоугольник 10"/>
+          <p:cNvSpPr/>
+          <p:nvPr/>
+        </p:nvSpPr>
+        <p:spPr>
+          <a:xfrm>
+            <a:off x="3450871" y="561277"/>
+            <a:ext cx="3534508" cy="738554"/>
+          </a:xfrm>
+          <a:prstGeom prst="rect">
+            <a:avLst/>
+          </a:prstGeom>
+          <a:solidFill>
+            <a:srgbClr val="00B050"/>
+          </a:solidFill>
+        </p:spPr>
+        <p:style>
+          <a:lnRef idx="2">
+            <a:schemeClr val="accent1">
+              <a:shade val="50000"/>
+            </a:schemeClr>
+          </a:lnRef>
+          <a:fillRef idx="1">
+            <a:schemeClr val="accent1"/>
+          </a:fillRef>
+          <a:effectRef idx="0">
+            <a:schemeClr val="accent1"/>
+          </a:effectRef>
+          <a:fontRef idx="minor">
+            <a:schemeClr val="lt1"/>
+          </a:fontRef>
+        </p:style>
+        <p:txBody>
+          <a:bodyPr rtlCol="0" anchor="ctr"/>
+          <a:lstStyle/>
+          <a:p>
+            <a:pPr algn="ctr"/>
+            <a:r>
+              <a:rPr lang="ru-RU" dirty="0" smtClean="0"/>
+              <a:t>Правильно</a:t>
+            </a:r>
+            <a:endParaRPr lang="ru-RU" dirty="0"/>
+          </a:p>
+        </p:txBody>
+      </p:sp>
+      <p:sp>
+        <p:nvSpPr>
+          <p:cNvPr id="14" name="Стрелка: влево 3">
+            <a:hlinkClick r:id="rId5" action="ppaction://hlinksldjump"/>
+            <a:extLst>
+              <a:ext uri="{FF2B5EF4-FFF2-40B4-BE49-F238E27FC236}">
+                <a16:creationId xmlns:a16="http://schemas.microsoft.com/office/drawing/2014/main" id="{78436E58-2867-4B0B-89D1-643D50525DEA}"/>
+              </a:ext>
+            </a:extLst>
+          </p:cNvPr>
+          <p:cNvSpPr/>
+          <p:nvPr/>
+        </p:nvSpPr>
+        <p:spPr>
+          <a:xfrm rot="10800000">
+            <a:off x="11183471" y="5999400"/>
+            <a:ext cx="1008529" cy="858600"/>
+          </a:xfrm>
+          <a:prstGeom prst="leftArrow">
+            <a:avLst/>
+          </a:prstGeom>
+        </p:spPr>
+        <p:style>
+          <a:lnRef idx="2">
+            <a:schemeClr val="dk1">
+              <a:shade val="50000"/>
+            </a:schemeClr>
+          </a:lnRef>
+          <a:fillRef idx="1">
+            <a:schemeClr val="dk1"/>
+          </a:fillRef>
+          <a:effectRef idx="0">
+            <a:schemeClr val="dk1"/>
+          </a:effectRef>
+          <a:fontRef idx="minor">
+            <a:schemeClr val="lt1"/>
+          </a:fontRef>
+        </p:style>
+        <p:txBody>
+          <a:bodyPr rtlCol="0" anchor="ctr"/>
+          <a:lstStyle/>
+          <a:p>
+            <a:pPr algn="ctr"/>
+            <a:endParaRPr lang="ru-RU" dirty="0"/>
+          </a:p>
+        </p:txBody>
+      </p:sp>
+    </p:spTree>
+    <p:extLst>
+      <p:ext uri="{BB962C8B-B14F-4D97-AF65-F5344CB8AC3E}">
+        <p14:creationId xmlns:p14="http://schemas.microsoft.com/office/powerpoint/2010/main" val="3002618024"/>
+      </p:ext>
+    </p:extLst>
+  </p:cSld>
+  <p:clrMapOvr>
+    <a:masterClrMapping/>
+  </p:clrMapOvr>
+  <p:timing>
+    <p:tnLst>
+      <p:par>
+        <p:cTn id="1" dur="indefinite" restart="never" nodeType="tmRoot">
+          <p:childTnLst>
+            <p:seq concurrent="1" nextAc="seek">
+              <p:cTn id="2" restart="whenNotActive" fill="hold" evtFilter="cancelBubble" nodeType="interactiveSeq">
+                <p:stCondLst>
+                  <p:cond evt="onClick" delay="0">
+                    <p:tgtEl>
+                      <p:spTgt spid="5"/>
+                    </p:tgtEl>
+                  </p:cond>
+                </p:stCondLst>
+                <p:endSync evt="end" delay="0">
+                  <p:rtn val="all"/>
+                </p:endSync>
+                <p:childTnLst>
+                  <p:par>
+                    <p:cTn id="3" fill="hold">
+                      <p:stCondLst>
+                        <p:cond delay="0"/>
+                      </p:stCondLst>
+                      <p:childTnLst>
+                        <p:par>
+                          <p:cTn id="4" fill="hold">
+                            <p:stCondLst>
+                              <p:cond delay="0"/>
+                            </p:stCondLst>
+                            <p:childTnLst>
+                              <p:par>
+                                <p:cTn id="5" presetID="2" presetClass="entr" presetSubtype="4" fill="hold" grpId="0" nodeType="clickEffect">
+                                  <p:stCondLst>
+                                    <p:cond delay="0"/>
+                                  </p:stCondLst>
+                                  <p:childTnLst>
+                                    <p:set>
+                                      <p:cBhvr>
+                                        <p:cTn id="6" dur="1" fill="hold">
+                                          <p:stCondLst>
+                                            <p:cond delay="0"/>
+                                          </p:stCondLst>
+                                        </p:cTn>
+                                        <p:tgtEl>
+                                          <p:spTgt spid="11"/>
+                                        </p:tgtEl>
+                                        <p:attrNameLst>
+                                          <p:attrName>style.visibility</p:attrName>
+                                        </p:attrNameLst>
+                                      </p:cBhvr>
+                                      <p:to>
+                                        <p:strVal val="visible"/>
+                                      </p:to>
+                                    </p:set>
+                                    <p:anim calcmode="lin" valueType="num">
+                                      <p:cBhvr additive="base">
+                                        <p:cTn id="7" dur="500" fill="hold"/>
+                                        <p:tgtEl>
+                                          <p:spTgt spid="11"/>
+                                        </p:tgtEl>
+                                        <p:attrNameLst>
+                                          <p:attrName>ppt_x</p:attrName>
+                                        </p:attrNameLst>
+                                      </p:cBhvr>
+                                      <p:tavLst>
+                                        <p:tav tm="0">
+                                          <p:val>
+                                            <p:strVal val="#ppt_x"/>
+                                          </p:val>
+                                        </p:tav>
+                                        <p:tav tm="100000">
+                                          <p:val>
+                                            <p:strVal val="#ppt_x"/>
+                                          </p:val>
+                                        </p:tav>
+                                      </p:tavLst>
+                                    </p:anim>
+                                    <p:anim calcmode="lin" valueType="num">
+                                      <p:cBhvr additive="base">
+                                        <p:cTn id="8" dur="500" fill="hold"/>
+                                        <p:tgtEl>
+                                          <p:spTgt spid="11"/>
+                                        </p:tgtEl>
+                                        <p:attrNameLst>
+                                          <p:attrName>ppt_y</p:attrName>
+                                        </p:attrNameLst>
+                                      </p:cBhvr>
+                                      <p:tavLst>
+                                        <p:tav tm="0">
+                                          <p:val>
+                                            <p:strVal val="1+#ppt_h/2"/>
+                                          </p:val>
+                                        </p:tav>
+                                        <p:tav tm="100000">
+                                          <p:val>
+                                            <p:strVal val="#ppt_y"/>
+                                          </p:val>
+                                        </p:tav>
+                                      </p:tavLst>
+                                    </p:anim>
+                                  </p:childTnLst>
+                                </p:cTn>
+                              </p:par>
+                              <p:par>
+                                <p:cTn id="9" presetID="22" presetClass="entr" presetSubtype="4" fill="hold" grpId="0" nodeType="withEffect">
+                                  <p:stCondLst>
+                                    <p:cond delay="0"/>
+                                  </p:stCondLst>
+                                  <p:childTnLst>
+                                    <p:set>
+                                      <p:cBhvr>
+                                        <p:cTn id="10" dur="1" fill="hold">
+                                          <p:stCondLst>
+                                            <p:cond delay="0"/>
+                                          </p:stCondLst>
+                                        </p:cTn>
+                                        <p:tgtEl>
+                                          <p:spTgt spid="14"/>
+                                        </p:tgtEl>
+                                        <p:attrNameLst>
+                                          <p:attrName>style.visibility</p:attrName>
+                                        </p:attrNameLst>
+                                      </p:cBhvr>
+                                      <p:to>
+                                        <p:strVal val="visible"/>
+                                      </p:to>
+                                    </p:set>
+                                    <p:animEffect transition="in" filter="wipe(down)">
+                                      <p:cBhvr>
+                                        <p:cTn id="11" dur="500"/>
+                                        <p:tgtEl>
+                                          <p:spTgt spid="14"/>
+                                        </p:tgtEl>
+                                      </p:cBhvr>
+                                    </p:animEffect>
+                                  </p:childTnLst>
+                                </p:cTn>
+                              </p:par>
+                            </p:childTnLst>
+                          </p:cTn>
+                        </p:par>
+                      </p:childTnLst>
+                    </p:cTn>
+                  </p:par>
+                </p:childTnLst>
+              </p:cTn>
+              <p:nextCondLst>
+                <p:cond evt="onClick" delay="0">
+                  <p:tgtEl>
+                    <p:spTgt spid="5"/>
+                  </p:tgtEl>
+                </p:cond>
+              </p:nextCondLst>
+            </p:seq>
+            <p:seq concurrent="1" nextAc="seek">
+              <p:cTn id="12" restart="whenNotActive" fill="hold" evtFilter="cancelBubble" nodeType="interactiveSeq">
+                <p:stCondLst>
+                  <p:cond evt="onClick" delay="0">
+                    <p:tgtEl>
+                      <p:spTgt spid="6"/>
+                    </p:tgtEl>
+                  </p:cond>
+                </p:stCondLst>
+                <p:endSync evt="end" delay="0">
+                  <p:rtn val="all"/>
+                </p:endSync>
+                <p:childTnLst>
+                  <p:par>
+                    <p:cTn id="13" fill="hold">
+                      <p:stCondLst>
+                        <p:cond delay="0"/>
+                      </p:stCondLst>
+                      <p:childTnLst>
+                        <p:par>
+                          <p:cTn id="14" fill="hold">
+                            <p:stCondLst>
+                              <p:cond delay="0"/>
+                            </p:stCondLst>
+                            <p:childTnLst>
+                              <p:par>
+                                <p:cTn id="15" presetID="2" presetClass="entr" presetSubtype="4" fill="hold" grpId="0" nodeType="clickEffect">
+                                  <p:stCondLst>
+                                    <p:cond delay="0"/>
+                                  </p:stCondLst>
+                                  <p:childTnLst>
+                                    <p:set>
+                                      <p:cBhvr>
+                                        <p:cTn id="16" dur="1" fill="hold">
+                                          <p:stCondLst>
+                                            <p:cond delay="0"/>
+                                          </p:stCondLst>
+                                        </p:cTn>
+                                        <p:tgtEl>
+                                          <p:spTgt spid="13"/>
+                                        </p:tgtEl>
+                                        <p:attrNameLst>
+                                          <p:attrName>style.visibility</p:attrName>
+                                        </p:attrNameLst>
+                                      </p:cBhvr>
+                                      <p:to>
+                                        <p:strVal val="visible"/>
+                                      </p:to>
+                                    </p:set>
+                                    <p:anim calcmode="lin" valueType="num">
+                                      <p:cBhvr additive="base">
+                                        <p:cTn id="17" dur="500" fill="hold"/>
+                                        <p:tgtEl>
+                                          <p:spTgt spid="13"/>
+                                        </p:tgtEl>
+                                        <p:attrNameLst>
+                                          <p:attrName>ppt_x</p:attrName>
+                                        </p:attrNameLst>
+                                      </p:cBhvr>
+                                      <p:tavLst>
+                                        <p:tav tm="0">
+                                          <p:val>
+                                            <p:strVal val="#ppt_x"/>
+                                          </p:val>
+                                        </p:tav>
+                                        <p:tav tm="100000">
+                                          <p:val>
+                                            <p:strVal val="#ppt_x"/>
+                                          </p:val>
+                                        </p:tav>
+                                      </p:tavLst>
+                                    </p:anim>
+                                    <p:anim calcmode="lin" valueType="num">
+                                      <p:cBhvr additive="base">
+                                        <p:cTn id="18" dur="500" fill="hold"/>
+                                        <p:tgtEl>
+                                          <p:spTgt spid="13"/>
+                                        </p:tgtEl>
+                                        <p:attrNameLst>
+                                          <p:attrName>ppt_y</p:attrName>
+                                        </p:attrNameLst>
+                                      </p:cBhvr>
+                                      <p:tavLst>
+                                        <p:tav tm="0">
+                                          <p:val>
+                                            <p:strVal val="1+#ppt_h/2"/>
+                                          </p:val>
+                                        </p:tav>
+                                        <p:tav tm="100000">
+                                          <p:val>
+                                            <p:strVal val="#ppt_y"/>
+                                          </p:val>
+                                        </p:tav>
+                                      </p:tavLst>
+                                    </p:anim>
+                                  </p:childTnLst>
+                                </p:cTn>
+                              </p:par>
+                            </p:childTnLst>
+                          </p:cTn>
+                        </p:par>
+                      </p:childTnLst>
+                    </p:cTn>
+                  </p:par>
+                </p:childTnLst>
+              </p:cTn>
+              <p:nextCondLst>
+                <p:cond evt="onClick" delay="0">
+                  <p:tgtEl>
+                    <p:spTgt spid="6"/>
+                  </p:tgtEl>
+                </p:cond>
+              </p:nextCondLst>
+            </p:seq>
+            <p:seq concurrent="1" nextAc="seek">
+              <p:cTn id="19" restart="whenNotActive" fill="hold" evtFilter="cancelBubble" nodeType="interactiveSeq">
+                <p:stCondLst>
+                  <p:cond evt="onClick" delay="0">
+                    <p:tgtEl>
+                      <p:spTgt spid="7"/>
+                    </p:tgtEl>
+                  </p:cond>
+                </p:stCondLst>
+                <p:endSync evt="end" delay="0">
+                  <p:rtn val="all"/>
+                </p:endSync>
+                <p:childTnLst>
+                  <p:par>
+                    <p:cTn id="20" fill="hold">
+                      <p:stCondLst>
+                        <p:cond delay="0"/>
+                      </p:stCondLst>
+                      <p:childTnLst>
+                        <p:par>
+                          <p:cTn id="21" fill="hold">
+                            <p:stCondLst>
+                              <p:cond delay="0"/>
+                            </p:stCondLst>
+                            <p:childTnLst>
+                              <p:par>
+                                <p:cTn id="22" presetID="2" presetClass="entr" presetSubtype="4" fill="hold" grpId="0" nodeType="clickEffect">
+                                  <p:stCondLst>
+                                    <p:cond delay="0"/>
+                                  </p:stCondLst>
+                                  <p:childTnLst>
+                                    <p:set>
+                                      <p:cBhvr>
+                                        <p:cTn id="23" dur="1" fill="hold">
+                                          <p:stCondLst>
+                                            <p:cond delay="0"/>
+                                          </p:stCondLst>
+                                        </p:cTn>
+                                        <p:tgtEl>
+                                          <p:spTgt spid="12"/>
+                                        </p:tgtEl>
+                                        <p:attrNameLst>
+                                          <p:attrName>style.visibility</p:attrName>
+                                        </p:attrNameLst>
+                                      </p:cBhvr>
+                                      <p:to>
+                                        <p:strVal val="visible"/>
+                                      </p:to>
+                                    </p:set>
+                                    <p:anim calcmode="lin" valueType="num">
+                                      <p:cBhvr additive="base">
+                                        <p:cTn id="24" dur="500" fill="hold"/>
+                                        <p:tgtEl>
+                                          <p:spTgt spid="12"/>
+                                        </p:tgtEl>
+                                        <p:attrNameLst>
+                                          <p:attrName>ppt_x</p:attrName>
+                                        </p:attrNameLst>
+                                      </p:cBhvr>
+                                      <p:tavLst>
+                                        <p:tav tm="0">
+                                          <p:val>
+                                            <p:strVal val="#ppt_x"/>
+                                          </p:val>
+                                        </p:tav>
+                                        <p:tav tm="100000">
+                                          <p:val>
+                                            <p:strVal val="#ppt_x"/>
+                                          </p:val>
+                                        </p:tav>
+                                      </p:tavLst>
+                                    </p:anim>
+                                    <p:anim calcmode="lin" valueType="num">
+                                      <p:cBhvr additive="base">
+                                        <p:cTn id="25" dur="500" fill="hold"/>
+                                        <p:tgtEl>
+                                          <p:spTgt spid="12"/>
+                                        </p:tgtEl>
+                                        <p:attrNameLst>
+                                          <p:attrName>ppt_y</p:attrName>
+                                        </p:attrNameLst>
+                                      </p:cBhvr>
+                                      <p:tavLst>
+                                        <p:tav tm="0">
+                                          <p:val>
+                                            <p:strVal val="1+#ppt_h/2"/>
+                                          </p:val>
+                                        </p:tav>
+                                        <p:tav tm="100000">
+                                          <p:val>
+                                            <p:strVal val="#ppt_y"/>
+                                          </p:val>
+                                        </p:tav>
+                                      </p:tavLst>
+                                    </p:anim>
+                                  </p:childTnLst>
+                                </p:cTn>
+                              </p:par>
+                            </p:childTnLst>
+                          </p:cTn>
+                        </p:par>
+                      </p:childTnLst>
+                    </p:cTn>
+                  </p:par>
+                </p:childTnLst>
+              </p:cTn>
+              <p:nextCondLst>
+                <p:cond evt="onClick" delay="0">
+                  <p:tgtEl>
+                    <p:spTgt spid="7"/>
+                  </p:tgtEl>
+                </p:cond>
+              </p:nextCondLst>
+            </p:seq>
+          </p:childTnLst>
+        </p:cTn>
+      </p:par>
+    </p:tnLst>
+    <p:bldLst>
+      <p:bldP spid="12" grpId="0" animBg="1"/>
+      <p:bldP spid="13" grpId="0" animBg="1"/>
+      <p:bldP spid="11" grpId="0" animBg="1"/>
+      <p:bldP spid="14" grpId="0" animBg="1"/>
+    </p:bldLst>
+  </p:timing>
+</p:sld>
+</file>
+
+<file path=ppt/slides/slide13.xml><?xml version="1.0" encoding="utf-8"?>
+<p:sld xmlns:a="http://schemas.openxmlformats.org/drawingml/2006/main" xmlns:r="http://schemas.openxmlformats.org/officeDocument/2006/relationships" xmlns:p="http://schemas.openxmlformats.org/presentationml/2006/main">
+  <p:cSld>
+    <p:spTree>
+      <p:nvGrpSpPr>
+        <p:cNvPr id="1" name=""/>
+        <p:cNvGrpSpPr/>
+        <p:nvPr/>
+      </p:nvGrpSpPr>
+      <p:grpSpPr>
+        <a:xfrm>
+          <a:off x="0" y="0"/>
+          <a:ext cx="0" cy="0"/>
+          <a:chOff x="0" y="0"/>
+          <a:chExt cx="0" cy="0"/>
+        </a:xfrm>
+      </p:grpSpPr>
+      <p:sp>
+        <p:nvSpPr>
+          <p:cNvPr id="3" name="Объект 2"/>
+          <p:cNvSpPr>
+            <a:spLocks noGrp="1"/>
+          </p:cNvSpPr>
+          <p:nvPr>
+            <p:ph idx="1"/>
+          </p:nvPr>
+        </p:nvSpPr>
+        <p:spPr/>
+        <p:txBody>
+          <a:bodyPr/>
+          <a:lstStyle/>
+          <a:p>
+            <a:r>
+              <a:rPr lang="ru-RU" dirty="0"/>
+              <a:t>Какой запрос используется для обновления уже существующих данных?</a:t>
+            </a:r>
+          </a:p>
+        </p:txBody>
+      </p:sp>
+      <p:sp>
+        <p:nvSpPr>
+          <p:cNvPr id="4" name="Заголовок 3"/>
+          <p:cNvSpPr>
+            <a:spLocks noGrp="1"/>
+          </p:cNvSpPr>
+          <p:nvPr>
+            <p:ph type="title"/>
+          </p:nvPr>
+        </p:nvSpPr>
+        <p:spPr>
+          <a:xfrm>
+            <a:off x="838200" y="317175"/>
+            <a:ext cx="10515600" cy="1325563"/>
+          </a:xfrm>
+        </p:spPr>
+        <p:txBody>
+          <a:bodyPr/>
+          <a:lstStyle/>
+          <a:p>
+            <a:r>
+              <a:rPr lang="ru-RU" b="1" dirty="0" smtClean="0"/>
+              <a:t>Вопрос </a:t>
+            </a:r>
+            <a:r>
+              <a:rPr lang="en-US" b="1" dirty="0"/>
+              <a:t>3</a:t>
+            </a:r>
+            <a:r>
+              <a:rPr lang="ru-RU" b="1" dirty="0" smtClean="0"/>
+              <a:t>.</a:t>
+            </a:r>
+            <a:endParaRPr lang="ru-RU" b="1" dirty="0"/>
+          </a:p>
+        </p:txBody>
+      </p:sp>
+      <p:sp>
+        <p:nvSpPr>
+          <p:cNvPr id="8" name="TextBox 7"/>
+          <p:cNvSpPr txBox="1"/>
+          <p:nvPr/>
+        </p:nvSpPr>
+        <p:spPr>
+          <a:xfrm>
+            <a:off x="1005938" y="2759145"/>
+            <a:ext cx="798538" cy="523220"/>
+          </a:xfrm>
+          <a:prstGeom prst="rect">
+            <a:avLst/>
+          </a:prstGeom>
+          <a:noFill/>
+        </p:spPr>
+        <p:txBody>
+          <a:bodyPr wrap="square" rtlCol="0">
+            <a:spAutoFit/>
+          </a:bodyPr>
+          <a:lstStyle/>
+          <a:p>
+            <a:r>
+              <a:rPr lang="ru-RU" sz="2800" dirty="0" smtClean="0"/>
+              <a:t>1.</a:t>
+            </a:r>
+            <a:endParaRPr lang="ru-RU" sz="2800" dirty="0"/>
+          </a:p>
+        </p:txBody>
+      </p:sp>
+      <p:sp>
+        <p:nvSpPr>
+          <p:cNvPr id="9" name="TextBox 8"/>
+          <p:cNvSpPr txBox="1"/>
+          <p:nvPr/>
+        </p:nvSpPr>
+        <p:spPr>
+          <a:xfrm>
+            <a:off x="4244438" y="2785413"/>
+            <a:ext cx="798538" cy="523220"/>
+          </a:xfrm>
+          <a:prstGeom prst="rect">
+            <a:avLst/>
+          </a:prstGeom>
+          <a:noFill/>
+        </p:spPr>
+        <p:txBody>
+          <a:bodyPr wrap="square" rtlCol="0">
+            <a:spAutoFit/>
+          </a:bodyPr>
+          <a:lstStyle/>
+          <a:p>
+            <a:r>
+              <a:rPr lang="ru-RU" sz="2800" dirty="0"/>
+              <a:t>2</a:t>
+            </a:r>
+            <a:r>
+              <a:rPr lang="ru-RU" sz="2800" dirty="0" smtClean="0"/>
+              <a:t>.</a:t>
+            </a:r>
+            <a:endParaRPr lang="ru-RU" sz="2800" dirty="0"/>
+          </a:p>
+        </p:txBody>
+      </p:sp>
+      <p:sp>
+        <p:nvSpPr>
+          <p:cNvPr id="10" name="TextBox 9"/>
+          <p:cNvSpPr txBox="1"/>
+          <p:nvPr/>
+        </p:nvSpPr>
+        <p:spPr>
+          <a:xfrm>
+            <a:off x="7600169" y="2785413"/>
+            <a:ext cx="798538" cy="523220"/>
+          </a:xfrm>
+          <a:prstGeom prst="rect">
+            <a:avLst/>
+          </a:prstGeom>
+          <a:noFill/>
+        </p:spPr>
+        <p:txBody>
+          <a:bodyPr wrap="square" rtlCol="0">
+            <a:spAutoFit/>
+          </a:bodyPr>
+          <a:lstStyle/>
+          <a:p>
+            <a:r>
+              <a:rPr lang="ru-RU" sz="2800" dirty="0"/>
+              <a:t>3</a:t>
+            </a:r>
+            <a:r>
+              <a:rPr lang="ru-RU" sz="2800" dirty="0" smtClean="0"/>
+              <a:t>.</a:t>
+            </a:r>
+            <a:endParaRPr lang="ru-RU" sz="2800" dirty="0"/>
+          </a:p>
+        </p:txBody>
+      </p:sp>
+      <p:sp>
+        <p:nvSpPr>
+          <p:cNvPr id="12" name="Прямоугольник 11"/>
+          <p:cNvSpPr/>
+          <p:nvPr/>
+        </p:nvSpPr>
+        <p:spPr>
+          <a:xfrm>
+            <a:off x="3450871" y="567200"/>
+            <a:ext cx="3534508" cy="738554"/>
+          </a:xfrm>
+          <a:prstGeom prst="rect">
+            <a:avLst/>
+          </a:prstGeom>
+          <a:solidFill>
+            <a:srgbClr val="FF0000"/>
+          </a:solidFill>
+        </p:spPr>
+        <p:style>
+          <a:lnRef idx="2">
+            <a:schemeClr val="accent1">
+              <a:shade val="50000"/>
+            </a:schemeClr>
+          </a:lnRef>
+          <a:fillRef idx="1">
+            <a:schemeClr val="accent1"/>
+          </a:fillRef>
+          <a:effectRef idx="0">
+            <a:schemeClr val="accent1"/>
+          </a:effectRef>
+          <a:fontRef idx="minor">
+            <a:schemeClr val="lt1"/>
+          </a:fontRef>
+        </p:style>
+        <p:txBody>
+          <a:bodyPr rtlCol="0" anchor="ctr"/>
+          <a:lstStyle/>
+          <a:p>
+            <a:pPr algn="ctr"/>
+            <a:r>
+              <a:rPr lang="ru-RU" dirty="0" smtClean="0"/>
+              <a:t>Не правильно</a:t>
+            </a:r>
+            <a:endParaRPr lang="ru-RU" dirty="0"/>
+          </a:p>
+        </p:txBody>
+      </p:sp>
+      <p:sp>
+        <p:nvSpPr>
+          <p:cNvPr id="13" name="Прямоугольник 12"/>
+          <p:cNvSpPr/>
+          <p:nvPr/>
+        </p:nvSpPr>
+        <p:spPr>
+          <a:xfrm>
+            <a:off x="3450871" y="567200"/>
+            <a:ext cx="3534508" cy="738554"/>
+          </a:xfrm>
+          <a:prstGeom prst="rect">
+            <a:avLst/>
+          </a:prstGeom>
+          <a:solidFill>
+            <a:srgbClr val="FF0000"/>
+          </a:solidFill>
+        </p:spPr>
+        <p:style>
+          <a:lnRef idx="2">
+            <a:schemeClr val="accent1">
+              <a:shade val="50000"/>
+            </a:schemeClr>
+          </a:lnRef>
+          <a:fillRef idx="1">
+            <a:schemeClr val="accent1"/>
+          </a:fillRef>
+          <a:effectRef idx="0">
+            <a:schemeClr val="accent1"/>
+          </a:effectRef>
+          <a:fontRef idx="minor">
+            <a:schemeClr val="lt1"/>
+          </a:fontRef>
+        </p:style>
+        <p:txBody>
+          <a:bodyPr rtlCol="0" anchor="ctr"/>
+          <a:lstStyle/>
+          <a:p>
+            <a:pPr algn="ctr"/>
+            <a:r>
+              <a:rPr lang="ru-RU" dirty="0" smtClean="0"/>
+              <a:t>Не правильно</a:t>
+            </a:r>
+            <a:endParaRPr lang="ru-RU" dirty="0"/>
+          </a:p>
+        </p:txBody>
+      </p:sp>
+      <p:sp>
+        <p:nvSpPr>
+          <p:cNvPr id="11" name="Прямоугольник 10"/>
+          <p:cNvSpPr/>
+          <p:nvPr/>
+        </p:nvSpPr>
+        <p:spPr>
+          <a:xfrm>
+            <a:off x="3450871" y="567200"/>
+            <a:ext cx="3534508" cy="738554"/>
+          </a:xfrm>
+          <a:prstGeom prst="rect">
+            <a:avLst/>
+          </a:prstGeom>
+          <a:solidFill>
+            <a:srgbClr val="00B050"/>
+          </a:solidFill>
+        </p:spPr>
+        <p:style>
+          <a:lnRef idx="2">
+            <a:schemeClr val="accent1">
+              <a:shade val="50000"/>
+            </a:schemeClr>
+          </a:lnRef>
+          <a:fillRef idx="1">
+            <a:schemeClr val="accent1"/>
+          </a:fillRef>
+          <a:effectRef idx="0">
+            <a:schemeClr val="accent1"/>
+          </a:effectRef>
+          <a:fontRef idx="minor">
+            <a:schemeClr val="lt1"/>
+          </a:fontRef>
+        </p:style>
+        <p:txBody>
+          <a:bodyPr rtlCol="0" anchor="ctr"/>
+          <a:lstStyle/>
+          <a:p>
+            <a:pPr algn="ctr"/>
+            <a:r>
+              <a:rPr lang="ru-RU" dirty="0" smtClean="0"/>
+              <a:t>Правильно</a:t>
+            </a:r>
+            <a:endParaRPr lang="ru-RU" dirty="0"/>
+          </a:p>
+        </p:txBody>
+      </p:sp>
+      <p:sp>
+        <p:nvSpPr>
+          <p:cNvPr id="2" name="TextBox 1"/>
+          <p:cNvSpPr txBox="1"/>
+          <p:nvPr/>
+        </p:nvSpPr>
+        <p:spPr>
+          <a:xfrm>
+            <a:off x="1281322" y="3262630"/>
+            <a:ext cx="2444933" cy="923330"/>
+          </a:xfrm>
+          <a:prstGeom prst="rect">
+            <a:avLst/>
+          </a:prstGeom>
+          <a:noFill/>
+        </p:spPr>
+        <p:txBody>
+          <a:bodyPr wrap="square" rtlCol="0">
+            <a:spAutoFit/>
+          </a:bodyPr>
+          <a:lstStyle/>
+          <a:p>
+            <a:r>
+              <a:rPr lang="en-US" sz="5400" b="1" dirty="0" smtClean="0"/>
+              <a:t>PUT</a:t>
+            </a:r>
+            <a:endParaRPr lang="ru-RU" sz="5400" b="1" dirty="0"/>
+          </a:p>
+        </p:txBody>
+      </p:sp>
+      <p:sp>
+        <p:nvSpPr>
+          <p:cNvPr id="14" name="TextBox 13"/>
+          <p:cNvSpPr txBox="1"/>
+          <p:nvPr/>
+        </p:nvSpPr>
+        <p:spPr>
+          <a:xfrm>
+            <a:off x="4807536" y="3282365"/>
+            <a:ext cx="2057400" cy="923330"/>
+          </a:xfrm>
+          <a:prstGeom prst="rect">
+            <a:avLst/>
+          </a:prstGeom>
+          <a:noFill/>
+        </p:spPr>
+        <p:txBody>
+          <a:bodyPr wrap="square" rtlCol="0">
+            <a:spAutoFit/>
+          </a:bodyPr>
+          <a:lstStyle/>
+          <a:p>
+            <a:r>
+              <a:rPr lang="en-US" sz="5400" b="1" dirty="0" smtClean="0"/>
+              <a:t>GET</a:t>
+            </a:r>
+            <a:endParaRPr lang="ru-RU" sz="5400" b="1" dirty="0"/>
+          </a:p>
+        </p:txBody>
+      </p:sp>
+      <p:sp>
+        <p:nvSpPr>
+          <p:cNvPr id="15" name="TextBox 14"/>
+          <p:cNvSpPr txBox="1"/>
+          <p:nvPr/>
+        </p:nvSpPr>
+        <p:spPr>
+          <a:xfrm>
+            <a:off x="8082034" y="3280872"/>
+            <a:ext cx="2680189" cy="923330"/>
+          </a:xfrm>
+          <a:prstGeom prst="rect">
+            <a:avLst/>
+          </a:prstGeom>
+          <a:noFill/>
+        </p:spPr>
+        <p:txBody>
+          <a:bodyPr wrap="square" rtlCol="0">
+            <a:spAutoFit/>
+          </a:bodyPr>
+          <a:lstStyle/>
+          <a:p>
+            <a:r>
+              <a:rPr lang="en-US" sz="5400" b="1" dirty="0" smtClean="0"/>
+              <a:t>DELETE</a:t>
+            </a:r>
+            <a:endParaRPr lang="ru-RU" sz="5400" b="1" dirty="0"/>
+          </a:p>
+        </p:txBody>
+      </p:sp>
+      <p:sp>
+        <p:nvSpPr>
+          <p:cNvPr id="16" name="Стрелка: влево 3">
+            <a:extLst>
+              <a:ext uri="{FF2B5EF4-FFF2-40B4-BE49-F238E27FC236}">
+                <a16:creationId xmlns:a16="http://schemas.microsoft.com/office/drawing/2014/main" id="{78436E58-2867-4B0B-89D1-643D50525DEA}"/>
+              </a:ext>
+            </a:extLst>
+          </p:cNvPr>
+          <p:cNvSpPr/>
+          <p:nvPr/>
+        </p:nvSpPr>
+        <p:spPr>
+          <a:xfrm rot="10800000">
+            <a:off x="11177609" y="5999400"/>
+            <a:ext cx="1008529" cy="858600"/>
+          </a:xfrm>
+          <a:prstGeom prst="leftArrow">
+            <a:avLst/>
+          </a:prstGeom>
+        </p:spPr>
+        <p:style>
+          <a:lnRef idx="2">
+            <a:schemeClr val="dk1">
+              <a:shade val="50000"/>
+            </a:schemeClr>
+          </a:lnRef>
+          <a:fillRef idx="1">
+            <a:schemeClr val="dk1"/>
+          </a:fillRef>
+          <a:effectRef idx="0">
+            <a:schemeClr val="dk1"/>
+          </a:effectRef>
+          <a:fontRef idx="minor">
+            <a:schemeClr val="lt1"/>
+          </a:fontRef>
+        </p:style>
+        <p:txBody>
+          <a:bodyPr rtlCol="0" anchor="ctr"/>
+          <a:lstStyle/>
+          <a:p>
+            <a:pPr algn="ctr"/>
+            <a:endParaRPr lang="ru-RU" dirty="0"/>
+          </a:p>
+        </p:txBody>
+      </p:sp>
+    </p:spTree>
+    <p:extLst>
+      <p:ext uri="{BB962C8B-B14F-4D97-AF65-F5344CB8AC3E}">
+        <p14:creationId xmlns:p14="http://schemas.microsoft.com/office/powerpoint/2010/main" val="2549710364"/>
+      </p:ext>
+    </p:extLst>
+  </p:cSld>
+  <p:clrMapOvr>
+    <a:masterClrMapping/>
+  </p:clrMapOvr>
+  <p:timing>
+    <p:tnLst>
+      <p:par>
+        <p:cTn id="1" dur="indefinite" restart="never" nodeType="tmRoot">
+          <p:childTnLst>
+            <p:seq concurrent="1" nextAc="seek">
+              <p:cTn id="2" restart="whenNotActive" fill="hold" evtFilter="cancelBubble" nodeType="interactiveSeq">
+                <p:stCondLst>
+                  <p:cond evt="onClick" delay="0">
+                    <p:tgtEl>
+                      <p:spTgt spid="2"/>
+                    </p:tgtEl>
+                  </p:cond>
+                </p:stCondLst>
+                <p:endSync evt="end" delay="0">
+                  <p:rtn val="all"/>
+                </p:endSync>
+                <p:childTnLst>
+                  <p:par>
+                    <p:cTn id="3" fill="hold">
+                      <p:stCondLst>
+                        <p:cond delay="0"/>
+                      </p:stCondLst>
+                      <p:childTnLst>
+                        <p:par>
+                          <p:cTn id="4" fill="hold">
+                            <p:stCondLst>
+                              <p:cond delay="0"/>
+                            </p:stCondLst>
+                            <p:childTnLst>
+                              <p:par>
+                                <p:cTn id="5" presetID="2" presetClass="entr" presetSubtype="4" fill="hold" grpId="0" nodeType="clickEffect">
+                                  <p:stCondLst>
+                                    <p:cond delay="0"/>
+                                  </p:stCondLst>
+                                  <p:childTnLst>
+                                    <p:set>
+                                      <p:cBhvr>
+                                        <p:cTn id="6" dur="1" fill="hold">
+                                          <p:stCondLst>
+                                            <p:cond delay="0"/>
+                                          </p:stCondLst>
+                                        </p:cTn>
+                                        <p:tgtEl>
+                                          <p:spTgt spid="11"/>
+                                        </p:tgtEl>
+                                        <p:attrNameLst>
+                                          <p:attrName>style.visibility</p:attrName>
+                                        </p:attrNameLst>
+                                      </p:cBhvr>
+                                      <p:to>
+                                        <p:strVal val="visible"/>
+                                      </p:to>
+                                    </p:set>
+                                    <p:anim calcmode="lin" valueType="num">
+                                      <p:cBhvr additive="base">
+                                        <p:cTn id="7" dur="500" fill="hold"/>
+                                        <p:tgtEl>
+                                          <p:spTgt spid="11"/>
+                                        </p:tgtEl>
+                                        <p:attrNameLst>
+                                          <p:attrName>ppt_x</p:attrName>
+                                        </p:attrNameLst>
+                                      </p:cBhvr>
+                                      <p:tavLst>
+                                        <p:tav tm="0">
+                                          <p:val>
+                                            <p:strVal val="#ppt_x"/>
+                                          </p:val>
+                                        </p:tav>
+                                        <p:tav tm="100000">
+                                          <p:val>
+                                            <p:strVal val="#ppt_x"/>
+                                          </p:val>
+                                        </p:tav>
+                                      </p:tavLst>
+                                    </p:anim>
+                                    <p:anim calcmode="lin" valueType="num">
+                                      <p:cBhvr additive="base">
+                                        <p:cTn id="8" dur="500" fill="hold"/>
+                                        <p:tgtEl>
+                                          <p:spTgt spid="11"/>
+                                        </p:tgtEl>
+                                        <p:attrNameLst>
+                                          <p:attrName>ppt_y</p:attrName>
+                                        </p:attrNameLst>
+                                      </p:cBhvr>
+                                      <p:tavLst>
+                                        <p:tav tm="0">
+                                          <p:val>
+                                            <p:strVal val="1+#ppt_h/2"/>
+                                          </p:val>
+                                        </p:tav>
+                                        <p:tav tm="100000">
+                                          <p:val>
+                                            <p:strVal val="#ppt_y"/>
+                                          </p:val>
+                                        </p:tav>
+                                      </p:tavLst>
+                                    </p:anim>
+                                  </p:childTnLst>
+                                </p:cTn>
+                              </p:par>
+                              <p:par>
+                                <p:cTn id="9" presetID="22" presetClass="entr" presetSubtype="4" fill="hold" grpId="0" nodeType="withEffect">
+                                  <p:stCondLst>
+                                    <p:cond delay="0"/>
+                                  </p:stCondLst>
+                                  <p:childTnLst>
+                                    <p:set>
+                                      <p:cBhvr>
+                                        <p:cTn id="10" dur="1" fill="hold">
+                                          <p:stCondLst>
+                                            <p:cond delay="0"/>
+                                          </p:stCondLst>
+                                        </p:cTn>
+                                        <p:tgtEl>
+                                          <p:spTgt spid="16"/>
+                                        </p:tgtEl>
+                                        <p:attrNameLst>
+                                          <p:attrName>style.visibility</p:attrName>
+                                        </p:attrNameLst>
+                                      </p:cBhvr>
+                                      <p:to>
+                                        <p:strVal val="visible"/>
+                                      </p:to>
+                                    </p:set>
+                                    <p:animEffect transition="in" filter="wipe(down)">
+                                      <p:cBhvr>
+                                        <p:cTn id="11" dur="500"/>
+                                        <p:tgtEl>
+                                          <p:spTgt spid="16"/>
+                                        </p:tgtEl>
+                                      </p:cBhvr>
+                                    </p:animEffect>
+                                  </p:childTnLst>
+                                </p:cTn>
+                              </p:par>
+                            </p:childTnLst>
+                          </p:cTn>
+                        </p:par>
+                      </p:childTnLst>
+                    </p:cTn>
+                  </p:par>
+                </p:childTnLst>
+              </p:cTn>
+              <p:nextCondLst>
+                <p:cond evt="onClick" delay="0">
+                  <p:tgtEl>
+                    <p:spTgt spid="2"/>
+                  </p:tgtEl>
+                </p:cond>
+              </p:nextCondLst>
+            </p:seq>
+            <p:seq concurrent="1" nextAc="seek">
+              <p:cTn id="12" restart="whenNotActive" fill="hold" evtFilter="cancelBubble" nodeType="interactiveSeq">
+                <p:stCondLst>
+                  <p:cond evt="onClick" delay="0">
+                    <p:tgtEl>
+                      <p:spTgt spid="14"/>
+                    </p:tgtEl>
+                  </p:cond>
+                </p:stCondLst>
+                <p:endSync evt="end" delay="0">
+                  <p:rtn val="all"/>
+                </p:endSync>
+                <p:childTnLst>
+                  <p:par>
+                    <p:cTn id="13" fill="hold">
+                      <p:stCondLst>
+                        <p:cond delay="0"/>
+                      </p:stCondLst>
+                      <p:childTnLst>
+                        <p:par>
+                          <p:cTn id="14" fill="hold">
+                            <p:stCondLst>
+                              <p:cond delay="0"/>
+                            </p:stCondLst>
+                            <p:childTnLst>
+                              <p:par>
+                                <p:cTn id="15" presetID="2" presetClass="entr" presetSubtype="4" fill="hold" grpId="0" nodeType="clickEffect">
+                                  <p:stCondLst>
+                                    <p:cond delay="0"/>
+                                  </p:stCondLst>
+                                  <p:childTnLst>
+                                    <p:set>
+                                      <p:cBhvr>
+                                        <p:cTn id="16" dur="1" fill="hold">
+                                          <p:stCondLst>
+                                            <p:cond delay="0"/>
+                                          </p:stCondLst>
+                                        </p:cTn>
+                                        <p:tgtEl>
+                                          <p:spTgt spid="13"/>
+                                        </p:tgtEl>
+                                        <p:attrNameLst>
+                                          <p:attrName>style.visibility</p:attrName>
+                                        </p:attrNameLst>
+                                      </p:cBhvr>
+                                      <p:to>
+                                        <p:strVal val="visible"/>
+                                      </p:to>
+                                    </p:set>
+                                    <p:anim calcmode="lin" valueType="num">
+                                      <p:cBhvr additive="base">
+                                        <p:cTn id="17" dur="500" fill="hold"/>
+                                        <p:tgtEl>
+                                          <p:spTgt spid="13"/>
+                                        </p:tgtEl>
+                                        <p:attrNameLst>
+                                          <p:attrName>ppt_x</p:attrName>
+                                        </p:attrNameLst>
+                                      </p:cBhvr>
+                                      <p:tavLst>
+                                        <p:tav tm="0">
+                                          <p:val>
+                                            <p:strVal val="#ppt_x"/>
+                                          </p:val>
+                                        </p:tav>
+                                        <p:tav tm="100000">
+                                          <p:val>
+                                            <p:strVal val="#ppt_x"/>
+                                          </p:val>
+                                        </p:tav>
+                                      </p:tavLst>
+                                    </p:anim>
+                                    <p:anim calcmode="lin" valueType="num">
+                                      <p:cBhvr additive="base">
+                                        <p:cTn id="18" dur="500" fill="hold"/>
+                                        <p:tgtEl>
+                                          <p:spTgt spid="13"/>
+                                        </p:tgtEl>
+                                        <p:attrNameLst>
+                                          <p:attrName>ppt_y</p:attrName>
+                                        </p:attrNameLst>
+                                      </p:cBhvr>
+                                      <p:tavLst>
+                                        <p:tav tm="0">
+                                          <p:val>
+                                            <p:strVal val="1+#ppt_h/2"/>
+                                          </p:val>
+                                        </p:tav>
+                                        <p:tav tm="100000">
+                                          <p:val>
+                                            <p:strVal val="#ppt_y"/>
+                                          </p:val>
+                                        </p:tav>
+                                      </p:tavLst>
+                                    </p:anim>
+                                  </p:childTnLst>
+                                </p:cTn>
+                              </p:par>
+                            </p:childTnLst>
+                          </p:cTn>
+                        </p:par>
+                      </p:childTnLst>
+                    </p:cTn>
+                  </p:par>
+                </p:childTnLst>
+              </p:cTn>
+              <p:nextCondLst>
+                <p:cond evt="onClick" delay="0">
+                  <p:tgtEl>
+                    <p:spTgt spid="14"/>
+                  </p:tgtEl>
+                </p:cond>
+              </p:nextCondLst>
+            </p:seq>
+            <p:seq concurrent="1" nextAc="seek">
+              <p:cTn id="19" restart="whenNotActive" fill="hold" evtFilter="cancelBubble" nodeType="interactiveSeq">
+                <p:stCondLst>
+                  <p:cond evt="onClick" delay="0">
+                    <p:tgtEl>
+                      <p:spTgt spid="15"/>
+                    </p:tgtEl>
+                  </p:cond>
+                </p:stCondLst>
+                <p:endSync evt="end" delay="0">
+                  <p:rtn val="all"/>
+                </p:endSync>
+                <p:childTnLst>
+                  <p:par>
+                    <p:cTn id="20" fill="hold">
+                      <p:stCondLst>
+                        <p:cond delay="0"/>
+                      </p:stCondLst>
+                      <p:childTnLst>
+                        <p:par>
+                          <p:cTn id="21" fill="hold">
+                            <p:stCondLst>
+                              <p:cond delay="0"/>
+                            </p:stCondLst>
+                            <p:childTnLst>
+                              <p:par>
+                                <p:cTn id="22" presetID="2" presetClass="entr" presetSubtype="4" fill="hold" grpId="0" nodeType="clickEffect">
+                                  <p:stCondLst>
+                                    <p:cond delay="0"/>
+                                  </p:stCondLst>
+                                  <p:childTnLst>
+                                    <p:set>
+                                      <p:cBhvr>
+                                        <p:cTn id="23" dur="1" fill="hold">
+                                          <p:stCondLst>
+                                            <p:cond delay="0"/>
+                                          </p:stCondLst>
+                                        </p:cTn>
+                                        <p:tgtEl>
+                                          <p:spTgt spid="12"/>
+                                        </p:tgtEl>
+                                        <p:attrNameLst>
+                                          <p:attrName>style.visibility</p:attrName>
+                                        </p:attrNameLst>
+                                      </p:cBhvr>
+                                      <p:to>
+                                        <p:strVal val="visible"/>
+                                      </p:to>
+                                    </p:set>
+                                    <p:anim calcmode="lin" valueType="num">
+                                      <p:cBhvr additive="base">
+                                        <p:cTn id="24" dur="500" fill="hold"/>
+                                        <p:tgtEl>
+                                          <p:spTgt spid="12"/>
+                                        </p:tgtEl>
+                                        <p:attrNameLst>
+                                          <p:attrName>ppt_x</p:attrName>
+                                        </p:attrNameLst>
+                                      </p:cBhvr>
+                                      <p:tavLst>
+                                        <p:tav tm="0">
+                                          <p:val>
+                                            <p:strVal val="#ppt_x"/>
+                                          </p:val>
+                                        </p:tav>
+                                        <p:tav tm="100000">
+                                          <p:val>
+                                            <p:strVal val="#ppt_x"/>
+                                          </p:val>
+                                        </p:tav>
+                                      </p:tavLst>
+                                    </p:anim>
+                                    <p:anim calcmode="lin" valueType="num">
+                                      <p:cBhvr additive="base">
+                                        <p:cTn id="25" dur="500" fill="hold"/>
+                                        <p:tgtEl>
+                                          <p:spTgt spid="12"/>
+                                        </p:tgtEl>
+                                        <p:attrNameLst>
+                                          <p:attrName>ppt_y</p:attrName>
+                                        </p:attrNameLst>
+                                      </p:cBhvr>
+                                      <p:tavLst>
+                                        <p:tav tm="0">
+                                          <p:val>
+                                            <p:strVal val="1+#ppt_h/2"/>
+                                          </p:val>
+                                        </p:tav>
+                                        <p:tav tm="100000">
+                                          <p:val>
+                                            <p:strVal val="#ppt_y"/>
+                                          </p:val>
+                                        </p:tav>
+                                      </p:tavLst>
+                                    </p:anim>
+                                  </p:childTnLst>
+                                </p:cTn>
+                              </p:par>
+                            </p:childTnLst>
+                          </p:cTn>
+                        </p:par>
+                      </p:childTnLst>
+                    </p:cTn>
+                  </p:par>
+                </p:childTnLst>
+              </p:cTn>
+              <p:nextCondLst>
+                <p:cond evt="onClick" delay="0">
+                  <p:tgtEl>
+                    <p:spTgt spid="15"/>
+                  </p:tgtEl>
+                </p:cond>
+              </p:nextCondLst>
+            </p:seq>
+          </p:childTnLst>
+        </p:cTn>
+      </p:par>
+    </p:tnLst>
+    <p:bldLst>
+      <p:bldP spid="12" grpId="0" animBg="1"/>
+      <p:bldP spid="13" grpId="0" animBg="1"/>
+      <p:bldP spid="11" grpId="0" animBg="1"/>
+      <p:bldP spid="16" grpId="0" animBg="1"/>
+    </p:bldLst>
+  </p:timing>
+</p:sld>
+</file>
+
+<file path=ppt/slides/slide14.xml><?xml version="1.0" encoding="utf-8"?>
+<p:sld xmlns:a="http://schemas.openxmlformats.org/drawingml/2006/main" xmlns:r="http://schemas.openxmlformats.org/officeDocument/2006/relationships" xmlns:p="http://schemas.openxmlformats.org/presentationml/2006/main">
+  <p:cSld>
+    <p:spTree>
+      <p:nvGrpSpPr>
+        <p:cNvPr id="1" name=""/>
+        <p:cNvGrpSpPr/>
+        <p:nvPr/>
+      </p:nvGrpSpPr>
+      <p:grpSpPr>
+        <a:xfrm>
+          <a:off x="0" y="0"/>
+          <a:ext cx="0" cy="0"/>
+          <a:chOff x="0" y="0"/>
+          <a:chExt cx="0" cy="0"/>
+        </a:xfrm>
+      </p:grpSpPr>
+      <p:sp>
+        <p:nvSpPr>
+          <p:cNvPr id="3" name="Объект 2"/>
+          <p:cNvSpPr>
+            <a:spLocks noGrp="1"/>
+          </p:cNvSpPr>
+          <p:nvPr>
+            <p:ph idx="1"/>
+          </p:nvPr>
+        </p:nvSpPr>
+        <p:spPr>
+          <a:xfrm>
+            <a:off x="838200" y="1723292"/>
+            <a:ext cx="10873154" cy="4453671"/>
+          </a:xfrm>
+        </p:spPr>
+        <p:txBody>
+          <a:bodyPr/>
+          <a:lstStyle/>
+          <a:p>
+            <a:r>
+              <a:rPr lang="ru-RU" dirty="0"/>
+              <a:t>Какой запрос используется для </a:t>
+            </a:r>
+            <a:r>
+              <a:rPr lang="ru-RU" dirty="0" smtClean="0"/>
+              <a:t>используются</a:t>
+            </a:r>
+            <a:r>
+              <a:rPr lang="ru-RU" dirty="0"/>
+              <a:t> для отправки новых данных </a:t>
+            </a:r>
+            <a:r>
+              <a:rPr lang="ru-RU" dirty="0" smtClean="0"/>
+              <a:t>API</a:t>
+            </a:r>
+            <a:r>
+              <a:rPr lang="ru-RU" dirty="0"/>
+              <a:t>?</a:t>
+            </a:r>
+            <a:endParaRPr lang="ru-RU" dirty="0"/>
+          </a:p>
+        </p:txBody>
+      </p:sp>
+      <p:sp>
+        <p:nvSpPr>
+          <p:cNvPr id="4" name="Заголовок 3"/>
+          <p:cNvSpPr>
+            <a:spLocks noGrp="1"/>
+          </p:cNvSpPr>
+          <p:nvPr>
+            <p:ph type="title"/>
+          </p:nvPr>
+        </p:nvSpPr>
+        <p:spPr>
+          <a:xfrm>
+            <a:off x="838200" y="317175"/>
+            <a:ext cx="10515600" cy="1325563"/>
+          </a:xfrm>
+        </p:spPr>
+        <p:txBody>
+          <a:bodyPr/>
+          <a:lstStyle/>
+          <a:p>
+            <a:r>
+              <a:rPr lang="ru-RU" b="1" dirty="0" smtClean="0"/>
+              <a:t>Вопрос 4.</a:t>
+            </a:r>
+            <a:endParaRPr lang="ru-RU" b="1" dirty="0"/>
+          </a:p>
+        </p:txBody>
+      </p:sp>
+      <p:sp>
+        <p:nvSpPr>
+          <p:cNvPr id="8" name="TextBox 7"/>
+          <p:cNvSpPr txBox="1"/>
+          <p:nvPr/>
+        </p:nvSpPr>
+        <p:spPr>
+          <a:xfrm>
+            <a:off x="1005938" y="2759145"/>
+            <a:ext cx="798538" cy="523220"/>
+          </a:xfrm>
+          <a:prstGeom prst="rect">
+            <a:avLst/>
+          </a:prstGeom>
+          <a:noFill/>
+        </p:spPr>
+        <p:txBody>
+          <a:bodyPr wrap="square" rtlCol="0">
+            <a:spAutoFit/>
+          </a:bodyPr>
+          <a:lstStyle/>
+          <a:p>
+            <a:r>
+              <a:rPr lang="ru-RU" sz="2800" dirty="0" smtClean="0"/>
+              <a:t>1.</a:t>
+            </a:r>
+            <a:endParaRPr lang="ru-RU" sz="2800" dirty="0"/>
+          </a:p>
+        </p:txBody>
+      </p:sp>
+      <p:sp>
+        <p:nvSpPr>
+          <p:cNvPr id="9" name="TextBox 8"/>
+          <p:cNvSpPr txBox="1"/>
+          <p:nvPr/>
+        </p:nvSpPr>
+        <p:spPr>
+          <a:xfrm>
+            <a:off x="4244438" y="2785413"/>
+            <a:ext cx="798538" cy="523220"/>
+          </a:xfrm>
+          <a:prstGeom prst="rect">
+            <a:avLst/>
+          </a:prstGeom>
+          <a:noFill/>
+        </p:spPr>
+        <p:txBody>
+          <a:bodyPr wrap="square" rtlCol="0">
+            <a:spAutoFit/>
+          </a:bodyPr>
+          <a:lstStyle/>
+          <a:p>
+            <a:r>
+              <a:rPr lang="ru-RU" sz="2800" dirty="0"/>
+              <a:t>2</a:t>
+            </a:r>
+            <a:r>
+              <a:rPr lang="ru-RU" sz="2800" dirty="0" smtClean="0"/>
+              <a:t>.</a:t>
+            </a:r>
+            <a:endParaRPr lang="ru-RU" sz="2800" dirty="0"/>
+          </a:p>
+        </p:txBody>
+      </p:sp>
+      <p:sp>
+        <p:nvSpPr>
+          <p:cNvPr id="10" name="TextBox 9"/>
+          <p:cNvSpPr txBox="1"/>
+          <p:nvPr/>
+        </p:nvSpPr>
+        <p:spPr>
+          <a:xfrm>
+            <a:off x="7600169" y="2785413"/>
+            <a:ext cx="798538" cy="523220"/>
+          </a:xfrm>
+          <a:prstGeom prst="rect">
+            <a:avLst/>
+          </a:prstGeom>
+          <a:noFill/>
+        </p:spPr>
+        <p:txBody>
+          <a:bodyPr wrap="square" rtlCol="0">
+            <a:spAutoFit/>
+          </a:bodyPr>
+          <a:lstStyle/>
+          <a:p>
+            <a:r>
+              <a:rPr lang="ru-RU" sz="2800" dirty="0"/>
+              <a:t>3</a:t>
+            </a:r>
+            <a:r>
+              <a:rPr lang="ru-RU" sz="2800" dirty="0" smtClean="0"/>
+              <a:t>.</a:t>
+            </a:r>
+            <a:endParaRPr lang="ru-RU" sz="2800" dirty="0"/>
+          </a:p>
+        </p:txBody>
+      </p:sp>
+      <p:sp>
+        <p:nvSpPr>
+          <p:cNvPr id="12" name="Прямоугольник 11"/>
+          <p:cNvSpPr/>
+          <p:nvPr/>
+        </p:nvSpPr>
+        <p:spPr>
+          <a:xfrm>
+            <a:off x="3450871" y="567200"/>
+            <a:ext cx="3534508" cy="738554"/>
+          </a:xfrm>
+          <a:prstGeom prst="rect">
+            <a:avLst/>
+          </a:prstGeom>
+          <a:solidFill>
+            <a:srgbClr val="FF0000"/>
+          </a:solidFill>
+        </p:spPr>
+        <p:style>
+          <a:lnRef idx="2">
+            <a:schemeClr val="accent1">
+              <a:shade val="50000"/>
+            </a:schemeClr>
+          </a:lnRef>
+          <a:fillRef idx="1">
+            <a:schemeClr val="accent1"/>
+          </a:fillRef>
+          <a:effectRef idx="0">
+            <a:schemeClr val="accent1"/>
+          </a:effectRef>
+          <a:fontRef idx="minor">
+            <a:schemeClr val="lt1"/>
+          </a:fontRef>
+        </p:style>
+        <p:txBody>
+          <a:bodyPr rtlCol="0" anchor="ctr"/>
+          <a:lstStyle/>
+          <a:p>
+            <a:pPr algn="ctr"/>
+            <a:r>
+              <a:rPr lang="ru-RU" dirty="0" smtClean="0"/>
+              <a:t>Не правильно</a:t>
+            </a:r>
+            <a:endParaRPr lang="ru-RU" dirty="0"/>
+          </a:p>
+        </p:txBody>
+      </p:sp>
+      <p:sp>
+        <p:nvSpPr>
+          <p:cNvPr id="13" name="Прямоугольник 12"/>
+          <p:cNvSpPr/>
+          <p:nvPr/>
+        </p:nvSpPr>
+        <p:spPr>
+          <a:xfrm>
+            <a:off x="3450871" y="580900"/>
+            <a:ext cx="3534508" cy="738554"/>
+          </a:xfrm>
+          <a:prstGeom prst="rect">
+            <a:avLst/>
+          </a:prstGeom>
+          <a:solidFill>
+            <a:srgbClr val="FF0000"/>
+          </a:solidFill>
+        </p:spPr>
+        <p:style>
+          <a:lnRef idx="2">
+            <a:schemeClr val="accent1">
+              <a:shade val="50000"/>
+            </a:schemeClr>
+          </a:lnRef>
+          <a:fillRef idx="1">
+            <a:schemeClr val="accent1"/>
+          </a:fillRef>
+          <a:effectRef idx="0">
+            <a:schemeClr val="accent1"/>
+          </a:effectRef>
+          <a:fontRef idx="minor">
+            <a:schemeClr val="lt1"/>
+          </a:fontRef>
+        </p:style>
+        <p:txBody>
+          <a:bodyPr rtlCol="0" anchor="ctr"/>
+          <a:lstStyle/>
+          <a:p>
+            <a:pPr algn="ctr"/>
+            <a:r>
+              <a:rPr lang="ru-RU" dirty="0" smtClean="0"/>
+              <a:t>Не правильно</a:t>
+            </a:r>
+            <a:endParaRPr lang="ru-RU" dirty="0"/>
+          </a:p>
+        </p:txBody>
+      </p:sp>
+      <p:sp>
+        <p:nvSpPr>
+          <p:cNvPr id="11" name="Прямоугольник 10"/>
+          <p:cNvSpPr/>
+          <p:nvPr/>
+        </p:nvSpPr>
+        <p:spPr>
+          <a:xfrm>
+            <a:off x="3450871" y="580900"/>
+            <a:ext cx="3534508" cy="738554"/>
+          </a:xfrm>
+          <a:prstGeom prst="rect">
+            <a:avLst/>
+          </a:prstGeom>
+          <a:solidFill>
+            <a:srgbClr val="00B050"/>
+          </a:solidFill>
+        </p:spPr>
+        <p:style>
+          <a:lnRef idx="2">
+            <a:schemeClr val="accent1">
+              <a:shade val="50000"/>
+            </a:schemeClr>
+          </a:lnRef>
+          <a:fillRef idx="1">
+            <a:schemeClr val="accent1"/>
+          </a:fillRef>
+          <a:effectRef idx="0">
+            <a:schemeClr val="accent1"/>
+          </a:effectRef>
+          <a:fontRef idx="minor">
+            <a:schemeClr val="lt1"/>
+          </a:fontRef>
+        </p:style>
+        <p:txBody>
+          <a:bodyPr rtlCol="0" anchor="ctr"/>
+          <a:lstStyle/>
+          <a:p>
+            <a:pPr algn="ctr"/>
+            <a:r>
+              <a:rPr lang="ru-RU" dirty="0" smtClean="0"/>
+              <a:t>Правильно</a:t>
+            </a:r>
+            <a:endParaRPr lang="ru-RU" dirty="0"/>
+          </a:p>
+        </p:txBody>
+      </p:sp>
+      <p:sp>
+        <p:nvSpPr>
+          <p:cNvPr id="2" name="TextBox 1"/>
+          <p:cNvSpPr txBox="1"/>
+          <p:nvPr/>
+        </p:nvSpPr>
+        <p:spPr>
+          <a:xfrm>
+            <a:off x="7999438" y="3280872"/>
+            <a:ext cx="2444933" cy="923330"/>
+          </a:xfrm>
+          <a:prstGeom prst="rect">
+            <a:avLst/>
+          </a:prstGeom>
+          <a:noFill/>
+        </p:spPr>
+        <p:txBody>
+          <a:bodyPr wrap="square" rtlCol="0">
+            <a:spAutoFit/>
+          </a:bodyPr>
+          <a:lstStyle/>
+          <a:p>
+            <a:r>
+              <a:rPr lang="en-US" sz="5400" b="1" dirty="0" smtClean="0"/>
+              <a:t>POST</a:t>
+            </a:r>
+            <a:endParaRPr lang="ru-RU" sz="5400" b="1" dirty="0"/>
+          </a:p>
+        </p:txBody>
+      </p:sp>
+      <p:sp>
+        <p:nvSpPr>
+          <p:cNvPr id="14" name="TextBox 13"/>
+          <p:cNvSpPr txBox="1"/>
+          <p:nvPr/>
+        </p:nvSpPr>
+        <p:spPr>
+          <a:xfrm>
+            <a:off x="1512619" y="3280872"/>
+            <a:ext cx="2057400" cy="923330"/>
+          </a:xfrm>
+          <a:prstGeom prst="rect">
+            <a:avLst/>
+          </a:prstGeom>
+          <a:noFill/>
+        </p:spPr>
+        <p:txBody>
+          <a:bodyPr wrap="square" rtlCol="0">
+            <a:spAutoFit/>
+          </a:bodyPr>
+          <a:lstStyle/>
+          <a:p>
+            <a:r>
+              <a:rPr lang="en-US" sz="5400" b="1" dirty="0" smtClean="0"/>
+              <a:t>GET</a:t>
+            </a:r>
+            <a:endParaRPr lang="ru-RU" sz="5400" b="1" dirty="0"/>
+          </a:p>
+        </p:txBody>
+      </p:sp>
+      <p:sp>
+        <p:nvSpPr>
+          <p:cNvPr id="15" name="TextBox 14"/>
+          <p:cNvSpPr txBox="1"/>
+          <p:nvPr/>
+        </p:nvSpPr>
+        <p:spPr>
+          <a:xfrm>
+            <a:off x="4444634" y="3280872"/>
+            <a:ext cx="2680189" cy="923330"/>
+          </a:xfrm>
+          <a:prstGeom prst="rect">
+            <a:avLst/>
+          </a:prstGeom>
+          <a:noFill/>
+        </p:spPr>
+        <p:txBody>
+          <a:bodyPr wrap="square" rtlCol="0">
+            <a:spAutoFit/>
+          </a:bodyPr>
+          <a:lstStyle/>
+          <a:p>
+            <a:r>
+              <a:rPr lang="en-US" sz="5400" b="1" dirty="0" smtClean="0"/>
+              <a:t>DELETE</a:t>
+            </a:r>
+            <a:endParaRPr lang="ru-RU" sz="5400" b="1" dirty="0"/>
+          </a:p>
+        </p:txBody>
+      </p:sp>
+      <p:sp>
+        <p:nvSpPr>
+          <p:cNvPr id="16" name="Стрелка: влево 3">
+            <a:hlinkClick r:id="rId2" action="ppaction://hlinksldjump"/>
+            <a:extLst>
+              <a:ext uri="{FF2B5EF4-FFF2-40B4-BE49-F238E27FC236}">
+                <a16:creationId xmlns:a16="http://schemas.microsoft.com/office/drawing/2014/main" id="{78436E58-2867-4B0B-89D1-643D50525DEA}"/>
+              </a:ext>
+            </a:extLst>
+          </p:cNvPr>
+          <p:cNvSpPr/>
+          <p:nvPr/>
+        </p:nvSpPr>
+        <p:spPr>
+          <a:xfrm rot="10800000">
+            <a:off x="11177609" y="5999400"/>
+            <a:ext cx="1008529" cy="858600"/>
+          </a:xfrm>
+          <a:prstGeom prst="leftArrow">
+            <a:avLst/>
+          </a:prstGeom>
+        </p:spPr>
+        <p:style>
+          <a:lnRef idx="2">
+            <a:schemeClr val="dk1">
+              <a:shade val="50000"/>
+            </a:schemeClr>
+          </a:lnRef>
+          <a:fillRef idx="1">
+            <a:schemeClr val="dk1"/>
+          </a:fillRef>
+          <a:effectRef idx="0">
+            <a:schemeClr val="dk1"/>
+          </a:effectRef>
+          <a:fontRef idx="minor">
+            <a:schemeClr val="lt1"/>
+          </a:fontRef>
+        </p:style>
+        <p:txBody>
+          <a:bodyPr rtlCol="0" anchor="ctr"/>
+          <a:lstStyle/>
+          <a:p>
+            <a:pPr algn="ctr"/>
+            <a:endParaRPr lang="ru-RU" dirty="0"/>
+          </a:p>
+        </p:txBody>
+      </p:sp>
+    </p:spTree>
+    <p:extLst>
+      <p:ext uri="{BB962C8B-B14F-4D97-AF65-F5344CB8AC3E}">
+        <p14:creationId xmlns:p14="http://schemas.microsoft.com/office/powerpoint/2010/main" val="1522851557"/>
+      </p:ext>
+    </p:extLst>
+  </p:cSld>
+  <p:clrMapOvr>
+    <a:masterClrMapping/>
+  </p:clrMapOvr>
+  <p:timing>
+    <p:tnLst>
+      <p:par>
+        <p:cTn id="1" dur="indefinite" restart="never" nodeType="tmRoot">
+          <p:childTnLst>
+            <p:seq concurrent="1" nextAc="seek">
+              <p:cTn id="2" restart="whenNotActive" fill="hold" evtFilter="cancelBubble" nodeType="interactiveSeq">
+                <p:stCondLst>
+                  <p:cond evt="onClick" delay="0">
+                    <p:tgtEl>
+                      <p:spTgt spid="2"/>
+                    </p:tgtEl>
+                  </p:cond>
+                </p:stCondLst>
+                <p:endSync evt="end" delay="0">
+                  <p:rtn val="all"/>
+                </p:endSync>
+                <p:childTnLst>
+                  <p:par>
+                    <p:cTn id="3" fill="hold">
+                      <p:stCondLst>
+                        <p:cond delay="0"/>
+                      </p:stCondLst>
+                      <p:childTnLst>
+                        <p:par>
+                          <p:cTn id="4" fill="hold">
+                            <p:stCondLst>
+                              <p:cond delay="0"/>
+                            </p:stCondLst>
+                            <p:childTnLst>
+                              <p:par>
+                                <p:cTn id="5" presetID="2" presetClass="entr" presetSubtype="4" fill="hold" grpId="0" nodeType="clickEffect">
+                                  <p:stCondLst>
+                                    <p:cond delay="0"/>
+                                  </p:stCondLst>
+                                  <p:childTnLst>
+                                    <p:set>
+                                      <p:cBhvr>
+                                        <p:cTn id="6" dur="1" fill="hold">
+                                          <p:stCondLst>
+                                            <p:cond delay="0"/>
+                                          </p:stCondLst>
+                                        </p:cTn>
+                                        <p:tgtEl>
+                                          <p:spTgt spid="11"/>
+                                        </p:tgtEl>
+                                        <p:attrNameLst>
+                                          <p:attrName>style.visibility</p:attrName>
+                                        </p:attrNameLst>
+                                      </p:cBhvr>
+                                      <p:to>
+                                        <p:strVal val="visible"/>
+                                      </p:to>
+                                    </p:set>
+                                    <p:anim calcmode="lin" valueType="num">
+                                      <p:cBhvr additive="base">
+                                        <p:cTn id="7" dur="500" fill="hold"/>
+                                        <p:tgtEl>
+                                          <p:spTgt spid="11"/>
+                                        </p:tgtEl>
+                                        <p:attrNameLst>
+                                          <p:attrName>ppt_x</p:attrName>
+                                        </p:attrNameLst>
+                                      </p:cBhvr>
+                                      <p:tavLst>
+                                        <p:tav tm="0">
+                                          <p:val>
+                                            <p:strVal val="#ppt_x"/>
+                                          </p:val>
+                                        </p:tav>
+                                        <p:tav tm="100000">
+                                          <p:val>
+                                            <p:strVal val="#ppt_x"/>
+                                          </p:val>
+                                        </p:tav>
+                                      </p:tavLst>
+                                    </p:anim>
+                                    <p:anim calcmode="lin" valueType="num">
+                                      <p:cBhvr additive="base">
+                                        <p:cTn id="8" dur="500" fill="hold"/>
+                                        <p:tgtEl>
+                                          <p:spTgt spid="11"/>
+                                        </p:tgtEl>
+                                        <p:attrNameLst>
+                                          <p:attrName>ppt_y</p:attrName>
+                                        </p:attrNameLst>
+                                      </p:cBhvr>
+                                      <p:tavLst>
+                                        <p:tav tm="0">
+                                          <p:val>
+                                            <p:strVal val="1+#ppt_h/2"/>
+                                          </p:val>
+                                        </p:tav>
+                                        <p:tav tm="100000">
+                                          <p:val>
+                                            <p:strVal val="#ppt_y"/>
+                                          </p:val>
+                                        </p:tav>
+                                      </p:tavLst>
+                                    </p:anim>
+                                  </p:childTnLst>
+                                </p:cTn>
+                              </p:par>
+                              <p:par>
+                                <p:cTn id="9" presetID="22" presetClass="entr" presetSubtype="4" fill="hold" grpId="0" nodeType="withEffect">
+                                  <p:stCondLst>
+                                    <p:cond delay="0"/>
+                                  </p:stCondLst>
+                                  <p:childTnLst>
+                                    <p:set>
+                                      <p:cBhvr>
+                                        <p:cTn id="10" dur="1" fill="hold">
+                                          <p:stCondLst>
+                                            <p:cond delay="0"/>
+                                          </p:stCondLst>
+                                        </p:cTn>
+                                        <p:tgtEl>
+                                          <p:spTgt spid="16"/>
+                                        </p:tgtEl>
+                                        <p:attrNameLst>
+                                          <p:attrName>style.visibility</p:attrName>
+                                        </p:attrNameLst>
+                                      </p:cBhvr>
+                                      <p:to>
+                                        <p:strVal val="visible"/>
+                                      </p:to>
+                                    </p:set>
+                                    <p:animEffect transition="in" filter="wipe(down)">
+                                      <p:cBhvr>
+                                        <p:cTn id="11" dur="500"/>
+                                        <p:tgtEl>
+                                          <p:spTgt spid="16"/>
+                                        </p:tgtEl>
+                                      </p:cBhvr>
+                                    </p:animEffect>
+                                  </p:childTnLst>
+                                </p:cTn>
+                              </p:par>
+                            </p:childTnLst>
+                          </p:cTn>
+                        </p:par>
+                      </p:childTnLst>
+                    </p:cTn>
+                  </p:par>
+                </p:childTnLst>
+              </p:cTn>
+              <p:nextCondLst>
+                <p:cond evt="onClick" delay="0">
+                  <p:tgtEl>
+                    <p:spTgt spid="2"/>
+                  </p:tgtEl>
+                </p:cond>
+              </p:nextCondLst>
+            </p:seq>
+            <p:seq concurrent="1" nextAc="seek">
+              <p:cTn id="12" restart="whenNotActive" fill="hold" evtFilter="cancelBubble" nodeType="interactiveSeq">
+                <p:stCondLst>
+                  <p:cond evt="onClick" delay="0">
+                    <p:tgtEl>
+                      <p:spTgt spid="14"/>
+                    </p:tgtEl>
+                  </p:cond>
+                </p:stCondLst>
+                <p:endSync evt="end" delay="0">
+                  <p:rtn val="all"/>
+                </p:endSync>
+                <p:childTnLst>
+                  <p:par>
+                    <p:cTn id="13" fill="hold">
+                      <p:stCondLst>
+                        <p:cond delay="0"/>
+                      </p:stCondLst>
+                      <p:childTnLst>
+                        <p:par>
+                          <p:cTn id="14" fill="hold">
+                            <p:stCondLst>
+                              <p:cond delay="0"/>
+                            </p:stCondLst>
+                            <p:childTnLst>
+                              <p:par>
+                                <p:cTn id="15" presetID="2" presetClass="entr" presetSubtype="4" fill="hold" grpId="0" nodeType="clickEffect">
+                                  <p:stCondLst>
+                                    <p:cond delay="0"/>
+                                  </p:stCondLst>
+                                  <p:childTnLst>
+                                    <p:set>
+                                      <p:cBhvr>
+                                        <p:cTn id="16" dur="1" fill="hold">
+                                          <p:stCondLst>
+                                            <p:cond delay="0"/>
+                                          </p:stCondLst>
+                                        </p:cTn>
+                                        <p:tgtEl>
+                                          <p:spTgt spid="13"/>
+                                        </p:tgtEl>
+                                        <p:attrNameLst>
+                                          <p:attrName>style.visibility</p:attrName>
+                                        </p:attrNameLst>
+                                      </p:cBhvr>
+                                      <p:to>
+                                        <p:strVal val="visible"/>
+                                      </p:to>
+                                    </p:set>
+                                    <p:anim calcmode="lin" valueType="num">
+                                      <p:cBhvr additive="base">
+                                        <p:cTn id="17" dur="500" fill="hold"/>
+                                        <p:tgtEl>
+                                          <p:spTgt spid="13"/>
+                                        </p:tgtEl>
+                                        <p:attrNameLst>
+                                          <p:attrName>ppt_x</p:attrName>
+                                        </p:attrNameLst>
+                                      </p:cBhvr>
+                                      <p:tavLst>
+                                        <p:tav tm="0">
+                                          <p:val>
+                                            <p:strVal val="#ppt_x"/>
+                                          </p:val>
+                                        </p:tav>
+                                        <p:tav tm="100000">
+                                          <p:val>
+                                            <p:strVal val="#ppt_x"/>
+                                          </p:val>
+                                        </p:tav>
+                                      </p:tavLst>
+                                    </p:anim>
+                                    <p:anim calcmode="lin" valueType="num">
+                                      <p:cBhvr additive="base">
+                                        <p:cTn id="18" dur="500" fill="hold"/>
+                                        <p:tgtEl>
+                                          <p:spTgt spid="13"/>
+                                        </p:tgtEl>
+                                        <p:attrNameLst>
+                                          <p:attrName>ppt_y</p:attrName>
+                                        </p:attrNameLst>
+                                      </p:cBhvr>
+                                      <p:tavLst>
+                                        <p:tav tm="0">
+                                          <p:val>
+                                            <p:strVal val="1+#ppt_h/2"/>
+                                          </p:val>
+                                        </p:tav>
+                                        <p:tav tm="100000">
+                                          <p:val>
+                                            <p:strVal val="#ppt_y"/>
+                                          </p:val>
+                                        </p:tav>
+                                      </p:tavLst>
+                                    </p:anim>
+                                  </p:childTnLst>
+                                </p:cTn>
+                              </p:par>
+                            </p:childTnLst>
+                          </p:cTn>
+                        </p:par>
+                      </p:childTnLst>
+                    </p:cTn>
+                  </p:par>
+                </p:childTnLst>
+              </p:cTn>
+              <p:nextCondLst>
+                <p:cond evt="onClick" delay="0">
+                  <p:tgtEl>
+                    <p:spTgt spid="14"/>
+                  </p:tgtEl>
+                </p:cond>
+              </p:nextCondLst>
+            </p:seq>
+            <p:seq concurrent="1" nextAc="seek">
+              <p:cTn id="19" restart="whenNotActive" fill="hold" evtFilter="cancelBubble" nodeType="interactiveSeq">
+                <p:stCondLst>
+                  <p:cond evt="onClick" delay="0">
+                    <p:tgtEl>
+                      <p:spTgt spid="15"/>
+                    </p:tgtEl>
+                  </p:cond>
+                </p:stCondLst>
+                <p:endSync evt="end" delay="0">
+                  <p:rtn val="all"/>
+                </p:endSync>
+                <p:childTnLst>
+                  <p:par>
+                    <p:cTn id="20" fill="hold">
+                      <p:stCondLst>
+                        <p:cond delay="0"/>
+                      </p:stCondLst>
+                      <p:childTnLst>
+                        <p:par>
+                          <p:cTn id="21" fill="hold">
+                            <p:stCondLst>
+                              <p:cond delay="0"/>
+                            </p:stCondLst>
+                            <p:childTnLst>
+                              <p:par>
+                                <p:cTn id="22" presetID="2" presetClass="entr" presetSubtype="4" fill="hold" grpId="0" nodeType="clickEffect">
+                                  <p:stCondLst>
+                                    <p:cond delay="0"/>
+                                  </p:stCondLst>
+                                  <p:childTnLst>
+                                    <p:set>
+                                      <p:cBhvr>
+                                        <p:cTn id="23" dur="1" fill="hold">
+                                          <p:stCondLst>
+                                            <p:cond delay="0"/>
+                                          </p:stCondLst>
+                                        </p:cTn>
+                                        <p:tgtEl>
+                                          <p:spTgt spid="12"/>
+                                        </p:tgtEl>
+                                        <p:attrNameLst>
+                                          <p:attrName>style.visibility</p:attrName>
+                                        </p:attrNameLst>
+                                      </p:cBhvr>
+                                      <p:to>
+                                        <p:strVal val="visible"/>
+                                      </p:to>
+                                    </p:set>
+                                    <p:anim calcmode="lin" valueType="num">
+                                      <p:cBhvr additive="base">
+                                        <p:cTn id="24" dur="500" fill="hold"/>
+                                        <p:tgtEl>
+                                          <p:spTgt spid="12"/>
+                                        </p:tgtEl>
+                                        <p:attrNameLst>
+                                          <p:attrName>ppt_x</p:attrName>
+                                        </p:attrNameLst>
+                                      </p:cBhvr>
+                                      <p:tavLst>
+                                        <p:tav tm="0">
+                                          <p:val>
+                                            <p:strVal val="#ppt_x"/>
+                                          </p:val>
+                                        </p:tav>
+                                        <p:tav tm="100000">
+                                          <p:val>
+                                            <p:strVal val="#ppt_x"/>
+                                          </p:val>
+                                        </p:tav>
+                                      </p:tavLst>
+                                    </p:anim>
+                                    <p:anim calcmode="lin" valueType="num">
+                                      <p:cBhvr additive="base">
+                                        <p:cTn id="25" dur="500" fill="hold"/>
+                                        <p:tgtEl>
+                                          <p:spTgt spid="12"/>
+                                        </p:tgtEl>
+                                        <p:attrNameLst>
+                                          <p:attrName>ppt_y</p:attrName>
+                                        </p:attrNameLst>
+                                      </p:cBhvr>
+                                      <p:tavLst>
+                                        <p:tav tm="0">
+                                          <p:val>
+                                            <p:strVal val="1+#ppt_h/2"/>
+                                          </p:val>
+                                        </p:tav>
+                                        <p:tav tm="100000">
+                                          <p:val>
+                                            <p:strVal val="#ppt_y"/>
+                                          </p:val>
+                                        </p:tav>
+                                      </p:tavLst>
+                                    </p:anim>
+                                  </p:childTnLst>
+                                </p:cTn>
+                              </p:par>
+                            </p:childTnLst>
+                          </p:cTn>
+                        </p:par>
+                      </p:childTnLst>
+                    </p:cTn>
+                  </p:par>
+                </p:childTnLst>
+              </p:cTn>
+              <p:nextCondLst>
+                <p:cond evt="onClick" delay="0">
+                  <p:tgtEl>
+                    <p:spTgt spid="15"/>
+                  </p:tgtEl>
+                </p:cond>
+              </p:nextCondLst>
+            </p:seq>
+          </p:childTnLst>
+        </p:cTn>
+      </p:par>
+    </p:tnLst>
+    <p:bldLst>
+      <p:bldP spid="12" grpId="0" animBg="1"/>
+      <p:bldP spid="13" grpId="0" animBg="1"/>
+      <p:bldP spid="11" grpId="0" animBg="1"/>
+      <p:bldP spid="16" grpId="0" animBg="1"/>
+    </p:bldLst>
+  </p:timing>
+</p:sld>
+</file>
+
+<file path=ppt/slides/slide15.xml><?xml version="1.0" encoding="utf-8"?>
+<p:sld xmlns:a="http://schemas.openxmlformats.org/drawingml/2006/main" xmlns:r="http://schemas.openxmlformats.org/officeDocument/2006/relationships" xmlns:p="http://schemas.openxmlformats.org/presentationml/2006/main">
+  <p:cSld>
+    <p:spTree>
+      <p:nvGrpSpPr>
+        <p:cNvPr id="1" name=""/>
+        <p:cNvGrpSpPr/>
+        <p:nvPr/>
+      </p:nvGrpSpPr>
+      <p:grpSpPr>
+        <a:xfrm>
+          <a:off x="0" y="0"/>
+          <a:ext cx="0" cy="0"/>
+          <a:chOff x="0" y="0"/>
+          <a:chExt cx="0" cy="0"/>
+        </a:xfrm>
+      </p:grpSpPr>
+      <p:sp>
+        <p:nvSpPr>
+          <p:cNvPr id="3" name="Объект 2"/>
+          <p:cNvSpPr>
+            <a:spLocks noGrp="1"/>
+          </p:cNvSpPr>
+          <p:nvPr>
+            <p:ph idx="1"/>
+          </p:nvPr>
+        </p:nvSpPr>
+        <p:spPr>
+          <a:xfrm>
+            <a:off x="838200" y="1723292"/>
+            <a:ext cx="10873154" cy="4453671"/>
+          </a:xfrm>
+        </p:spPr>
+        <p:txBody>
+          <a:bodyPr/>
+          <a:lstStyle/>
+          <a:p>
+            <a:pPr>
+              <a:buSzPts val="2800"/>
+            </a:pPr>
+            <a:r>
+              <a:rPr lang="ru-RU" dirty="0">
+                <a:solidFill>
+                  <a:srgbClr val="000000"/>
+                </a:solidFill>
+                <a:latin typeface="Calibri" panose="020F0502020204030204" pitchFamily="34" charset="0"/>
+              </a:rPr>
+              <a:t>Какой запрос используется для используются для получения данных от API?</a:t>
+            </a:r>
+            <a:endParaRPr lang="ru-RU" dirty="0"/>
+          </a:p>
+        </p:txBody>
+      </p:sp>
+      <p:sp>
+        <p:nvSpPr>
+          <p:cNvPr id="4" name="Заголовок 3"/>
+          <p:cNvSpPr>
+            <a:spLocks noGrp="1"/>
+          </p:cNvSpPr>
+          <p:nvPr>
+            <p:ph type="title"/>
+          </p:nvPr>
+        </p:nvSpPr>
+        <p:spPr>
+          <a:xfrm>
+            <a:off x="838200" y="317175"/>
+            <a:ext cx="10515600" cy="1325563"/>
+          </a:xfrm>
+        </p:spPr>
+        <p:txBody>
+          <a:bodyPr/>
+          <a:lstStyle/>
+          <a:p>
+            <a:r>
+              <a:rPr lang="ru-RU" b="1" dirty="0" smtClean="0"/>
+              <a:t>Вопрос </a:t>
+            </a:r>
+            <a:r>
+              <a:rPr lang="en-US" b="1" dirty="0"/>
+              <a:t>5</a:t>
+            </a:r>
+            <a:r>
+              <a:rPr lang="ru-RU" b="1" dirty="0" smtClean="0"/>
+              <a:t>.</a:t>
+            </a:r>
+            <a:endParaRPr lang="ru-RU" b="1" dirty="0"/>
+          </a:p>
+        </p:txBody>
+      </p:sp>
+      <p:sp>
+        <p:nvSpPr>
+          <p:cNvPr id="8" name="TextBox 7"/>
+          <p:cNvSpPr txBox="1"/>
+          <p:nvPr/>
+        </p:nvSpPr>
+        <p:spPr>
+          <a:xfrm>
+            <a:off x="1005938" y="2759145"/>
+            <a:ext cx="798538" cy="523220"/>
+          </a:xfrm>
+          <a:prstGeom prst="rect">
+            <a:avLst/>
+          </a:prstGeom>
+          <a:noFill/>
+        </p:spPr>
+        <p:txBody>
+          <a:bodyPr wrap="square" rtlCol="0">
+            <a:spAutoFit/>
+          </a:bodyPr>
+          <a:lstStyle/>
+          <a:p>
+            <a:r>
+              <a:rPr lang="ru-RU" sz="2800" dirty="0" smtClean="0"/>
+              <a:t>1.</a:t>
+            </a:r>
+            <a:endParaRPr lang="ru-RU" sz="2800" dirty="0"/>
+          </a:p>
+        </p:txBody>
+      </p:sp>
+      <p:sp>
+        <p:nvSpPr>
+          <p:cNvPr id="9" name="TextBox 8"/>
+          <p:cNvSpPr txBox="1"/>
+          <p:nvPr/>
+        </p:nvSpPr>
+        <p:spPr>
+          <a:xfrm>
+            <a:off x="4244438" y="2785413"/>
+            <a:ext cx="798538" cy="523220"/>
+          </a:xfrm>
+          <a:prstGeom prst="rect">
+            <a:avLst/>
+          </a:prstGeom>
+          <a:noFill/>
+        </p:spPr>
+        <p:txBody>
+          <a:bodyPr wrap="square" rtlCol="0">
+            <a:spAutoFit/>
+          </a:bodyPr>
+          <a:lstStyle/>
+          <a:p>
+            <a:r>
+              <a:rPr lang="ru-RU" sz="2800" dirty="0"/>
+              <a:t>2</a:t>
+            </a:r>
+            <a:r>
+              <a:rPr lang="ru-RU" sz="2800" dirty="0" smtClean="0"/>
+              <a:t>.</a:t>
+            </a:r>
+            <a:endParaRPr lang="ru-RU" sz="2800" dirty="0"/>
+          </a:p>
+        </p:txBody>
+      </p:sp>
+      <p:sp>
+        <p:nvSpPr>
+          <p:cNvPr id="10" name="TextBox 9"/>
+          <p:cNvSpPr txBox="1"/>
+          <p:nvPr/>
+        </p:nvSpPr>
+        <p:spPr>
+          <a:xfrm>
+            <a:off x="7600169" y="2785413"/>
+            <a:ext cx="798538" cy="523220"/>
+          </a:xfrm>
+          <a:prstGeom prst="rect">
+            <a:avLst/>
+          </a:prstGeom>
+          <a:noFill/>
+        </p:spPr>
+        <p:txBody>
+          <a:bodyPr wrap="square" rtlCol="0">
+            <a:spAutoFit/>
+          </a:bodyPr>
+          <a:lstStyle/>
+          <a:p>
+            <a:r>
+              <a:rPr lang="ru-RU" sz="2800" dirty="0"/>
+              <a:t>3</a:t>
+            </a:r>
+            <a:r>
+              <a:rPr lang="ru-RU" sz="2800" dirty="0" smtClean="0"/>
+              <a:t>.</a:t>
+            </a:r>
+            <a:endParaRPr lang="ru-RU" sz="2800" dirty="0"/>
+          </a:p>
+        </p:txBody>
+      </p:sp>
+      <p:sp>
+        <p:nvSpPr>
+          <p:cNvPr id="12" name="Прямоугольник 11"/>
+          <p:cNvSpPr/>
+          <p:nvPr/>
+        </p:nvSpPr>
+        <p:spPr>
+          <a:xfrm>
+            <a:off x="3450871" y="567200"/>
+            <a:ext cx="3534508" cy="738554"/>
+          </a:xfrm>
+          <a:prstGeom prst="rect">
+            <a:avLst/>
+          </a:prstGeom>
+          <a:solidFill>
+            <a:srgbClr val="FF0000"/>
+          </a:solidFill>
+        </p:spPr>
+        <p:style>
+          <a:lnRef idx="2">
+            <a:schemeClr val="accent1">
+              <a:shade val="50000"/>
+            </a:schemeClr>
+          </a:lnRef>
+          <a:fillRef idx="1">
+            <a:schemeClr val="accent1"/>
+          </a:fillRef>
+          <a:effectRef idx="0">
+            <a:schemeClr val="accent1"/>
+          </a:effectRef>
+          <a:fontRef idx="minor">
+            <a:schemeClr val="lt1"/>
+          </a:fontRef>
+        </p:style>
+        <p:txBody>
+          <a:bodyPr rtlCol="0" anchor="ctr"/>
+          <a:lstStyle/>
+          <a:p>
+            <a:pPr algn="ctr"/>
+            <a:r>
+              <a:rPr lang="ru-RU" dirty="0" smtClean="0"/>
+              <a:t>Не правильно</a:t>
+            </a:r>
+            <a:endParaRPr lang="ru-RU" dirty="0"/>
+          </a:p>
+        </p:txBody>
+      </p:sp>
+      <p:sp>
+        <p:nvSpPr>
+          <p:cNvPr id="13" name="Прямоугольник 12"/>
+          <p:cNvSpPr/>
+          <p:nvPr/>
+        </p:nvSpPr>
+        <p:spPr>
+          <a:xfrm>
+            <a:off x="3450871" y="574479"/>
+            <a:ext cx="3534508" cy="738554"/>
+          </a:xfrm>
+          <a:prstGeom prst="rect">
+            <a:avLst/>
+          </a:prstGeom>
+          <a:solidFill>
+            <a:srgbClr val="FF0000"/>
+          </a:solidFill>
+        </p:spPr>
+        <p:style>
+          <a:lnRef idx="2">
+            <a:schemeClr val="accent1">
+              <a:shade val="50000"/>
+            </a:schemeClr>
+          </a:lnRef>
+          <a:fillRef idx="1">
+            <a:schemeClr val="accent1"/>
+          </a:fillRef>
+          <a:effectRef idx="0">
+            <a:schemeClr val="accent1"/>
+          </a:effectRef>
+          <a:fontRef idx="minor">
+            <a:schemeClr val="lt1"/>
+          </a:fontRef>
+        </p:style>
+        <p:txBody>
+          <a:bodyPr rtlCol="0" anchor="ctr"/>
+          <a:lstStyle/>
+          <a:p>
+            <a:pPr algn="ctr"/>
+            <a:r>
+              <a:rPr lang="ru-RU" dirty="0" smtClean="0"/>
+              <a:t>Не правильно</a:t>
+            </a:r>
+            <a:endParaRPr lang="ru-RU" dirty="0"/>
+          </a:p>
+        </p:txBody>
+      </p:sp>
+      <p:sp>
+        <p:nvSpPr>
+          <p:cNvPr id="11" name="Прямоугольник 10"/>
+          <p:cNvSpPr/>
+          <p:nvPr/>
+        </p:nvSpPr>
+        <p:spPr>
+          <a:xfrm>
+            <a:off x="3450871" y="567200"/>
+            <a:ext cx="3534508" cy="738554"/>
+          </a:xfrm>
+          <a:prstGeom prst="rect">
+            <a:avLst/>
+          </a:prstGeom>
+          <a:solidFill>
+            <a:srgbClr val="00B050"/>
+          </a:solidFill>
+        </p:spPr>
+        <p:style>
+          <a:lnRef idx="2">
+            <a:schemeClr val="accent1">
+              <a:shade val="50000"/>
+            </a:schemeClr>
+          </a:lnRef>
+          <a:fillRef idx="1">
+            <a:schemeClr val="accent1"/>
+          </a:fillRef>
+          <a:effectRef idx="0">
+            <a:schemeClr val="accent1"/>
+          </a:effectRef>
+          <a:fontRef idx="minor">
+            <a:schemeClr val="lt1"/>
+          </a:fontRef>
+        </p:style>
+        <p:txBody>
+          <a:bodyPr rtlCol="0" anchor="ctr"/>
+          <a:lstStyle/>
+          <a:p>
+            <a:pPr algn="ctr"/>
+            <a:r>
+              <a:rPr lang="ru-RU" dirty="0" smtClean="0"/>
+              <a:t>Правильно</a:t>
+            </a:r>
+            <a:endParaRPr lang="ru-RU" dirty="0"/>
+          </a:p>
+        </p:txBody>
+      </p:sp>
+      <p:sp>
+        <p:nvSpPr>
+          <p:cNvPr id="2" name="TextBox 1"/>
+          <p:cNvSpPr txBox="1"/>
+          <p:nvPr/>
+        </p:nvSpPr>
+        <p:spPr>
+          <a:xfrm>
+            <a:off x="1281322" y="3262630"/>
+            <a:ext cx="2444933" cy="923330"/>
+          </a:xfrm>
+          <a:prstGeom prst="rect">
+            <a:avLst/>
+          </a:prstGeom>
+          <a:noFill/>
+        </p:spPr>
+        <p:txBody>
+          <a:bodyPr wrap="square" rtlCol="0">
+            <a:spAutoFit/>
+          </a:bodyPr>
+          <a:lstStyle/>
+          <a:p>
+            <a:r>
+              <a:rPr lang="en-US" sz="5400" b="1" dirty="0" smtClean="0"/>
+              <a:t>PUT</a:t>
+            </a:r>
+            <a:endParaRPr lang="ru-RU" sz="5400" b="1" dirty="0"/>
+          </a:p>
+        </p:txBody>
+      </p:sp>
+      <p:sp>
+        <p:nvSpPr>
+          <p:cNvPr id="14" name="TextBox 13"/>
+          <p:cNvSpPr txBox="1"/>
+          <p:nvPr/>
+        </p:nvSpPr>
+        <p:spPr>
+          <a:xfrm>
+            <a:off x="4807536" y="3282365"/>
+            <a:ext cx="2057400" cy="923330"/>
+          </a:xfrm>
+          <a:prstGeom prst="rect">
+            <a:avLst/>
+          </a:prstGeom>
+          <a:noFill/>
+        </p:spPr>
+        <p:txBody>
+          <a:bodyPr wrap="square" rtlCol="0">
+            <a:spAutoFit/>
+          </a:bodyPr>
+          <a:lstStyle/>
+          <a:p>
+            <a:r>
+              <a:rPr lang="en-US" sz="5400" b="1" dirty="0" smtClean="0"/>
+              <a:t>GET</a:t>
+            </a:r>
+            <a:endParaRPr lang="ru-RU" sz="5400" b="1" dirty="0"/>
+          </a:p>
+        </p:txBody>
+      </p:sp>
+      <p:sp>
+        <p:nvSpPr>
+          <p:cNvPr id="15" name="TextBox 14"/>
+          <p:cNvSpPr txBox="1"/>
+          <p:nvPr/>
+        </p:nvSpPr>
+        <p:spPr>
+          <a:xfrm>
+            <a:off x="8082034" y="3280872"/>
+            <a:ext cx="2680189" cy="923330"/>
+          </a:xfrm>
+          <a:prstGeom prst="rect">
+            <a:avLst/>
+          </a:prstGeom>
+          <a:noFill/>
+        </p:spPr>
+        <p:txBody>
+          <a:bodyPr wrap="square" rtlCol="0">
+            <a:spAutoFit/>
+          </a:bodyPr>
+          <a:lstStyle/>
+          <a:p>
+            <a:r>
+              <a:rPr lang="en-US" sz="5400" b="1" dirty="0" smtClean="0"/>
+              <a:t>DELETE</a:t>
+            </a:r>
+            <a:endParaRPr lang="ru-RU" sz="5400" b="1" dirty="0"/>
+          </a:p>
+        </p:txBody>
+      </p:sp>
+      <p:sp>
+        <p:nvSpPr>
+          <p:cNvPr id="16" name="Стрелка: влево 3">
+            <a:extLst>
+              <a:ext uri="{FF2B5EF4-FFF2-40B4-BE49-F238E27FC236}">
+                <a16:creationId xmlns:a16="http://schemas.microsoft.com/office/drawing/2014/main" id="{78436E58-2867-4B0B-89D1-643D50525DEA}"/>
+              </a:ext>
+            </a:extLst>
+          </p:cNvPr>
+          <p:cNvSpPr/>
+          <p:nvPr/>
+        </p:nvSpPr>
+        <p:spPr>
+          <a:xfrm rot="10800000">
+            <a:off x="11177609" y="5999400"/>
+            <a:ext cx="1008529" cy="858600"/>
+          </a:xfrm>
+          <a:prstGeom prst="leftArrow">
+            <a:avLst/>
+          </a:prstGeom>
+        </p:spPr>
+        <p:style>
+          <a:lnRef idx="2">
+            <a:schemeClr val="dk1">
+              <a:shade val="50000"/>
+            </a:schemeClr>
+          </a:lnRef>
+          <a:fillRef idx="1">
+            <a:schemeClr val="dk1"/>
+          </a:fillRef>
+          <a:effectRef idx="0">
+            <a:schemeClr val="dk1"/>
+          </a:effectRef>
+          <a:fontRef idx="minor">
+            <a:schemeClr val="lt1"/>
+          </a:fontRef>
+        </p:style>
+        <p:txBody>
+          <a:bodyPr rtlCol="0" anchor="ctr"/>
+          <a:lstStyle/>
+          <a:p>
+            <a:pPr algn="ctr"/>
+            <a:endParaRPr lang="ru-RU" dirty="0"/>
+          </a:p>
+        </p:txBody>
+      </p:sp>
+    </p:spTree>
+    <p:extLst>
+      <p:ext uri="{BB962C8B-B14F-4D97-AF65-F5344CB8AC3E}">
+        <p14:creationId xmlns:p14="http://schemas.microsoft.com/office/powerpoint/2010/main" val="4084945357"/>
+      </p:ext>
+    </p:extLst>
+  </p:cSld>
+  <p:clrMapOvr>
+    <a:masterClrMapping/>
+  </p:clrMapOvr>
+  <p:timing>
+    <p:tnLst>
+      <p:par>
+        <p:cTn id="1" dur="indefinite" restart="never" nodeType="tmRoot">
+          <p:childTnLst>
+            <p:seq concurrent="1" nextAc="seek">
+              <p:cTn id="2" restart="whenNotActive" fill="hold" evtFilter="cancelBubble" nodeType="interactiveSeq">
+                <p:stCondLst>
+                  <p:cond evt="onClick" delay="0">
+                    <p:tgtEl>
+                      <p:spTgt spid="2"/>
+                    </p:tgtEl>
+                  </p:cond>
+                </p:stCondLst>
+                <p:endSync evt="end" delay="0">
+                  <p:rtn val="all"/>
+                </p:endSync>
+                <p:childTnLst>
+                  <p:par>
+                    <p:cTn id="3" fill="hold">
+                      <p:stCondLst>
+                        <p:cond delay="0"/>
+                      </p:stCondLst>
+                      <p:childTnLst>
+                        <p:par>
+                          <p:cTn id="4" fill="hold">
+                            <p:stCondLst>
+                              <p:cond delay="0"/>
+                            </p:stCondLst>
+                            <p:childTnLst>
+                              <p:par>
+                                <p:cTn id="5" presetID="2" presetClass="entr" presetSubtype="4" fill="hold" grpId="0" nodeType="clickEffect">
+                                  <p:stCondLst>
+                                    <p:cond delay="0"/>
+                                  </p:stCondLst>
+                                  <p:childTnLst>
+                                    <p:set>
+                                      <p:cBhvr>
+                                        <p:cTn id="6" dur="1" fill="hold">
+                                          <p:stCondLst>
+                                            <p:cond delay="0"/>
+                                          </p:stCondLst>
+                                        </p:cTn>
+                                        <p:tgtEl>
+                                          <p:spTgt spid="13"/>
+                                        </p:tgtEl>
+                                        <p:attrNameLst>
+                                          <p:attrName>style.visibility</p:attrName>
+                                        </p:attrNameLst>
+                                      </p:cBhvr>
+                                      <p:to>
+                                        <p:strVal val="visible"/>
+                                      </p:to>
+                                    </p:set>
+                                    <p:anim calcmode="lin" valueType="num">
+                                      <p:cBhvr additive="base">
+                                        <p:cTn id="7" dur="500" fill="hold"/>
+                                        <p:tgtEl>
+                                          <p:spTgt spid="13"/>
+                                        </p:tgtEl>
+                                        <p:attrNameLst>
+                                          <p:attrName>ppt_x</p:attrName>
+                                        </p:attrNameLst>
+                                      </p:cBhvr>
+                                      <p:tavLst>
+                                        <p:tav tm="0">
+                                          <p:val>
+                                            <p:strVal val="#ppt_x"/>
+                                          </p:val>
+                                        </p:tav>
+                                        <p:tav tm="100000">
+                                          <p:val>
+                                            <p:strVal val="#ppt_x"/>
+                                          </p:val>
+                                        </p:tav>
+                                      </p:tavLst>
+                                    </p:anim>
+                                    <p:anim calcmode="lin" valueType="num">
+                                      <p:cBhvr additive="base">
+                                        <p:cTn id="8" dur="500" fill="hold"/>
+                                        <p:tgtEl>
+                                          <p:spTgt spid="13"/>
+                                        </p:tgtEl>
+                                        <p:attrNameLst>
+                                          <p:attrName>ppt_y</p:attrName>
+                                        </p:attrNameLst>
+                                      </p:cBhvr>
+                                      <p:tavLst>
+                                        <p:tav tm="0">
+                                          <p:val>
+                                            <p:strVal val="1+#ppt_h/2"/>
+                                          </p:val>
+                                        </p:tav>
+                                        <p:tav tm="100000">
+                                          <p:val>
+                                            <p:strVal val="#ppt_y"/>
+                                          </p:val>
+                                        </p:tav>
+                                      </p:tavLst>
+                                    </p:anim>
+                                  </p:childTnLst>
+                                </p:cTn>
+                              </p:par>
+                            </p:childTnLst>
+                          </p:cTn>
+                        </p:par>
+                      </p:childTnLst>
+                    </p:cTn>
+                  </p:par>
+                </p:childTnLst>
+              </p:cTn>
+              <p:nextCondLst>
+                <p:cond evt="onClick" delay="0">
+                  <p:tgtEl>
+                    <p:spTgt spid="2"/>
+                  </p:tgtEl>
+                </p:cond>
+              </p:nextCondLst>
+            </p:seq>
+            <p:seq concurrent="1" nextAc="seek">
+              <p:cTn id="9" restart="whenNotActive" fill="hold" evtFilter="cancelBubble" nodeType="interactiveSeq">
+                <p:stCondLst>
+                  <p:cond evt="onClick" delay="0">
+                    <p:tgtEl>
+                      <p:spTgt spid="14"/>
+                    </p:tgtEl>
+                  </p:cond>
+                </p:stCondLst>
+                <p:endSync evt="end" delay="0">
+                  <p:rtn val="all"/>
+                </p:endSync>
+                <p:childTnLst>
+                  <p:par>
+                    <p:cTn id="10" fill="hold">
+                      <p:stCondLst>
+                        <p:cond delay="0"/>
+                      </p:stCondLst>
+                      <p:childTnLst>
+                        <p:par>
+                          <p:cTn id="11" fill="hold">
+                            <p:stCondLst>
+                              <p:cond delay="0"/>
+                            </p:stCondLst>
+                            <p:childTnLst>
+                              <p:par>
+                                <p:cTn id="12" presetID="2" presetClass="entr" presetSubtype="4" fill="hold" grpId="0" nodeType="clickEffect">
+                                  <p:stCondLst>
+                                    <p:cond delay="0"/>
+                                  </p:stCondLst>
+                                  <p:childTnLst>
+                                    <p:set>
+                                      <p:cBhvr>
+                                        <p:cTn id="13" dur="1" fill="hold">
+                                          <p:stCondLst>
+                                            <p:cond delay="0"/>
+                                          </p:stCondLst>
+                                        </p:cTn>
+                                        <p:tgtEl>
+                                          <p:spTgt spid="11"/>
+                                        </p:tgtEl>
+                                        <p:attrNameLst>
+                                          <p:attrName>style.visibility</p:attrName>
+                                        </p:attrNameLst>
+                                      </p:cBhvr>
+                                      <p:to>
+                                        <p:strVal val="visible"/>
+                                      </p:to>
+                                    </p:set>
+                                    <p:anim calcmode="lin" valueType="num">
+                                      <p:cBhvr additive="base">
+                                        <p:cTn id="14" dur="500" fill="hold"/>
+                                        <p:tgtEl>
+                                          <p:spTgt spid="11"/>
+                                        </p:tgtEl>
+                                        <p:attrNameLst>
+                                          <p:attrName>ppt_x</p:attrName>
+                                        </p:attrNameLst>
+                                      </p:cBhvr>
+                                      <p:tavLst>
+                                        <p:tav tm="0">
+                                          <p:val>
+                                            <p:strVal val="#ppt_x"/>
+                                          </p:val>
+                                        </p:tav>
+                                        <p:tav tm="100000">
+                                          <p:val>
+                                            <p:strVal val="#ppt_x"/>
+                                          </p:val>
+                                        </p:tav>
+                                      </p:tavLst>
+                                    </p:anim>
+                                    <p:anim calcmode="lin" valueType="num">
+                                      <p:cBhvr additive="base">
+                                        <p:cTn id="15" dur="500" fill="hold"/>
+                                        <p:tgtEl>
+                                          <p:spTgt spid="11"/>
+                                        </p:tgtEl>
+                                        <p:attrNameLst>
+                                          <p:attrName>ppt_y</p:attrName>
+                                        </p:attrNameLst>
+                                      </p:cBhvr>
+                                      <p:tavLst>
+                                        <p:tav tm="0">
+                                          <p:val>
+                                            <p:strVal val="1+#ppt_h/2"/>
+                                          </p:val>
+                                        </p:tav>
+                                        <p:tav tm="100000">
+                                          <p:val>
+                                            <p:strVal val="#ppt_y"/>
+                                          </p:val>
+                                        </p:tav>
+                                      </p:tavLst>
+                                    </p:anim>
+                                  </p:childTnLst>
+                                </p:cTn>
+                              </p:par>
+                              <p:par>
+                                <p:cTn id="16" presetID="22" presetClass="entr" presetSubtype="4" fill="hold" grpId="0" nodeType="withEffect">
+                                  <p:stCondLst>
+                                    <p:cond delay="0"/>
+                                  </p:stCondLst>
+                                  <p:childTnLst>
+                                    <p:set>
+                                      <p:cBhvr>
+                                        <p:cTn id="17" dur="1" fill="hold">
+                                          <p:stCondLst>
+                                            <p:cond delay="0"/>
+                                          </p:stCondLst>
+                                        </p:cTn>
+                                        <p:tgtEl>
+                                          <p:spTgt spid="16"/>
+                                        </p:tgtEl>
+                                        <p:attrNameLst>
+                                          <p:attrName>style.visibility</p:attrName>
+                                        </p:attrNameLst>
+                                      </p:cBhvr>
+                                      <p:to>
+                                        <p:strVal val="visible"/>
+                                      </p:to>
+                                    </p:set>
+                                    <p:animEffect transition="in" filter="wipe(down)">
+                                      <p:cBhvr>
+                                        <p:cTn id="18" dur="500"/>
+                                        <p:tgtEl>
+                                          <p:spTgt spid="16"/>
+                                        </p:tgtEl>
+                                      </p:cBhvr>
+                                    </p:animEffect>
+                                  </p:childTnLst>
+                                </p:cTn>
+                              </p:par>
+                            </p:childTnLst>
+                          </p:cTn>
+                        </p:par>
+                      </p:childTnLst>
+                    </p:cTn>
+                  </p:par>
+                </p:childTnLst>
+              </p:cTn>
+              <p:nextCondLst>
+                <p:cond evt="onClick" delay="0">
+                  <p:tgtEl>
+                    <p:spTgt spid="14"/>
+                  </p:tgtEl>
+                </p:cond>
+              </p:nextCondLst>
+            </p:seq>
+            <p:seq concurrent="1" nextAc="seek">
+              <p:cTn id="19" restart="whenNotActive" fill="hold" evtFilter="cancelBubble" nodeType="interactiveSeq">
+                <p:stCondLst>
+                  <p:cond evt="onClick" delay="0">
+                    <p:tgtEl>
+                      <p:spTgt spid="15"/>
+                    </p:tgtEl>
+                  </p:cond>
+                </p:stCondLst>
+                <p:endSync evt="end" delay="0">
+                  <p:rtn val="all"/>
+                </p:endSync>
+                <p:childTnLst>
+                  <p:par>
+                    <p:cTn id="20" fill="hold">
+                      <p:stCondLst>
+                        <p:cond delay="0"/>
+                      </p:stCondLst>
+                      <p:childTnLst>
+                        <p:par>
+                          <p:cTn id="21" fill="hold">
+                            <p:stCondLst>
+                              <p:cond delay="0"/>
+                            </p:stCondLst>
+                            <p:childTnLst>
+                              <p:par>
+                                <p:cTn id="22" presetID="2" presetClass="entr" presetSubtype="4" fill="hold" grpId="0" nodeType="clickEffect">
+                                  <p:stCondLst>
+                                    <p:cond delay="0"/>
+                                  </p:stCondLst>
+                                  <p:childTnLst>
+                                    <p:set>
+                                      <p:cBhvr>
+                                        <p:cTn id="23" dur="1" fill="hold">
+                                          <p:stCondLst>
+                                            <p:cond delay="0"/>
+                                          </p:stCondLst>
+                                        </p:cTn>
+                                        <p:tgtEl>
+                                          <p:spTgt spid="12"/>
+                                        </p:tgtEl>
+                                        <p:attrNameLst>
+                                          <p:attrName>style.visibility</p:attrName>
+                                        </p:attrNameLst>
+                                      </p:cBhvr>
+                                      <p:to>
+                                        <p:strVal val="visible"/>
+                                      </p:to>
+                                    </p:set>
+                                    <p:anim calcmode="lin" valueType="num">
+                                      <p:cBhvr additive="base">
+                                        <p:cTn id="24" dur="500" fill="hold"/>
+                                        <p:tgtEl>
+                                          <p:spTgt spid="12"/>
+                                        </p:tgtEl>
+                                        <p:attrNameLst>
+                                          <p:attrName>ppt_x</p:attrName>
+                                        </p:attrNameLst>
+                                      </p:cBhvr>
+                                      <p:tavLst>
+                                        <p:tav tm="0">
+                                          <p:val>
+                                            <p:strVal val="#ppt_x"/>
+                                          </p:val>
+                                        </p:tav>
+                                        <p:tav tm="100000">
+                                          <p:val>
+                                            <p:strVal val="#ppt_x"/>
+                                          </p:val>
+                                        </p:tav>
+                                      </p:tavLst>
+                                    </p:anim>
+                                    <p:anim calcmode="lin" valueType="num">
+                                      <p:cBhvr additive="base">
+                                        <p:cTn id="25" dur="500" fill="hold"/>
+                                        <p:tgtEl>
+                                          <p:spTgt spid="12"/>
+                                        </p:tgtEl>
+                                        <p:attrNameLst>
+                                          <p:attrName>ppt_y</p:attrName>
+                                        </p:attrNameLst>
+                                      </p:cBhvr>
+                                      <p:tavLst>
+                                        <p:tav tm="0">
+                                          <p:val>
+                                            <p:strVal val="1+#ppt_h/2"/>
+                                          </p:val>
+                                        </p:tav>
+                                        <p:tav tm="100000">
+                                          <p:val>
+                                            <p:strVal val="#ppt_y"/>
+                                          </p:val>
+                                        </p:tav>
+                                      </p:tavLst>
+                                    </p:anim>
+                                  </p:childTnLst>
+                                </p:cTn>
+                              </p:par>
+                            </p:childTnLst>
+                          </p:cTn>
+                        </p:par>
+                      </p:childTnLst>
+                    </p:cTn>
+                  </p:par>
+                </p:childTnLst>
+              </p:cTn>
+              <p:nextCondLst>
+                <p:cond evt="onClick" delay="0">
+                  <p:tgtEl>
+                    <p:spTgt spid="15"/>
+                  </p:tgtEl>
+                </p:cond>
+              </p:nextCondLst>
+            </p:seq>
+          </p:childTnLst>
+        </p:cTn>
+      </p:par>
+    </p:tnLst>
+    <p:bldLst>
+      <p:bldP spid="12" grpId="0" animBg="1"/>
+      <p:bldP spid="13" grpId="0" animBg="1"/>
+      <p:bldP spid="11" grpId="0" animBg="1"/>
+      <p:bldP spid="16" grpId="0" animBg="1"/>
+    </p:bldLst>
+  </p:timing>
 </p:sld>
 </file>
 
@@ -3579,64 +8022,39 @@
           <a:chExt cx="0" cy="0"/>
         </a:xfrm>
       </p:grpSpPr>
-      <p:sp>
-        <p:nvSpPr>
-          <p:cNvPr id="2" name="Заголовок 1">
-            <a:extLst>
-              <a:ext uri="{FF2B5EF4-FFF2-40B4-BE49-F238E27FC236}">
-                <a16:creationId xmlns:a16="http://schemas.microsoft.com/office/drawing/2014/main" id="{DA4D165F-8A0D-42C2-BE1E-605A103961BE}"/>
-              </a:ext>
-            </a:extLst>
-          </p:cNvPr>
-          <p:cNvSpPr>
-            <a:spLocks noGrp="1"/>
-          </p:cNvSpPr>
-          <p:nvPr>
-            <p:ph type="title"/>
-          </p:nvPr>
-        </p:nvSpPr>
-        <p:spPr/>
-        <p:txBody>
-          <a:bodyPr/>
-          <a:lstStyle/>
-          <a:p>
-            <a:endParaRPr lang="ru-RU" dirty="0"/>
-          </a:p>
-        </p:txBody>
-      </p:sp>
-      <p:sp>
-        <p:nvSpPr>
-          <p:cNvPr id="3" name="Объект 2">
-            <a:extLst>
-              <a:ext uri="{FF2B5EF4-FFF2-40B4-BE49-F238E27FC236}">
-                <a16:creationId xmlns:a16="http://schemas.microsoft.com/office/drawing/2014/main" id="{DEB55AAA-EA96-4F32-8617-873CC624FECD}"/>
-              </a:ext>
-            </a:extLst>
-          </p:cNvPr>
-          <p:cNvSpPr>
-            <a:spLocks noGrp="1"/>
-          </p:cNvSpPr>
+      <p:pic>
+        <p:nvPicPr>
+          <p:cNvPr id="6" name="Объект 5"/>
+          <p:cNvPicPr>
+            <a:picLocks noGrp="1" noChangeAspect="1"/>
+          </p:cNvPicPr>
           <p:nvPr>
             <p:ph idx="1"/>
           </p:nvPr>
-        </p:nvSpPr>
-        <p:spPr/>
-        <p:txBody>
-          <a:bodyPr/>
-          <a:lstStyle/>
-          <a:p>
-            <a:endParaRPr lang="ru-RU" dirty="0"/>
-          </a:p>
-        </p:txBody>
-      </p:sp>
+        </p:nvPicPr>
+        <p:blipFill>
+          <a:blip r:embed="rId2" cstate="print">
+            <a:extLst>
+              <a:ext uri="{28A0092B-C50C-407E-A947-70E740481C1C}">
+                <a14:useLocalDpi xmlns:a14="http://schemas.microsoft.com/office/drawing/2010/main" val="0"/>
+              </a:ext>
+            </a:extLst>
+          </a:blip>
+          <a:stretch>
+            <a:fillRect/>
+          </a:stretch>
+        </p:blipFill>
+        <p:spPr>
+          <a:xfrm>
+            <a:off x="3187110" y="57706"/>
+            <a:ext cx="5464521" cy="6800294"/>
+          </a:xfrm>
+        </p:spPr>
+      </p:pic>
       <p:pic>
         <p:nvPicPr>
-          <p:cNvPr id="4" name="Рисунок 3">
-            <a:extLst>
-              <a:ext uri="{FF2B5EF4-FFF2-40B4-BE49-F238E27FC236}">
-                <a16:creationId xmlns:a16="http://schemas.microsoft.com/office/drawing/2014/main" id="{691E498C-9059-4DA4-8B42-940EA1B71C97}"/>
-              </a:ext>
-            </a:extLst>
+          <p:cNvPr id="8" name="Рисунок 7">
+            <a:hlinkClick r:id="rId3" action="ppaction://hlinksldjump"/>
           </p:cNvPr>
           <p:cNvPicPr>
             <a:picLocks noChangeAspect="1"/>
@@ -3644,15 +8062,21 @@
           <p:nvPr/>
         </p:nvPicPr>
         <p:blipFill>
-          <a:blip r:embed="rId2"/>
+          <a:blip r:embed="rId4" cstate="print">
+            <a:extLst>
+              <a:ext uri="{28A0092B-C50C-407E-A947-70E740481C1C}">
+                <a14:useLocalDpi xmlns:a14="http://schemas.microsoft.com/office/drawing/2010/main" val="0"/>
+              </a:ext>
+            </a:extLst>
+          </a:blip>
           <a:stretch>
             <a:fillRect/>
           </a:stretch>
         </p:blipFill>
         <p:spPr>
           <a:xfrm>
-            <a:off x="0" y="53787"/>
-            <a:ext cx="12209930" cy="6858000"/>
+            <a:off x="8937279" y="4505956"/>
+            <a:ext cx="2220159" cy="2220159"/>
           </a:xfrm>
           <a:prstGeom prst="rect">
             <a:avLst/>
@@ -3661,124 +8085,176 @@
       </p:pic>
       <p:sp>
         <p:nvSpPr>
-          <p:cNvPr id="6" name="Овал 5">
-            <a:hlinkClick r:id="rId3" action="ppaction://hlinksldjump"/>
-            <a:extLst>
-              <a:ext uri="{FF2B5EF4-FFF2-40B4-BE49-F238E27FC236}">
-                <a16:creationId xmlns:a16="http://schemas.microsoft.com/office/drawing/2014/main" id="{2FEDAA27-0AF6-4A24-B257-22C2C94E56E0}"/>
-              </a:ext>
-            </a:extLst>
-          </p:cNvPr>
-          <p:cNvSpPr/>
+          <p:cNvPr id="10" name="TextBox 9"/>
+          <p:cNvSpPr txBox="1"/>
           <p:nvPr/>
         </p:nvSpPr>
         <p:spPr>
           <a:xfrm>
-            <a:off x="1783977" y="1980922"/>
-            <a:ext cx="1353670" cy="505806"/>
-          </a:xfrm>
-          <a:prstGeom prst="ellipse">
+            <a:off x="8873585" y="3982736"/>
+            <a:ext cx="2523392" cy="523220"/>
+          </a:xfrm>
+          <a:prstGeom prst="rect">
             <a:avLst/>
           </a:prstGeom>
-        </p:spPr>
-        <p:style>
-          <a:lnRef idx="2">
-            <a:schemeClr val="accent1">
-              <a:shade val="50000"/>
-            </a:schemeClr>
-          </a:lnRef>
-          <a:fillRef idx="1">
-            <a:schemeClr val="accent1"/>
-          </a:fillRef>
-          <a:effectRef idx="0">
-            <a:schemeClr val="accent1"/>
-          </a:effectRef>
-          <a:fontRef idx="minor">
-            <a:schemeClr val="lt1"/>
-          </a:fontRef>
-        </p:style>
-        <p:txBody>
-          <a:bodyPr rtlCol="0" anchor="ctr"/>
+          <a:noFill/>
+        </p:spPr>
+        <p:txBody>
+          <a:bodyPr wrap="square" rtlCol="0">
+            <a:spAutoFit/>
+          </a:bodyPr>
           <a:lstStyle/>
           <a:p>
             <a:pPr algn="ctr"/>
             <a:r>
-              <a:rPr lang="en-US" dirty="0"/>
-              <a:t>Get </a:t>
-            </a:r>
-            <a:r>
-              <a:rPr lang="ru-RU" dirty="0"/>
-              <a:t>запрос</a:t>
-            </a:r>
-            <a:endParaRPr lang="en-US" dirty="0"/>
-          </a:p>
-        </p:txBody>
-      </p:sp>
-      <p:sp>
-        <p:nvSpPr>
-          <p:cNvPr id="8" name="Овал 7">
-            <a:hlinkClick r:id="rId4" action="ppaction://hlinksldjump"/>
-            <a:extLst>
-              <a:ext uri="{FF2B5EF4-FFF2-40B4-BE49-F238E27FC236}">
-                <a16:creationId xmlns:a16="http://schemas.microsoft.com/office/drawing/2014/main" id="{7F191560-D826-4DD2-9879-54A00145E9E4}"/>
-              </a:ext>
-            </a:extLst>
+              <a:rPr lang="ru-RU" sz="2800" b="1" dirty="0" smtClean="0"/>
+              <a:t>Запросы(ур.1)</a:t>
+            </a:r>
+            <a:endParaRPr lang="ru-RU" sz="2800" b="1" dirty="0"/>
+          </a:p>
+        </p:txBody>
+      </p:sp>
+      <p:pic>
+        <p:nvPicPr>
+          <p:cNvPr id="13" name="Рисунок 12">
+            <a:hlinkClick r:id="rId5" action="ppaction://hlinksldjump"/>
           </p:cNvPr>
-          <p:cNvSpPr/>
+          <p:cNvPicPr>
+            <a:picLocks noChangeAspect="1"/>
+          </p:cNvPicPr>
           <p:nvPr/>
-        </p:nvSpPr>
+        </p:nvPicPr>
+        <p:blipFill>
+          <a:blip r:embed="rId4" cstate="print">
+            <a:extLst>
+              <a:ext uri="{28A0092B-C50C-407E-A947-70E740481C1C}">
+                <a14:useLocalDpi xmlns:a14="http://schemas.microsoft.com/office/drawing/2010/main" val="0"/>
+              </a:ext>
+            </a:extLst>
+          </a:blip>
+          <a:stretch>
+            <a:fillRect/>
+          </a:stretch>
+        </p:blipFill>
         <p:spPr>
           <a:xfrm>
-            <a:off x="3576919" y="2002026"/>
-            <a:ext cx="1353670" cy="505806"/>
-          </a:xfrm>
-          <a:prstGeom prst="ellipse">
+            <a:off x="1167810" y="3134266"/>
+            <a:ext cx="2220159" cy="2220159"/>
+          </a:xfrm>
+          <a:prstGeom prst="rect">
             <a:avLst/>
           </a:prstGeom>
         </p:spPr>
-        <p:style>
-          <a:lnRef idx="2">
-            <a:schemeClr val="accent1">
-              <a:shade val="50000"/>
-            </a:schemeClr>
-          </a:lnRef>
-          <a:fillRef idx="1">
-            <a:schemeClr val="accent1"/>
-          </a:fillRef>
-          <a:effectRef idx="0">
-            <a:schemeClr val="accent1"/>
-          </a:effectRef>
-          <a:fontRef idx="minor">
-            <a:schemeClr val="lt1"/>
-          </a:fontRef>
-        </p:style>
-        <p:txBody>
-          <a:bodyPr rtlCol="0" anchor="ctr"/>
+      </p:pic>
+      <p:sp>
+        <p:nvSpPr>
+          <p:cNvPr id="14" name="TextBox 13"/>
+          <p:cNvSpPr txBox="1"/>
+          <p:nvPr/>
+        </p:nvSpPr>
+        <p:spPr>
+          <a:xfrm>
+            <a:off x="1104116" y="2611046"/>
+            <a:ext cx="2523392" cy="523220"/>
+          </a:xfrm>
+          <a:prstGeom prst="rect">
+            <a:avLst/>
+          </a:prstGeom>
+          <a:noFill/>
+        </p:spPr>
+        <p:txBody>
+          <a:bodyPr wrap="square" rtlCol="0">
+            <a:spAutoFit/>
+          </a:bodyPr>
           <a:lstStyle/>
           <a:p>
             <a:pPr algn="ctr"/>
             <a:r>
-              <a:rPr lang="en-US" dirty="0"/>
-              <a:t>Post </a:t>
-            </a:r>
-            <a:r>
-              <a:rPr lang="ru-RU" dirty="0"/>
-              <a:t>запрос</a:t>
-            </a:r>
-            <a:endParaRPr lang="en-US" dirty="0"/>
+              <a:rPr lang="ru-RU" sz="2800" b="1" dirty="0" smtClean="0"/>
+              <a:t>Стили(ур.2)</a:t>
+            </a:r>
+            <a:endParaRPr lang="ru-RU" sz="2800" b="1" dirty="0"/>
+          </a:p>
+        </p:txBody>
+      </p:sp>
+      <p:pic>
+        <p:nvPicPr>
+          <p:cNvPr id="15" name="Рисунок 14"/>
+          <p:cNvPicPr>
+            <a:picLocks noChangeAspect="1"/>
+          </p:cNvPicPr>
+          <p:nvPr/>
+        </p:nvPicPr>
+        <p:blipFill>
+          <a:blip r:embed="rId4" cstate="print">
+            <a:extLst>
+              <a:ext uri="{28A0092B-C50C-407E-A947-70E740481C1C}">
+                <a14:useLocalDpi xmlns:a14="http://schemas.microsoft.com/office/drawing/2010/main" val="0"/>
+              </a:ext>
+            </a:extLst>
+          </a:blip>
+          <a:stretch>
+            <a:fillRect/>
+          </a:stretch>
+        </p:blipFill>
+        <p:spPr>
+          <a:xfrm>
+            <a:off x="7652529" y="510587"/>
+            <a:ext cx="2220159" cy="2220159"/>
+          </a:xfrm>
+          <a:prstGeom prst="rect">
+            <a:avLst/>
+          </a:prstGeom>
+        </p:spPr>
+      </p:pic>
+      <p:sp>
+        <p:nvSpPr>
+          <p:cNvPr id="16" name="TextBox 15"/>
+          <p:cNvSpPr txBox="1"/>
+          <p:nvPr/>
+        </p:nvSpPr>
+        <p:spPr>
+          <a:xfrm>
+            <a:off x="7523966" y="57706"/>
+            <a:ext cx="2523392" cy="523220"/>
+          </a:xfrm>
+          <a:prstGeom prst="rect">
+            <a:avLst/>
+          </a:prstGeom>
+          <a:noFill/>
+        </p:spPr>
+        <p:txBody>
+          <a:bodyPr wrap="square" rtlCol="0">
+            <a:spAutoFit/>
+          </a:bodyPr>
+          <a:lstStyle/>
+          <a:p>
+            <a:pPr algn="ctr"/>
+            <a:r>
+              <a:rPr lang="ru-RU" sz="2800" b="1" dirty="0" smtClean="0"/>
+              <a:t>Тест(ур.3)</a:t>
+            </a:r>
+            <a:endParaRPr lang="ru-RU" sz="2800" b="1" dirty="0"/>
           </a:p>
         </p:txBody>
       </p:sp>
     </p:spTree>
     <p:extLst>
       <p:ext uri="{BB962C8B-B14F-4D97-AF65-F5344CB8AC3E}">
-        <p14:creationId xmlns:p14="http://schemas.microsoft.com/office/powerpoint/2010/main" val="3283774109"/>
+        <p14:creationId xmlns:p14="http://schemas.microsoft.com/office/powerpoint/2010/main" val="2259443627"/>
       </p:ext>
     </p:extLst>
   </p:cSld>
   <p:clrMapOvr>
     <a:masterClrMapping/>
   </p:clrMapOvr>
+  <p:timing>
+    <p:tnLst>
+      <p:par>
+        <p:cTn id="1" dur="indefinite" restart="never" nodeType="tmRoot"/>
+      </p:par>
+    </p:tnLst>
+  </p:timing>
 </p:sld>
 </file>
 
@@ -3853,23 +8329,53 @@
           <a:lstStyle/>
           <a:p>
             <a:r>
-              <a:rPr lang="ru-RU" b="1" dirty="0"/>
-              <a:t>GET: </a:t>
+              <a:rPr lang="ru-RU" dirty="0" smtClean="0"/>
+              <a:t>GET-запросы </a:t>
             </a:r>
             <a:r>
               <a:rPr lang="ru-RU" dirty="0"/>
-              <a:t>GET-запросы используются для получения данных от API.</a:t>
-            </a:r>
-          </a:p>
-        </p:txBody>
-      </p:sp>
-      <p:sp>
-        <p:nvSpPr>
-          <p:cNvPr id="5" name="Стрелка: влево 4">
-            <a:hlinkClick r:id="rId2" action="ppaction://hlinksldjump"/>
+              <a:t>используются для получения данных от API.</a:t>
+            </a:r>
+          </a:p>
+        </p:txBody>
+      </p:sp>
+      <p:pic>
+        <p:nvPicPr>
+          <p:cNvPr id="4" name="Рисунок 3">
             <a:extLst>
               <a:ext uri="{FF2B5EF4-FFF2-40B4-BE49-F238E27FC236}">
-                <a16:creationId xmlns:a16="http://schemas.microsoft.com/office/drawing/2014/main" id="{543B6BEC-6FEF-430B-8FEB-9AF15C467E84}"/>
+                <a16:creationId xmlns:a16="http://schemas.microsoft.com/office/drawing/2014/main" id="{B951B183-236B-4A90-AEB6-C82D5124106E}"/>
+              </a:ext>
+            </a:extLst>
+          </p:cNvPr>
+          <p:cNvPicPr>
+            <a:picLocks noChangeAspect="1"/>
+          </p:cNvPicPr>
+          <p:nvPr/>
+        </p:nvPicPr>
+        <p:blipFill>
+          <a:blip r:embed="rId2"/>
+          <a:stretch>
+            <a:fillRect/>
+          </a:stretch>
+        </p:blipFill>
+        <p:spPr>
+          <a:xfrm>
+            <a:off x="1537447" y="2600923"/>
+            <a:ext cx="9412013" cy="2800741"/>
+          </a:xfrm>
+          <a:prstGeom prst="rect">
+            <a:avLst/>
+          </a:prstGeom>
+        </p:spPr>
+      </p:pic>
+      <p:sp>
+        <p:nvSpPr>
+          <p:cNvPr id="6" name="Стрелка: влево 3">
+            <a:hlinkClick r:id="rId3" action="ppaction://hlinksldjump"/>
+            <a:extLst>
+              <a:ext uri="{FF2B5EF4-FFF2-40B4-BE49-F238E27FC236}">
+                <a16:creationId xmlns:a16="http://schemas.microsoft.com/office/drawing/2014/main" id="{78436E58-2867-4B0B-89D1-643D50525DEA}"/>
               </a:ext>
             </a:extLst>
           </p:cNvPr>
@@ -3878,8 +8384,8 @@
         </p:nvSpPr>
         <p:spPr>
           <a:xfrm>
-            <a:off x="10345271" y="5733676"/>
-            <a:ext cx="1846729" cy="1156447"/>
+            <a:off x="10111260" y="5999400"/>
+            <a:ext cx="1008529" cy="858600"/>
           </a:xfrm>
           <a:prstGeom prst="leftArrow">
             <a:avLst/>
@@ -3910,36 +8416,53 @@
           </a:p>
         </p:txBody>
       </p:sp>
-      <p:pic>
-        <p:nvPicPr>
-          <p:cNvPr id="4" name="Рисунок 3">
+      <p:sp>
+        <p:nvSpPr>
+          <p:cNvPr id="7" name="Стрелка: влево 3">
+            <a:hlinkClick r:id="rId4" action="ppaction://hlinksldjump"/>
             <a:extLst>
               <a:ext uri="{FF2B5EF4-FFF2-40B4-BE49-F238E27FC236}">
-                <a16:creationId xmlns:a16="http://schemas.microsoft.com/office/drawing/2014/main" id="{B951B183-236B-4A90-AEB6-C82D5124106E}"/>
+                <a16:creationId xmlns:a16="http://schemas.microsoft.com/office/drawing/2014/main" id="{78436E58-2867-4B0B-89D1-643D50525DEA}"/>
               </a:ext>
             </a:extLst>
           </p:cNvPr>
-          <p:cNvPicPr>
-            <a:picLocks noChangeAspect="1"/>
-          </p:cNvPicPr>
+          <p:cNvSpPr/>
           <p:nvPr/>
-        </p:nvPicPr>
-        <p:blipFill>
-          <a:blip r:embed="rId3"/>
-          <a:stretch>
-            <a:fillRect/>
-          </a:stretch>
-        </p:blipFill>
+        </p:nvSpPr>
         <p:spPr>
-          <a:xfrm>
-            <a:off x="1537447" y="2600923"/>
-            <a:ext cx="9412013" cy="2800741"/>
-          </a:xfrm>
-          <a:prstGeom prst="rect">
+          <a:xfrm rot="10800000">
+            <a:off x="11183471" y="5999400"/>
+            <a:ext cx="1008529" cy="858600"/>
+          </a:xfrm>
+          <a:prstGeom prst="leftArrow">
             <a:avLst/>
           </a:prstGeom>
         </p:spPr>
-      </p:pic>
+        <p:style>
+          <a:lnRef idx="2">
+            <a:schemeClr val="dk1">
+              <a:shade val="50000"/>
+            </a:schemeClr>
+          </a:lnRef>
+          <a:fillRef idx="1">
+            <a:schemeClr val="dk1"/>
+          </a:fillRef>
+          <a:effectRef idx="0">
+            <a:schemeClr val="dk1"/>
+          </a:effectRef>
+          <a:fontRef idx="minor">
+            <a:schemeClr val="lt1"/>
+          </a:fontRef>
+        </p:style>
+        <p:txBody>
+          <a:bodyPr rtlCol="0" anchor="ctr"/>
+          <a:lstStyle/>
+          <a:p>
+            <a:pPr algn="ctr"/>
+            <a:endParaRPr lang="ru-RU" dirty="0"/>
+          </a:p>
+        </p:txBody>
+      </p:sp>
     </p:spTree>
     <p:extLst>
       <p:ext uri="{BB962C8B-B14F-4D97-AF65-F5344CB8AC3E}">
@@ -3950,6 +8473,13 @@
   <p:clrMapOvr>
     <a:masterClrMapping/>
   </p:clrMapOvr>
+  <p:timing>
+    <p:tnLst>
+      <p:par>
+        <p:cTn id="1" dur="indefinite" restart="never" nodeType="tmRoot"/>
+      </p:par>
+    </p:tnLst>
+  </p:timing>
 </p:sld>
 </file>
 
@@ -4024,12 +8554,12 @@
           <a:lstStyle/>
           <a:p>
             <a:r>
-              <a:rPr lang="ru-RU" b="1" dirty="0"/>
-              <a:t>POST: </a:t>
+              <a:rPr lang="ru-RU" dirty="0" smtClean="0"/>
+              <a:t>POST-запросы </a:t>
             </a:r>
             <a:r>
               <a:rPr lang="ru-RU" dirty="0"/>
-              <a:t>POST-запросы используются для отправки новых данных API.</a:t>
+              <a:t>используются для отправки новых данных API.</a:t>
             </a:r>
           </a:p>
           <a:p>
@@ -4052,8 +8582,8 @@
         </p:nvSpPr>
         <p:spPr>
           <a:xfrm>
-            <a:off x="10345271" y="5733676"/>
-            <a:ext cx="1846729" cy="1156447"/>
+            <a:off x="10111260" y="5999400"/>
+            <a:ext cx="1008529" cy="858600"/>
           </a:xfrm>
           <a:prstGeom prst="leftArrow">
             <a:avLst/>
@@ -4084,6 +8614,94 @@
           </a:p>
         </p:txBody>
       </p:sp>
+      <p:pic>
+        <p:nvPicPr>
+          <p:cNvPr id="1026" name="Picture 2" descr="Picture background"/>
+          <p:cNvPicPr>
+            <a:picLocks noChangeAspect="1" noChangeArrowheads="1"/>
+          </p:cNvPicPr>
+          <p:nvPr/>
+        </p:nvPicPr>
+        <p:blipFill>
+          <a:blip r:embed="rId3">
+            <a:extLst>
+              <a:ext uri="{28A0092B-C50C-407E-A947-70E740481C1C}">
+                <a14:useLocalDpi xmlns:a14="http://schemas.microsoft.com/office/drawing/2010/main" val="0"/>
+              </a:ext>
+            </a:extLst>
+          </a:blip>
+          <a:srcRect/>
+          <a:stretch>
+            <a:fillRect/>
+          </a:stretch>
+        </p:blipFill>
+        <p:spPr bwMode="auto">
+          <a:xfrm>
+            <a:off x="1022838" y="2221401"/>
+            <a:ext cx="9592687" cy="3559786"/>
+          </a:xfrm>
+          <a:prstGeom prst="rect">
+            <a:avLst/>
+          </a:prstGeom>
+          <a:noFill/>
+          <a:extLst>
+            <a:ext uri="{909E8E84-426E-40DD-AFC4-6F175D3DCCD1}">
+              <a14:hiddenFill xmlns:a14="http://schemas.microsoft.com/office/drawing/2010/main">
+                <a:solidFill>
+                  <a:srgbClr val="FFFFFF"/>
+                </a:solidFill>
+              </a14:hiddenFill>
+            </a:ext>
+          </a:extLst>
+        </p:spPr>
+      </p:pic>
+      <p:sp>
+        <p:nvSpPr>
+          <p:cNvPr id="6" name="Стрелка: влево 3">
+            <a:hlinkClick r:id="rId4" action="ppaction://hlinksldjump"/>
+            <a:extLst>
+              <a:ext uri="{FF2B5EF4-FFF2-40B4-BE49-F238E27FC236}">
+                <a16:creationId xmlns:a16="http://schemas.microsoft.com/office/drawing/2014/main" id="{78436E58-2867-4B0B-89D1-643D50525DEA}"/>
+              </a:ext>
+            </a:extLst>
+          </p:cNvPr>
+          <p:cNvSpPr/>
+          <p:nvPr/>
+        </p:nvSpPr>
+        <p:spPr>
+          <a:xfrm rot="10800000">
+            <a:off x="11183471" y="5999400"/>
+            <a:ext cx="1008529" cy="858600"/>
+          </a:xfrm>
+          <a:prstGeom prst="leftArrow">
+            <a:avLst/>
+          </a:prstGeom>
+        </p:spPr>
+        <p:style>
+          <a:lnRef idx="2">
+            <a:schemeClr val="dk1">
+              <a:shade val="50000"/>
+            </a:schemeClr>
+          </a:lnRef>
+          <a:fillRef idx="1">
+            <a:schemeClr val="dk1"/>
+          </a:fillRef>
+          <a:effectRef idx="0">
+            <a:schemeClr val="dk1"/>
+          </a:effectRef>
+          <a:fontRef idx="minor">
+            <a:schemeClr val="lt1"/>
+          </a:fontRef>
+        </p:style>
+        <p:txBody>
+          <a:bodyPr rtlCol="0" anchor="ctr"/>
+          <a:lstStyle/>
+          <a:p>
+            <a:pPr algn="ctr"/>
+            <a:endParaRPr lang="ru-RU" dirty="0"/>
+          </a:p>
+        </p:txBody>
+      </p:sp>
     </p:spTree>
     <p:extLst>
       <p:ext uri="{BB962C8B-B14F-4D97-AF65-F5344CB8AC3E}">
@@ -4094,6 +8712,13 @@
   <p:clrMapOvr>
     <a:masterClrMapping/>
   </p:clrMapOvr>
+  <p:timing>
+    <p:tnLst>
+      <p:par>
+        <p:cTn id="1" dur="indefinite" restart="never" nodeType="tmRoot"/>
+      </p:par>
+    </p:tnLst>
+  </p:timing>
 </p:sld>
 </file>
 
@@ -4135,7 +8760,11 @@
           <a:bodyPr/>
           <a:lstStyle/>
           <a:p>
-            <a:endParaRPr lang="ru-RU"/>
+            <a:r>
+              <a:rPr lang="ru-RU" dirty="0"/>
+              <a:t>PUT-запрос</a:t>
+            </a:r>
+            <a:endParaRPr lang="ru-RU" dirty="0"/>
           </a:p>
         </p:txBody>
       </p:sp>
@@ -4160,7 +8789,194 @@
           <a:bodyPr/>
           <a:lstStyle/>
           <a:p>
+            <a:r>
+              <a:rPr lang="ru-RU" dirty="0" smtClean="0"/>
+              <a:t>PUT-запросы </a:t>
+            </a:r>
+            <a:r>
+              <a:rPr lang="ru-RU" dirty="0"/>
+              <a:t>используются для обновления уже существующих данных.</a:t>
+            </a:r>
+          </a:p>
+          <a:p>
+            <a:pPr marL="0" indent="0">
+              <a:buNone/>
+            </a:pPr>
+            <a:endParaRPr lang="ru-RU" dirty="0"/>
+          </a:p>
+        </p:txBody>
+      </p:sp>
+      <p:sp>
+        <p:nvSpPr>
+          <p:cNvPr id="4" name="AutoShape 2" descr="Picture background"/>
+          <p:cNvSpPr>
+            <a:spLocks noChangeAspect="1" noChangeArrowheads="1"/>
+          </p:cNvSpPr>
+          <p:nvPr/>
+        </p:nvSpPr>
+        <p:spPr bwMode="auto">
+          <a:xfrm>
+            <a:off x="155575" y="-144463"/>
+            <a:ext cx="304800" cy="304801"/>
+          </a:xfrm>
+          <a:prstGeom prst="rect">
+            <a:avLst/>
+          </a:prstGeom>
+          <a:noFill/>
+          <a:extLst>
+            <a:ext uri="{909E8E84-426E-40DD-AFC4-6F175D3DCCD1}">
+              <a14:hiddenFill xmlns:a14="http://schemas.microsoft.com/office/drawing/2010/main">
+                <a:solidFill>
+                  <a:srgbClr val="FFFFFF"/>
+                </a:solidFill>
+              </a14:hiddenFill>
+            </a:ext>
+          </a:extLst>
+        </p:spPr>
+        <p:txBody>
+          <a:bodyPr vert="horz" wrap="square" lIns="91440" tIns="45720" rIns="91440" bIns="45720" numCol="1" anchor="t" anchorCtr="0" compatLnSpc="1">
+            <a:prstTxWarp prst="textNoShape">
+              <a:avLst/>
+            </a:prstTxWarp>
+          </a:bodyPr>
+          <a:lstStyle/>
+          <a:p>
             <a:endParaRPr lang="ru-RU"/>
+          </a:p>
+        </p:txBody>
+      </p:sp>
+      <p:pic>
+        <p:nvPicPr>
+          <p:cNvPr id="2052" name="Picture 4" descr="Picture background"/>
+          <p:cNvPicPr>
+            <a:picLocks noChangeAspect="1" noChangeArrowheads="1"/>
+          </p:cNvPicPr>
+          <p:nvPr/>
+        </p:nvPicPr>
+        <p:blipFill>
+          <a:blip r:embed="rId2" cstate="hqprint">
+            <a:extLst>
+              <a:ext uri="{28A0092B-C50C-407E-A947-70E740481C1C}">
+                <a14:useLocalDpi xmlns:a14="http://schemas.microsoft.com/office/drawing/2010/main" val="0"/>
+              </a:ext>
+            </a:extLst>
+          </a:blip>
+          <a:srcRect/>
+          <a:stretch>
+            <a:fillRect/>
+          </a:stretch>
+        </p:blipFill>
+        <p:spPr bwMode="auto">
+          <a:xfrm>
+            <a:off x="1201859" y="3260236"/>
+            <a:ext cx="2570041" cy="2092748"/>
+          </a:xfrm>
+          <a:prstGeom prst="rect">
+            <a:avLst/>
+          </a:prstGeom>
+          <a:noFill/>
+          <a:extLst>
+            <a:ext uri="{909E8E84-426E-40DD-AFC4-6F175D3DCCD1}">
+              <a14:hiddenFill xmlns:a14="http://schemas.microsoft.com/office/drawing/2010/main">
+                <a:solidFill>
+                  <a:srgbClr val="FFFFFF"/>
+                </a:solidFill>
+              </a14:hiddenFill>
+            </a:ext>
+          </a:extLst>
+        </p:spPr>
+      </p:pic>
+      <p:sp>
+        <p:nvSpPr>
+          <p:cNvPr id="6" name="Стрелка: влево 3">
+            <a:hlinkClick r:id="rId3" action="ppaction://hlinksldjump"/>
+            <a:extLst>
+              <a:ext uri="{FF2B5EF4-FFF2-40B4-BE49-F238E27FC236}">
+                <a16:creationId xmlns:a16="http://schemas.microsoft.com/office/drawing/2014/main" id="{78436E58-2867-4B0B-89D1-643D50525DEA}"/>
+              </a:ext>
+            </a:extLst>
+          </p:cNvPr>
+          <p:cNvSpPr/>
+          <p:nvPr/>
+        </p:nvSpPr>
+        <p:spPr>
+          <a:xfrm>
+            <a:off x="10111260" y="5999400"/>
+            <a:ext cx="1008529" cy="858600"/>
+          </a:xfrm>
+          <a:prstGeom prst="leftArrow">
+            <a:avLst/>
+          </a:prstGeom>
+        </p:spPr>
+        <p:style>
+          <a:lnRef idx="2">
+            <a:schemeClr val="dk1">
+              <a:shade val="50000"/>
+            </a:schemeClr>
+          </a:lnRef>
+          <a:fillRef idx="1">
+            <a:schemeClr val="dk1"/>
+          </a:fillRef>
+          <a:effectRef idx="0">
+            <a:schemeClr val="dk1"/>
+          </a:effectRef>
+          <a:fontRef idx="minor">
+            <a:schemeClr val="lt1"/>
+          </a:fontRef>
+        </p:style>
+        <p:txBody>
+          <a:bodyPr rtlCol="0" anchor="ctr"/>
+          <a:lstStyle/>
+          <a:p>
+            <a:pPr algn="ctr"/>
+            <a:endParaRPr lang="ru-RU" dirty="0"/>
+          </a:p>
+        </p:txBody>
+      </p:sp>
+      <p:sp>
+        <p:nvSpPr>
+          <p:cNvPr id="7" name="Стрелка: влево 3">
+            <a:hlinkClick r:id="rId4" action="ppaction://hlinksldjump"/>
+            <a:extLst>
+              <a:ext uri="{FF2B5EF4-FFF2-40B4-BE49-F238E27FC236}">
+                <a16:creationId xmlns:a16="http://schemas.microsoft.com/office/drawing/2014/main" id="{78436E58-2867-4B0B-89D1-643D50525DEA}"/>
+              </a:ext>
+            </a:extLst>
+          </p:cNvPr>
+          <p:cNvSpPr/>
+          <p:nvPr/>
+        </p:nvSpPr>
+        <p:spPr>
+          <a:xfrm rot="10800000">
+            <a:off x="11183471" y="5999400"/>
+            <a:ext cx="1008529" cy="858600"/>
+          </a:xfrm>
+          <a:prstGeom prst="leftArrow">
+            <a:avLst/>
+          </a:prstGeom>
+        </p:spPr>
+        <p:style>
+          <a:lnRef idx="2">
+            <a:schemeClr val="dk1">
+              <a:shade val="50000"/>
+            </a:schemeClr>
+          </a:lnRef>
+          <a:fillRef idx="1">
+            <a:schemeClr val="dk1"/>
+          </a:fillRef>
+          <a:effectRef idx="0">
+            <a:schemeClr val="dk1"/>
+          </a:effectRef>
+          <a:fontRef idx="minor">
+            <a:schemeClr val="lt1"/>
+          </a:fontRef>
+        </p:style>
+        <p:txBody>
+          <a:bodyPr rtlCol="0" anchor="ctr"/>
+          <a:lstStyle/>
+          <a:p>
+            <a:pPr algn="ctr"/>
+            <a:endParaRPr lang="ru-RU" dirty="0"/>
           </a:p>
         </p:txBody>
       </p:sp>
@@ -4174,6 +8990,13 @@
   <p:clrMapOvr>
     <a:masterClrMapping/>
   </p:clrMapOvr>
+  <p:timing>
+    <p:tnLst>
+      <p:par>
+        <p:cTn id="1" dur="indefinite" restart="never" nodeType="tmRoot"/>
+      </p:par>
+    </p:tnLst>
+  </p:timing>
 </p:sld>
 </file>
 
@@ -4215,7 +9038,11 @@
           <a:bodyPr/>
           <a:lstStyle/>
           <a:p>
-            <a:endParaRPr lang="ru-RU"/>
+            <a:r>
+              <a:rPr lang="ru-RU" dirty="0"/>
+              <a:t>PATCH-запрос</a:t>
+            </a:r>
+            <a:endParaRPr lang="ru-RU" dirty="0"/>
           </a:p>
         </p:txBody>
       </p:sp>
@@ -4240,7 +9067,146 @@
           <a:bodyPr/>
           <a:lstStyle/>
           <a:p>
-            <a:endParaRPr lang="ru-RU"/>
+            <a:r>
+              <a:rPr lang="ru-RU" dirty="0"/>
+              <a:t>PATCH-запросы (как и PUT) используются для обновления уже существующих данных. Разница в том, что с помощью PATCH запросов можно обновить несколько записей за раз.</a:t>
+            </a:r>
+            <a:endParaRPr lang="ru-RU" dirty="0"/>
+          </a:p>
+        </p:txBody>
+      </p:sp>
+      <p:pic>
+        <p:nvPicPr>
+          <p:cNvPr id="4" name="Picture 4" descr="Picture background"/>
+          <p:cNvPicPr>
+            <a:picLocks noChangeAspect="1" noChangeArrowheads="1"/>
+          </p:cNvPicPr>
+          <p:nvPr/>
+        </p:nvPicPr>
+        <p:blipFill>
+          <a:blip r:embed="rId2" cstate="hqprint">
+            <a:extLst>
+              <a:ext uri="{28A0092B-C50C-407E-A947-70E740481C1C}">
+                <a14:useLocalDpi xmlns:a14="http://schemas.microsoft.com/office/drawing/2010/main" val="0"/>
+              </a:ext>
+            </a:extLst>
+          </a:blip>
+          <a:srcRect/>
+          <a:stretch>
+            <a:fillRect/>
+          </a:stretch>
+        </p:blipFill>
+        <p:spPr bwMode="auto">
+          <a:xfrm rot="5400000">
+            <a:off x="1232033" y="3472182"/>
+            <a:ext cx="2270297" cy="1848671"/>
+          </a:xfrm>
+          <a:prstGeom prst="rect">
+            <a:avLst/>
+          </a:prstGeom>
+          <a:noFill/>
+          <a:extLst>
+            <a:ext uri="{909E8E84-426E-40DD-AFC4-6F175D3DCCD1}">
+              <a14:hiddenFill xmlns:a14="http://schemas.microsoft.com/office/drawing/2010/main">
+                <a:solidFill>
+                  <a:srgbClr val="FFFFFF"/>
+                </a:solidFill>
+              </a14:hiddenFill>
+            </a:ext>
+          </a:extLst>
+        </p:spPr>
+      </p:pic>
+      <p:sp>
+        <p:nvSpPr>
+          <p:cNvPr id="5" name="Стрелка: влево 3">
+            <a:hlinkClick r:id="rId3" action="ppaction://hlinksldjump"/>
+            <a:extLst>
+              <a:ext uri="{FF2B5EF4-FFF2-40B4-BE49-F238E27FC236}">
+                <a16:creationId xmlns:a16="http://schemas.microsoft.com/office/drawing/2014/main" id="{78436E58-2867-4B0B-89D1-643D50525DEA}"/>
+              </a:ext>
+            </a:extLst>
+          </p:cNvPr>
+          <p:cNvSpPr/>
+          <p:nvPr/>
+        </p:nvSpPr>
+        <p:spPr>
+          <a:xfrm>
+            <a:off x="10111260" y="5999400"/>
+            <a:ext cx="1008529" cy="858600"/>
+          </a:xfrm>
+          <a:prstGeom prst="leftArrow">
+            <a:avLst/>
+          </a:prstGeom>
+        </p:spPr>
+        <p:style>
+          <a:lnRef idx="2">
+            <a:schemeClr val="dk1">
+              <a:shade val="50000"/>
+            </a:schemeClr>
+          </a:lnRef>
+          <a:fillRef idx="1">
+            <a:schemeClr val="dk1"/>
+          </a:fillRef>
+          <a:effectRef idx="0">
+            <a:schemeClr val="dk1"/>
+          </a:effectRef>
+          <a:fontRef idx="minor">
+            <a:schemeClr val="lt1"/>
+          </a:fontRef>
+        </p:style>
+        <p:txBody>
+          <a:bodyPr rtlCol="0" anchor="ctr"/>
+          <a:lstStyle/>
+          <a:p>
+            <a:pPr algn="ctr"/>
+            <a:endParaRPr lang="ru-RU" dirty="0"/>
+          </a:p>
+        </p:txBody>
+      </p:sp>
+      <p:sp>
+        <p:nvSpPr>
+          <p:cNvPr id="6" name="Стрелка: влево 3">
+            <a:hlinkClick r:id="rId4" action="ppaction://hlinksldjump"/>
+            <a:extLst>
+              <a:ext uri="{FF2B5EF4-FFF2-40B4-BE49-F238E27FC236}">
+                <a16:creationId xmlns:a16="http://schemas.microsoft.com/office/drawing/2014/main" id="{78436E58-2867-4B0B-89D1-643D50525DEA}"/>
+              </a:ext>
+            </a:extLst>
+          </p:cNvPr>
+          <p:cNvSpPr/>
+          <p:nvPr/>
+        </p:nvSpPr>
+        <p:spPr>
+          <a:xfrm rot="10800000">
+            <a:off x="11183471" y="5999400"/>
+            <a:ext cx="1008529" cy="858600"/>
+          </a:xfrm>
+          <a:prstGeom prst="leftArrow">
+            <a:avLst/>
+          </a:prstGeom>
+        </p:spPr>
+        <p:style>
+          <a:lnRef idx="2">
+            <a:schemeClr val="dk1">
+              <a:shade val="50000"/>
+            </a:schemeClr>
+          </a:lnRef>
+          <a:fillRef idx="1">
+            <a:schemeClr val="dk1"/>
+          </a:fillRef>
+          <a:effectRef idx="0">
+            <a:schemeClr val="dk1"/>
+          </a:effectRef>
+          <a:fontRef idx="minor">
+            <a:schemeClr val="lt1"/>
+          </a:fontRef>
+        </p:style>
+        <p:txBody>
+          <a:bodyPr rtlCol="0" anchor="ctr"/>
+          <a:lstStyle/>
+          <a:p>
+            <a:pPr algn="ctr"/>
+            <a:endParaRPr lang="ru-RU" dirty="0"/>
           </a:p>
         </p:txBody>
       </p:sp>
@@ -4254,6 +9220,13 @@
   <p:clrMapOvr>
     <a:masterClrMapping/>
   </p:clrMapOvr>
+  <p:timing>
+    <p:tnLst>
+      <p:par>
+        <p:cTn id="1" dur="indefinite" restart="never" nodeType="tmRoot"/>
+      </p:par>
+    </p:tnLst>
+  </p:timing>
 </p:sld>
 </file>
 
@@ -4295,7 +9268,11 @@
           <a:bodyPr/>
           <a:lstStyle/>
           <a:p>
-            <a:endParaRPr lang="ru-RU"/>
+            <a:r>
+              <a:rPr lang="ru-RU" dirty="0"/>
+              <a:t>DELETE-запрос</a:t>
+            </a:r>
+            <a:endParaRPr lang="ru-RU" dirty="0"/>
           </a:p>
         </p:txBody>
       </p:sp>
@@ -4320,7 +9297,146 @@
           <a:bodyPr/>
           <a:lstStyle/>
           <a:p>
-            <a:endParaRPr lang="ru-RU"/>
+            <a:r>
+              <a:rPr lang="ru-RU" dirty="0"/>
+              <a:t>DELETE-запросы используются для удаления существующих данных.</a:t>
+            </a:r>
+            <a:endParaRPr lang="ru-RU" dirty="0"/>
+          </a:p>
+        </p:txBody>
+      </p:sp>
+      <p:pic>
+        <p:nvPicPr>
+          <p:cNvPr id="3074" name="Picture 2" descr="Picture background"/>
+          <p:cNvPicPr>
+            <a:picLocks noChangeAspect="1" noChangeArrowheads="1"/>
+          </p:cNvPicPr>
+          <p:nvPr/>
+        </p:nvPicPr>
+        <p:blipFill>
+          <a:blip r:embed="rId2">
+            <a:extLst>
+              <a:ext uri="{28A0092B-C50C-407E-A947-70E740481C1C}">
+                <a14:useLocalDpi xmlns:a14="http://schemas.microsoft.com/office/drawing/2010/main" val="0"/>
+              </a:ext>
+            </a:extLst>
+          </a:blip>
+          <a:srcRect/>
+          <a:stretch>
+            <a:fillRect/>
+          </a:stretch>
+        </p:blipFill>
+        <p:spPr bwMode="auto">
+          <a:xfrm>
+            <a:off x="1166691" y="2927839"/>
+            <a:ext cx="3099655" cy="3099656"/>
+          </a:xfrm>
+          <a:prstGeom prst="rect">
+            <a:avLst/>
+          </a:prstGeom>
+          <a:noFill/>
+          <a:extLst>
+            <a:ext uri="{909E8E84-426E-40DD-AFC4-6F175D3DCCD1}">
+              <a14:hiddenFill xmlns:a14="http://schemas.microsoft.com/office/drawing/2010/main">
+                <a:solidFill>
+                  <a:srgbClr val="FFFFFF"/>
+                </a:solidFill>
+              </a14:hiddenFill>
+            </a:ext>
+          </a:extLst>
+        </p:spPr>
+      </p:pic>
+      <p:sp>
+        <p:nvSpPr>
+          <p:cNvPr id="5" name="Стрелка: влево 3">
+            <a:hlinkClick r:id="rId3" action="ppaction://hlinksldjump"/>
+            <a:extLst>
+              <a:ext uri="{FF2B5EF4-FFF2-40B4-BE49-F238E27FC236}">
+                <a16:creationId xmlns:a16="http://schemas.microsoft.com/office/drawing/2014/main" id="{78436E58-2867-4B0B-89D1-643D50525DEA}"/>
+              </a:ext>
+            </a:extLst>
+          </p:cNvPr>
+          <p:cNvSpPr/>
+          <p:nvPr/>
+        </p:nvSpPr>
+        <p:spPr>
+          <a:xfrm>
+            <a:off x="10111260" y="5999400"/>
+            <a:ext cx="1008529" cy="858600"/>
+          </a:xfrm>
+          <a:prstGeom prst="leftArrow">
+            <a:avLst/>
+          </a:prstGeom>
+        </p:spPr>
+        <p:style>
+          <a:lnRef idx="2">
+            <a:schemeClr val="dk1">
+              <a:shade val="50000"/>
+            </a:schemeClr>
+          </a:lnRef>
+          <a:fillRef idx="1">
+            <a:schemeClr val="dk1"/>
+          </a:fillRef>
+          <a:effectRef idx="0">
+            <a:schemeClr val="dk1"/>
+          </a:effectRef>
+          <a:fontRef idx="minor">
+            <a:schemeClr val="lt1"/>
+          </a:fontRef>
+        </p:style>
+        <p:txBody>
+          <a:bodyPr rtlCol="0" anchor="ctr"/>
+          <a:lstStyle/>
+          <a:p>
+            <a:pPr algn="ctr"/>
+            <a:endParaRPr lang="ru-RU" dirty="0"/>
+          </a:p>
+        </p:txBody>
+      </p:sp>
+      <p:sp>
+        <p:nvSpPr>
+          <p:cNvPr id="6" name="Стрелка: влево 3">
+            <a:hlinkClick r:id="rId4" action="ppaction://hlinksldjump"/>
+            <a:extLst>
+              <a:ext uri="{FF2B5EF4-FFF2-40B4-BE49-F238E27FC236}">
+                <a16:creationId xmlns:a16="http://schemas.microsoft.com/office/drawing/2014/main" id="{78436E58-2867-4B0B-89D1-643D50525DEA}"/>
+              </a:ext>
+            </a:extLst>
+          </p:cNvPr>
+          <p:cNvSpPr/>
+          <p:nvPr/>
+        </p:nvSpPr>
+        <p:spPr>
+          <a:xfrm rot="10800000">
+            <a:off x="11183471" y="5999400"/>
+            <a:ext cx="1008529" cy="858600"/>
+          </a:xfrm>
+          <a:prstGeom prst="leftArrow">
+            <a:avLst/>
+          </a:prstGeom>
+        </p:spPr>
+        <p:style>
+          <a:lnRef idx="2">
+            <a:schemeClr val="dk1">
+              <a:shade val="50000"/>
+            </a:schemeClr>
+          </a:lnRef>
+          <a:fillRef idx="1">
+            <a:schemeClr val="dk1"/>
+          </a:fillRef>
+          <a:effectRef idx="0">
+            <a:schemeClr val="dk1"/>
+          </a:effectRef>
+          <a:fontRef idx="minor">
+            <a:schemeClr val="lt1"/>
+          </a:fontRef>
+        </p:style>
+        <p:txBody>
+          <a:bodyPr rtlCol="0" anchor="ctr"/>
+          <a:lstStyle/>
+          <a:p>
+            <a:pPr algn="ctr"/>
+            <a:endParaRPr lang="ru-RU" dirty="0"/>
           </a:p>
         </p:txBody>
       </p:sp>
@@ -4334,6 +9450,13 @@
   <p:clrMapOvr>
     <a:masterClrMapping/>
   </p:clrMapOvr>
+  <p:timing>
+    <p:tnLst>
+      <p:par>
+        <p:cTn id="1" dur="indefinite" restart="never" nodeType="tmRoot"/>
+      </p:par>
+    </p:tnLst>
+  </p:timing>
 </p:sld>
 </file>
 
@@ -4356,13 +9479,7 @@
       </p:grpSpPr>
       <p:sp>
         <p:nvSpPr>
-          <p:cNvPr id="2" name="Заголовок 1">
-            <a:extLst>
-              <a:ext uri="{FF2B5EF4-FFF2-40B4-BE49-F238E27FC236}">
-                <a16:creationId xmlns:a16="http://schemas.microsoft.com/office/drawing/2014/main" id="{91DAF104-7BE9-4047-B659-17975D2AAFB7}"/>
-              </a:ext>
-            </a:extLst>
-          </p:cNvPr>
+          <p:cNvPr id="2" name="Заголовок 1"/>
           <p:cNvSpPr>
             <a:spLocks noGrp="1"/>
           </p:cNvSpPr>
@@ -4375,19 +9492,17 @@
           <a:bodyPr/>
           <a:lstStyle/>
           <a:p>
-            <a:endParaRPr lang="ru-RU"/>
-          </a:p>
-        </p:txBody>
-      </p:sp>
-      <p:sp>
-        <p:nvSpPr>
-          <p:cNvPr id="3" name="Объект 2">
-            <a:extLst>
-              <a:ext uri="{FF2B5EF4-FFF2-40B4-BE49-F238E27FC236}">
-                <a16:creationId xmlns:a16="http://schemas.microsoft.com/office/drawing/2014/main" id="{FD6958CD-52E8-4497-8534-BC90459B8E96}"/>
-              </a:ext>
-            </a:extLst>
-          </p:cNvPr>
+            <a:r>
+              <a:rPr lang="ru-RU" dirty="0" smtClean="0"/>
+              <a:t>Вы прошли 1 уровень(запросы).</a:t>
+            </a:r>
+            <a:endParaRPr lang="ru-RU" dirty="0"/>
+          </a:p>
+        </p:txBody>
+      </p:sp>
+      <p:sp>
+        <p:nvSpPr>
+          <p:cNvPr id="4" name="Объект 3"/>
           <p:cNvSpPr>
             <a:spLocks noGrp="1"/>
           </p:cNvSpPr>
@@ -4400,6 +9515,45 @@
           <a:bodyPr/>
           <a:lstStyle/>
           <a:p>
+            <a:endParaRPr lang="ru-RU" dirty="0"/>
+          </a:p>
+        </p:txBody>
+      </p:sp>
+      <p:sp>
+        <p:nvSpPr>
+          <p:cNvPr id="8" name="AutoShape 4" descr="Смайлик-эмодзи 🙏 'Сложенные руки' ВК (ВКонтакте), Инстаграм, Ватсап: код  смайла, значение и расшифровка"/>
+          <p:cNvSpPr>
+            <a:spLocks noChangeAspect="1" noChangeArrowheads="1"/>
+          </p:cNvSpPr>
+          <p:nvPr/>
+        </p:nvSpPr>
+        <p:spPr bwMode="auto">
+          <a:xfrm>
+            <a:off x="155575" y="-144463"/>
+            <a:ext cx="304800" cy="304801"/>
+          </a:xfrm>
+          <a:prstGeom prst="rect">
+            <a:avLst/>
+          </a:prstGeom>
+          <a:noFill/>
+          <a:extLst>
+            <a:ext uri="{909E8E84-426E-40DD-AFC4-6F175D3DCCD1}">
+              <a14:hiddenFill xmlns:a14="http://schemas.microsoft.com/office/drawing/2010/main">
+                <a:solidFill>
+                  <a:srgbClr val="FFFFFF"/>
+                </a:solidFill>
+              </a14:hiddenFill>
+            </a:ext>
+          </a:extLst>
+        </p:spPr>
+        <p:txBody>
+          <a:bodyPr vert="horz" wrap="square" lIns="91440" tIns="45720" rIns="91440" bIns="45720" numCol="1" anchor="t" anchorCtr="0" compatLnSpc="1">
+            <a:prstTxWarp prst="textNoShape">
+              <a:avLst/>
+            </a:prstTxWarp>
+          </a:bodyPr>
+          <a:lstStyle/>
+          <a:p>
             <a:endParaRPr lang="ru-RU"/>
           </a:p>
         </p:txBody>
@@ -4407,13 +9561,20 @@
     </p:spTree>
     <p:extLst>
       <p:ext uri="{BB962C8B-B14F-4D97-AF65-F5344CB8AC3E}">
-        <p14:creationId xmlns:p14="http://schemas.microsoft.com/office/powerpoint/2010/main" val="4115652147"/>
+        <p14:creationId xmlns:p14="http://schemas.microsoft.com/office/powerpoint/2010/main" val="3862640743"/>
       </p:ext>
     </p:extLst>
   </p:cSld>
   <p:clrMapOvr>
     <a:masterClrMapping/>
   </p:clrMapOvr>
+  <p:timing>
+    <p:tnLst>
+      <p:par>
+        <p:cTn id="1" dur="indefinite" restart="never" nodeType="tmRoot"/>
+      </p:par>
+    </p:tnLst>
+  </p:timing>
 </p:sld>
 </file>
 
@@ -4455,7 +9616,11 @@
           <a:bodyPr/>
           <a:lstStyle/>
           <a:p>
-            <a:endParaRPr lang="ru-RU"/>
+            <a:r>
+              <a:rPr lang="en-US" dirty="0" smtClean="0"/>
+              <a:t>SOAP</a:t>
+            </a:r>
+            <a:endParaRPr lang="ru-RU" dirty="0"/>
           </a:p>
         </p:txBody>
       </p:sp>
@@ -4480,7 +9645,198 @@
           <a:bodyPr/>
           <a:lstStyle/>
           <a:p>
-            <a:endParaRPr lang="ru-RU"/>
+            <a:r>
+              <a:rPr lang="ru-RU" dirty="0"/>
+              <a:t>SOAP (</a:t>
+            </a:r>
+            <a:r>
+              <a:rPr lang="ru-RU" dirty="0" err="1"/>
+              <a:t>Simple</a:t>
+            </a:r>
+            <a:r>
+              <a:rPr lang="ru-RU" dirty="0"/>
+              <a:t> </a:t>
+            </a:r>
+            <a:r>
+              <a:rPr lang="ru-RU" dirty="0" err="1"/>
+              <a:t>Object</a:t>
+            </a:r>
+            <a:r>
+              <a:rPr lang="ru-RU" dirty="0"/>
+              <a:t> </a:t>
+            </a:r>
+            <a:r>
+              <a:rPr lang="ru-RU" dirty="0" err="1"/>
+              <a:t>Access</a:t>
+            </a:r>
+            <a:r>
+              <a:rPr lang="ru-RU" dirty="0"/>
+              <a:t> </a:t>
+            </a:r>
+            <a:r>
+              <a:rPr lang="ru-RU" dirty="0" err="1"/>
+              <a:t>Protocol</a:t>
+            </a:r>
+            <a:r>
+              <a:rPr lang="ru-RU" dirty="0"/>
+              <a:t>) - это протокол для обмена структурированными сообщениями в распределенной среде</a:t>
+            </a:r>
+            <a:r>
+              <a:rPr lang="ru-RU" dirty="0" smtClean="0"/>
+              <a:t>.</a:t>
+            </a:r>
+          </a:p>
+          <a:p>
+            <a:r>
+              <a:rPr lang="ru-RU" dirty="0"/>
+              <a:t>И</a:t>
+            </a:r>
+            <a:r>
+              <a:rPr lang="ru-RU" dirty="0" smtClean="0"/>
+              <a:t>спользует </a:t>
+            </a:r>
+            <a:r>
+              <a:rPr lang="ru-RU" dirty="0"/>
+              <a:t>XML для передачи сообщений и может работать с различными сетевыми протоколами.</a:t>
+            </a:r>
+          </a:p>
+          <a:p>
+            <a:endParaRPr lang="ru-RU" dirty="0"/>
+          </a:p>
+        </p:txBody>
+      </p:sp>
+      <p:pic>
+        <p:nvPicPr>
+          <p:cNvPr id="5122" name="Picture 2" descr="Picture background"/>
+          <p:cNvPicPr>
+            <a:picLocks noChangeAspect="1" noChangeArrowheads="1"/>
+          </p:cNvPicPr>
+          <p:nvPr/>
+        </p:nvPicPr>
+        <p:blipFill>
+          <a:blip r:embed="rId2">
+            <a:extLst>
+              <a:ext uri="{28A0092B-C50C-407E-A947-70E740481C1C}">
+                <a14:useLocalDpi xmlns:a14="http://schemas.microsoft.com/office/drawing/2010/main" val="0"/>
+              </a:ext>
+            </a:extLst>
+          </a:blip>
+          <a:srcRect/>
+          <a:stretch>
+            <a:fillRect/>
+          </a:stretch>
+        </p:blipFill>
+        <p:spPr bwMode="auto">
+          <a:xfrm>
+            <a:off x="3843826" y="3378311"/>
+            <a:ext cx="3752728" cy="3372764"/>
+          </a:xfrm>
+          <a:prstGeom prst="rect">
+            <a:avLst/>
+          </a:prstGeom>
+          <a:noFill/>
+          <a:extLst>
+            <a:ext uri="{909E8E84-426E-40DD-AFC4-6F175D3DCCD1}">
+              <a14:hiddenFill xmlns:a14="http://schemas.microsoft.com/office/drawing/2010/main">
+                <a:solidFill>
+                  <a:srgbClr val="FFFFFF"/>
+                </a:solidFill>
+              </a14:hiddenFill>
+            </a:ext>
+          </a:extLst>
+        </p:spPr>
+      </p:pic>
+      <p:sp>
+        <p:nvSpPr>
+          <p:cNvPr id="5" name="Стрелка: влево 3">
+            <a:hlinkClick r:id="rId3" action="ppaction://hlinksldjump"/>
+            <a:extLst>
+              <a:ext uri="{FF2B5EF4-FFF2-40B4-BE49-F238E27FC236}">
+                <a16:creationId xmlns:a16="http://schemas.microsoft.com/office/drawing/2014/main" id="{78436E58-2867-4B0B-89D1-643D50525DEA}"/>
+              </a:ext>
+            </a:extLst>
+          </p:cNvPr>
+          <p:cNvSpPr/>
+          <p:nvPr/>
+        </p:nvSpPr>
+        <p:spPr>
+          <a:xfrm>
+            <a:off x="10111260" y="5999400"/>
+            <a:ext cx="1008529" cy="858600"/>
+          </a:xfrm>
+          <a:prstGeom prst="leftArrow">
+            <a:avLst/>
+          </a:prstGeom>
+        </p:spPr>
+        <p:style>
+          <a:lnRef idx="2">
+            <a:schemeClr val="dk1">
+              <a:shade val="50000"/>
+            </a:schemeClr>
+          </a:lnRef>
+          <a:fillRef idx="1">
+            <a:schemeClr val="dk1"/>
+          </a:fillRef>
+          <a:effectRef idx="0">
+            <a:schemeClr val="dk1"/>
+          </a:effectRef>
+          <a:fontRef idx="minor">
+            <a:schemeClr val="lt1"/>
+          </a:fontRef>
+        </p:style>
+        <p:txBody>
+          <a:bodyPr rtlCol="0" anchor="ctr"/>
+          <a:lstStyle/>
+          <a:p>
+            <a:pPr algn="ctr"/>
+            <a:endParaRPr lang="ru-RU" dirty="0"/>
+          </a:p>
+        </p:txBody>
+      </p:sp>
+      <p:sp>
+        <p:nvSpPr>
+          <p:cNvPr id="6" name="Стрелка: влево 3">
+            <a:hlinkClick r:id="rId4" action="ppaction://hlinksldjump"/>
+            <a:extLst>
+              <a:ext uri="{FF2B5EF4-FFF2-40B4-BE49-F238E27FC236}">
+                <a16:creationId xmlns:a16="http://schemas.microsoft.com/office/drawing/2014/main" id="{78436E58-2867-4B0B-89D1-643D50525DEA}"/>
+              </a:ext>
+            </a:extLst>
+          </p:cNvPr>
+          <p:cNvSpPr/>
+          <p:nvPr/>
+        </p:nvSpPr>
+        <p:spPr>
+          <a:xfrm rot="10800000">
+            <a:off x="11183471" y="5999400"/>
+            <a:ext cx="1008529" cy="858600"/>
+          </a:xfrm>
+          <a:prstGeom prst="leftArrow">
+            <a:avLst/>
+          </a:prstGeom>
+        </p:spPr>
+        <p:style>
+          <a:lnRef idx="2">
+            <a:schemeClr val="dk1">
+              <a:shade val="50000"/>
+            </a:schemeClr>
+          </a:lnRef>
+          <a:fillRef idx="1">
+            <a:schemeClr val="dk1"/>
+          </a:fillRef>
+          <a:effectRef idx="0">
+            <a:schemeClr val="dk1"/>
+          </a:effectRef>
+          <a:fontRef idx="minor">
+            <a:schemeClr val="lt1"/>
+          </a:fontRef>
+        </p:style>
+        <p:txBody>
+          <a:bodyPr rtlCol="0" anchor="ctr"/>
+          <a:lstStyle/>
+          <a:p>
+            <a:pPr algn="ctr"/>
+            <a:endParaRPr lang="ru-RU" dirty="0"/>
           </a:p>
         </p:txBody>
       </p:sp>
@@ -4494,6 +9850,13 @@
   <p:clrMapOvr>
     <a:masterClrMapping/>
   </p:clrMapOvr>
+  <p:timing>
+    <p:tnLst>
+      <p:par>
+        <p:cTn id="1" dur="indefinite" restart="never" nodeType="tmRoot"/>
+      </p:par>
+    </p:tnLst>
+  </p:timing>
 </p:sld>
 </file>
 

--- a/Интерактивная игра.pptx
+++ b/Интерактивная игра.pptx
@@ -15,11 +15,13 @@
     <p:sldId id="273" r:id="rId9"/>
     <p:sldId id="264" r:id="rId10"/>
     <p:sldId id="263" r:id="rId11"/>
-    <p:sldId id="267" r:id="rId12"/>
-    <p:sldId id="269" r:id="rId13"/>
-    <p:sldId id="270" r:id="rId14"/>
-    <p:sldId id="271" r:id="rId15"/>
-    <p:sldId id="272" r:id="rId16"/>
+    <p:sldId id="274" r:id="rId12"/>
+    <p:sldId id="275" r:id="rId13"/>
+    <p:sldId id="267" r:id="rId14"/>
+    <p:sldId id="269" r:id="rId15"/>
+    <p:sldId id="270" r:id="rId16"/>
+    <p:sldId id="271" r:id="rId17"/>
+    <p:sldId id="272" r:id="rId18"/>
   </p:sldIdLst>
   <p:sldSz cx="12192000" cy="6858000"/>
   <p:notesSz cx="6858000" cy="9144000"/>
@@ -273,7 +275,7 @@
           <a:p>
             <a:fld id="{9FB68831-C8AF-4D49-8B65-BDA0DD8F3CEE}" type="datetimeFigureOut">
               <a:rPr lang="ru-RU" smtClean="0"/>
-              <a:t>17.05.2024</a:t>
+              <a:t>21.05.2024</a:t>
             </a:fld>
             <a:endParaRPr lang="ru-RU"/>
           </a:p>
@@ -471,7 +473,7 @@
           <a:p>
             <a:fld id="{9FB68831-C8AF-4D49-8B65-BDA0DD8F3CEE}" type="datetimeFigureOut">
               <a:rPr lang="ru-RU" smtClean="0"/>
-              <a:t>17.05.2024</a:t>
+              <a:t>21.05.2024</a:t>
             </a:fld>
             <a:endParaRPr lang="ru-RU"/>
           </a:p>
@@ -679,7 +681,7 @@
           <a:p>
             <a:fld id="{9FB68831-C8AF-4D49-8B65-BDA0DD8F3CEE}" type="datetimeFigureOut">
               <a:rPr lang="ru-RU" smtClean="0"/>
-              <a:t>17.05.2024</a:t>
+              <a:t>21.05.2024</a:t>
             </a:fld>
             <a:endParaRPr lang="ru-RU"/>
           </a:p>
@@ -877,7 +879,7 @@
           <a:p>
             <a:fld id="{9FB68831-C8AF-4D49-8B65-BDA0DD8F3CEE}" type="datetimeFigureOut">
               <a:rPr lang="ru-RU" smtClean="0"/>
-              <a:t>17.05.2024</a:t>
+              <a:t>21.05.2024</a:t>
             </a:fld>
             <a:endParaRPr lang="ru-RU"/>
           </a:p>
@@ -1152,7 +1154,7 @@
           <a:p>
             <a:fld id="{9FB68831-C8AF-4D49-8B65-BDA0DD8F3CEE}" type="datetimeFigureOut">
               <a:rPr lang="ru-RU" smtClean="0"/>
-              <a:t>17.05.2024</a:t>
+              <a:t>21.05.2024</a:t>
             </a:fld>
             <a:endParaRPr lang="ru-RU"/>
           </a:p>
@@ -1417,7 +1419,7 @@
           <a:p>
             <a:fld id="{9FB68831-C8AF-4D49-8B65-BDA0DD8F3CEE}" type="datetimeFigureOut">
               <a:rPr lang="ru-RU" smtClean="0"/>
-              <a:t>17.05.2024</a:t>
+              <a:t>21.05.2024</a:t>
             </a:fld>
             <a:endParaRPr lang="ru-RU"/>
           </a:p>
@@ -1829,7 +1831,7 @@
           <a:p>
             <a:fld id="{9FB68831-C8AF-4D49-8B65-BDA0DD8F3CEE}" type="datetimeFigureOut">
               <a:rPr lang="ru-RU" smtClean="0"/>
-              <a:t>17.05.2024</a:t>
+              <a:t>21.05.2024</a:t>
             </a:fld>
             <a:endParaRPr lang="ru-RU"/>
           </a:p>
@@ -1970,7 +1972,7 @@
           <a:p>
             <a:fld id="{9FB68831-C8AF-4D49-8B65-BDA0DD8F3CEE}" type="datetimeFigureOut">
               <a:rPr lang="ru-RU" smtClean="0"/>
-              <a:t>17.05.2024</a:t>
+              <a:t>21.05.2024</a:t>
             </a:fld>
             <a:endParaRPr lang="ru-RU"/>
           </a:p>
@@ -2083,7 +2085,7 @@
           <a:p>
             <a:fld id="{9FB68831-C8AF-4D49-8B65-BDA0DD8F3CEE}" type="datetimeFigureOut">
               <a:rPr lang="ru-RU" smtClean="0"/>
-              <a:t>17.05.2024</a:t>
+              <a:t>21.05.2024</a:t>
             </a:fld>
             <a:endParaRPr lang="ru-RU"/>
           </a:p>
@@ -2394,7 +2396,7 @@
           <a:p>
             <a:fld id="{9FB68831-C8AF-4D49-8B65-BDA0DD8F3CEE}" type="datetimeFigureOut">
               <a:rPr lang="ru-RU" smtClean="0"/>
-              <a:t>17.05.2024</a:t>
+              <a:t>21.05.2024</a:t>
             </a:fld>
             <a:endParaRPr lang="ru-RU"/>
           </a:p>
@@ -2682,7 +2684,7 @@
           <a:p>
             <a:fld id="{9FB68831-C8AF-4D49-8B65-BDA0DD8F3CEE}" type="datetimeFigureOut">
               <a:rPr lang="ru-RU" smtClean="0"/>
-              <a:t>17.05.2024</a:t>
+              <a:t>21.05.2024</a:t>
             </a:fld>
             <a:endParaRPr lang="ru-RU"/>
           </a:p>
@@ -2923,7 +2925,7 @@
           <a:p>
             <a:fld id="{9FB68831-C8AF-4D49-8B65-BDA0DD8F3CEE}" type="datetimeFigureOut">
               <a:rPr lang="ru-RU" smtClean="0"/>
-              <a:t>17.05.2024</a:t>
+              <a:t>21.05.2024</a:t>
             </a:fld>
             <a:endParaRPr lang="ru-RU"/>
           </a:p>
@@ -3393,13 +3395,6 @@
   <p:clrMapOvr>
     <a:masterClrMapping/>
   </p:clrMapOvr>
-  <p:timing>
-    <p:tnLst>
-      <p:par>
-        <p:cTn id="1" dur="indefinite" restart="never" nodeType="tmRoot"/>
-      </p:par>
-    </p:tnLst>
-  </p:timing>
 </p:sld>
 </file>
 
@@ -3484,40 +3479,23 @@
             </a:r>
             <a:r>
               <a:rPr lang="ru-RU" dirty="0"/>
-              <a:t>В отличие от SOAP, который является протоколом, он не подчиняется строгим стандартам, более гибкий, простой и легковесный</a:t>
-            </a:r>
-            <a:r>
-              <a:rPr lang="ru-RU" dirty="0" smtClean="0"/>
-              <a:t>.</a:t>
-            </a:r>
-            <a:endParaRPr lang="en-US" dirty="0" smtClean="0"/>
+              <a:t>В отличие от SOAP, который является протоколом, он не подчиняется строгим стандартам, более гибкий, простой и легковесный.</a:t>
+            </a:r>
+            <a:endParaRPr lang="en-US" dirty="0"/>
           </a:p>
           <a:p>
             <a:r>
               <a:rPr lang="ru-RU" dirty="0"/>
-              <a:t>В основе REST лежат стандартные </a:t>
-            </a:r>
-            <a:r>
-              <a:rPr lang="ru-RU" dirty="0" smtClean="0"/>
-              <a:t>HTTP-методы</a:t>
-            </a:r>
-            <a:r>
-              <a:rPr lang="en-US" dirty="0" smtClean="0"/>
+              <a:t>В основе REST лежат стандартные HTTP-методы</a:t>
+            </a:r>
+            <a:r>
+              <a:rPr lang="en-US" dirty="0"/>
               <a:t>, </a:t>
             </a:r>
             <a:r>
-              <a:rPr lang="ru-RU" dirty="0" smtClean="0"/>
-              <a:t>а </a:t>
-            </a:r>
-            <a:r>
               <a:rPr lang="ru-RU" dirty="0"/>
-              <a:t>основным форматом данных для него является JSON</a:t>
-            </a:r>
-            <a:r>
-              <a:rPr lang="ru-RU" dirty="0" smtClean="0"/>
-              <a:t>.</a:t>
-            </a:r>
-            <a:endParaRPr lang="ru-RU" dirty="0"/>
+              <a:t>а основным форматом данных для него является JSON.</a:t>
+            </a:r>
           </a:p>
           <a:p>
             <a:endParaRPr lang="ru-RU" dirty="0"/>
@@ -3615,6 +3593,7 @@
       <p:sp>
         <p:nvSpPr>
           <p:cNvPr id="7" name="Стрелка: влево 3">
+            <a:hlinkClick r:id="rId4" action="ppaction://hlinksldjump"/>
             <a:extLst>
               <a:ext uri="{FF2B5EF4-FFF2-40B4-BE49-F238E27FC236}">
                 <a16:creationId xmlns:a16="http://schemas.microsoft.com/office/drawing/2014/main" id="{78436E58-2867-4B0B-89D1-643D50525DEA}"/>
@@ -3668,13 +3647,6 @@
   <p:clrMapOvr>
     <a:masterClrMapping/>
   </p:clrMapOvr>
-  <p:timing>
-    <p:tnLst>
-      <p:par>
-        <p:cTn id="1" dur="indefinite" restart="never" nodeType="tmRoot"/>
-      </p:par>
-    </p:tnLst>
-  </p:timing>
 </p:sld>
 </file>
 
@@ -3697,6 +3669,282 @@
       </p:grpSpPr>
       <p:sp>
         <p:nvSpPr>
+          <p:cNvPr id="2" name="Заголовок 1">
+            <a:extLst>
+              <a:ext uri="{FF2B5EF4-FFF2-40B4-BE49-F238E27FC236}">
+                <a16:creationId xmlns:a16="http://schemas.microsoft.com/office/drawing/2014/main" id="{4681FADF-4287-471D-95D2-E0FEEDF5F636}"/>
+              </a:ext>
+            </a:extLst>
+          </p:cNvPr>
+          <p:cNvSpPr>
+            <a:spLocks noGrp="1"/>
+          </p:cNvSpPr>
+          <p:nvPr>
+            <p:ph type="title"/>
+          </p:nvPr>
+        </p:nvSpPr>
+        <p:spPr>
+          <a:xfrm>
+            <a:off x="0" y="0"/>
+            <a:ext cx="12192000" cy="1343819"/>
+          </a:xfrm>
+        </p:spPr>
+        <p:txBody>
+          <a:bodyPr/>
+          <a:lstStyle/>
+          <a:p>
+            <a:pPr algn="ctr"/>
+            <a:r>
+              <a:rPr lang="ru-RU" u="sng" dirty="0">
+                <a:solidFill>
+                  <a:srgbClr val="FF0000"/>
+                </a:solidFill>
+              </a:rPr>
+              <a:t>Теперь ты готов</a:t>
+            </a:r>
+            <a:endParaRPr lang="ru-RU" u="sng" dirty="0">
+              <a:solidFill>
+                <a:srgbClr val="FF0000"/>
+              </a:solidFill>
+              <a:hlinkClick r:id="rId2" action="ppaction://hlinksldjump"/>
+            </a:endParaRPr>
+          </a:p>
+        </p:txBody>
+      </p:sp>
+      <p:sp>
+        <p:nvSpPr>
+          <p:cNvPr id="3" name="Объект 2">
+            <a:extLst>
+              <a:ext uri="{FF2B5EF4-FFF2-40B4-BE49-F238E27FC236}">
+                <a16:creationId xmlns:a16="http://schemas.microsoft.com/office/drawing/2014/main" id="{DD22E603-9768-4881-9A18-9CC52F5E9F8E}"/>
+              </a:ext>
+            </a:extLst>
+          </p:cNvPr>
+          <p:cNvSpPr>
+            <a:spLocks noGrp="1"/>
+          </p:cNvSpPr>
+          <p:nvPr>
+            <p:ph idx="1"/>
+          </p:nvPr>
+        </p:nvSpPr>
+        <p:spPr/>
+        <p:txBody>
+          <a:bodyPr/>
+          <a:lstStyle/>
+          <a:p>
+            <a:endParaRPr lang="ru-RU" dirty="0"/>
+          </a:p>
+        </p:txBody>
+      </p:sp>
+      <p:pic>
+        <p:nvPicPr>
+          <p:cNvPr id="4" name="Объект 2">
+            <a:hlinkClick r:id="rId2" action="ppaction://hlinksldjump"/>
+            <a:extLst>
+              <a:ext uri="{FF2B5EF4-FFF2-40B4-BE49-F238E27FC236}">
+                <a16:creationId xmlns:a16="http://schemas.microsoft.com/office/drawing/2014/main" id="{94A4BFA0-7D20-4702-A088-CDDC59ACD8C4}"/>
+              </a:ext>
+            </a:extLst>
+          </p:cNvPr>
+          <p:cNvPicPr>
+            <a:picLocks noChangeAspect="1"/>
+          </p:cNvPicPr>
+          <p:nvPr/>
+        </p:nvPicPr>
+        <p:blipFill>
+          <a:blip r:embed="rId3"/>
+          <a:stretch>
+            <a:fillRect/>
+          </a:stretch>
+        </p:blipFill>
+        <p:spPr>
+          <a:xfrm>
+            <a:off x="0" y="1343819"/>
+            <a:ext cx="12192000" cy="5563904"/>
+          </a:xfrm>
+          <a:prstGeom prst="rect">
+            <a:avLst/>
+          </a:prstGeom>
+        </p:spPr>
+      </p:pic>
+      <p:pic>
+        <p:nvPicPr>
+          <p:cNvPr id="2050" name="Picture 2" descr="Picture background">
+            <a:hlinkClick r:id="rId2" action="ppaction://hlinksldjump"/>
+            <a:extLst>
+              <a:ext uri="{FF2B5EF4-FFF2-40B4-BE49-F238E27FC236}">
+                <a16:creationId xmlns:a16="http://schemas.microsoft.com/office/drawing/2014/main" id="{EDA60BE6-0003-41EA-ABAC-E3A8FD4EE2AD}"/>
+              </a:ext>
+            </a:extLst>
+          </p:cNvPr>
+          <p:cNvPicPr>
+            <a:picLocks noChangeAspect="1" noChangeArrowheads="1"/>
+          </p:cNvPicPr>
+          <p:nvPr/>
+        </p:nvPicPr>
+        <p:blipFill>
+          <a:blip r:embed="rId4">
+            <a:extLst>
+              <a:ext uri="{28A0092B-C50C-407E-A947-70E740481C1C}">
+                <a14:useLocalDpi xmlns:a14="http://schemas.microsoft.com/office/drawing/2010/main" val="0"/>
+              </a:ext>
+            </a:extLst>
+          </a:blip>
+          <a:srcRect/>
+          <a:stretch>
+            <a:fillRect/>
+          </a:stretch>
+        </p:blipFill>
+        <p:spPr bwMode="auto">
+          <a:xfrm>
+            <a:off x="-663388" y="-80683"/>
+            <a:ext cx="13312587" cy="8704845"/>
+          </a:xfrm>
+          <a:prstGeom prst="rect">
+            <a:avLst/>
+          </a:prstGeom>
+          <a:noFill/>
+          <a:extLst>
+            <a:ext uri="{909E8E84-426E-40DD-AFC4-6F175D3DCCD1}">
+              <a14:hiddenFill xmlns:a14="http://schemas.microsoft.com/office/drawing/2010/main">
+                <a:solidFill>
+                  <a:srgbClr val="FFFFFF"/>
+                </a:solidFill>
+              </a14:hiddenFill>
+            </a:ext>
+          </a:extLst>
+        </p:spPr>
+      </p:pic>
+    </p:spTree>
+    <p:extLst>
+      <p:ext uri="{BB962C8B-B14F-4D97-AF65-F5344CB8AC3E}">
+        <p14:creationId xmlns:p14="http://schemas.microsoft.com/office/powerpoint/2010/main" val="1681558354"/>
+      </p:ext>
+    </p:extLst>
+  </p:cSld>
+  <p:clrMapOvr>
+    <a:masterClrMapping/>
+  </p:clrMapOvr>
+</p:sld>
+</file>
+
+<file path=ppt/slides/slide12.xml><?xml version="1.0" encoding="utf-8"?>
+<p:sld xmlns:a="http://schemas.openxmlformats.org/drawingml/2006/main" xmlns:r="http://schemas.openxmlformats.org/officeDocument/2006/relationships" xmlns:p="http://schemas.openxmlformats.org/presentationml/2006/main">
+  <p:cSld>
+    <p:spTree>
+      <p:nvGrpSpPr>
+        <p:cNvPr id="1" name=""/>
+        <p:cNvGrpSpPr/>
+        <p:nvPr/>
+      </p:nvGrpSpPr>
+      <p:grpSpPr>
+        <a:xfrm>
+          <a:off x="0" y="0"/>
+          <a:ext cx="0" cy="0"/>
+          <a:chOff x="0" y="0"/>
+          <a:chExt cx="0" cy="0"/>
+        </a:xfrm>
+      </p:grpSpPr>
+      <p:sp>
+        <p:nvSpPr>
+          <p:cNvPr id="2" name="Заголовок 1">
+            <a:extLst>
+              <a:ext uri="{FF2B5EF4-FFF2-40B4-BE49-F238E27FC236}">
+                <a16:creationId xmlns:a16="http://schemas.microsoft.com/office/drawing/2014/main" id="{B80C297A-7A45-4C1B-9E45-3DBFA5D5C0C7}"/>
+              </a:ext>
+            </a:extLst>
+          </p:cNvPr>
+          <p:cNvSpPr>
+            <a:spLocks noGrp="1"/>
+          </p:cNvSpPr>
+          <p:nvPr>
+            <p:ph type="title"/>
+          </p:nvPr>
+        </p:nvSpPr>
+        <p:spPr/>
+        <p:txBody>
+          <a:bodyPr/>
+          <a:lstStyle/>
+          <a:p>
+            <a:r>
+              <a:rPr lang="ru-RU" dirty="0"/>
+              <a:t>Спарта</a:t>
+            </a:r>
+          </a:p>
+        </p:txBody>
+      </p:sp>
+      <p:pic>
+        <p:nvPicPr>
+          <p:cNvPr id="4" name="Объект 3">
+            <a:extLst>
+              <a:ext uri="{FF2B5EF4-FFF2-40B4-BE49-F238E27FC236}">
+                <a16:creationId xmlns:a16="http://schemas.microsoft.com/office/drawing/2014/main" id="{5BD1BDC6-16B8-4FDA-810E-C692BA6CDB14}"/>
+              </a:ext>
+            </a:extLst>
+          </p:cNvPr>
+          <p:cNvPicPr>
+            <a:picLocks noGrp="1" noChangeAspect="1"/>
+          </p:cNvPicPr>
+          <p:nvPr>
+            <p:ph idx="1"/>
+          </p:nvPr>
+        </p:nvPicPr>
+        <p:blipFill>
+          <a:blip r:embed="rId2"/>
+          <a:stretch>
+            <a:fillRect/>
+          </a:stretch>
+        </p:blipFill>
+        <p:spPr>
+          <a:xfrm>
+            <a:off x="0" y="0"/>
+            <a:ext cx="12192000" cy="6872272"/>
+          </a:xfrm>
+          <a:prstGeom prst="rect">
+            <a:avLst/>
+          </a:prstGeom>
+        </p:spPr>
+      </p:pic>
+    </p:spTree>
+    <p:extLst>
+      <p:ext uri="{BB962C8B-B14F-4D97-AF65-F5344CB8AC3E}">
+        <p14:creationId xmlns:p14="http://schemas.microsoft.com/office/powerpoint/2010/main" val="4087377860"/>
+      </p:ext>
+    </p:extLst>
+  </p:cSld>
+  <p:clrMapOvr>
+    <a:masterClrMapping/>
+  </p:clrMapOvr>
+  <mc:AlternateContent xmlns:mc="http://schemas.openxmlformats.org/markup-compatibility/2006">
+    <mc:Choice xmlns:p14="http://schemas.microsoft.com/office/powerpoint/2010/main" Requires="p14">
+      <p:transition spd="slow" p14:dur="2000" advClick="0" advTm="2000"/>
+    </mc:Choice>
+    <mc:Fallback>
+      <p:transition spd="slow" advClick="0" advTm="2000"/>
+    </mc:Fallback>
+  </mc:AlternateContent>
+</p:sld>
+</file>
+
+<file path=ppt/slides/slide13.xml><?xml version="1.0" encoding="utf-8"?>
+<p:sld xmlns:a="http://schemas.openxmlformats.org/drawingml/2006/main" xmlns:r="http://schemas.openxmlformats.org/officeDocument/2006/relationships" xmlns:p="http://schemas.openxmlformats.org/presentationml/2006/main">
+  <p:cSld>
+    <p:spTree>
+      <p:nvGrpSpPr>
+        <p:cNvPr id="1" name=""/>
+        <p:cNvGrpSpPr/>
+        <p:nvPr/>
+      </p:nvGrpSpPr>
+      <p:grpSpPr>
+        <a:xfrm>
+          <a:off x="0" y="0"/>
+          <a:ext cx="0" cy="0"/>
+          <a:chOff x="0" y="0"/>
+          <a:chExt cx="0" cy="0"/>
+        </a:xfrm>
+      </p:grpSpPr>
+      <p:sp>
+        <p:nvSpPr>
           <p:cNvPr id="3" name="Объект 2"/>
           <p:cNvSpPr>
             <a:spLocks noGrp="1"/>
@@ -3711,26 +3959,17 @@
           <a:lstStyle/>
           <a:p>
             <a:r>
-              <a:rPr lang="ru-RU" dirty="0" smtClean="0"/>
+              <a:rPr lang="ru-RU" dirty="0"/>
               <a:t>Какой язык разметки использует </a:t>
             </a:r>
             <a:r>
-              <a:rPr lang="en-US" dirty="0" smtClean="0"/>
+              <a:rPr lang="en-US" dirty="0"/>
               <a:t>SOAP </a:t>
             </a:r>
             <a:r>
-              <a:rPr lang="ru-RU" dirty="0" smtClean="0"/>
-              <a:t>для </a:t>
-            </a:r>
-            <a:r>
               <a:rPr lang="ru-RU" dirty="0"/>
-              <a:t>передачи </a:t>
-            </a:r>
-            <a:r>
-              <a:rPr lang="ru-RU" dirty="0" smtClean="0"/>
-              <a:t>сообщений?</a:t>
-            </a:r>
-            <a:endParaRPr lang="ru-RU" dirty="0"/>
+              <a:t>для передачи сообщений?</a:t>
+            </a:r>
           </a:p>
         </p:txBody>
       </p:sp>
@@ -3750,23 +3989,24 @@
           <a:lstStyle/>
           <a:p>
             <a:r>
-              <a:rPr lang="ru-RU" b="1" dirty="0" smtClean="0"/>
+              <a:rPr lang="ru-RU" b="1" dirty="0"/>
               <a:t>Вопрос 1.</a:t>
             </a:r>
-            <a:endParaRPr lang="ru-RU" b="1" dirty="0"/>
           </a:p>
         </p:txBody>
       </p:sp>
       <p:pic>
         <p:nvPicPr>
-          <p:cNvPr id="5" name="Рисунок 4"/>
+          <p:cNvPr id="5" name="Рисунок 4">
+            <a:hlinkClick r:id="rId2" action="ppaction://hlinksldjump"/>
+          </p:cNvPr>
           <p:cNvPicPr>
             <a:picLocks noChangeAspect="1"/>
           </p:cNvPicPr>
           <p:nvPr/>
         </p:nvPicPr>
         <p:blipFill>
-          <a:blip r:embed="rId2" cstate="print">
+          <a:blip r:embed="rId3" cstate="print">
             <a:extLst>
               <a:ext uri="{28A0092B-C50C-407E-A947-70E740481C1C}">
                 <a14:useLocalDpi xmlns:a14="http://schemas.microsoft.com/office/drawing/2010/main" val="0"/>
@@ -3796,7 +4036,7 @@
           <p:nvPr/>
         </p:nvPicPr>
         <p:blipFill>
-          <a:blip r:embed="rId3" cstate="hqprint">
+          <a:blip r:embed="rId4" cstate="hqprint">
             <a:extLst>
               <a:ext uri="{28A0092B-C50C-407E-A947-70E740481C1C}">
                 <a14:useLocalDpi xmlns:a14="http://schemas.microsoft.com/office/drawing/2010/main" val="0"/>
@@ -3819,14 +4059,16 @@
       </p:pic>
       <p:pic>
         <p:nvPicPr>
-          <p:cNvPr id="7" name="Рисунок 6"/>
+          <p:cNvPr id="7" name="Рисунок 6">
+            <a:hlinkClick r:id="rId2" action="ppaction://hlinksldjump"/>
+          </p:cNvPr>
           <p:cNvPicPr>
             <a:picLocks noChangeAspect="1"/>
           </p:cNvPicPr>
           <p:nvPr/>
         </p:nvPicPr>
         <p:blipFill>
-          <a:blip r:embed="rId4">
+          <a:blip r:embed="rId5">
             <a:extLst>
               <a:ext uri="{28A0092B-C50C-407E-A947-70E740481C1C}">
                 <a14:useLocalDpi xmlns:a14="http://schemas.microsoft.com/office/drawing/2010/main" val="0"/>
@@ -3870,10 +4112,9 @@
           <a:lstStyle/>
           <a:p>
             <a:r>
-              <a:rPr lang="ru-RU" sz="2800" dirty="0" smtClean="0"/>
+              <a:rPr lang="ru-RU" sz="2800" dirty="0"/>
               <a:t>1.</a:t>
             </a:r>
-            <a:endParaRPr lang="ru-RU" sz="2800" dirty="0"/>
           </a:p>
         </p:txBody>
       </p:sp>
@@ -3901,13 +4142,8 @@
           <a:p>
             <a:r>
               <a:rPr lang="ru-RU" sz="2800" dirty="0"/>
-              <a:t>2</a:t>
-            </a:r>
-            <a:r>
-              <a:rPr lang="ru-RU" sz="2800" dirty="0" smtClean="0"/>
-              <a:t>.</a:t>
-            </a:r>
-            <a:endParaRPr lang="ru-RU" sz="2800" dirty="0"/>
+              <a:t>2.</a:t>
+            </a:r>
           </a:p>
         </p:txBody>
       </p:sp>
@@ -3935,13 +4171,8 @@
           <a:p>
             <a:r>
               <a:rPr lang="ru-RU" sz="2800" dirty="0"/>
-              <a:t>3</a:t>
-            </a:r>
-            <a:r>
-              <a:rPr lang="ru-RU" sz="2800" dirty="0" smtClean="0"/>
-              <a:t>.</a:t>
-            </a:r>
-            <a:endParaRPr lang="ru-RU" sz="2800" dirty="0"/>
+              <a:t>3.</a:t>
+            </a:r>
           </a:p>
         </p:txBody>
       </p:sp>
@@ -3985,10 +4216,9 @@
           <a:p>
             <a:pPr algn="ctr"/>
             <a:r>
-              <a:rPr lang="ru-RU" dirty="0" smtClean="0"/>
+              <a:rPr lang="ru-RU" dirty="0"/>
               <a:t>Не правильно</a:t>
             </a:r>
-            <a:endParaRPr lang="ru-RU" dirty="0"/>
           </a:p>
         </p:txBody>
       </p:sp>
@@ -4032,10 +4262,9 @@
           <a:p>
             <a:pPr algn="ctr"/>
             <a:r>
-              <a:rPr lang="ru-RU" dirty="0" smtClean="0"/>
+              <a:rPr lang="ru-RU" dirty="0"/>
               <a:t>Не правильно</a:t>
             </a:r>
-            <a:endParaRPr lang="ru-RU" dirty="0"/>
           </a:p>
         </p:txBody>
       </p:sp>
@@ -4079,17 +4308,16 @@
           <a:p>
             <a:pPr algn="ctr"/>
             <a:r>
-              <a:rPr lang="ru-RU" dirty="0" smtClean="0"/>
+              <a:rPr lang="ru-RU" dirty="0"/>
               <a:t>Правильно</a:t>
             </a:r>
-            <a:endParaRPr lang="ru-RU" dirty="0"/>
           </a:p>
         </p:txBody>
       </p:sp>
       <p:sp>
         <p:nvSpPr>
           <p:cNvPr id="14" name="Стрелка: влево 3">
-            <a:hlinkClick r:id="rId5" action="ppaction://hlinksldjump"/>
+            <a:hlinkClick r:id="rId6" action="ppaction://hlinksldjump"/>
             <a:extLst>
               <a:ext uri="{FF2B5EF4-FFF2-40B4-BE49-F238E27FC236}">
                 <a16:creationId xmlns:a16="http://schemas.microsoft.com/office/drawing/2014/main" id="{78436E58-2867-4B0B-89D1-643D50525DEA}"/>
@@ -4143,14 +4371,6 @@
   <p:clrMapOvr>
     <a:masterClrMapping/>
   </p:clrMapOvr>
-  <mc:AlternateContent xmlns:mc="http://schemas.openxmlformats.org/markup-compatibility/2006">
-    <mc:Choice xmlns:p14="http://schemas.microsoft.com/office/powerpoint/2010/main" Requires="p14">
-      <p:transition spd="slow" p14:dur="2000"/>
-    </mc:Choice>
-    <mc:Fallback>
-      <p:transition spd="slow"/>
-    </mc:Fallback>
-  </mc:AlternateContent>
   <p:timing>
     <p:tnLst>
       <p:par>
@@ -4547,7 +4767,7 @@
 </p:sld>
 </file>
 
-<file path=ppt/slides/slide12.xml><?xml version="1.0" encoding="utf-8"?>
+<file path=ppt/slides/slide14.xml><?xml version="1.0" encoding="utf-8"?>
 <p:sld xmlns:a="http://schemas.openxmlformats.org/drawingml/2006/main" xmlns:r="http://schemas.openxmlformats.org/officeDocument/2006/relationships" xmlns:p="http://schemas.openxmlformats.org/presentationml/2006/main">
   <p:cSld>
     <p:spTree>
@@ -4591,7 +4811,6 @@
               <a:rPr lang="ru-RU" dirty="0"/>
               <a:t>?</a:t>
             </a:r>
-            <a:endParaRPr lang="ru-RU" dirty="0"/>
           </a:p>
         </p:txBody>
       </p:sp>
@@ -4611,18 +4830,17 @@
           <a:lstStyle/>
           <a:p>
             <a:r>
-              <a:rPr lang="ru-RU" b="1" dirty="0" smtClean="0"/>
+              <a:rPr lang="ru-RU" b="1" dirty="0"/>
               <a:t>Вопрос </a:t>
             </a:r>
             <a:r>
-              <a:rPr lang="en-US" b="1" dirty="0" smtClean="0"/>
+              <a:rPr lang="en-US" b="1" dirty="0"/>
               <a:t>2</a:t>
             </a:r>
             <a:r>
-              <a:rPr lang="ru-RU" b="1" dirty="0" smtClean="0"/>
+              <a:rPr lang="ru-RU" b="1" dirty="0"/>
               <a:t>.</a:t>
             </a:r>
-            <a:endParaRPr lang="ru-RU" b="1" dirty="0"/>
           </a:p>
         </p:txBody>
       </p:sp>
@@ -4658,14 +4876,16 @@
       </p:pic>
       <p:pic>
         <p:nvPicPr>
-          <p:cNvPr id="6" name="Рисунок 5"/>
+          <p:cNvPr id="6" name="Рисунок 5">
+            <a:hlinkClick r:id="rId3" action="ppaction://hlinksldjump"/>
+          </p:cNvPr>
           <p:cNvPicPr>
             <a:picLocks noChangeAspect="1"/>
           </p:cNvPicPr>
           <p:nvPr/>
         </p:nvPicPr>
         <p:blipFill>
-          <a:blip r:embed="rId3" cstate="hqprint">
+          <a:blip r:embed="rId4" cstate="hqprint">
             <a:extLst>
               <a:ext uri="{28A0092B-C50C-407E-A947-70E740481C1C}">
                 <a14:useLocalDpi xmlns:a14="http://schemas.microsoft.com/office/drawing/2010/main" val="0"/>
@@ -4688,14 +4908,16 @@
       </p:pic>
       <p:pic>
         <p:nvPicPr>
-          <p:cNvPr id="7" name="Рисунок 6"/>
+          <p:cNvPr id="7" name="Рисунок 6">
+            <a:hlinkClick r:id="rId3" action="ppaction://hlinksldjump"/>
+          </p:cNvPr>
           <p:cNvPicPr>
             <a:picLocks noChangeAspect="1"/>
           </p:cNvPicPr>
           <p:nvPr/>
         </p:nvPicPr>
         <p:blipFill>
-          <a:blip r:embed="rId4">
+          <a:blip r:embed="rId5">
             <a:extLst>
               <a:ext uri="{28A0092B-C50C-407E-A947-70E740481C1C}">
                 <a14:useLocalDpi xmlns:a14="http://schemas.microsoft.com/office/drawing/2010/main" val="0"/>
@@ -4739,10 +4961,9 @@
           <a:lstStyle/>
           <a:p>
             <a:r>
-              <a:rPr lang="ru-RU" sz="2800" dirty="0" smtClean="0"/>
+              <a:rPr lang="ru-RU" sz="2800" dirty="0"/>
               <a:t>1.</a:t>
             </a:r>
-            <a:endParaRPr lang="ru-RU" sz="2800" dirty="0"/>
           </a:p>
         </p:txBody>
       </p:sp>
@@ -4770,13 +4991,8 @@
           <a:p>
             <a:r>
               <a:rPr lang="ru-RU" sz="2800" dirty="0"/>
-              <a:t>2</a:t>
-            </a:r>
-            <a:r>
-              <a:rPr lang="ru-RU" sz="2800" dirty="0" smtClean="0"/>
-              <a:t>.</a:t>
-            </a:r>
-            <a:endParaRPr lang="ru-RU" sz="2800" dirty="0"/>
+              <a:t>2.</a:t>
+            </a:r>
           </a:p>
         </p:txBody>
       </p:sp>
@@ -4804,13 +5020,8 @@
           <a:p>
             <a:r>
               <a:rPr lang="ru-RU" sz="2800" dirty="0"/>
-              <a:t>3</a:t>
-            </a:r>
-            <a:r>
-              <a:rPr lang="ru-RU" sz="2800" dirty="0" smtClean="0"/>
-              <a:t>.</a:t>
-            </a:r>
-            <a:endParaRPr lang="ru-RU" sz="2800" dirty="0"/>
+              <a:t>3.</a:t>
+            </a:r>
           </a:p>
         </p:txBody>
       </p:sp>
@@ -4854,10 +5065,9 @@
           <a:p>
             <a:pPr algn="ctr"/>
             <a:r>
-              <a:rPr lang="ru-RU" dirty="0" smtClean="0"/>
+              <a:rPr lang="ru-RU" dirty="0"/>
               <a:t>Не правильно</a:t>
             </a:r>
-            <a:endParaRPr lang="ru-RU" dirty="0"/>
           </a:p>
         </p:txBody>
       </p:sp>
@@ -4901,10 +5111,9 @@
           <a:p>
             <a:pPr algn="ctr"/>
             <a:r>
-              <a:rPr lang="ru-RU" dirty="0" smtClean="0"/>
+              <a:rPr lang="ru-RU" dirty="0"/>
               <a:t>Не правильно</a:t>
             </a:r>
-            <a:endParaRPr lang="ru-RU" dirty="0"/>
           </a:p>
         </p:txBody>
       </p:sp>
@@ -4948,17 +5157,16 @@
           <a:p>
             <a:pPr algn="ctr"/>
             <a:r>
-              <a:rPr lang="ru-RU" dirty="0" smtClean="0"/>
+              <a:rPr lang="ru-RU" dirty="0"/>
               <a:t>Правильно</a:t>
             </a:r>
-            <a:endParaRPr lang="ru-RU" dirty="0"/>
           </a:p>
         </p:txBody>
       </p:sp>
       <p:sp>
         <p:nvSpPr>
           <p:cNvPr id="14" name="Стрелка: влево 3">
-            <a:hlinkClick r:id="rId5" action="ppaction://hlinksldjump"/>
+            <a:hlinkClick r:id="rId6" action="ppaction://hlinksldjump"/>
             <a:extLst>
               <a:ext uri="{FF2B5EF4-FFF2-40B4-BE49-F238E27FC236}">
                 <a16:creationId xmlns:a16="http://schemas.microsoft.com/office/drawing/2014/main" id="{78436E58-2867-4B0B-89D1-643D50525DEA}"/>
@@ -5408,1733 +5616,6 @@
 </p:sld>
 </file>
 
-<file path=ppt/slides/slide13.xml><?xml version="1.0" encoding="utf-8"?>
-<p:sld xmlns:a="http://schemas.openxmlformats.org/drawingml/2006/main" xmlns:r="http://schemas.openxmlformats.org/officeDocument/2006/relationships" xmlns:p="http://schemas.openxmlformats.org/presentationml/2006/main">
-  <p:cSld>
-    <p:spTree>
-      <p:nvGrpSpPr>
-        <p:cNvPr id="1" name=""/>
-        <p:cNvGrpSpPr/>
-        <p:nvPr/>
-      </p:nvGrpSpPr>
-      <p:grpSpPr>
-        <a:xfrm>
-          <a:off x="0" y="0"/>
-          <a:ext cx="0" cy="0"/>
-          <a:chOff x="0" y="0"/>
-          <a:chExt cx="0" cy="0"/>
-        </a:xfrm>
-      </p:grpSpPr>
-      <p:sp>
-        <p:nvSpPr>
-          <p:cNvPr id="3" name="Объект 2"/>
-          <p:cNvSpPr>
-            <a:spLocks noGrp="1"/>
-          </p:cNvSpPr>
-          <p:nvPr>
-            <p:ph idx="1"/>
-          </p:nvPr>
-        </p:nvSpPr>
-        <p:spPr/>
-        <p:txBody>
-          <a:bodyPr/>
-          <a:lstStyle/>
-          <a:p>
-            <a:r>
-              <a:rPr lang="ru-RU" dirty="0"/>
-              <a:t>Какой запрос используется для обновления уже существующих данных?</a:t>
-            </a:r>
-          </a:p>
-        </p:txBody>
-      </p:sp>
-      <p:sp>
-        <p:nvSpPr>
-          <p:cNvPr id="4" name="Заголовок 3"/>
-          <p:cNvSpPr>
-            <a:spLocks noGrp="1"/>
-          </p:cNvSpPr>
-          <p:nvPr>
-            <p:ph type="title"/>
-          </p:nvPr>
-        </p:nvSpPr>
-        <p:spPr>
-          <a:xfrm>
-            <a:off x="838200" y="317175"/>
-            <a:ext cx="10515600" cy="1325563"/>
-          </a:xfrm>
-        </p:spPr>
-        <p:txBody>
-          <a:bodyPr/>
-          <a:lstStyle/>
-          <a:p>
-            <a:r>
-              <a:rPr lang="ru-RU" b="1" dirty="0" smtClean="0"/>
-              <a:t>Вопрос </a:t>
-            </a:r>
-            <a:r>
-              <a:rPr lang="en-US" b="1" dirty="0"/>
-              <a:t>3</a:t>
-            </a:r>
-            <a:r>
-              <a:rPr lang="ru-RU" b="1" dirty="0" smtClean="0"/>
-              <a:t>.</a:t>
-            </a:r>
-            <a:endParaRPr lang="ru-RU" b="1" dirty="0"/>
-          </a:p>
-        </p:txBody>
-      </p:sp>
-      <p:sp>
-        <p:nvSpPr>
-          <p:cNvPr id="8" name="TextBox 7"/>
-          <p:cNvSpPr txBox="1"/>
-          <p:nvPr/>
-        </p:nvSpPr>
-        <p:spPr>
-          <a:xfrm>
-            <a:off x="1005938" y="2759145"/>
-            <a:ext cx="798538" cy="523220"/>
-          </a:xfrm>
-          <a:prstGeom prst="rect">
-            <a:avLst/>
-          </a:prstGeom>
-          <a:noFill/>
-        </p:spPr>
-        <p:txBody>
-          <a:bodyPr wrap="square" rtlCol="0">
-            <a:spAutoFit/>
-          </a:bodyPr>
-          <a:lstStyle/>
-          <a:p>
-            <a:r>
-              <a:rPr lang="ru-RU" sz="2800" dirty="0" smtClean="0"/>
-              <a:t>1.</a:t>
-            </a:r>
-            <a:endParaRPr lang="ru-RU" sz="2800" dirty="0"/>
-          </a:p>
-        </p:txBody>
-      </p:sp>
-      <p:sp>
-        <p:nvSpPr>
-          <p:cNvPr id="9" name="TextBox 8"/>
-          <p:cNvSpPr txBox="1"/>
-          <p:nvPr/>
-        </p:nvSpPr>
-        <p:spPr>
-          <a:xfrm>
-            <a:off x="4244438" y="2785413"/>
-            <a:ext cx="798538" cy="523220"/>
-          </a:xfrm>
-          <a:prstGeom prst="rect">
-            <a:avLst/>
-          </a:prstGeom>
-          <a:noFill/>
-        </p:spPr>
-        <p:txBody>
-          <a:bodyPr wrap="square" rtlCol="0">
-            <a:spAutoFit/>
-          </a:bodyPr>
-          <a:lstStyle/>
-          <a:p>
-            <a:r>
-              <a:rPr lang="ru-RU" sz="2800" dirty="0"/>
-              <a:t>2</a:t>
-            </a:r>
-            <a:r>
-              <a:rPr lang="ru-RU" sz="2800" dirty="0" smtClean="0"/>
-              <a:t>.</a:t>
-            </a:r>
-            <a:endParaRPr lang="ru-RU" sz="2800" dirty="0"/>
-          </a:p>
-        </p:txBody>
-      </p:sp>
-      <p:sp>
-        <p:nvSpPr>
-          <p:cNvPr id="10" name="TextBox 9"/>
-          <p:cNvSpPr txBox="1"/>
-          <p:nvPr/>
-        </p:nvSpPr>
-        <p:spPr>
-          <a:xfrm>
-            <a:off x="7600169" y="2785413"/>
-            <a:ext cx="798538" cy="523220"/>
-          </a:xfrm>
-          <a:prstGeom prst="rect">
-            <a:avLst/>
-          </a:prstGeom>
-          <a:noFill/>
-        </p:spPr>
-        <p:txBody>
-          <a:bodyPr wrap="square" rtlCol="0">
-            <a:spAutoFit/>
-          </a:bodyPr>
-          <a:lstStyle/>
-          <a:p>
-            <a:r>
-              <a:rPr lang="ru-RU" sz="2800" dirty="0"/>
-              <a:t>3</a:t>
-            </a:r>
-            <a:r>
-              <a:rPr lang="ru-RU" sz="2800" dirty="0" smtClean="0"/>
-              <a:t>.</a:t>
-            </a:r>
-            <a:endParaRPr lang="ru-RU" sz="2800" dirty="0"/>
-          </a:p>
-        </p:txBody>
-      </p:sp>
-      <p:sp>
-        <p:nvSpPr>
-          <p:cNvPr id="12" name="Прямоугольник 11"/>
-          <p:cNvSpPr/>
-          <p:nvPr/>
-        </p:nvSpPr>
-        <p:spPr>
-          <a:xfrm>
-            <a:off x="3450871" y="567200"/>
-            <a:ext cx="3534508" cy="738554"/>
-          </a:xfrm>
-          <a:prstGeom prst="rect">
-            <a:avLst/>
-          </a:prstGeom>
-          <a:solidFill>
-            <a:srgbClr val="FF0000"/>
-          </a:solidFill>
-        </p:spPr>
-        <p:style>
-          <a:lnRef idx="2">
-            <a:schemeClr val="accent1">
-              <a:shade val="50000"/>
-            </a:schemeClr>
-          </a:lnRef>
-          <a:fillRef idx="1">
-            <a:schemeClr val="accent1"/>
-          </a:fillRef>
-          <a:effectRef idx="0">
-            <a:schemeClr val="accent1"/>
-          </a:effectRef>
-          <a:fontRef idx="minor">
-            <a:schemeClr val="lt1"/>
-          </a:fontRef>
-        </p:style>
-        <p:txBody>
-          <a:bodyPr rtlCol="0" anchor="ctr"/>
-          <a:lstStyle/>
-          <a:p>
-            <a:pPr algn="ctr"/>
-            <a:r>
-              <a:rPr lang="ru-RU" dirty="0" smtClean="0"/>
-              <a:t>Не правильно</a:t>
-            </a:r>
-            <a:endParaRPr lang="ru-RU" dirty="0"/>
-          </a:p>
-        </p:txBody>
-      </p:sp>
-      <p:sp>
-        <p:nvSpPr>
-          <p:cNvPr id="13" name="Прямоугольник 12"/>
-          <p:cNvSpPr/>
-          <p:nvPr/>
-        </p:nvSpPr>
-        <p:spPr>
-          <a:xfrm>
-            <a:off x="3450871" y="567200"/>
-            <a:ext cx="3534508" cy="738554"/>
-          </a:xfrm>
-          <a:prstGeom prst="rect">
-            <a:avLst/>
-          </a:prstGeom>
-          <a:solidFill>
-            <a:srgbClr val="FF0000"/>
-          </a:solidFill>
-        </p:spPr>
-        <p:style>
-          <a:lnRef idx="2">
-            <a:schemeClr val="accent1">
-              <a:shade val="50000"/>
-            </a:schemeClr>
-          </a:lnRef>
-          <a:fillRef idx="1">
-            <a:schemeClr val="accent1"/>
-          </a:fillRef>
-          <a:effectRef idx="0">
-            <a:schemeClr val="accent1"/>
-          </a:effectRef>
-          <a:fontRef idx="minor">
-            <a:schemeClr val="lt1"/>
-          </a:fontRef>
-        </p:style>
-        <p:txBody>
-          <a:bodyPr rtlCol="0" anchor="ctr"/>
-          <a:lstStyle/>
-          <a:p>
-            <a:pPr algn="ctr"/>
-            <a:r>
-              <a:rPr lang="ru-RU" dirty="0" smtClean="0"/>
-              <a:t>Не правильно</a:t>
-            </a:r>
-            <a:endParaRPr lang="ru-RU" dirty="0"/>
-          </a:p>
-        </p:txBody>
-      </p:sp>
-      <p:sp>
-        <p:nvSpPr>
-          <p:cNvPr id="11" name="Прямоугольник 10"/>
-          <p:cNvSpPr/>
-          <p:nvPr/>
-        </p:nvSpPr>
-        <p:spPr>
-          <a:xfrm>
-            <a:off x="3450871" y="567200"/>
-            <a:ext cx="3534508" cy="738554"/>
-          </a:xfrm>
-          <a:prstGeom prst="rect">
-            <a:avLst/>
-          </a:prstGeom>
-          <a:solidFill>
-            <a:srgbClr val="00B050"/>
-          </a:solidFill>
-        </p:spPr>
-        <p:style>
-          <a:lnRef idx="2">
-            <a:schemeClr val="accent1">
-              <a:shade val="50000"/>
-            </a:schemeClr>
-          </a:lnRef>
-          <a:fillRef idx="1">
-            <a:schemeClr val="accent1"/>
-          </a:fillRef>
-          <a:effectRef idx="0">
-            <a:schemeClr val="accent1"/>
-          </a:effectRef>
-          <a:fontRef idx="minor">
-            <a:schemeClr val="lt1"/>
-          </a:fontRef>
-        </p:style>
-        <p:txBody>
-          <a:bodyPr rtlCol="0" anchor="ctr"/>
-          <a:lstStyle/>
-          <a:p>
-            <a:pPr algn="ctr"/>
-            <a:r>
-              <a:rPr lang="ru-RU" dirty="0" smtClean="0"/>
-              <a:t>Правильно</a:t>
-            </a:r>
-            <a:endParaRPr lang="ru-RU" dirty="0"/>
-          </a:p>
-        </p:txBody>
-      </p:sp>
-      <p:sp>
-        <p:nvSpPr>
-          <p:cNvPr id="2" name="TextBox 1"/>
-          <p:cNvSpPr txBox="1"/>
-          <p:nvPr/>
-        </p:nvSpPr>
-        <p:spPr>
-          <a:xfrm>
-            <a:off x="1281322" y="3262630"/>
-            <a:ext cx="2444933" cy="923330"/>
-          </a:xfrm>
-          <a:prstGeom prst="rect">
-            <a:avLst/>
-          </a:prstGeom>
-          <a:noFill/>
-        </p:spPr>
-        <p:txBody>
-          <a:bodyPr wrap="square" rtlCol="0">
-            <a:spAutoFit/>
-          </a:bodyPr>
-          <a:lstStyle/>
-          <a:p>
-            <a:r>
-              <a:rPr lang="en-US" sz="5400" b="1" dirty="0" smtClean="0"/>
-              <a:t>PUT</a:t>
-            </a:r>
-            <a:endParaRPr lang="ru-RU" sz="5400" b="1" dirty="0"/>
-          </a:p>
-        </p:txBody>
-      </p:sp>
-      <p:sp>
-        <p:nvSpPr>
-          <p:cNvPr id="14" name="TextBox 13"/>
-          <p:cNvSpPr txBox="1"/>
-          <p:nvPr/>
-        </p:nvSpPr>
-        <p:spPr>
-          <a:xfrm>
-            <a:off x="4807536" y="3282365"/>
-            <a:ext cx="2057400" cy="923330"/>
-          </a:xfrm>
-          <a:prstGeom prst="rect">
-            <a:avLst/>
-          </a:prstGeom>
-          <a:noFill/>
-        </p:spPr>
-        <p:txBody>
-          <a:bodyPr wrap="square" rtlCol="0">
-            <a:spAutoFit/>
-          </a:bodyPr>
-          <a:lstStyle/>
-          <a:p>
-            <a:r>
-              <a:rPr lang="en-US" sz="5400" b="1" dirty="0" smtClean="0"/>
-              <a:t>GET</a:t>
-            </a:r>
-            <a:endParaRPr lang="ru-RU" sz="5400" b="1" dirty="0"/>
-          </a:p>
-        </p:txBody>
-      </p:sp>
-      <p:sp>
-        <p:nvSpPr>
-          <p:cNvPr id="15" name="TextBox 14"/>
-          <p:cNvSpPr txBox="1"/>
-          <p:nvPr/>
-        </p:nvSpPr>
-        <p:spPr>
-          <a:xfrm>
-            <a:off x="8082034" y="3280872"/>
-            <a:ext cx="2680189" cy="923330"/>
-          </a:xfrm>
-          <a:prstGeom prst="rect">
-            <a:avLst/>
-          </a:prstGeom>
-          <a:noFill/>
-        </p:spPr>
-        <p:txBody>
-          <a:bodyPr wrap="square" rtlCol="0">
-            <a:spAutoFit/>
-          </a:bodyPr>
-          <a:lstStyle/>
-          <a:p>
-            <a:r>
-              <a:rPr lang="en-US" sz="5400" b="1" dirty="0" smtClean="0"/>
-              <a:t>DELETE</a:t>
-            </a:r>
-            <a:endParaRPr lang="ru-RU" sz="5400" b="1" dirty="0"/>
-          </a:p>
-        </p:txBody>
-      </p:sp>
-      <p:sp>
-        <p:nvSpPr>
-          <p:cNvPr id="16" name="Стрелка: влево 3">
-            <a:extLst>
-              <a:ext uri="{FF2B5EF4-FFF2-40B4-BE49-F238E27FC236}">
-                <a16:creationId xmlns:a16="http://schemas.microsoft.com/office/drawing/2014/main" id="{78436E58-2867-4B0B-89D1-643D50525DEA}"/>
-              </a:ext>
-            </a:extLst>
-          </p:cNvPr>
-          <p:cNvSpPr/>
-          <p:nvPr/>
-        </p:nvSpPr>
-        <p:spPr>
-          <a:xfrm rot="10800000">
-            <a:off x="11177609" y="5999400"/>
-            <a:ext cx="1008529" cy="858600"/>
-          </a:xfrm>
-          <a:prstGeom prst="leftArrow">
-            <a:avLst/>
-          </a:prstGeom>
-        </p:spPr>
-        <p:style>
-          <a:lnRef idx="2">
-            <a:schemeClr val="dk1">
-              <a:shade val="50000"/>
-            </a:schemeClr>
-          </a:lnRef>
-          <a:fillRef idx="1">
-            <a:schemeClr val="dk1"/>
-          </a:fillRef>
-          <a:effectRef idx="0">
-            <a:schemeClr val="dk1"/>
-          </a:effectRef>
-          <a:fontRef idx="minor">
-            <a:schemeClr val="lt1"/>
-          </a:fontRef>
-        </p:style>
-        <p:txBody>
-          <a:bodyPr rtlCol="0" anchor="ctr"/>
-          <a:lstStyle/>
-          <a:p>
-            <a:pPr algn="ctr"/>
-            <a:endParaRPr lang="ru-RU" dirty="0"/>
-          </a:p>
-        </p:txBody>
-      </p:sp>
-    </p:spTree>
-    <p:extLst>
-      <p:ext uri="{BB962C8B-B14F-4D97-AF65-F5344CB8AC3E}">
-        <p14:creationId xmlns:p14="http://schemas.microsoft.com/office/powerpoint/2010/main" val="2549710364"/>
-      </p:ext>
-    </p:extLst>
-  </p:cSld>
-  <p:clrMapOvr>
-    <a:masterClrMapping/>
-  </p:clrMapOvr>
-  <p:timing>
-    <p:tnLst>
-      <p:par>
-        <p:cTn id="1" dur="indefinite" restart="never" nodeType="tmRoot">
-          <p:childTnLst>
-            <p:seq concurrent="1" nextAc="seek">
-              <p:cTn id="2" restart="whenNotActive" fill="hold" evtFilter="cancelBubble" nodeType="interactiveSeq">
-                <p:stCondLst>
-                  <p:cond evt="onClick" delay="0">
-                    <p:tgtEl>
-                      <p:spTgt spid="2"/>
-                    </p:tgtEl>
-                  </p:cond>
-                </p:stCondLst>
-                <p:endSync evt="end" delay="0">
-                  <p:rtn val="all"/>
-                </p:endSync>
-                <p:childTnLst>
-                  <p:par>
-                    <p:cTn id="3" fill="hold">
-                      <p:stCondLst>
-                        <p:cond delay="0"/>
-                      </p:stCondLst>
-                      <p:childTnLst>
-                        <p:par>
-                          <p:cTn id="4" fill="hold">
-                            <p:stCondLst>
-                              <p:cond delay="0"/>
-                            </p:stCondLst>
-                            <p:childTnLst>
-                              <p:par>
-                                <p:cTn id="5" presetID="2" presetClass="entr" presetSubtype="4" fill="hold" grpId="0" nodeType="clickEffect">
-                                  <p:stCondLst>
-                                    <p:cond delay="0"/>
-                                  </p:stCondLst>
-                                  <p:childTnLst>
-                                    <p:set>
-                                      <p:cBhvr>
-                                        <p:cTn id="6" dur="1" fill="hold">
-                                          <p:stCondLst>
-                                            <p:cond delay="0"/>
-                                          </p:stCondLst>
-                                        </p:cTn>
-                                        <p:tgtEl>
-                                          <p:spTgt spid="11"/>
-                                        </p:tgtEl>
-                                        <p:attrNameLst>
-                                          <p:attrName>style.visibility</p:attrName>
-                                        </p:attrNameLst>
-                                      </p:cBhvr>
-                                      <p:to>
-                                        <p:strVal val="visible"/>
-                                      </p:to>
-                                    </p:set>
-                                    <p:anim calcmode="lin" valueType="num">
-                                      <p:cBhvr additive="base">
-                                        <p:cTn id="7" dur="500" fill="hold"/>
-                                        <p:tgtEl>
-                                          <p:spTgt spid="11"/>
-                                        </p:tgtEl>
-                                        <p:attrNameLst>
-                                          <p:attrName>ppt_x</p:attrName>
-                                        </p:attrNameLst>
-                                      </p:cBhvr>
-                                      <p:tavLst>
-                                        <p:tav tm="0">
-                                          <p:val>
-                                            <p:strVal val="#ppt_x"/>
-                                          </p:val>
-                                        </p:tav>
-                                        <p:tav tm="100000">
-                                          <p:val>
-                                            <p:strVal val="#ppt_x"/>
-                                          </p:val>
-                                        </p:tav>
-                                      </p:tavLst>
-                                    </p:anim>
-                                    <p:anim calcmode="lin" valueType="num">
-                                      <p:cBhvr additive="base">
-                                        <p:cTn id="8" dur="500" fill="hold"/>
-                                        <p:tgtEl>
-                                          <p:spTgt spid="11"/>
-                                        </p:tgtEl>
-                                        <p:attrNameLst>
-                                          <p:attrName>ppt_y</p:attrName>
-                                        </p:attrNameLst>
-                                      </p:cBhvr>
-                                      <p:tavLst>
-                                        <p:tav tm="0">
-                                          <p:val>
-                                            <p:strVal val="1+#ppt_h/2"/>
-                                          </p:val>
-                                        </p:tav>
-                                        <p:tav tm="100000">
-                                          <p:val>
-                                            <p:strVal val="#ppt_y"/>
-                                          </p:val>
-                                        </p:tav>
-                                      </p:tavLst>
-                                    </p:anim>
-                                  </p:childTnLst>
-                                </p:cTn>
-                              </p:par>
-                              <p:par>
-                                <p:cTn id="9" presetID="22" presetClass="entr" presetSubtype="4" fill="hold" grpId="0" nodeType="withEffect">
-                                  <p:stCondLst>
-                                    <p:cond delay="0"/>
-                                  </p:stCondLst>
-                                  <p:childTnLst>
-                                    <p:set>
-                                      <p:cBhvr>
-                                        <p:cTn id="10" dur="1" fill="hold">
-                                          <p:stCondLst>
-                                            <p:cond delay="0"/>
-                                          </p:stCondLst>
-                                        </p:cTn>
-                                        <p:tgtEl>
-                                          <p:spTgt spid="16"/>
-                                        </p:tgtEl>
-                                        <p:attrNameLst>
-                                          <p:attrName>style.visibility</p:attrName>
-                                        </p:attrNameLst>
-                                      </p:cBhvr>
-                                      <p:to>
-                                        <p:strVal val="visible"/>
-                                      </p:to>
-                                    </p:set>
-                                    <p:animEffect transition="in" filter="wipe(down)">
-                                      <p:cBhvr>
-                                        <p:cTn id="11" dur="500"/>
-                                        <p:tgtEl>
-                                          <p:spTgt spid="16"/>
-                                        </p:tgtEl>
-                                      </p:cBhvr>
-                                    </p:animEffect>
-                                  </p:childTnLst>
-                                </p:cTn>
-                              </p:par>
-                            </p:childTnLst>
-                          </p:cTn>
-                        </p:par>
-                      </p:childTnLst>
-                    </p:cTn>
-                  </p:par>
-                </p:childTnLst>
-              </p:cTn>
-              <p:nextCondLst>
-                <p:cond evt="onClick" delay="0">
-                  <p:tgtEl>
-                    <p:spTgt spid="2"/>
-                  </p:tgtEl>
-                </p:cond>
-              </p:nextCondLst>
-            </p:seq>
-            <p:seq concurrent="1" nextAc="seek">
-              <p:cTn id="12" restart="whenNotActive" fill="hold" evtFilter="cancelBubble" nodeType="interactiveSeq">
-                <p:stCondLst>
-                  <p:cond evt="onClick" delay="0">
-                    <p:tgtEl>
-                      <p:spTgt spid="14"/>
-                    </p:tgtEl>
-                  </p:cond>
-                </p:stCondLst>
-                <p:endSync evt="end" delay="0">
-                  <p:rtn val="all"/>
-                </p:endSync>
-                <p:childTnLst>
-                  <p:par>
-                    <p:cTn id="13" fill="hold">
-                      <p:stCondLst>
-                        <p:cond delay="0"/>
-                      </p:stCondLst>
-                      <p:childTnLst>
-                        <p:par>
-                          <p:cTn id="14" fill="hold">
-                            <p:stCondLst>
-                              <p:cond delay="0"/>
-                            </p:stCondLst>
-                            <p:childTnLst>
-                              <p:par>
-                                <p:cTn id="15" presetID="2" presetClass="entr" presetSubtype="4" fill="hold" grpId="0" nodeType="clickEffect">
-                                  <p:stCondLst>
-                                    <p:cond delay="0"/>
-                                  </p:stCondLst>
-                                  <p:childTnLst>
-                                    <p:set>
-                                      <p:cBhvr>
-                                        <p:cTn id="16" dur="1" fill="hold">
-                                          <p:stCondLst>
-                                            <p:cond delay="0"/>
-                                          </p:stCondLst>
-                                        </p:cTn>
-                                        <p:tgtEl>
-                                          <p:spTgt spid="13"/>
-                                        </p:tgtEl>
-                                        <p:attrNameLst>
-                                          <p:attrName>style.visibility</p:attrName>
-                                        </p:attrNameLst>
-                                      </p:cBhvr>
-                                      <p:to>
-                                        <p:strVal val="visible"/>
-                                      </p:to>
-                                    </p:set>
-                                    <p:anim calcmode="lin" valueType="num">
-                                      <p:cBhvr additive="base">
-                                        <p:cTn id="17" dur="500" fill="hold"/>
-                                        <p:tgtEl>
-                                          <p:spTgt spid="13"/>
-                                        </p:tgtEl>
-                                        <p:attrNameLst>
-                                          <p:attrName>ppt_x</p:attrName>
-                                        </p:attrNameLst>
-                                      </p:cBhvr>
-                                      <p:tavLst>
-                                        <p:tav tm="0">
-                                          <p:val>
-                                            <p:strVal val="#ppt_x"/>
-                                          </p:val>
-                                        </p:tav>
-                                        <p:tav tm="100000">
-                                          <p:val>
-                                            <p:strVal val="#ppt_x"/>
-                                          </p:val>
-                                        </p:tav>
-                                      </p:tavLst>
-                                    </p:anim>
-                                    <p:anim calcmode="lin" valueType="num">
-                                      <p:cBhvr additive="base">
-                                        <p:cTn id="18" dur="500" fill="hold"/>
-                                        <p:tgtEl>
-                                          <p:spTgt spid="13"/>
-                                        </p:tgtEl>
-                                        <p:attrNameLst>
-                                          <p:attrName>ppt_y</p:attrName>
-                                        </p:attrNameLst>
-                                      </p:cBhvr>
-                                      <p:tavLst>
-                                        <p:tav tm="0">
-                                          <p:val>
-                                            <p:strVal val="1+#ppt_h/2"/>
-                                          </p:val>
-                                        </p:tav>
-                                        <p:tav tm="100000">
-                                          <p:val>
-                                            <p:strVal val="#ppt_y"/>
-                                          </p:val>
-                                        </p:tav>
-                                      </p:tavLst>
-                                    </p:anim>
-                                  </p:childTnLst>
-                                </p:cTn>
-                              </p:par>
-                            </p:childTnLst>
-                          </p:cTn>
-                        </p:par>
-                      </p:childTnLst>
-                    </p:cTn>
-                  </p:par>
-                </p:childTnLst>
-              </p:cTn>
-              <p:nextCondLst>
-                <p:cond evt="onClick" delay="0">
-                  <p:tgtEl>
-                    <p:spTgt spid="14"/>
-                  </p:tgtEl>
-                </p:cond>
-              </p:nextCondLst>
-            </p:seq>
-            <p:seq concurrent="1" nextAc="seek">
-              <p:cTn id="19" restart="whenNotActive" fill="hold" evtFilter="cancelBubble" nodeType="interactiveSeq">
-                <p:stCondLst>
-                  <p:cond evt="onClick" delay="0">
-                    <p:tgtEl>
-                      <p:spTgt spid="15"/>
-                    </p:tgtEl>
-                  </p:cond>
-                </p:stCondLst>
-                <p:endSync evt="end" delay="0">
-                  <p:rtn val="all"/>
-                </p:endSync>
-                <p:childTnLst>
-                  <p:par>
-                    <p:cTn id="20" fill="hold">
-                      <p:stCondLst>
-                        <p:cond delay="0"/>
-                      </p:stCondLst>
-                      <p:childTnLst>
-                        <p:par>
-                          <p:cTn id="21" fill="hold">
-                            <p:stCondLst>
-                              <p:cond delay="0"/>
-                            </p:stCondLst>
-                            <p:childTnLst>
-                              <p:par>
-                                <p:cTn id="22" presetID="2" presetClass="entr" presetSubtype="4" fill="hold" grpId="0" nodeType="clickEffect">
-                                  <p:stCondLst>
-                                    <p:cond delay="0"/>
-                                  </p:stCondLst>
-                                  <p:childTnLst>
-                                    <p:set>
-                                      <p:cBhvr>
-                                        <p:cTn id="23" dur="1" fill="hold">
-                                          <p:stCondLst>
-                                            <p:cond delay="0"/>
-                                          </p:stCondLst>
-                                        </p:cTn>
-                                        <p:tgtEl>
-                                          <p:spTgt spid="12"/>
-                                        </p:tgtEl>
-                                        <p:attrNameLst>
-                                          <p:attrName>style.visibility</p:attrName>
-                                        </p:attrNameLst>
-                                      </p:cBhvr>
-                                      <p:to>
-                                        <p:strVal val="visible"/>
-                                      </p:to>
-                                    </p:set>
-                                    <p:anim calcmode="lin" valueType="num">
-                                      <p:cBhvr additive="base">
-                                        <p:cTn id="24" dur="500" fill="hold"/>
-                                        <p:tgtEl>
-                                          <p:spTgt spid="12"/>
-                                        </p:tgtEl>
-                                        <p:attrNameLst>
-                                          <p:attrName>ppt_x</p:attrName>
-                                        </p:attrNameLst>
-                                      </p:cBhvr>
-                                      <p:tavLst>
-                                        <p:tav tm="0">
-                                          <p:val>
-                                            <p:strVal val="#ppt_x"/>
-                                          </p:val>
-                                        </p:tav>
-                                        <p:tav tm="100000">
-                                          <p:val>
-                                            <p:strVal val="#ppt_x"/>
-                                          </p:val>
-                                        </p:tav>
-                                      </p:tavLst>
-                                    </p:anim>
-                                    <p:anim calcmode="lin" valueType="num">
-                                      <p:cBhvr additive="base">
-                                        <p:cTn id="25" dur="500" fill="hold"/>
-                                        <p:tgtEl>
-                                          <p:spTgt spid="12"/>
-                                        </p:tgtEl>
-                                        <p:attrNameLst>
-                                          <p:attrName>ppt_y</p:attrName>
-                                        </p:attrNameLst>
-                                      </p:cBhvr>
-                                      <p:tavLst>
-                                        <p:tav tm="0">
-                                          <p:val>
-                                            <p:strVal val="1+#ppt_h/2"/>
-                                          </p:val>
-                                        </p:tav>
-                                        <p:tav tm="100000">
-                                          <p:val>
-                                            <p:strVal val="#ppt_y"/>
-                                          </p:val>
-                                        </p:tav>
-                                      </p:tavLst>
-                                    </p:anim>
-                                  </p:childTnLst>
-                                </p:cTn>
-                              </p:par>
-                            </p:childTnLst>
-                          </p:cTn>
-                        </p:par>
-                      </p:childTnLst>
-                    </p:cTn>
-                  </p:par>
-                </p:childTnLst>
-              </p:cTn>
-              <p:nextCondLst>
-                <p:cond evt="onClick" delay="0">
-                  <p:tgtEl>
-                    <p:spTgt spid="15"/>
-                  </p:tgtEl>
-                </p:cond>
-              </p:nextCondLst>
-            </p:seq>
-          </p:childTnLst>
-        </p:cTn>
-      </p:par>
-    </p:tnLst>
-    <p:bldLst>
-      <p:bldP spid="12" grpId="0" animBg="1"/>
-      <p:bldP spid="13" grpId="0" animBg="1"/>
-      <p:bldP spid="11" grpId="0" animBg="1"/>
-      <p:bldP spid="16" grpId="0" animBg="1"/>
-    </p:bldLst>
-  </p:timing>
-</p:sld>
-</file>
-
-<file path=ppt/slides/slide14.xml><?xml version="1.0" encoding="utf-8"?>
-<p:sld xmlns:a="http://schemas.openxmlformats.org/drawingml/2006/main" xmlns:r="http://schemas.openxmlformats.org/officeDocument/2006/relationships" xmlns:p="http://schemas.openxmlformats.org/presentationml/2006/main">
-  <p:cSld>
-    <p:spTree>
-      <p:nvGrpSpPr>
-        <p:cNvPr id="1" name=""/>
-        <p:cNvGrpSpPr/>
-        <p:nvPr/>
-      </p:nvGrpSpPr>
-      <p:grpSpPr>
-        <a:xfrm>
-          <a:off x="0" y="0"/>
-          <a:ext cx="0" cy="0"/>
-          <a:chOff x="0" y="0"/>
-          <a:chExt cx="0" cy="0"/>
-        </a:xfrm>
-      </p:grpSpPr>
-      <p:sp>
-        <p:nvSpPr>
-          <p:cNvPr id="3" name="Объект 2"/>
-          <p:cNvSpPr>
-            <a:spLocks noGrp="1"/>
-          </p:cNvSpPr>
-          <p:nvPr>
-            <p:ph idx="1"/>
-          </p:nvPr>
-        </p:nvSpPr>
-        <p:spPr>
-          <a:xfrm>
-            <a:off x="838200" y="1723292"/>
-            <a:ext cx="10873154" cy="4453671"/>
-          </a:xfrm>
-        </p:spPr>
-        <p:txBody>
-          <a:bodyPr/>
-          <a:lstStyle/>
-          <a:p>
-            <a:r>
-              <a:rPr lang="ru-RU" dirty="0"/>
-              <a:t>Какой запрос используется для </a:t>
-            </a:r>
-            <a:r>
-              <a:rPr lang="ru-RU" dirty="0" smtClean="0"/>
-              <a:t>используются</a:t>
-            </a:r>
-            <a:r>
-              <a:rPr lang="ru-RU" dirty="0"/>
-              <a:t> для отправки новых данных </a:t>
-            </a:r>
-            <a:r>
-              <a:rPr lang="ru-RU" dirty="0" smtClean="0"/>
-              <a:t>API</a:t>
-            </a:r>
-            <a:r>
-              <a:rPr lang="ru-RU" dirty="0"/>
-              <a:t>?</a:t>
-            </a:r>
-            <a:endParaRPr lang="ru-RU" dirty="0"/>
-          </a:p>
-        </p:txBody>
-      </p:sp>
-      <p:sp>
-        <p:nvSpPr>
-          <p:cNvPr id="4" name="Заголовок 3"/>
-          <p:cNvSpPr>
-            <a:spLocks noGrp="1"/>
-          </p:cNvSpPr>
-          <p:nvPr>
-            <p:ph type="title"/>
-          </p:nvPr>
-        </p:nvSpPr>
-        <p:spPr>
-          <a:xfrm>
-            <a:off x="838200" y="317175"/>
-            <a:ext cx="10515600" cy="1325563"/>
-          </a:xfrm>
-        </p:spPr>
-        <p:txBody>
-          <a:bodyPr/>
-          <a:lstStyle/>
-          <a:p>
-            <a:r>
-              <a:rPr lang="ru-RU" b="1" dirty="0" smtClean="0"/>
-              <a:t>Вопрос 4.</a:t>
-            </a:r>
-            <a:endParaRPr lang="ru-RU" b="1" dirty="0"/>
-          </a:p>
-        </p:txBody>
-      </p:sp>
-      <p:sp>
-        <p:nvSpPr>
-          <p:cNvPr id="8" name="TextBox 7"/>
-          <p:cNvSpPr txBox="1"/>
-          <p:nvPr/>
-        </p:nvSpPr>
-        <p:spPr>
-          <a:xfrm>
-            <a:off x="1005938" y="2759145"/>
-            <a:ext cx="798538" cy="523220"/>
-          </a:xfrm>
-          <a:prstGeom prst="rect">
-            <a:avLst/>
-          </a:prstGeom>
-          <a:noFill/>
-        </p:spPr>
-        <p:txBody>
-          <a:bodyPr wrap="square" rtlCol="0">
-            <a:spAutoFit/>
-          </a:bodyPr>
-          <a:lstStyle/>
-          <a:p>
-            <a:r>
-              <a:rPr lang="ru-RU" sz="2800" dirty="0" smtClean="0"/>
-              <a:t>1.</a:t>
-            </a:r>
-            <a:endParaRPr lang="ru-RU" sz="2800" dirty="0"/>
-          </a:p>
-        </p:txBody>
-      </p:sp>
-      <p:sp>
-        <p:nvSpPr>
-          <p:cNvPr id="9" name="TextBox 8"/>
-          <p:cNvSpPr txBox="1"/>
-          <p:nvPr/>
-        </p:nvSpPr>
-        <p:spPr>
-          <a:xfrm>
-            <a:off x="4244438" y="2785413"/>
-            <a:ext cx="798538" cy="523220"/>
-          </a:xfrm>
-          <a:prstGeom prst="rect">
-            <a:avLst/>
-          </a:prstGeom>
-          <a:noFill/>
-        </p:spPr>
-        <p:txBody>
-          <a:bodyPr wrap="square" rtlCol="0">
-            <a:spAutoFit/>
-          </a:bodyPr>
-          <a:lstStyle/>
-          <a:p>
-            <a:r>
-              <a:rPr lang="ru-RU" sz="2800" dirty="0"/>
-              <a:t>2</a:t>
-            </a:r>
-            <a:r>
-              <a:rPr lang="ru-RU" sz="2800" dirty="0" smtClean="0"/>
-              <a:t>.</a:t>
-            </a:r>
-            <a:endParaRPr lang="ru-RU" sz="2800" dirty="0"/>
-          </a:p>
-        </p:txBody>
-      </p:sp>
-      <p:sp>
-        <p:nvSpPr>
-          <p:cNvPr id="10" name="TextBox 9"/>
-          <p:cNvSpPr txBox="1"/>
-          <p:nvPr/>
-        </p:nvSpPr>
-        <p:spPr>
-          <a:xfrm>
-            <a:off x="7600169" y="2785413"/>
-            <a:ext cx="798538" cy="523220"/>
-          </a:xfrm>
-          <a:prstGeom prst="rect">
-            <a:avLst/>
-          </a:prstGeom>
-          <a:noFill/>
-        </p:spPr>
-        <p:txBody>
-          <a:bodyPr wrap="square" rtlCol="0">
-            <a:spAutoFit/>
-          </a:bodyPr>
-          <a:lstStyle/>
-          <a:p>
-            <a:r>
-              <a:rPr lang="ru-RU" sz="2800" dirty="0"/>
-              <a:t>3</a:t>
-            </a:r>
-            <a:r>
-              <a:rPr lang="ru-RU" sz="2800" dirty="0" smtClean="0"/>
-              <a:t>.</a:t>
-            </a:r>
-            <a:endParaRPr lang="ru-RU" sz="2800" dirty="0"/>
-          </a:p>
-        </p:txBody>
-      </p:sp>
-      <p:sp>
-        <p:nvSpPr>
-          <p:cNvPr id="12" name="Прямоугольник 11"/>
-          <p:cNvSpPr/>
-          <p:nvPr/>
-        </p:nvSpPr>
-        <p:spPr>
-          <a:xfrm>
-            <a:off x="3450871" y="567200"/>
-            <a:ext cx="3534508" cy="738554"/>
-          </a:xfrm>
-          <a:prstGeom prst="rect">
-            <a:avLst/>
-          </a:prstGeom>
-          <a:solidFill>
-            <a:srgbClr val="FF0000"/>
-          </a:solidFill>
-        </p:spPr>
-        <p:style>
-          <a:lnRef idx="2">
-            <a:schemeClr val="accent1">
-              <a:shade val="50000"/>
-            </a:schemeClr>
-          </a:lnRef>
-          <a:fillRef idx="1">
-            <a:schemeClr val="accent1"/>
-          </a:fillRef>
-          <a:effectRef idx="0">
-            <a:schemeClr val="accent1"/>
-          </a:effectRef>
-          <a:fontRef idx="minor">
-            <a:schemeClr val="lt1"/>
-          </a:fontRef>
-        </p:style>
-        <p:txBody>
-          <a:bodyPr rtlCol="0" anchor="ctr"/>
-          <a:lstStyle/>
-          <a:p>
-            <a:pPr algn="ctr"/>
-            <a:r>
-              <a:rPr lang="ru-RU" dirty="0" smtClean="0"/>
-              <a:t>Не правильно</a:t>
-            </a:r>
-            <a:endParaRPr lang="ru-RU" dirty="0"/>
-          </a:p>
-        </p:txBody>
-      </p:sp>
-      <p:sp>
-        <p:nvSpPr>
-          <p:cNvPr id="13" name="Прямоугольник 12"/>
-          <p:cNvSpPr/>
-          <p:nvPr/>
-        </p:nvSpPr>
-        <p:spPr>
-          <a:xfrm>
-            <a:off x="3450871" y="580900"/>
-            <a:ext cx="3534508" cy="738554"/>
-          </a:xfrm>
-          <a:prstGeom prst="rect">
-            <a:avLst/>
-          </a:prstGeom>
-          <a:solidFill>
-            <a:srgbClr val="FF0000"/>
-          </a:solidFill>
-        </p:spPr>
-        <p:style>
-          <a:lnRef idx="2">
-            <a:schemeClr val="accent1">
-              <a:shade val="50000"/>
-            </a:schemeClr>
-          </a:lnRef>
-          <a:fillRef idx="1">
-            <a:schemeClr val="accent1"/>
-          </a:fillRef>
-          <a:effectRef idx="0">
-            <a:schemeClr val="accent1"/>
-          </a:effectRef>
-          <a:fontRef idx="minor">
-            <a:schemeClr val="lt1"/>
-          </a:fontRef>
-        </p:style>
-        <p:txBody>
-          <a:bodyPr rtlCol="0" anchor="ctr"/>
-          <a:lstStyle/>
-          <a:p>
-            <a:pPr algn="ctr"/>
-            <a:r>
-              <a:rPr lang="ru-RU" dirty="0" smtClean="0"/>
-              <a:t>Не правильно</a:t>
-            </a:r>
-            <a:endParaRPr lang="ru-RU" dirty="0"/>
-          </a:p>
-        </p:txBody>
-      </p:sp>
-      <p:sp>
-        <p:nvSpPr>
-          <p:cNvPr id="11" name="Прямоугольник 10"/>
-          <p:cNvSpPr/>
-          <p:nvPr/>
-        </p:nvSpPr>
-        <p:spPr>
-          <a:xfrm>
-            <a:off x="3450871" y="580900"/>
-            <a:ext cx="3534508" cy="738554"/>
-          </a:xfrm>
-          <a:prstGeom prst="rect">
-            <a:avLst/>
-          </a:prstGeom>
-          <a:solidFill>
-            <a:srgbClr val="00B050"/>
-          </a:solidFill>
-        </p:spPr>
-        <p:style>
-          <a:lnRef idx="2">
-            <a:schemeClr val="accent1">
-              <a:shade val="50000"/>
-            </a:schemeClr>
-          </a:lnRef>
-          <a:fillRef idx="1">
-            <a:schemeClr val="accent1"/>
-          </a:fillRef>
-          <a:effectRef idx="0">
-            <a:schemeClr val="accent1"/>
-          </a:effectRef>
-          <a:fontRef idx="minor">
-            <a:schemeClr val="lt1"/>
-          </a:fontRef>
-        </p:style>
-        <p:txBody>
-          <a:bodyPr rtlCol="0" anchor="ctr"/>
-          <a:lstStyle/>
-          <a:p>
-            <a:pPr algn="ctr"/>
-            <a:r>
-              <a:rPr lang="ru-RU" dirty="0" smtClean="0"/>
-              <a:t>Правильно</a:t>
-            </a:r>
-            <a:endParaRPr lang="ru-RU" dirty="0"/>
-          </a:p>
-        </p:txBody>
-      </p:sp>
-      <p:sp>
-        <p:nvSpPr>
-          <p:cNvPr id="2" name="TextBox 1"/>
-          <p:cNvSpPr txBox="1"/>
-          <p:nvPr/>
-        </p:nvSpPr>
-        <p:spPr>
-          <a:xfrm>
-            <a:off x="7999438" y="3280872"/>
-            <a:ext cx="2444933" cy="923330"/>
-          </a:xfrm>
-          <a:prstGeom prst="rect">
-            <a:avLst/>
-          </a:prstGeom>
-          <a:noFill/>
-        </p:spPr>
-        <p:txBody>
-          <a:bodyPr wrap="square" rtlCol="0">
-            <a:spAutoFit/>
-          </a:bodyPr>
-          <a:lstStyle/>
-          <a:p>
-            <a:r>
-              <a:rPr lang="en-US" sz="5400" b="1" dirty="0" smtClean="0"/>
-              <a:t>POST</a:t>
-            </a:r>
-            <a:endParaRPr lang="ru-RU" sz="5400" b="1" dirty="0"/>
-          </a:p>
-        </p:txBody>
-      </p:sp>
-      <p:sp>
-        <p:nvSpPr>
-          <p:cNvPr id="14" name="TextBox 13"/>
-          <p:cNvSpPr txBox="1"/>
-          <p:nvPr/>
-        </p:nvSpPr>
-        <p:spPr>
-          <a:xfrm>
-            <a:off x="1512619" y="3280872"/>
-            <a:ext cx="2057400" cy="923330"/>
-          </a:xfrm>
-          <a:prstGeom prst="rect">
-            <a:avLst/>
-          </a:prstGeom>
-          <a:noFill/>
-        </p:spPr>
-        <p:txBody>
-          <a:bodyPr wrap="square" rtlCol="0">
-            <a:spAutoFit/>
-          </a:bodyPr>
-          <a:lstStyle/>
-          <a:p>
-            <a:r>
-              <a:rPr lang="en-US" sz="5400" b="1" dirty="0" smtClean="0"/>
-              <a:t>GET</a:t>
-            </a:r>
-            <a:endParaRPr lang="ru-RU" sz="5400" b="1" dirty="0"/>
-          </a:p>
-        </p:txBody>
-      </p:sp>
-      <p:sp>
-        <p:nvSpPr>
-          <p:cNvPr id="15" name="TextBox 14"/>
-          <p:cNvSpPr txBox="1"/>
-          <p:nvPr/>
-        </p:nvSpPr>
-        <p:spPr>
-          <a:xfrm>
-            <a:off x="4444634" y="3280872"/>
-            <a:ext cx="2680189" cy="923330"/>
-          </a:xfrm>
-          <a:prstGeom prst="rect">
-            <a:avLst/>
-          </a:prstGeom>
-          <a:noFill/>
-        </p:spPr>
-        <p:txBody>
-          <a:bodyPr wrap="square" rtlCol="0">
-            <a:spAutoFit/>
-          </a:bodyPr>
-          <a:lstStyle/>
-          <a:p>
-            <a:r>
-              <a:rPr lang="en-US" sz="5400" b="1" dirty="0" smtClean="0"/>
-              <a:t>DELETE</a:t>
-            </a:r>
-            <a:endParaRPr lang="ru-RU" sz="5400" b="1" dirty="0"/>
-          </a:p>
-        </p:txBody>
-      </p:sp>
-      <p:sp>
-        <p:nvSpPr>
-          <p:cNvPr id="16" name="Стрелка: влево 3">
-            <a:hlinkClick r:id="rId2" action="ppaction://hlinksldjump"/>
-            <a:extLst>
-              <a:ext uri="{FF2B5EF4-FFF2-40B4-BE49-F238E27FC236}">
-                <a16:creationId xmlns:a16="http://schemas.microsoft.com/office/drawing/2014/main" id="{78436E58-2867-4B0B-89D1-643D50525DEA}"/>
-              </a:ext>
-            </a:extLst>
-          </p:cNvPr>
-          <p:cNvSpPr/>
-          <p:nvPr/>
-        </p:nvSpPr>
-        <p:spPr>
-          <a:xfrm rot="10800000">
-            <a:off x="11177609" y="5999400"/>
-            <a:ext cx="1008529" cy="858600"/>
-          </a:xfrm>
-          <a:prstGeom prst="leftArrow">
-            <a:avLst/>
-          </a:prstGeom>
-        </p:spPr>
-        <p:style>
-          <a:lnRef idx="2">
-            <a:schemeClr val="dk1">
-              <a:shade val="50000"/>
-            </a:schemeClr>
-          </a:lnRef>
-          <a:fillRef idx="1">
-            <a:schemeClr val="dk1"/>
-          </a:fillRef>
-          <a:effectRef idx="0">
-            <a:schemeClr val="dk1"/>
-          </a:effectRef>
-          <a:fontRef idx="minor">
-            <a:schemeClr val="lt1"/>
-          </a:fontRef>
-        </p:style>
-        <p:txBody>
-          <a:bodyPr rtlCol="0" anchor="ctr"/>
-          <a:lstStyle/>
-          <a:p>
-            <a:pPr algn="ctr"/>
-            <a:endParaRPr lang="ru-RU" dirty="0"/>
-          </a:p>
-        </p:txBody>
-      </p:sp>
-    </p:spTree>
-    <p:extLst>
-      <p:ext uri="{BB962C8B-B14F-4D97-AF65-F5344CB8AC3E}">
-        <p14:creationId xmlns:p14="http://schemas.microsoft.com/office/powerpoint/2010/main" val="1522851557"/>
-      </p:ext>
-    </p:extLst>
-  </p:cSld>
-  <p:clrMapOvr>
-    <a:masterClrMapping/>
-  </p:clrMapOvr>
-  <p:timing>
-    <p:tnLst>
-      <p:par>
-        <p:cTn id="1" dur="indefinite" restart="never" nodeType="tmRoot">
-          <p:childTnLst>
-            <p:seq concurrent="1" nextAc="seek">
-              <p:cTn id="2" restart="whenNotActive" fill="hold" evtFilter="cancelBubble" nodeType="interactiveSeq">
-                <p:stCondLst>
-                  <p:cond evt="onClick" delay="0">
-                    <p:tgtEl>
-                      <p:spTgt spid="2"/>
-                    </p:tgtEl>
-                  </p:cond>
-                </p:stCondLst>
-                <p:endSync evt="end" delay="0">
-                  <p:rtn val="all"/>
-                </p:endSync>
-                <p:childTnLst>
-                  <p:par>
-                    <p:cTn id="3" fill="hold">
-                      <p:stCondLst>
-                        <p:cond delay="0"/>
-                      </p:stCondLst>
-                      <p:childTnLst>
-                        <p:par>
-                          <p:cTn id="4" fill="hold">
-                            <p:stCondLst>
-                              <p:cond delay="0"/>
-                            </p:stCondLst>
-                            <p:childTnLst>
-                              <p:par>
-                                <p:cTn id="5" presetID="2" presetClass="entr" presetSubtype="4" fill="hold" grpId="0" nodeType="clickEffect">
-                                  <p:stCondLst>
-                                    <p:cond delay="0"/>
-                                  </p:stCondLst>
-                                  <p:childTnLst>
-                                    <p:set>
-                                      <p:cBhvr>
-                                        <p:cTn id="6" dur="1" fill="hold">
-                                          <p:stCondLst>
-                                            <p:cond delay="0"/>
-                                          </p:stCondLst>
-                                        </p:cTn>
-                                        <p:tgtEl>
-                                          <p:spTgt spid="11"/>
-                                        </p:tgtEl>
-                                        <p:attrNameLst>
-                                          <p:attrName>style.visibility</p:attrName>
-                                        </p:attrNameLst>
-                                      </p:cBhvr>
-                                      <p:to>
-                                        <p:strVal val="visible"/>
-                                      </p:to>
-                                    </p:set>
-                                    <p:anim calcmode="lin" valueType="num">
-                                      <p:cBhvr additive="base">
-                                        <p:cTn id="7" dur="500" fill="hold"/>
-                                        <p:tgtEl>
-                                          <p:spTgt spid="11"/>
-                                        </p:tgtEl>
-                                        <p:attrNameLst>
-                                          <p:attrName>ppt_x</p:attrName>
-                                        </p:attrNameLst>
-                                      </p:cBhvr>
-                                      <p:tavLst>
-                                        <p:tav tm="0">
-                                          <p:val>
-                                            <p:strVal val="#ppt_x"/>
-                                          </p:val>
-                                        </p:tav>
-                                        <p:tav tm="100000">
-                                          <p:val>
-                                            <p:strVal val="#ppt_x"/>
-                                          </p:val>
-                                        </p:tav>
-                                      </p:tavLst>
-                                    </p:anim>
-                                    <p:anim calcmode="lin" valueType="num">
-                                      <p:cBhvr additive="base">
-                                        <p:cTn id="8" dur="500" fill="hold"/>
-                                        <p:tgtEl>
-                                          <p:spTgt spid="11"/>
-                                        </p:tgtEl>
-                                        <p:attrNameLst>
-                                          <p:attrName>ppt_y</p:attrName>
-                                        </p:attrNameLst>
-                                      </p:cBhvr>
-                                      <p:tavLst>
-                                        <p:tav tm="0">
-                                          <p:val>
-                                            <p:strVal val="1+#ppt_h/2"/>
-                                          </p:val>
-                                        </p:tav>
-                                        <p:tav tm="100000">
-                                          <p:val>
-                                            <p:strVal val="#ppt_y"/>
-                                          </p:val>
-                                        </p:tav>
-                                      </p:tavLst>
-                                    </p:anim>
-                                  </p:childTnLst>
-                                </p:cTn>
-                              </p:par>
-                              <p:par>
-                                <p:cTn id="9" presetID="22" presetClass="entr" presetSubtype="4" fill="hold" grpId="0" nodeType="withEffect">
-                                  <p:stCondLst>
-                                    <p:cond delay="0"/>
-                                  </p:stCondLst>
-                                  <p:childTnLst>
-                                    <p:set>
-                                      <p:cBhvr>
-                                        <p:cTn id="10" dur="1" fill="hold">
-                                          <p:stCondLst>
-                                            <p:cond delay="0"/>
-                                          </p:stCondLst>
-                                        </p:cTn>
-                                        <p:tgtEl>
-                                          <p:spTgt spid="16"/>
-                                        </p:tgtEl>
-                                        <p:attrNameLst>
-                                          <p:attrName>style.visibility</p:attrName>
-                                        </p:attrNameLst>
-                                      </p:cBhvr>
-                                      <p:to>
-                                        <p:strVal val="visible"/>
-                                      </p:to>
-                                    </p:set>
-                                    <p:animEffect transition="in" filter="wipe(down)">
-                                      <p:cBhvr>
-                                        <p:cTn id="11" dur="500"/>
-                                        <p:tgtEl>
-                                          <p:spTgt spid="16"/>
-                                        </p:tgtEl>
-                                      </p:cBhvr>
-                                    </p:animEffect>
-                                  </p:childTnLst>
-                                </p:cTn>
-                              </p:par>
-                            </p:childTnLst>
-                          </p:cTn>
-                        </p:par>
-                      </p:childTnLst>
-                    </p:cTn>
-                  </p:par>
-                </p:childTnLst>
-              </p:cTn>
-              <p:nextCondLst>
-                <p:cond evt="onClick" delay="0">
-                  <p:tgtEl>
-                    <p:spTgt spid="2"/>
-                  </p:tgtEl>
-                </p:cond>
-              </p:nextCondLst>
-            </p:seq>
-            <p:seq concurrent="1" nextAc="seek">
-              <p:cTn id="12" restart="whenNotActive" fill="hold" evtFilter="cancelBubble" nodeType="interactiveSeq">
-                <p:stCondLst>
-                  <p:cond evt="onClick" delay="0">
-                    <p:tgtEl>
-                      <p:spTgt spid="14"/>
-                    </p:tgtEl>
-                  </p:cond>
-                </p:stCondLst>
-                <p:endSync evt="end" delay="0">
-                  <p:rtn val="all"/>
-                </p:endSync>
-                <p:childTnLst>
-                  <p:par>
-                    <p:cTn id="13" fill="hold">
-                      <p:stCondLst>
-                        <p:cond delay="0"/>
-                      </p:stCondLst>
-                      <p:childTnLst>
-                        <p:par>
-                          <p:cTn id="14" fill="hold">
-                            <p:stCondLst>
-                              <p:cond delay="0"/>
-                            </p:stCondLst>
-                            <p:childTnLst>
-                              <p:par>
-                                <p:cTn id="15" presetID="2" presetClass="entr" presetSubtype="4" fill="hold" grpId="0" nodeType="clickEffect">
-                                  <p:stCondLst>
-                                    <p:cond delay="0"/>
-                                  </p:stCondLst>
-                                  <p:childTnLst>
-                                    <p:set>
-                                      <p:cBhvr>
-                                        <p:cTn id="16" dur="1" fill="hold">
-                                          <p:stCondLst>
-                                            <p:cond delay="0"/>
-                                          </p:stCondLst>
-                                        </p:cTn>
-                                        <p:tgtEl>
-                                          <p:spTgt spid="13"/>
-                                        </p:tgtEl>
-                                        <p:attrNameLst>
-                                          <p:attrName>style.visibility</p:attrName>
-                                        </p:attrNameLst>
-                                      </p:cBhvr>
-                                      <p:to>
-                                        <p:strVal val="visible"/>
-                                      </p:to>
-                                    </p:set>
-                                    <p:anim calcmode="lin" valueType="num">
-                                      <p:cBhvr additive="base">
-                                        <p:cTn id="17" dur="500" fill="hold"/>
-                                        <p:tgtEl>
-                                          <p:spTgt spid="13"/>
-                                        </p:tgtEl>
-                                        <p:attrNameLst>
-                                          <p:attrName>ppt_x</p:attrName>
-                                        </p:attrNameLst>
-                                      </p:cBhvr>
-                                      <p:tavLst>
-                                        <p:tav tm="0">
-                                          <p:val>
-                                            <p:strVal val="#ppt_x"/>
-                                          </p:val>
-                                        </p:tav>
-                                        <p:tav tm="100000">
-                                          <p:val>
-                                            <p:strVal val="#ppt_x"/>
-                                          </p:val>
-                                        </p:tav>
-                                      </p:tavLst>
-                                    </p:anim>
-                                    <p:anim calcmode="lin" valueType="num">
-                                      <p:cBhvr additive="base">
-                                        <p:cTn id="18" dur="500" fill="hold"/>
-                                        <p:tgtEl>
-                                          <p:spTgt spid="13"/>
-                                        </p:tgtEl>
-                                        <p:attrNameLst>
-                                          <p:attrName>ppt_y</p:attrName>
-                                        </p:attrNameLst>
-                                      </p:cBhvr>
-                                      <p:tavLst>
-                                        <p:tav tm="0">
-                                          <p:val>
-                                            <p:strVal val="1+#ppt_h/2"/>
-                                          </p:val>
-                                        </p:tav>
-                                        <p:tav tm="100000">
-                                          <p:val>
-                                            <p:strVal val="#ppt_y"/>
-                                          </p:val>
-                                        </p:tav>
-                                      </p:tavLst>
-                                    </p:anim>
-                                  </p:childTnLst>
-                                </p:cTn>
-                              </p:par>
-                            </p:childTnLst>
-                          </p:cTn>
-                        </p:par>
-                      </p:childTnLst>
-                    </p:cTn>
-                  </p:par>
-                </p:childTnLst>
-              </p:cTn>
-              <p:nextCondLst>
-                <p:cond evt="onClick" delay="0">
-                  <p:tgtEl>
-                    <p:spTgt spid="14"/>
-                  </p:tgtEl>
-                </p:cond>
-              </p:nextCondLst>
-            </p:seq>
-            <p:seq concurrent="1" nextAc="seek">
-              <p:cTn id="19" restart="whenNotActive" fill="hold" evtFilter="cancelBubble" nodeType="interactiveSeq">
-                <p:stCondLst>
-                  <p:cond evt="onClick" delay="0">
-                    <p:tgtEl>
-                      <p:spTgt spid="15"/>
-                    </p:tgtEl>
-                  </p:cond>
-                </p:stCondLst>
-                <p:endSync evt="end" delay="0">
-                  <p:rtn val="all"/>
-                </p:endSync>
-                <p:childTnLst>
-                  <p:par>
-                    <p:cTn id="20" fill="hold">
-                      <p:stCondLst>
-                        <p:cond delay="0"/>
-                      </p:stCondLst>
-                      <p:childTnLst>
-                        <p:par>
-                          <p:cTn id="21" fill="hold">
-                            <p:stCondLst>
-                              <p:cond delay="0"/>
-                            </p:stCondLst>
-                            <p:childTnLst>
-                              <p:par>
-                                <p:cTn id="22" presetID="2" presetClass="entr" presetSubtype="4" fill="hold" grpId="0" nodeType="clickEffect">
-                                  <p:stCondLst>
-                                    <p:cond delay="0"/>
-                                  </p:stCondLst>
-                                  <p:childTnLst>
-                                    <p:set>
-                                      <p:cBhvr>
-                                        <p:cTn id="23" dur="1" fill="hold">
-                                          <p:stCondLst>
-                                            <p:cond delay="0"/>
-                                          </p:stCondLst>
-                                        </p:cTn>
-                                        <p:tgtEl>
-                                          <p:spTgt spid="12"/>
-                                        </p:tgtEl>
-                                        <p:attrNameLst>
-                                          <p:attrName>style.visibility</p:attrName>
-                                        </p:attrNameLst>
-                                      </p:cBhvr>
-                                      <p:to>
-                                        <p:strVal val="visible"/>
-                                      </p:to>
-                                    </p:set>
-                                    <p:anim calcmode="lin" valueType="num">
-                                      <p:cBhvr additive="base">
-                                        <p:cTn id="24" dur="500" fill="hold"/>
-                                        <p:tgtEl>
-                                          <p:spTgt spid="12"/>
-                                        </p:tgtEl>
-                                        <p:attrNameLst>
-                                          <p:attrName>ppt_x</p:attrName>
-                                        </p:attrNameLst>
-                                      </p:cBhvr>
-                                      <p:tavLst>
-                                        <p:tav tm="0">
-                                          <p:val>
-                                            <p:strVal val="#ppt_x"/>
-                                          </p:val>
-                                        </p:tav>
-                                        <p:tav tm="100000">
-                                          <p:val>
-                                            <p:strVal val="#ppt_x"/>
-                                          </p:val>
-                                        </p:tav>
-                                      </p:tavLst>
-                                    </p:anim>
-                                    <p:anim calcmode="lin" valueType="num">
-                                      <p:cBhvr additive="base">
-                                        <p:cTn id="25" dur="500" fill="hold"/>
-                                        <p:tgtEl>
-                                          <p:spTgt spid="12"/>
-                                        </p:tgtEl>
-                                        <p:attrNameLst>
-                                          <p:attrName>ppt_y</p:attrName>
-                                        </p:attrNameLst>
-                                      </p:cBhvr>
-                                      <p:tavLst>
-                                        <p:tav tm="0">
-                                          <p:val>
-                                            <p:strVal val="1+#ppt_h/2"/>
-                                          </p:val>
-                                        </p:tav>
-                                        <p:tav tm="100000">
-                                          <p:val>
-                                            <p:strVal val="#ppt_y"/>
-                                          </p:val>
-                                        </p:tav>
-                                      </p:tavLst>
-                                    </p:anim>
-                                  </p:childTnLst>
-                                </p:cTn>
-                              </p:par>
-                            </p:childTnLst>
-                          </p:cTn>
-                        </p:par>
-                      </p:childTnLst>
-                    </p:cTn>
-                  </p:par>
-                </p:childTnLst>
-              </p:cTn>
-              <p:nextCondLst>
-                <p:cond evt="onClick" delay="0">
-                  <p:tgtEl>
-                    <p:spTgt spid="15"/>
-                  </p:tgtEl>
-                </p:cond>
-              </p:nextCondLst>
-            </p:seq>
-          </p:childTnLst>
-        </p:cTn>
-      </p:par>
-    </p:tnLst>
-    <p:bldLst>
-      <p:bldP spid="12" grpId="0" animBg="1"/>
-      <p:bldP spid="13" grpId="0" animBg="1"/>
-      <p:bldP spid="11" grpId="0" animBg="1"/>
-      <p:bldP spid="16" grpId="0" animBg="1"/>
-    </p:bldLst>
-  </p:timing>
-</p:sld>
-</file>
-
 <file path=ppt/slides/slide15.xml><?xml version="1.0" encoding="utf-8"?>
 <p:sld xmlns:a="http://schemas.openxmlformats.org/drawingml/2006/main" xmlns:r="http://schemas.openxmlformats.org/officeDocument/2006/relationships" xmlns:p="http://schemas.openxmlformats.org/presentationml/2006/main">
   <p:cSld>
@@ -7162,29 +5643,15 @@
             <p:ph idx="1"/>
           </p:nvPr>
         </p:nvSpPr>
-        <p:spPr>
-          <a:xfrm>
-            <a:off x="838200" y="1723292"/>
-            <a:ext cx="10873154" cy="4453671"/>
-          </a:xfrm>
-        </p:spPr>
+        <p:spPr/>
         <p:txBody>
           <a:bodyPr/>
           <a:lstStyle/>
           <a:p>
-            <a:pPr>
-              <a:buSzPts val="2800"/>
-            </a:pPr>
-            <a:r>
-              <a:rPr lang="ru-RU" dirty="0">
-                <a:solidFill>
-                  <a:srgbClr val="000000"/>
-                </a:solidFill>
-                <a:latin typeface="Calibri" panose="020F0502020204030204" pitchFamily="34" charset="0"/>
-              </a:rPr>
-              <a:t>Какой запрос используется для используются для получения данных от API?</a:t>
-            </a:r>
-            <a:endParaRPr lang="ru-RU" dirty="0"/>
+            <a:r>
+              <a:rPr lang="ru-RU" dirty="0"/>
+              <a:t>Какой запрос используется для обновления уже существующих данных?</a:t>
+            </a:r>
           </a:p>
         </p:txBody>
       </p:sp>
@@ -7209,18 +5676,17 @@
           <a:lstStyle/>
           <a:p>
             <a:r>
-              <a:rPr lang="ru-RU" b="1" dirty="0" smtClean="0"/>
+              <a:rPr lang="ru-RU" b="1" dirty="0"/>
               <a:t>Вопрос </a:t>
             </a:r>
             <a:r>
               <a:rPr lang="en-US" b="1" dirty="0"/>
-              <a:t>5</a:t>
-            </a:r>
-            <a:r>
-              <a:rPr lang="ru-RU" b="1" dirty="0" smtClean="0"/>
+              <a:t>3</a:t>
+            </a:r>
+            <a:r>
+              <a:rPr lang="ru-RU" b="1" dirty="0"/>
               <a:t>.</a:t>
             </a:r>
-            <a:endParaRPr lang="ru-RU" b="1" dirty="0"/>
           </a:p>
         </p:txBody>
       </p:sp>
@@ -7247,10 +5713,9 @@
           <a:lstStyle/>
           <a:p>
             <a:r>
-              <a:rPr lang="ru-RU" sz="2800" dirty="0" smtClean="0"/>
+              <a:rPr lang="ru-RU" sz="2800" dirty="0"/>
               <a:t>1.</a:t>
             </a:r>
-            <a:endParaRPr lang="ru-RU" sz="2800" dirty="0"/>
           </a:p>
         </p:txBody>
       </p:sp>
@@ -7278,13 +5743,8 @@
           <a:p>
             <a:r>
               <a:rPr lang="ru-RU" sz="2800" dirty="0"/>
-              <a:t>2</a:t>
-            </a:r>
-            <a:r>
-              <a:rPr lang="ru-RU" sz="2800" dirty="0" smtClean="0"/>
-              <a:t>.</a:t>
-            </a:r>
-            <a:endParaRPr lang="ru-RU" sz="2800" dirty="0"/>
+              <a:t>2.</a:t>
+            </a:r>
           </a:p>
         </p:txBody>
       </p:sp>
@@ -7312,13 +5772,8 @@
           <a:p>
             <a:r>
               <a:rPr lang="ru-RU" sz="2800" dirty="0"/>
-              <a:t>3</a:t>
-            </a:r>
-            <a:r>
-              <a:rPr lang="ru-RU" sz="2800" dirty="0" smtClean="0"/>
-              <a:t>.</a:t>
-            </a:r>
-            <a:endParaRPr lang="ru-RU" sz="2800" dirty="0"/>
+              <a:t>3.</a:t>
+            </a:r>
           </a:p>
         </p:txBody>
       </p:sp>
@@ -7362,10 +5817,9 @@
           <a:p>
             <a:pPr algn="ctr"/>
             <a:r>
-              <a:rPr lang="ru-RU" dirty="0" smtClean="0"/>
+              <a:rPr lang="ru-RU" dirty="0"/>
               <a:t>Не правильно</a:t>
             </a:r>
-            <a:endParaRPr lang="ru-RU" dirty="0"/>
           </a:p>
         </p:txBody>
       </p:sp>
@@ -7377,7 +5831,7 @@
         </p:nvSpPr>
         <p:spPr>
           <a:xfrm>
-            <a:off x="3450871" y="574479"/>
+            <a:off x="3450871" y="567200"/>
             <a:ext cx="3534508" cy="738554"/>
           </a:xfrm>
           <a:prstGeom prst="rect">
@@ -7409,10 +5863,9 @@
           <a:p>
             <a:pPr algn="ctr"/>
             <a:r>
-              <a:rPr lang="ru-RU" dirty="0" smtClean="0"/>
+              <a:rPr lang="ru-RU" dirty="0"/>
               <a:t>Не правильно</a:t>
             </a:r>
-            <a:endParaRPr lang="ru-RU" dirty="0"/>
           </a:p>
         </p:txBody>
       </p:sp>
@@ -7456,100 +5909,9 @@
           <a:p>
             <a:pPr algn="ctr"/>
             <a:r>
-              <a:rPr lang="ru-RU" dirty="0" smtClean="0"/>
+              <a:rPr lang="ru-RU" dirty="0"/>
               <a:t>Правильно</a:t>
             </a:r>
-            <a:endParaRPr lang="ru-RU" dirty="0"/>
-          </a:p>
-        </p:txBody>
-      </p:sp>
-      <p:sp>
-        <p:nvSpPr>
-          <p:cNvPr id="2" name="TextBox 1"/>
-          <p:cNvSpPr txBox="1"/>
-          <p:nvPr/>
-        </p:nvSpPr>
-        <p:spPr>
-          <a:xfrm>
-            <a:off x="1281322" y="3262630"/>
-            <a:ext cx="2444933" cy="923330"/>
-          </a:xfrm>
-          <a:prstGeom prst="rect">
-            <a:avLst/>
-          </a:prstGeom>
-          <a:noFill/>
-        </p:spPr>
-        <p:txBody>
-          <a:bodyPr wrap="square" rtlCol="0">
-            <a:spAutoFit/>
-          </a:bodyPr>
-          <a:lstStyle/>
-          <a:p>
-            <a:r>
-              <a:rPr lang="en-US" sz="5400" b="1" dirty="0" smtClean="0"/>
-              <a:t>PUT</a:t>
-            </a:r>
-            <a:endParaRPr lang="ru-RU" sz="5400" b="1" dirty="0"/>
-          </a:p>
-        </p:txBody>
-      </p:sp>
-      <p:sp>
-        <p:nvSpPr>
-          <p:cNvPr id="14" name="TextBox 13"/>
-          <p:cNvSpPr txBox="1"/>
-          <p:nvPr/>
-        </p:nvSpPr>
-        <p:spPr>
-          <a:xfrm>
-            <a:off x="4807536" y="3282365"/>
-            <a:ext cx="2057400" cy="923330"/>
-          </a:xfrm>
-          <a:prstGeom prst="rect">
-            <a:avLst/>
-          </a:prstGeom>
-          <a:noFill/>
-        </p:spPr>
-        <p:txBody>
-          <a:bodyPr wrap="square" rtlCol="0">
-            <a:spAutoFit/>
-          </a:bodyPr>
-          <a:lstStyle/>
-          <a:p>
-            <a:r>
-              <a:rPr lang="en-US" sz="5400" b="1" dirty="0" smtClean="0"/>
-              <a:t>GET</a:t>
-            </a:r>
-            <a:endParaRPr lang="ru-RU" sz="5400" b="1" dirty="0"/>
-          </a:p>
-        </p:txBody>
-      </p:sp>
-      <p:sp>
-        <p:nvSpPr>
-          <p:cNvPr id="15" name="TextBox 14"/>
-          <p:cNvSpPr txBox="1"/>
-          <p:nvPr/>
-        </p:nvSpPr>
-        <p:spPr>
-          <a:xfrm>
-            <a:off x="8082034" y="3280872"/>
-            <a:ext cx="2680189" cy="923330"/>
-          </a:xfrm>
-          <a:prstGeom prst="rect">
-            <a:avLst/>
-          </a:prstGeom>
-          <a:noFill/>
-        </p:spPr>
-        <p:txBody>
-          <a:bodyPr wrap="square" rtlCol="0">
-            <a:spAutoFit/>
-          </a:bodyPr>
-          <a:lstStyle/>
-          <a:p>
-            <a:r>
-              <a:rPr lang="en-US" sz="5400" b="1" dirty="0" smtClean="0"/>
-              <a:t>DELETE</a:t>
-            </a:r>
-            <a:endParaRPr lang="ru-RU" sz="5400" b="1" dirty="0"/>
           </a:p>
         </p:txBody>
       </p:sp>
@@ -7599,10 +5961,102 @@
           </a:p>
         </p:txBody>
       </p:sp>
+      <p:pic>
+        <p:nvPicPr>
+          <p:cNvPr id="5" name="Рисунок 4">
+            <a:hlinkClick r:id="rId2" action="ppaction://hlinksldjump"/>
+            <a:extLst>
+              <a:ext uri="{FF2B5EF4-FFF2-40B4-BE49-F238E27FC236}">
+                <a16:creationId xmlns:a16="http://schemas.microsoft.com/office/drawing/2014/main" id="{ED3CF024-436E-4083-914F-55EA26AACF7E}"/>
+              </a:ext>
+            </a:extLst>
+          </p:cNvPr>
+          <p:cNvPicPr>
+            <a:picLocks noChangeAspect="1"/>
+          </p:cNvPicPr>
+          <p:nvPr/>
+        </p:nvPicPr>
+        <p:blipFill>
+          <a:blip r:embed="rId3"/>
+          <a:stretch>
+            <a:fillRect/>
+          </a:stretch>
+        </p:blipFill>
+        <p:spPr>
+          <a:xfrm>
+            <a:off x="4720270" y="3109868"/>
+            <a:ext cx="1219370" cy="581106"/>
+          </a:xfrm>
+          <a:prstGeom prst="rect">
+            <a:avLst/>
+          </a:prstGeom>
+        </p:spPr>
+      </p:pic>
+      <p:pic>
+        <p:nvPicPr>
+          <p:cNvPr id="6" name="Рисунок 5">
+            <a:hlinkClick r:id="rId2" action="ppaction://hlinksldjump"/>
+            <a:extLst>
+              <a:ext uri="{FF2B5EF4-FFF2-40B4-BE49-F238E27FC236}">
+                <a16:creationId xmlns:a16="http://schemas.microsoft.com/office/drawing/2014/main" id="{0D50B3B9-E842-43A5-867F-ED88D38E8A7C}"/>
+              </a:ext>
+            </a:extLst>
+          </p:cNvPr>
+          <p:cNvPicPr>
+            <a:picLocks noChangeAspect="1"/>
+          </p:cNvPicPr>
+          <p:nvPr/>
+        </p:nvPicPr>
+        <p:blipFill>
+          <a:blip r:embed="rId4"/>
+          <a:stretch>
+            <a:fillRect/>
+          </a:stretch>
+        </p:blipFill>
+        <p:spPr>
+          <a:xfrm>
+            <a:off x="8120751" y="3167026"/>
+            <a:ext cx="2172003" cy="523948"/>
+          </a:xfrm>
+          <a:prstGeom prst="rect">
+            <a:avLst/>
+          </a:prstGeom>
+        </p:spPr>
+      </p:pic>
+      <p:pic>
+        <p:nvPicPr>
+          <p:cNvPr id="18" name="Рисунок 17">
+            <a:extLst>
+              <a:ext uri="{FF2B5EF4-FFF2-40B4-BE49-F238E27FC236}">
+                <a16:creationId xmlns:a16="http://schemas.microsoft.com/office/drawing/2014/main" id="{9F5EF239-8176-4234-89A2-94DA9B6F9B26}"/>
+              </a:ext>
+            </a:extLst>
+          </p:cNvPr>
+          <p:cNvPicPr>
+            <a:picLocks noChangeAspect="1"/>
+          </p:cNvPicPr>
+          <p:nvPr/>
+        </p:nvPicPr>
+        <p:blipFill>
+          <a:blip r:embed="rId5"/>
+          <a:stretch>
+            <a:fillRect/>
+          </a:stretch>
+        </p:blipFill>
+        <p:spPr>
+          <a:xfrm>
+            <a:off x="1398216" y="3167026"/>
+            <a:ext cx="1257475" cy="552527"/>
+          </a:xfrm>
+          <a:prstGeom prst="rect">
+            <a:avLst/>
+          </a:prstGeom>
+        </p:spPr>
+      </p:pic>
     </p:spTree>
     <p:extLst>
       <p:ext uri="{BB962C8B-B14F-4D97-AF65-F5344CB8AC3E}">
-        <p14:creationId xmlns:p14="http://schemas.microsoft.com/office/powerpoint/2010/main" val="4084945357"/>
+        <p14:creationId xmlns:p14="http://schemas.microsoft.com/office/powerpoint/2010/main" val="2549710364"/>
       </p:ext>
     </p:extLst>
   </p:cSld>
@@ -7615,22 +6069,12 @@
         <p:cTn id="1" dur="indefinite" restart="never" nodeType="tmRoot">
           <p:childTnLst>
             <p:seq concurrent="1" nextAc="seek">
-              <p:cTn id="2" restart="whenNotActive" fill="hold" evtFilter="cancelBubble" nodeType="interactiveSeq">
-                <p:stCondLst>
-                  <p:cond evt="onClick" delay="0">
-                    <p:tgtEl>
-                      <p:spTgt spid="2"/>
-                    </p:tgtEl>
-                  </p:cond>
-                </p:stCondLst>
-                <p:endSync evt="end" delay="0">
-                  <p:rtn val="all"/>
-                </p:endSync>
+              <p:cTn id="2" dur="indefinite" nodeType="mainSeq">
                 <p:childTnLst>
                   <p:par>
                     <p:cTn id="3" fill="hold">
                       <p:stCondLst>
-                        <p:cond delay="0"/>
+                        <p:cond delay="indefinite"/>
                       </p:stCondLst>
                       <p:childTnLst>
                         <p:par>
@@ -7718,22 +6162,120 @@
                       </p:childTnLst>
                     </p:cTn>
                   </p:par>
+                  <p:par>
+                    <p:cTn id="9" fill="hold">
+                      <p:stCondLst>
+                        <p:cond delay="indefinite"/>
+                      </p:stCondLst>
+                      <p:childTnLst>
+                        <p:par>
+                          <p:cTn id="10" fill="hold">
+                            <p:stCondLst>
+                              <p:cond delay="0"/>
+                            </p:stCondLst>
+                            <p:childTnLst>
+                              <p:par>
+                                <p:cTn id="11" presetID="2" presetClass="entr" presetSubtype="4" fill="hold" grpId="0" nodeType="clickEffect">
+                                  <p:stCondLst>
+                                    <p:cond delay="0"/>
+                                  </p:stCondLst>
+                                  <p:childTnLst>
+                                    <p:set>
+                                      <p:cBhvr>
+                                        <p:cTn id="12" dur="1" fill="hold">
+                                          <p:stCondLst>
+                                            <p:cond delay="0"/>
+                                          </p:stCondLst>
+                                        </p:cTn>
+                                        <p:tgtEl>
+                                          <p:spTgt spid="12"/>
+                                        </p:tgtEl>
+                                        <p:attrNameLst>
+                                          <p:attrName>style.visibility</p:attrName>
+                                        </p:attrNameLst>
+                                      </p:cBhvr>
+                                      <p:to>
+                                        <p:strVal val="visible"/>
+                                      </p:to>
+                                    </p:set>
+                                    <p:anim calcmode="lin" valueType="num">
+                                      <p:cBhvr additive="base">
+                                        <p:cTn id="13" dur="500" fill="hold"/>
+                                        <p:tgtEl>
+                                          <p:spTgt spid="12"/>
+                                        </p:tgtEl>
+                                        <p:attrNameLst>
+                                          <p:attrName>ppt_x</p:attrName>
+                                        </p:attrNameLst>
+                                      </p:cBhvr>
+                                      <p:tavLst>
+                                        <p:tav tm="0">
+                                          <p:val>
+                                            <p:strVal val="#ppt_x"/>
+                                          </p:val>
+                                        </p:tav>
+                                        <p:tav tm="100000">
+                                          <p:val>
+                                            <p:strVal val="#ppt_x"/>
+                                          </p:val>
+                                        </p:tav>
+                                      </p:tavLst>
+                                    </p:anim>
+                                    <p:anim calcmode="lin" valueType="num">
+                                      <p:cBhvr additive="base">
+                                        <p:cTn id="14" dur="500" fill="hold"/>
+                                        <p:tgtEl>
+                                          <p:spTgt spid="12"/>
+                                        </p:tgtEl>
+                                        <p:attrNameLst>
+                                          <p:attrName>ppt_y</p:attrName>
+                                        </p:attrNameLst>
+                                      </p:cBhvr>
+                                      <p:tavLst>
+                                        <p:tav tm="0">
+                                          <p:val>
+                                            <p:strVal val="1+#ppt_h/2"/>
+                                          </p:val>
+                                        </p:tav>
+                                        <p:tav tm="100000">
+                                          <p:val>
+                                            <p:strVal val="#ppt_y"/>
+                                          </p:val>
+                                        </p:tav>
+                                      </p:tavLst>
+                                    </p:anim>
+                                  </p:childTnLst>
+                                </p:cTn>
+                              </p:par>
+                            </p:childTnLst>
+                          </p:cTn>
+                        </p:par>
+                      </p:childTnLst>
+                    </p:cTn>
+                  </p:par>
                 </p:childTnLst>
               </p:cTn>
+              <p:prevCondLst>
+                <p:cond evt="onPrev" delay="0">
+                  <p:tgtEl>
+                    <p:sldTgt/>
+                  </p:tgtEl>
+                </p:cond>
+              </p:prevCondLst>
               <p:nextCondLst>
-                <p:cond evt="onClick" delay="0">
+                <p:cond evt="onNext" delay="0">
                   <p:tgtEl>
-                    <p:spTgt spid="2"/>
+                    <p:sldTgt/>
                   </p:tgtEl>
                 </p:cond>
               </p:nextCondLst>
             </p:seq>
             <p:seq concurrent="1" nextAc="seek">
-              <p:cTn id="9" restart="whenNotActive" fill="hold" evtFilter="cancelBubble" nodeType="interactiveSeq">
+              <p:cTn id="15" restart="whenNotActive" fill="hold" evtFilter="cancelBubble" nodeType="interactiveSeq">
                 <p:stCondLst>
                   <p:cond evt="onClick" delay="0">
                     <p:tgtEl>
-                      <p:spTgt spid="14"/>
+                      <p:spTgt spid="18"/>
                     </p:tgtEl>
                   </p:cond>
                 </p:stCondLst>
@@ -7742,26 +6284,26 @@
                 </p:endSync>
                 <p:childTnLst>
                   <p:par>
-                    <p:cTn id="10" fill="hold">
+                    <p:cTn id="16" fill="hold">
                       <p:stCondLst>
                         <p:cond delay="0"/>
                       </p:stCondLst>
                       <p:childTnLst>
                         <p:par>
-                          <p:cTn id="11" fill="hold">
+                          <p:cTn id="17" fill="hold">
                             <p:stCondLst>
                               <p:cond delay="0"/>
                             </p:stCondLst>
                             <p:childTnLst>
                               <p:par>
-                                <p:cTn id="12" presetID="2" presetClass="entr" presetSubtype="4" fill="hold" grpId="0" nodeType="clickEffect">
+                                <p:cTn id="18" presetID="2" presetClass="entr" presetSubtype="4" fill="hold" grpId="0" nodeType="clickEffect">
                                   <p:stCondLst>
                                     <p:cond delay="0"/>
                                   </p:stCondLst>
                                   <p:childTnLst>
                                     <p:set>
                                       <p:cBhvr>
-                                        <p:cTn id="13" dur="1" fill="hold">
+                                        <p:cTn id="19" dur="1" fill="hold">
                                           <p:stCondLst>
                                             <p:cond delay="0"/>
                                           </p:stCondLst>
@@ -7779,7 +6321,7 @@
                                     </p:set>
                                     <p:anim calcmode="lin" valueType="num">
                                       <p:cBhvr additive="base">
-                                        <p:cTn id="14" dur="500" fill="hold"/>
+                                        <p:cTn id="20" dur="500" fill="hold"/>
                                         <p:tgtEl>
                                           <p:spTgt spid="11"/>
                                         </p:tgtEl>
@@ -7802,7 +6344,7 @@
                                     </p:anim>
                                     <p:anim calcmode="lin" valueType="num">
                                       <p:cBhvr additive="base">
-                                        <p:cTn id="15" dur="500" fill="hold"/>
+                                        <p:cTn id="21" dur="500" fill="hold"/>
                                         <p:tgtEl>
                                           <p:spTgt spid="11"/>
                                         </p:tgtEl>
@@ -7827,14 +6369,14 @@
                                 </p:cTn>
                               </p:par>
                               <p:par>
-                                <p:cTn id="16" presetID="22" presetClass="entr" presetSubtype="4" fill="hold" grpId="0" nodeType="withEffect">
+                                <p:cTn id="22" presetID="22" presetClass="entr" presetSubtype="4" fill="hold" grpId="0" nodeType="withEffect">
                                   <p:stCondLst>
                                     <p:cond delay="0"/>
                                   </p:stCondLst>
                                   <p:childTnLst>
                                     <p:set>
                                       <p:cBhvr>
-                                        <p:cTn id="17" dur="1" fill="hold">
+                                        <p:cTn id="23" dur="1" fill="hold">
                                           <p:stCondLst>
                                             <p:cond delay="0"/>
                                           </p:stCondLst>
@@ -7852,7 +6394,7 @@
                                     </p:set>
                                     <p:animEffect transition="in" filter="wipe(down)">
                                       <p:cBhvr>
-                                        <p:cTn id="18" dur="500"/>
+                                        <p:cTn id="24" dur="500"/>
                                         <p:tgtEl>
                                           <p:spTgt spid="16"/>
                                         </p:tgtEl>
@@ -7872,45 +6414,590 @@
               <p:nextCondLst>
                 <p:cond evt="onClick" delay="0">
                   <p:tgtEl>
-                    <p:spTgt spid="14"/>
+                    <p:spTgt spid="18"/>
                   </p:tgtEl>
                 </p:cond>
               </p:nextCondLst>
             </p:seq>
+          </p:childTnLst>
+        </p:cTn>
+      </p:par>
+    </p:tnLst>
+    <p:bldLst>
+      <p:bldP spid="12" grpId="0" animBg="1"/>
+      <p:bldP spid="13" grpId="0" animBg="1"/>
+      <p:bldP spid="11" grpId="0" animBg="1"/>
+      <p:bldP spid="16" grpId="0" animBg="1"/>
+    </p:bldLst>
+  </p:timing>
+</p:sld>
+</file>
+
+<file path=ppt/slides/slide16.xml><?xml version="1.0" encoding="utf-8"?>
+<p:sld xmlns:a="http://schemas.openxmlformats.org/drawingml/2006/main" xmlns:r="http://schemas.openxmlformats.org/officeDocument/2006/relationships" xmlns:p="http://schemas.openxmlformats.org/presentationml/2006/main">
+  <p:cSld>
+    <p:spTree>
+      <p:nvGrpSpPr>
+        <p:cNvPr id="1" name=""/>
+        <p:cNvGrpSpPr/>
+        <p:nvPr/>
+      </p:nvGrpSpPr>
+      <p:grpSpPr>
+        <a:xfrm>
+          <a:off x="0" y="0"/>
+          <a:ext cx="0" cy="0"/>
+          <a:chOff x="0" y="0"/>
+          <a:chExt cx="0" cy="0"/>
+        </a:xfrm>
+      </p:grpSpPr>
+      <p:sp>
+        <p:nvSpPr>
+          <p:cNvPr id="3" name="Объект 2"/>
+          <p:cNvSpPr>
+            <a:spLocks noGrp="1"/>
+          </p:cNvSpPr>
+          <p:nvPr>
+            <p:ph idx="1"/>
+          </p:nvPr>
+        </p:nvSpPr>
+        <p:spPr>
+          <a:xfrm>
+            <a:off x="838200" y="1723292"/>
+            <a:ext cx="10873154" cy="4453671"/>
+          </a:xfrm>
+        </p:spPr>
+        <p:txBody>
+          <a:bodyPr/>
+          <a:lstStyle/>
+          <a:p>
+            <a:r>
+              <a:rPr lang="ru-RU" dirty="0"/>
+              <a:t>Какой запрос используется для используются для отправки новых данных API?</a:t>
+            </a:r>
+          </a:p>
+        </p:txBody>
+      </p:sp>
+      <p:sp>
+        <p:nvSpPr>
+          <p:cNvPr id="4" name="Заголовок 3"/>
+          <p:cNvSpPr>
+            <a:spLocks noGrp="1"/>
+          </p:cNvSpPr>
+          <p:nvPr>
+            <p:ph type="title"/>
+          </p:nvPr>
+        </p:nvSpPr>
+        <p:spPr>
+          <a:xfrm>
+            <a:off x="838200" y="317175"/>
+            <a:ext cx="10515600" cy="1325563"/>
+          </a:xfrm>
+        </p:spPr>
+        <p:txBody>
+          <a:bodyPr/>
+          <a:lstStyle/>
+          <a:p>
+            <a:r>
+              <a:rPr lang="ru-RU" b="1" dirty="0"/>
+              <a:t>Вопрос 4.</a:t>
+            </a:r>
+          </a:p>
+        </p:txBody>
+      </p:sp>
+      <p:sp>
+        <p:nvSpPr>
+          <p:cNvPr id="8" name="TextBox 7"/>
+          <p:cNvSpPr txBox="1"/>
+          <p:nvPr/>
+        </p:nvSpPr>
+        <p:spPr>
+          <a:xfrm>
+            <a:off x="1005938" y="2759145"/>
+            <a:ext cx="798538" cy="523220"/>
+          </a:xfrm>
+          <a:prstGeom prst="rect">
+            <a:avLst/>
+          </a:prstGeom>
+          <a:noFill/>
+        </p:spPr>
+        <p:txBody>
+          <a:bodyPr wrap="square" rtlCol="0">
+            <a:spAutoFit/>
+          </a:bodyPr>
+          <a:lstStyle/>
+          <a:p>
+            <a:r>
+              <a:rPr lang="ru-RU" sz="2800" dirty="0"/>
+              <a:t>1.</a:t>
+            </a:r>
+          </a:p>
+        </p:txBody>
+      </p:sp>
+      <p:sp>
+        <p:nvSpPr>
+          <p:cNvPr id="9" name="TextBox 8"/>
+          <p:cNvSpPr txBox="1"/>
+          <p:nvPr/>
+        </p:nvSpPr>
+        <p:spPr>
+          <a:xfrm>
+            <a:off x="4244438" y="2785413"/>
+            <a:ext cx="798538" cy="523220"/>
+          </a:xfrm>
+          <a:prstGeom prst="rect">
+            <a:avLst/>
+          </a:prstGeom>
+          <a:noFill/>
+        </p:spPr>
+        <p:txBody>
+          <a:bodyPr wrap="square" rtlCol="0">
+            <a:spAutoFit/>
+          </a:bodyPr>
+          <a:lstStyle/>
+          <a:p>
+            <a:r>
+              <a:rPr lang="ru-RU" sz="2800" dirty="0"/>
+              <a:t>2.</a:t>
+            </a:r>
+          </a:p>
+        </p:txBody>
+      </p:sp>
+      <p:sp>
+        <p:nvSpPr>
+          <p:cNvPr id="10" name="TextBox 9"/>
+          <p:cNvSpPr txBox="1"/>
+          <p:nvPr/>
+        </p:nvSpPr>
+        <p:spPr>
+          <a:xfrm>
+            <a:off x="7600169" y="2785413"/>
+            <a:ext cx="798538" cy="523220"/>
+          </a:xfrm>
+          <a:prstGeom prst="rect">
+            <a:avLst/>
+          </a:prstGeom>
+          <a:noFill/>
+        </p:spPr>
+        <p:txBody>
+          <a:bodyPr wrap="square" rtlCol="0">
+            <a:spAutoFit/>
+          </a:bodyPr>
+          <a:lstStyle/>
+          <a:p>
+            <a:r>
+              <a:rPr lang="ru-RU" sz="2800" dirty="0"/>
+              <a:t>3.</a:t>
+            </a:r>
+          </a:p>
+        </p:txBody>
+      </p:sp>
+      <p:sp>
+        <p:nvSpPr>
+          <p:cNvPr id="12" name="Прямоугольник 11"/>
+          <p:cNvSpPr/>
+          <p:nvPr/>
+        </p:nvSpPr>
+        <p:spPr>
+          <a:xfrm>
+            <a:off x="3450871" y="567200"/>
+            <a:ext cx="3534508" cy="738554"/>
+          </a:xfrm>
+          <a:prstGeom prst="rect">
+            <a:avLst/>
+          </a:prstGeom>
+          <a:solidFill>
+            <a:srgbClr val="FF0000"/>
+          </a:solidFill>
+        </p:spPr>
+        <p:style>
+          <a:lnRef idx="2">
+            <a:schemeClr val="accent1">
+              <a:shade val="50000"/>
+            </a:schemeClr>
+          </a:lnRef>
+          <a:fillRef idx="1">
+            <a:schemeClr val="accent1"/>
+          </a:fillRef>
+          <a:effectRef idx="0">
+            <a:schemeClr val="accent1"/>
+          </a:effectRef>
+          <a:fontRef idx="minor">
+            <a:schemeClr val="lt1"/>
+          </a:fontRef>
+        </p:style>
+        <p:txBody>
+          <a:bodyPr rtlCol="0" anchor="ctr"/>
+          <a:lstStyle/>
+          <a:p>
+            <a:pPr algn="ctr"/>
+            <a:r>
+              <a:rPr lang="ru-RU" dirty="0"/>
+              <a:t>Не правильно</a:t>
+            </a:r>
+          </a:p>
+        </p:txBody>
+      </p:sp>
+      <p:sp>
+        <p:nvSpPr>
+          <p:cNvPr id="13" name="Прямоугольник 12"/>
+          <p:cNvSpPr/>
+          <p:nvPr/>
+        </p:nvSpPr>
+        <p:spPr>
+          <a:xfrm>
+            <a:off x="3450871" y="580900"/>
+            <a:ext cx="3534508" cy="738554"/>
+          </a:xfrm>
+          <a:prstGeom prst="rect">
+            <a:avLst/>
+          </a:prstGeom>
+          <a:solidFill>
+            <a:srgbClr val="FF0000"/>
+          </a:solidFill>
+        </p:spPr>
+        <p:style>
+          <a:lnRef idx="2">
+            <a:schemeClr val="accent1">
+              <a:shade val="50000"/>
+            </a:schemeClr>
+          </a:lnRef>
+          <a:fillRef idx="1">
+            <a:schemeClr val="accent1"/>
+          </a:fillRef>
+          <a:effectRef idx="0">
+            <a:schemeClr val="accent1"/>
+          </a:effectRef>
+          <a:fontRef idx="minor">
+            <a:schemeClr val="lt1"/>
+          </a:fontRef>
+        </p:style>
+        <p:txBody>
+          <a:bodyPr rtlCol="0" anchor="ctr"/>
+          <a:lstStyle/>
+          <a:p>
+            <a:pPr algn="ctr"/>
+            <a:r>
+              <a:rPr lang="ru-RU" dirty="0"/>
+              <a:t>Не правильно</a:t>
+            </a:r>
+          </a:p>
+        </p:txBody>
+      </p:sp>
+      <p:sp>
+        <p:nvSpPr>
+          <p:cNvPr id="11" name="Прямоугольник 10"/>
+          <p:cNvSpPr/>
+          <p:nvPr/>
+        </p:nvSpPr>
+        <p:spPr>
+          <a:xfrm>
+            <a:off x="3450871" y="580900"/>
+            <a:ext cx="3534508" cy="738554"/>
+          </a:xfrm>
+          <a:prstGeom prst="rect">
+            <a:avLst/>
+          </a:prstGeom>
+          <a:solidFill>
+            <a:srgbClr val="00B050"/>
+          </a:solidFill>
+        </p:spPr>
+        <p:style>
+          <a:lnRef idx="2">
+            <a:schemeClr val="accent1">
+              <a:shade val="50000"/>
+            </a:schemeClr>
+          </a:lnRef>
+          <a:fillRef idx="1">
+            <a:schemeClr val="accent1"/>
+          </a:fillRef>
+          <a:effectRef idx="0">
+            <a:schemeClr val="accent1"/>
+          </a:effectRef>
+          <a:fontRef idx="minor">
+            <a:schemeClr val="lt1"/>
+          </a:fontRef>
+        </p:style>
+        <p:txBody>
+          <a:bodyPr rtlCol="0" anchor="ctr"/>
+          <a:lstStyle/>
+          <a:p>
+            <a:pPr algn="ctr"/>
+            <a:r>
+              <a:rPr lang="ru-RU" dirty="0"/>
+              <a:t>Правильно</a:t>
+            </a:r>
+          </a:p>
+        </p:txBody>
+      </p:sp>
+      <p:sp>
+        <p:nvSpPr>
+          <p:cNvPr id="16" name="Стрелка: влево 3">
+            <a:hlinkClick r:id="rId2" action="ppaction://hlinksldjump"/>
+            <a:extLst>
+              <a:ext uri="{FF2B5EF4-FFF2-40B4-BE49-F238E27FC236}">
+                <a16:creationId xmlns:a16="http://schemas.microsoft.com/office/drawing/2014/main" id="{78436E58-2867-4B0B-89D1-643D50525DEA}"/>
+              </a:ext>
+            </a:extLst>
+          </p:cNvPr>
+          <p:cNvSpPr/>
+          <p:nvPr/>
+        </p:nvSpPr>
+        <p:spPr>
+          <a:xfrm rot="10800000">
+            <a:off x="11177609" y="5999400"/>
+            <a:ext cx="1008529" cy="858600"/>
+          </a:xfrm>
+          <a:prstGeom prst="leftArrow">
+            <a:avLst/>
+          </a:prstGeom>
+        </p:spPr>
+        <p:style>
+          <a:lnRef idx="2">
+            <a:schemeClr val="dk1">
+              <a:shade val="50000"/>
+            </a:schemeClr>
+          </a:lnRef>
+          <a:fillRef idx="1">
+            <a:schemeClr val="dk1"/>
+          </a:fillRef>
+          <a:effectRef idx="0">
+            <a:schemeClr val="dk1"/>
+          </a:effectRef>
+          <a:fontRef idx="minor">
+            <a:schemeClr val="lt1"/>
+          </a:fontRef>
+        </p:style>
+        <p:txBody>
+          <a:bodyPr rtlCol="0" anchor="ctr"/>
+          <a:lstStyle/>
+          <a:p>
+            <a:pPr algn="ctr"/>
+            <a:endParaRPr lang="ru-RU" dirty="0"/>
+          </a:p>
+        </p:txBody>
+      </p:sp>
+      <p:pic>
+        <p:nvPicPr>
+          <p:cNvPr id="17" name="Рисунок 16">
+            <a:hlinkClick r:id="rId3" action="ppaction://hlinksldjump"/>
+            <a:extLst>
+              <a:ext uri="{FF2B5EF4-FFF2-40B4-BE49-F238E27FC236}">
+                <a16:creationId xmlns:a16="http://schemas.microsoft.com/office/drawing/2014/main" id="{BF5C3220-7F8A-4306-B8CF-E18F2E4E843B}"/>
+              </a:ext>
+            </a:extLst>
+          </p:cNvPr>
+          <p:cNvPicPr>
+            <a:picLocks noChangeAspect="1"/>
+          </p:cNvPicPr>
+          <p:nvPr/>
+        </p:nvPicPr>
+        <p:blipFill>
+          <a:blip r:embed="rId4"/>
+          <a:stretch>
+            <a:fillRect/>
+          </a:stretch>
+        </p:blipFill>
+        <p:spPr>
+          <a:xfrm>
+            <a:off x="1432183" y="3072366"/>
+            <a:ext cx="1219370" cy="581106"/>
+          </a:xfrm>
+          <a:prstGeom prst="rect">
+            <a:avLst/>
+          </a:prstGeom>
+        </p:spPr>
+      </p:pic>
+      <p:pic>
+        <p:nvPicPr>
+          <p:cNvPr id="18" name="Рисунок 17">
+            <a:hlinkClick r:id="rId3" action="ppaction://hlinksldjump"/>
+            <a:extLst>
+              <a:ext uri="{FF2B5EF4-FFF2-40B4-BE49-F238E27FC236}">
+                <a16:creationId xmlns:a16="http://schemas.microsoft.com/office/drawing/2014/main" id="{D7A6FBA6-3631-4AAD-AED2-EE421033728A}"/>
+              </a:ext>
+            </a:extLst>
+          </p:cNvPr>
+          <p:cNvPicPr>
+            <a:picLocks noChangeAspect="1"/>
+          </p:cNvPicPr>
+          <p:nvPr/>
+        </p:nvPicPr>
+        <p:blipFill>
+          <a:blip r:embed="rId5"/>
+          <a:stretch>
+            <a:fillRect/>
+          </a:stretch>
+        </p:blipFill>
+        <p:spPr>
+          <a:xfrm>
+            <a:off x="4643707" y="3167026"/>
+            <a:ext cx="2172003" cy="523948"/>
+          </a:xfrm>
+          <a:prstGeom prst="rect">
+            <a:avLst/>
+          </a:prstGeom>
+        </p:spPr>
+      </p:pic>
+      <p:pic>
+        <p:nvPicPr>
+          <p:cNvPr id="5" name="Рисунок 4">
+            <a:extLst>
+              <a:ext uri="{FF2B5EF4-FFF2-40B4-BE49-F238E27FC236}">
+                <a16:creationId xmlns:a16="http://schemas.microsoft.com/office/drawing/2014/main" id="{C160E115-5006-4959-8AE2-A5BCAC0C3149}"/>
+              </a:ext>
+            </a:extLst>
+          </p:cNvPr>
+          <p:cNvPicPr>
+            <a:picLocks noChangeAspect="1"/>
+          </p:cNvPicPr>
+          <p:nvPr/>
+        </p:nvPicPr>
+        <p:blipFill>
+          <a:blip r:embed="rId6"/>
+          <a:stretch>
+            <a:fillRect/>
+          </a:stretch>
+        </p:blipFill>
+        <p:spPr>
+          <a:xfrm>
+            <a:off x="7999438" y="3115677"/>
+            <a:ext cx="1581371" cy="533474"/>
+          </a:xfrm>
+          <a:prstGeom prst="rect">
+            <a:avLst/>
+          </a:prstGeom>
+        </p:spPr>
+      </p:pic>
+    </p:spTree>
+    <p:extLst>
+      <p:ext uri="{BB962C8B-B14F-4D97-AF65-F5344CB8AC3E}">
+        <p14:creationId xmlns:p14="http://schemas.microsoft.com/office/powerpoint/2010/main" val="1522851557"/>
+      </p:ext>
+    </p:extLst>
+  </p:cSld>
+  <p:clrMapOvr>
+    <a:masterClrMapping/>
+  </p:clrMapOvr>
+  <p:timing>
+    <p:tnLst>
+      <p:par>
+        <p:cTn id="1" dur="indefinite" restart="never" nodeType="tmRoot">
+          <p:childTnLst>
             <p:seq concurrent="1" nextAc="seek">
-              <p:cTn id="19" restart="whenNotActive" fill="hold" evtFilter="cancelBubble" nodeType="interactiveSeq">
-                <p:stCondLst>
-                  <p:cond evt="onClick" delay="0">
-                    <p:tgtEl>
-                      <p:spTgt spid="15"/>
-                    </p:tgtEl>
-                  </p:cond>
-                </p:stCondLst>
-                <p:endSync evt="end" delay="0">
-                  <p:rtn val="all"/>
-                </p:endSync>
+              <p:cTn id="2" dur="indefinite" nodeType="mainSeq">
                 <p:childTnLst>
                   <p:par>
-                    <p:cTn id="20" fill="hold">
+                    <p:cTn id="3" fill="hold">
                       <p:stCondLst>
-                        <p:cond delay="0"/>
+                        <p:cond delay="indefinite"/>
                       </p:stCondLst>
                       <p:childTnLst>
                         <p:par>
-                          <p:cTn id="21" fill="hold">
+                          <p:cTn id="4" fill="hold">
                             <p:stCondLst>
                               <p:cond delay="0"/>
                             </p:stCondLst>
                             <p:childTnLst>
                               <p:par>
-                                <p:cTn id="22" presetID="2" presetClass="entr" presetSubtype="4" fill="hold" grpId="0" nodeType="clickEffect">
+                                <p:cTn id="5" presetID="2" presetClass="entr" presetSubtype="4" fill="hold" grpId="0" nodeType="clickEffect">
                                   <p:stCondLst>
                                     <p:cond delay="0"/>
                                   </p:stCondLst>
                                   <p:childTnLst>
                                     <p:set>
                                       <p:cBhvr>
-                                        <p:cTn id="23" dur="1" fill="hold">
+                                        <p:cTn id="6" dur="1" fill="hold">
+                                          <p:stCondLst>
+                                            <p:cond delay="0"/>
+                                          </p:stCondLst>
+                                        </p:cTn>
+                                        <p:tgtEl>
+                                          <p:spTgt spid="13"/>
+                                        </p:tgtEl>
+                                        <p:attrNameLst>
+                                          <p:attrName>style.visibility</p:attrName>
+                                        </p:attrNameLst>
+                                      </p:cBhvr>
+                                      <p:to>
+                                        <p:strVal val="visible"/>
+                                      </p:to>
+                                    </p:set>
+                                    <p:anim calcmode="lin" valueType="num">
+                                      <p:cBhvr additive="base">
+                                        <p:cTn id="7" dur="500" fill="hold"/>
+                                        <p:tgtEl>
+                                          <p:spTgt spid="13"/>
+                                        </p:tgtEl>
+                                        <p:attrNameLst>
+                                          <p:attrName>ppt_x</p:attrName>
+                                        </p:attrNameLst>
+                                      </p:cBhvr>
+                                      <p:tavLst>
+                                        <p:tav tm="0">
+                                          <p:val>
+                                            <p:strVal val="#ppt_x"/>
+                                          </p:val>
+                                        </p:tav>
+                                        <p:tav tm="100000">
+                                          <p:val>
+                                            <p:strVal val="#ppt_x"/>
+                                          </p:val>
+                                        </p:tav>
+                                      </p:tavLst>
+                                    </p:anim>
+                                    <p:anim calcmode="lin" valueType="num">
+                                      <p:cBhvr additive="base">
+                                        <p:cTn id="8" dur="500" fill="hold"/>
+                                        <p:tgtEl>
+                                          <p:spTgt spid="13"/>
+                                        </p:tgtEl>
+                                        <p:attrNameLst>
+                                          <p:attrName>ppt_y</p:attrName>
+                                        </p:attrNameLst>
+                                      </p:cBhvr>
+                                      <p:tavLst>
+                                        <p:tav tm="0">
+                                          <p:val>
+                                            <p:strVal val="1+#ppt_h/2"/>
+                                          </p:val>
+                                        </p:tav>
+                                        <p:tav tm="100000">
+                                          <p:val>
+                                            <p:strVal val="#ppt_y"/>
+                                          </p:val>
+                                        </p:tav>
+                                      </p:tavLst>
+                                    </p:anim>
+                                  </p:childTnLst>
+                                </p:cTn>
+                              </p:par>
+                            </p:childTnLst>
+                          </p:cTn>
+                        </p:par>
+                      </p:childTnLst>
+                    </p:cTn>
+                  </p:par>
+                  <p:par>
+                    <p:cTn id="9" fill="hold">
+                      <p:stCondLst>
+                        <p:cond delay="indefinite"/>
+                      </p:stCondLst>
+                      <p:childTnLst>
+                        <p:par>
+                          <p:cTn id="10" fill="hold">
+                            <p:stCondLst>
+                              <p:cond delay="0"/>
+                            </p:stCondLst>
+                            <p:childTnLst>
+                              <p:par>
+                                <p:cTn id="11" presetID="2" presetClass="entr" presetSubtype="4" fill="hold" grpId="0" nodeType="clickEffect">
+                                  <p:stCondLst>
+                                    <p:cond delay="0"/>
+                                  </p:stCondLst>
+                                  <p:childTnLst>
+                                    <p:set>
+                                      <p:cBhvr>
+                                        <p:cTn id="12" dur="1" fill="hold">
                                           <p:stCondLst>
                                             <p:cond delay="0"/>
                                           </p:stCondLst>
@@ -7928,7 +7015,7 @@
                                     </p:set>
                                     <p:anim calcmode="lin" valueType="num">
                                       <p:cBhvr additive="base">
-                                        <p:cTn id="24" dur="500" fill="hold"/>
+                                        <p:cTn id="13" dur="500" fill="hold"/>
                                         <p:tgtEl>
                                           <p:spTgt spid="12"/>
                                         </p:tgtEl>
@@ -7951,9 +7038,165 @@
                                     </p:anim>
                                     <p:anim calcmode="lin" valueType="num">
                                       <p:cBhvr additive="base">
-                                        <p:cTn id="25" dur="500" fill="hold"/>
+                                        <p:cTn id="14" dur="500" fill="hold"/>
                                         <p:tgtEl>
                                           <p:spTgt spid="12"/>
+                                        </p:tgtEl>
+                                        <p:attrNameLst>
+                                          <p:attrName>ppt_y</p:attrName>
+                                        </p:attrNameLst>
+                                      </p:cBhvr>
+                                      <p:tavLst>
+                                        <p:tav tm="0">
+                                          <p:val>
+                                            <p:strVal val="1+#ppt_h/2"/>
+                                          </p:val>
+                                        </p:tav>
+                                        <p:tav tm="100000">
+                                          <p:val>
+                                            <p:strVal val="#ppt_y"/>
+                                          </p:val>
+                                        </p:tav>
+                                      </p:tavLst>
+                                    </p:anim>
+                                  </p:childTnLst>
+                                </p:cTn>
+                              </p:par>
+                              <p:par>
+                                <p:cTn id="15" presetID="22" presetClass="entr" presetSubtype="4" fill="hold" grpId="0" nodeType="withEffect">
+                                  <p:stCondLst>
+                                    <p:cond delay="0"/>
+                                  </p:stCondLst>
+                                  <p:childTnLst>
+                                    <p:set>
+                                      <p:cBhvr>
+                                        <p:cTn id="16" dur="1" fill="hold">
+                                          <p:stCondLst>
+                                            <p:cond delay="0"/>
+                                          </p:stCondLst>
+                                        </p:cTn>
+                                        <p:tgtEl>
+                                          <p:spTgt spid="16"/>
+                                        </p:tgtEl>
+                                        <p:attrNameLst>
+                                          <p:attrName>style.visibility</p:attrName>
+                                        </p:attrNameLst>
+                                      </p:cBhvr>
+                                      <p:to>
+                                        <p:strVal val="visible"/>
+                                      </p:to>
+                                    </p:set>
+                                    <p:animEffect transition="in" filter="wipe(down)">
+                                      <p:cBhvr>
+                                        <p:cTn id="17" dur="500"/>
+                                        <p:tgtEl>
+                                          <p:spTgt spid="16"/>
+                                        </p:tgtEl>
+                                      </p:cBhvr>
+                                    </p:animEffect>
+                                  </p:childTnLst>
+                                </p:cTn>
+                              </p:par>
+                            </p:childTnLst>
+                          </p:cTn>
+                        </p:par>
+                      </p:childTnLst>
+                    </p:cTn>
+                  </p:par>
+                </p:childTnLst>
+              </p:cTn>
+              <p:prevCondLst>
+                <p:cond evt="onPrev" delay="0">
+                  <p:tgtEl>
+                    <p:sldTgt/>
+                  </p:tgtEl>
+                </p:cond>
+              </p:prevCondLst>
+              <p:nextCondLst>
+                <p:cond evt="onNext" delay="0">
+                  <p:tgtEl>
+                    <p:sldTgt/>
+                  </p:tgtEl>
+                </p:cond>
+              </p:nextCondLst>
+            </p:seq>
+            <p:seq concurrent="1" nextAc="seek">
+              <p:cTn id="18" restart="whenNotActive" fill="hold" evtFilter="cancelBubble" nodeType="interactiveSeq">
+                <p:stCondLst>
+                  <p:cond evt="onClick" delay="0">
+                    <p:tgtEl>
+                      <p:spTgt spid="5"/>
+                    </p:tgtEl>
+                  </p:cond>
+                </p:stCondLst>
+                <p:endSync evt="end" delay="0">
+                  <p:rtn val="all"/>
+                </p:endSync>
+                <p:childTnLst>
+                  <p:par>
+                    <p:cTn id="19" fill="hold">
+                      <p:stCondLst>
+                        <p:cond delay="0"/>
+                      </p:stCondLst>
+                      <p:childTnLst>
+                        <p:par>
+                          <p:cTn id="20" fill="hold">
+                            <p:stCondLst>
+                              <p:cond delay="0"/>
+                            </p:stCondLst>
+                            <p:childTnLst>
+                              <p:par>
+                                <p:cTn id="21" presetID="2" presetClass="entr" presetSubtype="4" fill="hold" grpId="0" nodeType="clickEffect">
+                                  <p:stCondLst>
+                                    <p:cond delay="0"/>
+                                  </p:stCondLst>
+                                  <p:childTnLst>
+                                    <p:set>
+                                      <p:cBhvr>
+                                        <p:cTn id="22" dur="1" fill="hold">
+                                          <p:stCondLst>
+                                            <p:cond delay="0"/>
+                                          </p:stCondLst>
+                                        </p:cTn>
+                                        <p:tgtEl>
+                                          <p:spTgt spid="11"/>
+                                        </p:tgtEl>
+                                        <p:attrNameLst>
+                                          <p:attrName>style.visibility</p:attrName>
+                                        </p:attrNameLst>
+                                      </p:cBhvr>
+                                      <p:to>
+                                        <p:strVal val="visible"/>
+                                      </p:to>
+                                    </p:set>
+                                    <p:anim calcmode="lin" valueType="num">
+                                      <p:cBhvr additive="base">
+                                        <p:cTn id="23" dur="500" fill="hold"/>
+                                        <p:tgtEl>
+                                          <p:spTgt spid="11"/>
+                                        </p:tgtEl>
+                                        <p:attrNameLst>
+                                          <p:attrName>ppt_x</p:attrName>
+                                        </p:attrNameLst>
+                                      </p:cBhvr>
+                                      <p:tavLst>
+                                        <p:tav tm="0">
+                                          <p:val>
+                                            <p:strVal val="#ppt_x"/>
+                                          </p:val>
+                                        </p:tav>
+                                        <p:tav tm="100000">
+                                          <p:val>
+                                            <p:strVal val="#ppt_x"/>
+                                          </p:val>
+                                        </p:tav>
+                                      </p:tavLst>
+                                    </p:anim>
+                                    <p:anim calcmode="lin" valueType="num">
+                                      <p:cBhvr additive="base">
+                                        <p:cTn id="24" dur="500" fill="hold"/>
+                                        <p:tgtEl>
+                                          <p:spTgt spid="11"/>
                                         </p:tgtEl>
                                         <p:attrNameLst>
                                           <p:attrName>ppt_y</p:attrName>
@@ -7986,7 +7229,838 @@
               <p:nextCondLst>
                 <p:cond evt="onClick" delay="0">
                   <p:tgtEl>
-                    <p:spTgt spid="15"/>
+                    <p:spTgt spid="5"/>
+                  </p:tgtEl>
+                </p:cond>
+              </p:nextCondLst>
+            </p:seq>
+          </p:childTnLst>
+        </p:cTn>
+      </p:par>
+    </p:tnLst>
+    <p:bldLst>
+      <p:bldP spid="12" grpId="0" animBg="1"/>
+      <p:bldP spid="13" grpId="0" animBg="1"/>
+      <p:bldP spid="11" grpId="0" animBg="1"/>
+      <p:bldP spid="16" grpId="0" animBg="1"/>
+    </p:bldLst>
+  </p:timing>
+</p:sld>
+</file>
+
+<file path=ppt/slides/slide17.xml><?xml version="1.0" encoding="utf-8"?>
+<p:sld xmlns:a="http://schemas.openxmlformats.org/drawingml/2006/main" xmlns:r="http://schemas.openxmlformats.org/officeDocument/2006/relationships" xmlns:p="http://schemas.openxmlformats.org/presentationml/2006/main">
+  <p:cSld>
+    <p:spTree>
+      <p:nvGrpSpPr>
+        <p:cNvPr id="1" name=""/>
+        <p:cNvGrpSpPr/>
+        <p:nvPr/>
+      </p:nvGrpSpPr>
+      <p:grpSpPr>
+        <a:xfrm>
+          <a:off x="0" y="0"/>
+          <a:ext cx="0" cy="0"/>
+          <a:chOff x="0" y="0"/>
+          <a:chExt cx="0" cy="0"/>
+        </a:xfrm>
+      </p:grpSpPr>
+      <p:sp>
+        <p:nvSpPr>
+          <p:cNvPr id="3" name="Объект 2"/>
+          <p:cNvSpPr>
+            <a:spLocks noGrp="1"/>
+          </p:cNvSpPr>
+          <p:nvPr>
+            <p:ph idx="1"/>
+          </p:nvPr>
+        </p:nvSpPr>
+        <p:spPr>
+          <a:xfrm>
+            <a:off x="838200" y="1723292"/>
+            <a:ext cx="10873154" cy="4453671"/>
+          </a:xfrm>
+        </p:spPr>
+        <p:txBody>
+          <a:bodyPr/>
+          <a:lstStyle/>
+          <a:p>
+            <a:pPr>
+              <a:buSzPts val="2800"/>
+            </a:pPr>
+            <a:r>
+              <a:rPr lang="ru-RU" dirty="0">
+                <a:solidFill>
+                  <a:srgbClr val="000000"/>
+                </a:solidFill>
+                <a:latin typeface="Calibri" panose="020F0502020204030204" pitchFamily="34" charset="0"/>
+              </a:rPr>
+              <a:t>Какой запрос используется для используются для получения данных от API?</a:t>
+            </a:r>
+            <a:endParaRPr lang="ru-RU" dirty="0"/>
+          </a:p>
+        </p:txBody>
+      </p:sp>
+      <p:sp>
+        <p:nvSpPr>
+          <p:cNvPr id="4" name="Заголовок 3"/>
+          <p:cNvSpPr>
+            <a:spLocks noGrp="1"/>
+          </p:cNvSpPr>
+          <p:nvPr>
+            <p:ph type="title"/>
+          </p:nvPr>
+        </p:nvSpPr>
+        <p:spPr>
+          <a:xfrm>
+            <a:off x="838200" y="317175"/>
+            <a:ext cx="10515600" cy="1325563"/>
+          </a:xfrm>
+        </p:spPr>
+        <p:txBody>
+          <a:bodyPr/>
+          <a:lstStyle/>
+          <a:p>
+            <a:r>
+              <a:rPr lang="ru-RU" b="1" dirty="0"/>
+              <a:t>Вопрос </a:t>
+            </a:r>
+            <a:r>
+              <a:rPr lang="en-US" b="1" dirty="0"/>
+              <a:t>5</a:t>
+            </a:r>
+            <a:r>
+              <a:rPr lang="ru-RU" b="1" dirty="0"/>
+              <a:t>.</a:t>
+            </a:r>
+          </a:p>
+        </p:txBody>
+      </p:sp>
+      <p:sp>
+        <p:nvSpPr>
+          <p:cNvPr id="8" name="TextBox 7"/>
+          <p:cNvSpPr txBox="1"/>
+          <p:nvPr/>
+        </p:nvSpPr>
+        <p:spPr>
+          <a:xfrm>
+            <a:off x="1005938" y="2759145"/>
+            <a:ext cx="798538" cy="523220"/>
+          </a:xfrm>
+          <a:prstGeom prst="rect">
+            <a:avLst/>
+          </a:prstGeom>
+          <a:noFill/>
+        </p:spPr>
+        <p:txBody>
+          <a:bodyPr wrap="square" rtlCol="0">
+            <a:spAutoFit/>
+          </a:bodyPr>
+          <a:lstStyle/>
+          <a:p>
+            <a:r>
+              <a:rPr lang="ru-RU" sz="2800" dirty="0"/>
+              <a:t>1.</a:t>
+            </a:r>
+          </a:p>
+        </p:txBody>
+      </p:sp>
+      <p:sp>
+        <p:nvSpPr>
+          <p:cNvPr id="9" name="TextBox 8"/>
+          <p:cNvSpPr txBox="1"/>
+          <p:nvPr/>
+        </p:nvSpPr>
+        <p:spPr>
+          <a:xfrm>
+            <a:off x="4244438" y="2785413"/>
+            <a:ext cx="798538" cy="523220"/>
+          </a:xfrm>
+          <a:prstGeom prst="rect">
+            <a:avLst/>
+          </a:prstGeom>
+          <a:noFill/>
+        </p:spPr>
+        <p:txBody>
+          <a:bodyPr wrap="square" rtlCol="0">
+            <a:spAutoFit/>
+          </a:bodyPr>
+          <a:lstStyle/>
+          <a:p>
+            <a:r>
+              <a:rPr lang="ru-RU" sz="2800" dirty="0"/>
+              <a:t>2.</a:t>
+            </a:r>
+          </a:p>
+        </p:txBody>
+      </p:sp>
+      <p:sp>
+        <p:nvSpPr>
+          <p:cNvPr id="10" name="TextBox 9"/>
+          <p:cNvSpPr txBox="1"/>
+          <p:nvPr/>
+        </p:nvSpPr>
+        <p:spPr>
+          <a:xfrm>
+            <a:off x="7600169" y="2785413"/>
+            <a:ext cx="798538" cy="523220"/>
+          </a:xfrm>
+          <a:prstGeom prst="rect">
+            <a:avLst/>
+          </a:prstGeom>
+          <a:noFill/>
+        </p:spPr>
+        <p:txBody>
+          <a:bodyPr wrap="square" rtlCol="0">
+            <a:spAutoFit/>
+          </a:bodyPr>
+          <a:lstStyle/>
+          <a:p>
+            <a:r>
+              <a:rPr lang="ru-RU" sz="2800" dirty="0"/>
+              <a:t>3.</a:t>
+            </a:r>
+          </a:p>
+        </p:txBody>
+      </p:sp>
+      <p:sp>
+        <p:nvSpPr>
+          <p:cNvPr id="12" name="Прямоугольник 11"/>
+          <p:cNvSpPr/>
+          <p:nvPr/>
+        </p:nvSpPr>
+        <p:spPr>
+          <a:xfrm>
+            <a:off x="3450871" y="567200"/>
+            <a:ext cx="3534508" cy="738554"/>
+          </a:xfrm>
+          <a:prstGeom prst="rect">
+            <a:avLst/>
+          </a:prstGeom>
+          <a:solidFill>
+            <a:srgbClr val="FF0000"/>
+          </a:solidFill>
+        </p:spPr>
+        <p:style>
+          <a:lnRef idx="2">
+            <a:schemeClr val="accent1">
+              <a:shade val="50000"/>
+            </a:schemeClr>
+          </a:lnRef>
+          <a:fillRef idx="1">
+            <a:schemeClr val="accent1"/>
+          </a:fillRef>
+          <a:effectRef idx="0">
+            <a:schemeClr val="accent1"/>
+          </a:effectRef>
+          <a:fontRef idx="minor">
+            <a:schemeClr val="lt1"/>
+          </a:fontRef>
+        </p:style>
+        <p:txBody>
+          <a:bodyPr rtlCol="0" anchor="ctr"/>
+          <a:lstStyle/>
+          <a:p>
+            <a:pPr algn="ctr"/>
+            <a:r>
+              <a:rPr lang="ru-RU" dirty="0"/>
+              <a:t>Не правильно</a:t>
+            </a:r>
+          </a:p>
+        </p:txBody>
+      </p:sp>
+      <p:sp>
+        <p:nvSpPr>
+          <p:cNvPr id="13" name="Прямоугольник 12"/>
+          <p:cNvSpPr/>
+          <p:nvPr/>
+        </p:nvSpPr>
+        <p:spPr>
+          <a:xfrm>
+            <a:off x="3450871" y="574479"/>
+            <a:ext cx="3534508" cy="738554"/>
+          </a:xfrm>
+          <a:prstGeom prst="rect">
+            <a:avLst/>
+          </a:prstGeom>
+          <a:solidFill>
+            <a:srgbClr val="FF0000"/>
+          </a:solidFill>
+        </p:spPr>
+        <p:style>
+          <a:lnRef idx="2">
+            <a:schemeClr val="accent1">
+              <a:shade val="50000"/>
+            </a:schemeClr>
+          </a:lnRef>
+          <a:fillRef idx="1">
+            <a:schemeClr val="accent1"/>
+          </a:fillRef>
+          <a:effectRef idx="0">
+            <a:schemeClr val="accent1"/>
+          </a:effectRef>
+          <a:fontRef idx="minor">
+            <a:schemeClr val="lt1"/>
+          </a:fontRef>
+        </p:style>
+        <p:txBody>
+          <a:bodyPr rtlCol="0" anchor="ctr"/>
+          <a:lstStyle/>
+          <a:p>
+            <a:pPr algn="ctr"/>
+            <a:r>
+              <a:rPr lang="ru-RU" dirty="0"/>
+              <a:t>Не правильно</a:t>
+            </a:r>
+          </a:p>
+        </p:txBody>
+      </p:sp>
+      <p:sp>
+        <p:nvSpPr>
+          <p:cNvPr id="11" name="Прямоугольник 10"/>
+          <p:cNvSpPr/>
+          <p:nvPr/>
+        </p:nvSpPr>
+        <p:spPr>
+          <a:xfrm>
+            <a:off x="3450871" y="567200"/>
+            <a:ext cx="3534508" cy="738554"/>
+          </a:xfrm>
+          <a:prstGeom prst="rect">
+            <a:avLst/>
+          </a:prstGeom>
+          <a:solidFill>
+            <a:srgbClr val="00B050"/>
+          </a:solidFill>
+        </p:spPr>
+        <p:style>
+          <a:lnRef idx="2">
+            <a:schemeClr val="accent1">
+              <a:shade val="50000"/>
+            </a:schemeClr>
+          </a:lnRef>
+          <a:fillRef idx="1">
+            <a:schemeClr val="accent1"/>
+          </a:fillRef>
+          <a:effectRef idx="0">
+            <a:schemeClr val="accent1"/>
+          </a:effectRef>
+          <a:fontRef idx="minor">
+            <a:schemeClr val="lt1"/>
+          </a:fontRef>
+        </p:style>
+        <p:txBody>
+          <a:bodyPr rtlCol="0" anchor="ctr"/>
+          <a:lstStyle/>
+          <a:p>
+            <a:pPr algn="ctr"/>
+            <a:r>
+              <a:rPr lang="ru-RU" dirty="0"/>
+              <a:t>Правильно</a:t>
+            </a:r>
+          </a:p>
+        </p:txBody>
+      </p:sp>
+      <p:sp>
+        <p:nvSpPr>
+          <p:cNvPr id="16" name="Стрелка: влево 3">
+            <a:extLst>
+              <a:ext uri="{FF2B5EF4-FFF2-40B4-BE49-F238E27FC236}">
+                <a16:creationId xmlns:a16="http://schemas.microsoft.com/office/drawing/2014/main" id="{78436E58-2867-4B0B-89D1-643D50525DEA}"/>
+              </a:ext>
+            </a:extLst>
+          </p:cNvPr>
+          <p:cNvSpPr/>
+          <p:nvPr/>
+        </p:nvSpPr>
+        <p:spPr>
+          <a:xfrm rot="10800000">
+            <a:off x="11177609" y="5999400"/>
+            <a:ext cx="1008529" cy="858600"/>
+          </a:xfrm>
+          <a:prstGeom prst="leftArrow">
+            <a:avLst/>
+          </a:prstGeom>
+        </p:spPr>
+        <p:style>
+          <a:lnRef idx="2">
+            <a:schemeClr val="dk1">
+              <a:shade val="50000"/>
+            </a:schemeClr>
+          </a:lnRef>
+          <a:fillRef idx="1">
+            <a:schemeClr val="dk1"/>
+          </a:fillRef>
+          <a:effectRef idx="0">
+            <a:schemeClr val="dk1"/>
+          </a:effectRef>
+          <a:fontRef idx="minor">
+            <a:schemeClr val="lt1"/>
+          </a:fontRef>
+        </p:style>
+        <p:txBody>
+          <a:bodyPr rtlCol="0" anchor="ctr"/>
+          <a:lstStyle/>
+          <a:p>
+            <a:pPr algn="ctr"/>
+            <a:endParaRPr lang="ru-RU" dirty="0"/>
+          </a:p>
+        </p:txBody>
+      </p:sp>
+      <p:pic>
+        <p:nvPicPr>
+          <p:cNvPr id="17" name="Рисунок 16">
+            <a:hlinkClick r:id="rId2" action="ppaction://hlinksldjump"/>
+            <a:extLst>
+              <a:ext uri="{FF2B5EF4-FFF2-40B4-BE49-F238E27FC236}">
+                <a16:creationId xmlns:a16="http://schemas.microsoft.com/office/drawing/2014/main" id="{AE115EE9-455A-464F-B706-9BE87311E403}"/>
+              </a:ext>
+            </a:extLst>
+          </p:cNvPr>
+          <p:cNvPicPr>
+            <a:picLocks noChangeAspect="1"/>
+          </p:cNvPicPr>
+          <p:nvPr/>
+        </p:nvPicPr>
+        <p:blipFill>
+          <a:blip r:embed="rId3"/>
+          <a:stretch>
+            <a:fillRect/>
+          </a:stretch>
+        </p:blipFill>
+        <p:spPr>
+          <a:xfrm>
+            <a:off x="1405207" y="3152736"/>
+            <a:ext cx="1257475" cy="552527"/>
+          </a:xfrm>
+          <a:prstGeom prst="rect">
+            <a:avLst/>
+          </a:prstGeom>
+        </p:spPr>
+      </p:pic>
+      <p:pic>
+        <p:nvPicPr>
+          <p:cNvPr id="18" name="Рисунок 17">
+            <a:extLst>
+              <a:ext uri="{FF2B5EF4-FFF2-40B4-BE49-F238E27FC236}">
+                <a16:creationId xmlns:a16="http://schemas.microsoft.com/office/drawing/2014/main" id="{36DA2025-CE3E-4C71-9A2F-6B099A682F28}"/>
+              </a:ext>
+            </a:extLst>
+          </p:cNvPr>
+          <p:cNvPicPr>
+            <a:picLocks noChangeAspect="1"/>
+          </p:cNvPicPr>
+          <p:nvPr/>
+        </p:nvPicPr>
+        <p:blipFill>
+          <a:blip r:embed="rId4"/>
+          <a:stretch>
+            <a:fillRect/>
+          </a:stretch>
+        </p:blipFill>
+        <p:spPr>
+          <a:xfrm>
+            <a:off x="4670683" y="3152736"/>
+            <a:ext cx="1219370" cy="581106"/>
+          </a:xfrm>
+          <a:prstGeom prst="rect">
+            <a:avLst/>
+          </a:prstGeom>
+        </p:spPr>
+      </p:pic>
+      <p:pic>
+        <p:nvPicPr>
+          <p:cNvPr id="19" name="Рисунок 18">
+            <a:hlinkClick r:id="rId2" action="ppaction://hlinksldjump"/>
+            <a:extLst>
+              <a:ext uri="{FF2B5EF4-FFF2-40B4-BE49-F238E27FC236}">
+                <a16:creationId xmlns:a16="http://schemas.microsoft.com/office/drawing/2014/main" id="{23819A21-E34D-4A82-B594-0E9DAD7B81C4}"/>
+              </a:ext>
+            </a:extLst>
+          </p:cNvPr>
+          <p:cNvPicPr>
+            <a:picLocks noChangeAspect="1"/>
+          </p:cNvPicPr>
+          <p:nvPr/>
+        </p:nvPicPr>
+        <p:blipFill>
+          <a:blip r:embed="rId5"/>
+          <a:stretch>
+            <a:fillRect/>
+          </a:stretch>
+        </p:blipFill>
+        <p:spPr>
+          <a:xfrm>
+            <a:off x="7999438" y="3209894"/>
+            <a:ext cx="2172003" cy="523948"/>
+          </a:xfrm>
+          <a:prstGeom prst="rect">
+            <a:avLst/>
+          </a:prstGeom>
+        </p:spPr>
+      </p:pic>
+    </p:spTree>
+    <p:extLst>
+      <p:ext uri="{BB962C8B-B14F-4D97-AF65-F5344CB8AC3E}">
+        <p14:creationId xmlns:p14="http://schemas.microsoft.com/office/powerpoint/2010/main" val="4084945357"/>
+      </p:ext>
+    </p:extLst>
+  </p:cSld>
+  <p:clrMapOvr>
+    <a:masterClrMapping/>
+  </p:clrMapOvr>
+  <p:timing>
+    <p:tnLst>
+      <p:par>
+        <p:cTn id="1" dur="indefinite" restart="never" nodeType="tmRoot">
+          <p:childTnLst>
+            <p:seq concurrent="1" nextAc="seek">
+              <p:cTn id="2" dur="indefinite" nodeType="mainSeq">
+                <p:childTnLst>
+                  <p:par>
+                    <p:cTn id="3" fill="hold">
+                      <p:stCondLst>
+                        <p:cond delay="indefinite"/>
+                      </p:stCondLst>
+                      <p:childTnLst>
+                        <p:par>
+                          <p:cTn id="4" fill="hold">
+                            <p:stCondLst>
+                              <p:cond delay="0"/>
+                            </p:stCondLst>
+                            <p:childTnLst>
+                              <p:par>
+                                <p:cTn id="5" presetID="2" presetClass="entr" presetSubtype="4" fill="hold" grpId="0" nodeType="clickEffect">
+                                  <p:stCondLst>
+                                    <p:cond delay="0"/>
+                                  </p:stCondLst>
+                                  <p:childTnLst>
+                                    <p:set>
+                                      <p:cBhvr>
+                                        <p:cTn id="6" dur="1" fill="hold">
+                                          <p:stCondLst>
+                                            <p:cond delay="0"/>
+                                          </p:stCondLst>
+                                        </p:cTn>
+                                        <p:tgtEl>
+                                          <p:spTgt spid="12"/>
+                                        </p:tgtEl>
+                                        <p:attrNameLst>
+                                          <p:attrName>style.visibility</p:attrName>
+                                        </p:attrNameLst>
+                                      </p:cBhvr>
+                                      <p:to>
+                                        <p:strVal val="visible"/>
+                                      </p:to>
+                                    </p:set>
+                                    <p:anim calcmode="lin" valueType="num">
+                                      <p:cBhvr additive="base">
+                                        <p:cTn id="7" dur="500" fill="hold"/>
+                                        <p:tgtEl>
+                                          <p:spTgt spid="12"/>
+                                        </p:tgtEl>
+                                        <p:attrNameLst>
+                                          <p:attrName>ppt_x</p:attrName>
+                                        </p:attrNameLst>
+                                      </p:cBhvr>
+                                      <p:tavLst>
+                                        <p:tav tm="0">
+                                          <p:val>
+                                            <p:strVal val="#ppt_x"/>
+                                          </p:val>
+                                        </p:tav>
+                                        <p:tav tm="100000">
+                                          <p:val>
+                                            <p:strVal val="#ppt_x"/>
+                                          </p:val>
+                                        </p:tav>
+                                      </p:tavLst>
+                                    </p:anim>
+                                    <p:anim calcmode="lin" valueType="num">
+                                      <p:cBhvr additive="base">
+                                        <p:cTn id="8" dur="500" fill="hold"/>
+                                        <p:tgtEl>
+                                          <p:spTgt spid="12"/>
+                                        </p:tgtEl>
+                                        <p:attrNameLst>
+                                          <p:attrName>ppt_y</p:attrName>
+                                        </p:attrNameLst>
+                                      </p:cBhvr>
+                                      <p:tavLst>
+                                        <p:tav tm="0">
+                                          <p:val>
+                                            <p:strVal val="1+#ppt_h/2"/>
+                                          </p:val>
+                                        </p:tav>
+                                        <p:tav tm="100000">
+                                          <p:val>
+                                            <p:strVal val="#ppt_y"/>
+                                          </p:val>
+                                        </p:tav>
+                                      </p:tavLst>
+                                    </p:anim>
+                                  </p:childTnLst>
+                                </p:cTn>
+                              </p:par>
+                              <p:par>
+                                <p:cTn id="9" presetID="22" presetClass="entr" presetSubtype="4" fill="hold" grpId="0" nodeType="withEffect">
+                                  <p:stCondLst>
+                                    <p:cond delay="0"/>
+                                  </p:stCondLst>
+                                  <p:childTnLst>
+                                    <p:set>
+                                      <p:cBhvr>
+                                        <p:cTn id="10" dur="1" fill="hold">
+                                          <p:stCondLst>
+                                            <p:cond delay="0"/>
+                                          </p:stCondLst>
+                                        </p:cTn>
+                                        <p:tgtEl>
+                                          <p:spTgt spid="16"/>
+                                        </p:tgtEl>
+                                        <p:attrNameLst>
+                                          <p:attrName>style.visibility</p:attrName>
+                                        </p:attrNameLst>
+                                      </p:cBhvr>
+                                      <p:to>
+                                        <p:strVal val="visible"/>
+                                      </p:to>
+                                    </p:set>
+                                    <p:animEffect transition="in" filter="wipe(down)">
+                                      <p:cBhvr>
+                                        <p:cTn id="11" dur="500"/>
+                                        <p:tgtEl>
+                                          <p:spTgt spid="16"/>
+                                        </p:tgtEl>
+                                      </p:cBhvr>
+                                    </p:animEffect>
+                                  </p:childTnLst>
+                                </p:cTn>
+                              </p:par>
+                            </p:childTnLst>
+                          </p:cTn>
+                        </p:par>
+                      </p:childTnLst>
+                    </p:cTn>
+                  </p:par>
+                  <p:par>
+                    <p:cTn id="12" fill="hold">
+                      <p:stCondLst>
+                        <p:cond delay="indefinite"/>
+                      </p:stCondLst>
+                      <p:childTnLst>
+                        <p:par>
+                          <p:cTn id="13" fill="hold">
+                            <p:stCondLst>
+                              <p:cond delay="0"/>
+                            </p:stCondLst>
+                            <p:childTnLst>
+                              <p:par>
+                                <p:cTn id="14" presetID="2" presetClass="entr" presetSubtype="4" fill="hold" grpId="0" nodeType="clickEffect">
+                                  <p:stCondLst>
+                                    <p:cond delay="0"/>
+                                  </p:stCondLst>
+                                  <p:childTnLst>
+                                    <p:set>
+                                      <p:cBhvr>
+                                        <p:cTn id="15" dur="1" fill="hold">
+                                          <p:stCondLst>
+                                            <p:cond delay="0"/>
+                                          </p:stCondLst>
+                                        </p:cTn>
+                                        <p:tgtEl>
+                                          <p:spTgt spid="13"/>
+                                        </p:tgtEl>
+                                        <p:attrNameLst>
+                                          <p:attrName>style.visibility</p:attrName>
+                                        </p:attrNameLst>
+                                      </p:cBhvr>
+                                      <p:to>
+                                        <p:strVal val="visible"/>
+                                      </p:to>
+                                    </p:set>
+                                    <p:anim calcmode="lin" valueType="num">
+                                      <p:cBhvr additive="base">
+                                        <p:cTn id="16" dur="500" fill="hold"/>
+                                        <p:tgtEl>
+                                          <p:spTgt spid="13"/>
+                                        </p:tgtEl>
+                                        <p:attrNameLst>
+                                          <p:attrName>ppt_x</p:attrName>
+                                        </p:attrNameLst>
+                                      </p:cBhvr>
+                                      <p:tavLst>
+                                        <p:tav tm="0">
+                                          <p:val>
+                                            <p:strVal val="#ppt_x"/>
+                                          </p:val>
+                                        </p:tav>
+                                        <p:tav tm="100000">
+                                          <p:val>
+                                            <p:strVal val="#ppt_x"/>
+                                          </p:val>
+                                        </p:tav>
+                                      </p:tavLst>
+                                    </p:anim>
+                                    <p:anim calcmode="lin" valueType="num">
+                                      <p:cBhvr additive="base">
+                                        <p:cTn id="17" dur="500" fill="hold"/>
+                                        <p:tgtEl>
+                                          <p:spTgt spid="13"/>
+                                        </p:tgtEl>
+                                        <p:attrNameLst>
+                                          <p:attrName>ppt_y</p:attrName>
+                                        </p:attrNameLst>
+                                      </p:cBhvr>
+                                      <p:tavLst>
+                                        <p:tav tm="0">
+                                          <p:val>
+                                            <p:strVal val="1+#ppt_h/2"/>
+                                          </p:val>
+                                        </p:tav>
+                                        <p:tav tm="100000">
+                                          <p:val>
+                                            <p:strVal val="#ppt_y"/>
+                                          </p:val>
+                                        </p:tav>
+                                      </p:tavLst>
+                                    </p:anim>
+                                  </p:childTnLst>
+                                </p:cTn>
+                              </p:par>
+                            </p:childTnLst>
+                          </p:cTn>
+                        </p:par>
+                      </p:childTnLst>
+                    </p:cTn>
+                  </p:par>
+                </p:childTnLst>
+              </p:cTn>
+              <p:prevCondLst>
+                <p:cond evt="onPrev" delay="0">
+                  <p:tgtEl>
+                    <p:sldTgt/>
+                  </p:tgtEl>
+                </p:cond>
+              </p:prevCondLst>
+              <p:nextCondLst>
+                <p:cond evt="onNext" delay="0">
+                  <p:tgtEl>
+                    <p:sldTgt/>
+                  </p:tgtEl>
+                </p:cond>
+              </p:nextCondLst>
+            </p:seq>
+            <p:seq concurrent="1" nextAc="seek">
+              <p:cTn id="18" restart="whenNotActive" fill="hold" evtFilter="cancelBubble" nodeType="interactiveSeq">
+                <p:stCondLst>
+                  <p:cond evt="onClick" delay="0">
+                    <p:tgtEl>
+                      <p:spTgt spid="18"/>
+                    </p:tgtEl>
+                  </p:cond>
+                </p:stCondLst>
+                <p:endSync evt="end" delay="0">
+                  <p:rtn val="all"/>
+                </p:endSync>
+                <p:childTnLst>
+                  <p:par>
+                    <p:cTn id="19" fill="hold">
+                      <p:stCondLst>
+                        <p:cond delay="0"/>
+                      </p:stCondLst>
+                      <p:childTnLst>
+                        <p:par>
+                          <p:cTn id="20" fill="hold">
+                            <p:stCondLst>
+                              <p:cond delay="0"/>
+                            </p:stCondLst>
+                            <p:childTnLst>
+                              <p:par>
+                                <p:cTn id="21" presetID="2" presetClass="entr" presetSubtype="4" fill="hold" grpId="0" nodeType="clickEffect">
+                                  <p:stCondLst>
+                                    <p:cond delay="0"/>
+                                  </p:stCondLst>
+                                  <p:childTnLst>
+                                    <p:set>
+                                      <p:cBhvr>
+                                        <p:cTn id="22" dur="1" fill="hold">
+                                          <p:stCondLst>
+                                            <p:cond delay="0"/>
+                                          </p:stCondLst>
+                                        </p:cTn>
+                                        <p:tgtEl>
+                                          <p:spTgt spid="11"/>
+                                        </p:tgtEl>
+                                        <p:attrNameLst>
+                                          <p:attrName>style.visibility</p:attrName>
+                                        </p:attrNameLst>
+                                      </p:cBhvr>
+                                      <p:to>
+                                        <p:strVal val="visible"/>
+                                      </p:to>
+                                    </p:set>
+                                    <p:anim calcmode="lin" valueType="num">
+                                      <p:cBhvr additive="base">
+                                        <p:cTn id="23" dur="500" fill="hold"/>
+                                        <p:tgtEl>
+                                          <p:spTgt spid="11"/>
+                                        </p:tgtEl>
+                                        <p:attrNameLst>
+                                          <p:attrName>ppt_x</p:attrName>
+                                        </p:attrNameLst>
+                                      </p:cBhvr>
+                                      <p:tavLst>
+                                        <p:tav tm="0">
+                                          <p:val>
+                                            <p:strVal val="#ppt_x"/>
+                                          </p:val>
+                                        </p:tav>
+                                        <p:tav tm="100000">
+                                          <p:val>
+                                            <p:strVal val="#ppt_x"/>
+                                          </p:val>
+                                        </p:tav>
+                                      </p:tavLst>
+                                    </p:anim>
+                                    <p:anim calcmode="lin" valueType="num">
+                                      <p:cBhvr additive="base">
+                                        <p:cTn id="24" dur="500" fill="hold"/>
+                                        <p:tgtEl>
+                                          <p:spTgt spid="11"/>
+                                        </p:tgtEl>
+                                        <p:attrNameLst>
+                                          <p:attrName>ppt_y</p:attrName>
+                                        </p:attrNameLst>
+                                      </p:cBhvr>
+                                      <p:tavLst>
+                                        <p:tav tm="0">
+                                          <p:val>
+                                            <p:strVal val="1+#ppt_h/2"/>
+                                          </p:val>
+                                        </p:tav>
+                                        <p:tav tm="100000">
+                                          <p:val>
+                                            <p:strVal val="#ppt_y"/>
+                                          </p:val>
+                                        </p:tav>
+                                      </p:tavLst>
+                                    </p:anim>
+                                  </p:childTnLst>
+                                </p:cTn>
+                              </p:par>
+                            </p:childTnLst>
+                          </p:cTn>
+                        </p:par>
+                      </p:childTnLst>
+                    </p:cTn>
+                  </p:par>
+                </p:childTnLst>
+              </p:cTn>
+              <p:nextCondLst>
+                <p:cond evt="onClick" delay="0">
+                  <p:tgtEl>
+                    <p:spTgt spid="18"/>
                   </p:tgtEl>
                 </p:cond>
               </p:nextCondLst>
@@ -8046,8 +8120,8 @@
         </p:blipFill>
         <p:spPr>
           <a:xfrm>
-            <a:off x="3187110" y="57706"/>
-            <a:ext cx="5464521" cy="6800294"/>
+            <a:off x="3187110" y="0"/>
+            <a:ext cx="5464521" cy="6858000"/>
           </a:xfrm>
         </p:spPr>
       </p:pic>
@@ -8107,10 +8181,9 @@
           <a:p>
             <a:pPr algn="ctr"/>
             <a:r>
-              <a:rPr lang="ru-RU" sz="2800" b="1" dirty="0" smtClean="0"/>
+              <a:rPr lang="ru-RU" sz="2800" b="1" dirty="0"/>
               <a:t>Запросы(ур.1)</a:t>
             </a:r>
-            <a:endParaRPr lang="ru-RU" sz="2800" b="1" dirty="0"/>
           </a:p>
         </p:txBody>
       </p:sp>
@@ -8170,10 +8243,9 @@
           <a:p>
             <a:pPr algn="ctr"/>
             <a:r>
-              <a:rPr lang="ru-RU" sz="2800" b="1" dirty="0" smtClean="0"/>
+              <a:rPr lang="ru-RU" sz="2800" b="1" dirty="0"/>
               <a:t>Стили(ур.2)</a:t>
             </a:r>
-            <a:endParaRPr lang="ru-RU" sz="2800" b="1" dirty="0"/>
           </a:p>
         </p:txBody>
       </p:sp>
@@ -8231,10 +8303,9 @@
           <a:p>
             <a:pPr algn="ctr"/>
             <a:r>
-              <a:rPr lang="ru-RU" sz="2800" b="1" dirty="0" smtClean="0"/>
+              <a:rPr lang="ru-RU" sz="2800" b="1" dirty="0"/>
               <a:t>Тест(ур.3)</a:t>
             </a:r>
-            <a:endParaRPr lang="ru-RU" sz="2800" b="1" dirty="0"/>
           </a:p>
         </p:txBody>
       </p:sp>
@@ -8248,13 +8319,6 @@
   <p:clrMapOvr>
     <a:masterClrMapping/>
   </p:clrMapOvr>
-  <p:timing>
-    <p:tnLst>
-      <p:par>
-        <p:cTn id="1" dur="indefinite" restart="never" nodeType="tmRoot"/>
-      </p:par>
-    </p:tnLst>
-  </p:timing>
 </p:sld>
 </file>
 
@@ -8329,12 +8393,8 @@
           <a:lstStyle/>
           <a:p>
             <a:r>
-              <a:rPr lang="ru-RU" dirty="0" smtClean="0"/>
-              <a:t>GET-запросы </a:t>
-            </a:r>
-            <a:r>
               <a:rPr lang="ru-RU" dirty="0"/>
-              <a:t>используются для получения данных от API.</a:t>
+              <a:t>GET-запросы используются для получения данных от API.</a:t>
             </a:r>
           </a:p>
         </p:txBody>
@@ -8473,13 +8533,6 @@
   <p:clrMapOvr>
     <a:masterClrMapping/>
   </p:clrMapOvr>
-  <p:timing>
-    <p:tnLst>
-      <p:par>
-        <p:cTn id="1" dur="indefinite" restart="never" nodeType="tmRoot"/>
-      </p:par>
-    </p:tnLst>
-  </p:timing>
 </p:sld>
 </file>
 
@@ -8554,12 +8607,8 @@
           <a:lstStyle/>
           <a:p>
             <a:r>
-              <a:rPr lang="ru-RU" dirty="0" smtClean="0"/>
-              <a:t>POST-запросы </a:t>
-            </a:r>
-            <a:r>
               <a:rPr lang="ru-RU" dirty="0"/>
-              <a:t>используются для отправки новых данных API.</a:t>
+              <a:t>POST-запросы используются для отправки новых данных API.</a:t>
             </a:r>
           </a:p>
           <a:p>
@@ -8712,13 +8761,6 @@
   <p:clrMapOvr>
     <a:masterClrMapping/>
   </p:clrMapOvr>
-  <p:timing>
-    <p:tnLst>
-      <p:par>
-        <p:cTn id="1" dur="indefinite" restart="never" nodeType="tmRoot"/>
-      </p:par>
-    </p:tnLst>
-  </p:timing>
 </p:sld>
 </file>
 
@@ -8764,7 +8806,6 @@
               <a:rPr lang="ru-RU" dirty="0"/>
               <a:t>PUT-запрос</a:t>
             </a:r>
-            <a:endParaRPr lang="ru-RU" dirty="0"/>
           </a:p>
         </p:txBody>
       </p:sp>
@@ -8790,12 +8831,8 @@
           <a:lstStyle/>
           <a:p>
             <a:r>
-              <a:rPr lang="ru-RU" dirty="0" smtClean="0"/>
-              <a:t>PUT-запросы </a:t>
-            </a:r>
-            <a:r>
               <a:rPr lang="ru-RU" dirty="0"/>
-              <a:t>используются для обновления уже существующих данных.</a:t>
+              <a:t>PUT-запросы используются для обновления уже существующих данных.</a:t>
             </a:r>
           </a:p>
           <a:p>
@@ -8990,13 +9027,6 @@
   <p:clrMapOvr>
     <a:masterClrMapping/>
   </p:clrMapOvr>
-  <p:timing>
-    <p:tnLst>
-      <p:par>
-        <p:cTn id="1" dur="indefinite" restart="never" nodeType="tmRoot"/>
-      </p:par>
-    </p:tnLst>
-  </p:timing>
 </p:sld>
 </file>
 
@@ -9042,7 +9072,6 @@
               <a:rPr lang="ru-RU" dirty="0"/>
               <a:t>PATCH-запрос</a:t>
             </a:r>
-            <a:endParaRPr lang="ru-RU" dirty="0"/>
           </a:p>
         </p:txBody>
       </p:sp>
@@ -9071,7 +9100,6 @@
               <a:rPr lang="ru-RU" dirty="0"/>
               <a:t>PATCH-запросы (как и PUT) используются для обновления уже существующих данных. Разница в том, что с помощью PATCH запросов можно обновить несколько записей за раз.</a:t>
             </a:r>
-            <a:endParaRPr lang="ru-RU" dirty="0"/>
           </a:p>
         </p:txBody>
       </p:sp>
@@ -9220,13 +9248,6 @@
   <p:clrMapOvr>
     <a:masterClrMapping/>
   </p:clrMapOvr>
-  <p:timing>
-    <p:tnLst>
-      <p:par>
-        <p:cTn id="1" dur="indefinite" restart="never" nodeType="tmRoot"/>
-      </p:par>
-    </p:tnLst>
-  </p:timing>
 </p:sld>
 </file>
 
@@ -9272,7 +9293,6 @@
               <a:rPr lang="ru-RU" dirty="0"/>
               <a:t>DELETE-запрос</a:t>
             </a:r>
-            <a:endParaRPr lang="ru-RU" dirty="0"/>
           </a:p>
         </p:txBody>
       </p:sp>
@@ -9301,7 +9321,6 @@
               <a:rPr lang="ru-RU" dirty="0"/>
               <a:t>DELETE-запросы используются для удаления существующих данных.</a:t>
             </a:r>
-            <a:endParaRPr lang="ru-RU" dirty="0"/>
           </a:p>
         </p:txBody>
       </p:sp>
@@ -9450,13 +9469,6 @@
   <p:clrMapOvr>
     <a:masterClrMapping/>
   </p:clrMapOvr>
-  <p:timing>
-    <p:tnLst>
-      <p:par>
-        <p:cTn id="1" dur="indefinite" restart="never" nodeType="tmRoot"/>
-      </p:par>
-    </p:tnLst>
-  </p:timing>
 </p:sld>
 </file>
 
@@ -9493,29 +9505,9 @@
           <a:lstStyle/>
           <a:p>
             <a:r>
-              <a:rPr lang="ru-RU" dirty="0" smtClean="0"/>
+              <a:rPr lang="ru-RU" dirty="0"/>
               <a:t>Вы прошли 1 уровень(запросы).</a:t>
             </a:r>
-            <a:endParaRPr lang="ru-RU" dirty="0"/>
-          </a:p>
-        </p:txBody>
-      </p:sp>
-      <p:sp>
-        <p:nvSpPr>
-          <p:cNvPr id="4" name="Объект 3"/>
-          <p:cNvSpPr>
-            <a:spLocks noGrp="1"/>
-          </p:cNvSpPr>
-          <p:nvPr>
-            <p:ph idx="1"/>
-          </p:nvPr>
-        </p:nvSpPr>
-        <p:spPr/>
-        <p:txBody>
-          <a:bodyPr/>
-          <a:lstStyle/>
-          <a:p>
-            <a:endParaRPr lang="ru-RU" dirty="0"/>
           </a:p>
         </p:txBody>
       </p:sp>
@@ -9558,6 +9550,94 @@
           </a:p>
         </p:txBody>
       </p:sp>
+      <p:sp>
+        <p:nvSpPr>
+          <p:cNvPr id="6" name="Объект 5">
+            <a:extLst>
+              <a:ext uri="{FF2B5EF4-FFF2-40B4-BE49-F238E27FC236}">
+                <a16:creationId xmlns:a16="http://schemas.microsoft.com/office/drawing/2014/main" id="{01C4D220-D212-4F3F-94FA-67E0A2EB0B52}"/>
+              </a:ext>
+            </a:extLst>
+          </p:cNvPr>
+          <p:cNvSpPr>
+            <a:spLocks noGrp="1"/>
+          </p:cNvSpPr>
+          <p:nvPr>
+            <p:ph idx="1"/>
+          </p:nvPr>
+        </p:nvSpPr>
+        <p:spPr/>
+        <p:txBody>
+          <a:bodyPr/>
+          <a:lstStyle/>
+          <a:p>
+            <a:endParaRPr lang="en-US" dirty="0"/>
+          </a:p>
+          <a:p>
+            <a:endParaRPr lang="en-US" dirty="0"/>
+          </a:p>
+          <a:p>
+            <a:endParaRPr lang="en-US" dirty="0"/>
+          </a:p>
+          <a:p>
+            <a:endParaRPr lang="en-US" dirty="0"/>
+          </a:p>
+          <a:p>
+            <a:r>
+              <a:rPr lang="ru-RU" dirty="0"/>
+              <a:t>Перейти к карте</a:t>
+            </a:r>
+          </a:p>
+        </p:txBody>
+      </p:sp>
+      <p:pic>
+        <p:nvPicPr>
+          <p:cNvPr id="1026" name="Picture 2" descr="Picture background">
+            <a:hlinkClick r:id="rId2" action="ppaction://hlinksldjump"/>
+            <a:extLst>
+              <a:ext uri="{FF2B5EF4-FFF2-40B4-BE49-F238E27FC236}">
+                <a16:creationId xmlns:a16="http://schemas.microsoft.com/office/drawing/2014/main" id="{EA5A9595-72BD-4C4F-9A16-F44FB71E4E73}"/>
+              </a:ext>
+            </a:extLst>
+          </p:cNvPr>
+          <p:cNvPicPr>
+            <a:picLocks noChangeAspect="1" noChangeArrowheads="1"/>
+          </p:cNvPicPr>
+          <p:nvPr/>
+        </p:nvPicPr>
+        <p:blipFill>
+          <a:blip r:embed="rId3">
+            <a:extLst>
+              <a:ext uri="{28A0092B-C50C-407E-A947-70E740481C1C}">
+                <a14:useLocalDpi xmlns:a14="http://schemas.microsoft.com/office/drawing/2010/main" val="0"/>
+              </a:ext>
+            </a:extLst>
+          </a:blip>
+          <a:srcRect/>
+          <a:stretch>
+            <a:fillRect/>
+          </a:stretch>
+        </p:blipFill>
+        <p:spPr bwMode="auto">
+          <a:xfrm>
+            <a:off x="3115235" y="1945060"/>
+            <a:ext cx="3603812" cy="3603812"/>
+          </a:xfrm>
+          <a:prstGeom prst="rect">
+            <a:avLst/>
+          </a:prstGeom>
+          <a:noFill/>
+          <a:extLst>
+            <a:ext uri="{909E8E84-426E-40DD-AFC4-6F175D3DCCD1}">
+              <a14:hiddenFill xmlns:a14="http://schemas.microsoft.com/office/drawing/2010/main">
+                <a:solidFill>
+                  <a:srgbClr val="FFFFFF"/>
+                </a:solidFill>
+              </a14:hiddenFill>
+            </a:ext>
+          </a:extLst>
+        </p:spPr>
+      </p:pic>
     </p:spTree>
     <p:extLst>
       <p:ext uri="{BB962C8B-B14F-4D97-AF65-F5344CB8AC3E}">
@@ -9568,13 +9648,6 @@
   <p:clrMapOvr>
     <a:masterClrMapping/>
   </p:clrMapOvr>
-  <p:timing>
-    <p:tnLst>
-      <p:par>
-        <p:cTn id="1" dur="indefinite" restart="never" nodeType="tmRoot"/>
-      </p:par>
-    </p:tnLst>
-  </p:timing>
 </p:sld>
 </file>
 
@@ -9617,7 +9690,7 @@
           <a:lstStyle/>
           <a:p>
             <a:r>
-              <a:rPr lang="en-US" dirty="0" smtClean="0"/>
+              <a:rPr lang="en-US" dirty="0"/>
               <a:t>SOAP</a:t>
             </a:r>
             <a:endParaRPr lang="ru-RU" dirty="0"/>
@@ -9679,25 +9752,13 @@
             </a:r>
             <a:r>
               <a:rPr lang="ru-RU" dirty="0"/>
-              <a:t>) - это протокол для обмена структурированными сообщениями в распределенной среде</a:t>
-            </a:r>
-            <a:r>
-              <a:rPr lang="ru-RU" dirty="0" smtClean="0"/>
-              <a:t>.</a:t>
+              <a:t>) - это протокол для обмена структурированными сообщениями в распределенной среде.</a:t>
             </a:r>
           </a:p>
           <a:p>
             <a:r>
               <a:rPr lang="ru-RU" dirty="0"/>
-              <a:t>И</a:t>
-            </a:r>
-            <a:r>
-              <a:rPr lang="ru-RU" dirty="0" smtClean="0"/>
-              <a:t>спользует </a:t>
-            </a:r>
-            <a:r>
-              <a:rPr lang="ru-RU" dirty="0"/>
-              <a:t>XML для передачи сообщений и может работать с различными сетевыми протоколами.</a:t>
+              <a:t>Использует XML для передачи сообщений и может работать с различными сетевыми протоколами.</a:t>
             </a:r>
           </a:p>
           <a:p>
@@ -9850,13 +9911,6 @@
   <p:clrMapOvr>
     <a:masterClrMapping/>
   </p:clrMapOvr>
-  <p:timing>
-    <p:tnLst>
-      <p:par>
-        <p:cTn id="1" dur="indefinite" restart="never" nodeType="tmRoot"/>
-      </p:par>
-    </p:tnLst>
-  </p:timing>
 </p:sld>
 </file>
 

--- a/Интерактивная игра.pptx
+++ b/Интерактивная игра.pptx
@@ -22,6 +22,12 @@
     <p:sldId id="270" r:id="rId16"/>
     <p:sldId id="271" r:id="rId17"/>
     <p:sldId id="272" r:id="rId18"/>
+    <p:sldId id="276" r:id="rId19"/>
+    <p:sldId id="278" r:id="rId20"/>
+    <p:sldId id="279" r:id="rId21"/>
+    <p:sldId id="277" r:id="rId22"/>
+    <p:sldId id="280" r:id="rId23"/>
+    <p:sldId id="281" r:id="rId24"/>
   </p:sldIdLst>
   <p:sldSz cx="12192000" cy="6858000"/>
   <p:notesSz cx="6858000" cy="9144000"/>
@@ -275,7 +281,7 @@
           <a:p>
             <a:fld id="{9FB68831-C8AF-4D49-8B65-BDA0DD8F3CEE}" type="datetimeFigureOut">
               <a:rPr lang="ru-RU" smtClean="0"/>
-              <a:t>21.05.2024</a:t>
+              <a:t>23.05.2024</a:t>
             </a:fld>
             <a:endParaRPr lang="ru-RU"/>
           </a:p>
@@ -473,7 +479,7 @@
           <a:p>
             <a:fld id="{9FB68831-C8AF-4D49-8B65-BDA0DD8F3CEE}" type="datetimeFigureOut">
               <a:rPr lang="ru-RU" smtClean="0"/>
-              <a:t>21.05.2024</a:t>
+              <a:t>23.05.2024</a:t>
             </a:fld>
             <a:endParaRPr lang="ru-RU"/>
           </a:p>
@@ -681,7 +687,7 @@
           <a:p>
             <a:fld id="{9FB68831-C8AF-4D49-8B65-BDA0DD8F3CEE}" type="datetimeFigureOut">
               <a:rPr lang="ru-RU" smtClean="0"/>
-              <a:t>21.05.2024</a:t>
+              <a:t>23.05.2024</a:t>
             </a:fld>
             <a:endParaRPr lang="ru-RU"/>
           </a:p>
@@ -879,7 +885,7 @@
           <a:p>
             <a:fld id="{9FB68831-C8AF-4D49-8B65-BDA0DD8F3CEE}" type="datetimeFigureOut">
               <a:rPr lang="ru-RU" smtClean="0"/>
-              <a:t>21.05.2024</a:t>
+              <a:t>23.05.2024</a:t>
             </a:fld>
             <a:endParaRPr lang="ru-RU"/>
           </a:p>
@@ -1154,7 +1160,7 @@
           <a:p>
             <a:fld id="{9FB68831-C8AF-4D49-8B65-BDA0DD8F3CEE}" type="datetimeFigureOut">
               <a:rPr lang="ru-RU" smtClean="0"/>
-              <a:t>21.05.2024</a:t>
+              <a:t>23.05.2024</a:t>
             </a:fld>
             <a:endParaRPr lang="ru-RU"/>
           </a:p>
@@ -1419,7 +1425,7 @@
           <a:p>
             <a:fld id="{9FB68831-C8AF-4D49-8B65-BDA0DD8F3CEE}" type="datetimeFigureOut">
               <a:rPr lang="ru-RU" smtClean="0"/>
-              <a:t>21.05.2024</a:t>
+              <a:t>23.05.2024</a:t>
             </a:fld>
             <a:endParaRPr lang="ru-RU"/>
           </a:p>
@@ -1831,7 +1837,7 @@
           <a:p>
             <a:fld id="{9FB68831-C8AF-4D49-8B65-BDA0DD8F3CEE}" type="datetimeFigureOut">
               <a:rPr lang="ru-RU" smtClean="0"/>
-              <a:t>21.05.2024</a:t>
+              <a:t>23.05.2024</a:t>
             </a:fld>
             <a:endParaRPr lang="ru-RU"/>
           </a:p>
@@ -1972,7 +1978,7 @@
           <a:p>
             <a:fld id="{9FB68831-C8AF-4D49-8B65-BDA0DD8F3CEE}" type="datetimeFigureOut">
               <a:rPr lang="ru-RU" smtClean="0"/>
-              <a:t>21.05.2024</a:t>
+              <a:t>23.05.2024</a:t>
             </a:fld>
             <a:endParaRPr lang="ru-RU"/>
           </a:p>
@@ -2085,7 +2091,7 @@
           <a:p>
             <a:fld id="{9FB68831-C8AF-4D49-8B65-BDA0DD8F3CEE}" type="datetimeFigureOut">
               <a:rPr lang="ru-RU" smtClean="0"/>
-              <a:t>21.05.2024</a:t>
+              <a:t>23.05.2024</a:t>
             </a:fld>
             <a:endParaRPr lang="ru-RU"/>
           </a:p>
@@ -2396,7 +2402,7 @@
           <a:p>
             <a:fld id="{9FB68831-C8AF-4D49-8B65-BDA0DD8F3CEE}" type="datetimeFigureOut">
               <a:rPr lang="ru-RU" smtClean="0"/>
-              <a:t>21.05.2024</a:t>
+              <a:t>23.05.2024</a:t>
             </a:fld>
             <a:endParaRPr lang="ru-RU"/>
           </a:p>
@@ -2684,7 +2690,7 @@
           <a:p>
             <a:fld id="{9FB68831-C8AF-4D49-8B65-BDA0DD8F3CEE}" type="datetimeFigureOut">
               <a:rPr lang="ru-RU" smtClean="0"/>
-              <a:t>21.05.2024</a:t>
+              <a:t>23.05.2024</a:t>
             </a:fld>
             <a:endParaRPr lang="ru-RU"/>
           </a:p>
@@ -2925,7 +2931,7 @@
           <a:p>
             <a:fld id="{9FB68831-C8AF-4D49-8B65-BDA0DD8F3CEE}" type="datetimeFigureOut">
               <a:rPr lang="ru-RU" smtClean="0"/>
-              <a:t>21.05.2024</a:t>
+              <a:t>23.05.2024</a:t>
             </a:fld>
             <a:endParaRPr lang="ru-RU"/>
           </a:p>
@@ -3873,38 +3879,129 @@
           </a:p>
         </p:txBody>
       </p:sp>
-      <p:pic>
-        <p:nvPicPr>
-          <p:cNvPr id="4" name="Объект 3">
-            <a:extLst>
-              <a:ext uri="{FF2B5EF4-FFF2-40B4-BE49-F238E27FC236}">
-                <a16:creationId xmlns:a16="http://schemas.microsoft.com/office/drawing/2014/main" id="{5BD1BDC6-16B8-4FDA-810E-C692BA6CDB14}"/>
-              </a:ext>
-            </a:extLst>
-          </p:cNvPr>
-          <p:cNvPicPr>
-            <a:picLocks noGrp="1" noChangeAspect="1"/>
-          </p:cNvPicPr>
+      <p:sp>
+        <p:nvSpPr>
+          <p:cNvPr id="5" name="Объект 4">
+            <a:extLst>
+              <a:ext uri="{FF2B5EF4-FFF2-40B4-BE49-F238E27FC236}">
+                <a16:creationId xmlns:a16="http://schemas.microsoft.com/office/drawing/2014/main" id="{94522DD4-338D-4FF0-8DCB-85A1696215A8}"/>
+              </a:ext>
+            </a:extLst>
+          </p:cNvPr>
+          <p:cNvSpPr>
+            <a:spLocks noGrp="1"/>
+          </p:cNvSpPr>
           <p:nvPr>
             <p:ph idx="1"/>
           </p:nvPr>
+        </p:nvSpPr>
+        <p:spPr/>
+        <p:txBody>
+          <a:bodyPr/>
+          <a:lstStyle/>
+          <a:p>
+            <a:endParaRPr lang="ru-RU" dirty="0"/>
+          </a:p>
+        </p:txBody>
+      </p:sp>
+      <p:pic>
+        <p:nvPicPr>
+          <p:cNvPr id="2052" name="Picture 4" descr="Минусы - Реп минусы">
+            <a:extLst>
+              <a:ext uri="{FF2B5EF4-FFF2-40B4-BE49-F238E27FC236}">
+                <a16:creationId xmlns:a16="http://schemas.microsoft.com/office/drawing/2014/main" id="{7EF0485B-A039-4685-8A40-9DCDF8764C09}"/>
+              </a:ext>
+            </a:extLst>
+          </p:cNvPr>
+          <p:cNvPicPr>
+            <a:picLocks noChangeAspect="1" noChangeArrowheads="1"/>
+          </p:cNvPicPr>
+          <p:nvPr/>
         </p:nvPicPr>
         <p:blipFill>
-          <a:blip r:embed="rId2"/>
+          <a:blip r:embed="rId2">
+            <a:extLst>
+              <a:ext uri="{28A0092B-C50C-407E-A947-70E740481C1C}">
+                <a14:useLocalDpi xmlns:a14="http://schemas.microsoft.com/office/drawing/2010/main" val="0"/>
+              </a:ext>
+            </a:extLst>
+          </a:blip>
+          <a:srcRect/>
           <a:stretch>
             <a:fillRect/>
           </a:stretch>
         </p:blipFill>
-        <p:spPr>
+        <p:spPr bwMode="auto">
           <a:xfrm>
             <a:off x="0" y="0"/>
-            <a:ext cx="12192000" cy="6872272"/>
+            <a:ext cx="12459865" cy="6858000"/>
           </a:xfrm>
           <a:prstGeom prst="rect">
             <a:avLst/>
           </a:prstGeom>
+          <a:noFill/>
+          <a:extLst>
+            <a:ext uri="{909E8E84-426E-40DD-AFC4-6F175D3DCCD1}">
+              <a14:hiddenFill xmlns:a14="http://schemas.microsoft.com/office/drawing/2010/main">
+                <a:solidFill>
+                  <a:srgbClr val="FFFFFF"/>
+                </a:solidFill>
+              </a14:hiddenFill>
+            </a:ext>
+          </a:extLst>
         </p:spPr>
       </p:pic>
+      <p:sp>
+        <p:nvSpPr>
+          <p:cNvPr id="6" name="TextBox 5">
+            <a:extLst>
+              <a:ext uri="{FF2B5EF4-FFF2-40B4-BE49-F238E27FC236}">
+                <a16:creationId xmlns:a16="http://schemas.microsoft.com/office/drawing/2014/main" id="{7CEB1565-C595-46CE-BF0D-71693AE6E482}"/>
+              </a:ext>
+            </a:extLst>
+          </p:cNvPr>
+          <p:cNvSpPr txBox="1"/>
+          <p:nvPr/>
+        </p:nvSpPr>
+        <p:spPr>
+          <a:xfrm>
+            <a:off x="5900975" y="4716988"/>
+            <a:ext cx="4003905" cy="1200329"/>
+          </a:xfrm>
+          <a:prstGeom prst="rect">
+            <a:avLst/>
+          </a:prstGeom>
+          <a:noFill/>
+        </p:spPr>
+        <p:txBody>
+          <a:bodyPr wrap="square" rtlCol="0">
+            <a:spAutoFit/>
+          </a:bodyPr>
+          <a:lstStyle/>
+          <a:p>
+            <a:r>
+              <a:rPr lang="ru-RU" sz="2400" dirty="0"/>
+              <a:t>Вы ответили неправильно.</a:t>
+            </a:r>
+            <a:r>
+              <a:rPr lang="en-US" sz="2400" dirty="0"/>
+              <a:t>)))))))))))</a:t>
+            </a:r>
+            <a:endParaRPr lang="ru-RU" sz="2400" dirty="0"/>
+          </a:p>
+          <a:p>
+            <a:r>
+              <a:rPr lang="ru-RU" sz="2400" dirty="0"/>
+              <a:t>Подумайте ещё </a:t>
+            </a:r>
+            <a:r>
+              <a:rPr lang="en-US" sz="2400" dirty="0"/>
+              <a:t>XD</a:t>
+            </a:r>
+            <a:endParaRPr lang="ru-RU" sz="2400" dirty="0"/>
+          </a:p>
+        </p:txBody>
+      </p:sp>
     </p:spTree>
     <p:extLst>
       <p:ext uri="{BB962C8B-B14F-4D97-AF65-F5344CB8AC3E}">
@@ -3915,11 +4012,11 @@
   <p:clrMapOvr>
     <a:masterClrMapping/>
   </p:clrMapOvr>
-  <mc:AlternateContent xmlns:mc="http://schemas.openxmlformats.org/markup-compatibility/2006">
-    <mc:Choice xmlns:p14="http://schemas.microsoft.com/office/powerpoint/2010/main" Requires="p14">
+  <mc:AlternateContent xmlns:mc="http://schemas.openxmlformats.org/markup-compatibility/2006" xmlns:p14="http://schemas.microsoft.com/office/powerpoint/2010/main">
+    <mc:Choice Requires="p14">
       <p:transition spd="slow" p14:dur="2000" advClick="0" advTm="2000"/>
     </mc:Choice>
-    <mc:Fallback>
+    <mc:Fallback xmlns="">
       <p:transition spd="slow" advClick="0" advTm="2000"/>
     </mc:Fallback>
   </mc:AlternateContent>
@@ -4178,105 +4275,13 @@
       </p:sp>
       <p:sp>
         <p:nvSpPr>
-          <p:cNvPr id="12" name="Прямоугольник 11"/>
-          <p:cNvSpPr/>
-          <p:nvPr/>
-        </p:nvSpPr>
-        <p:spPr>
-          <a:xfrm>
-            <a:off x="3450871" y="567200"/>
-            <a:ext cx="3534508" cy="738554"/>
-          </a:xfrm>
-          <a:prstGeom prst="rect">
-            <a:avLst/>
-          </a:prstGeom>
-          <a:solidFill>
-            <a:srgbClr val="FF0000"/>
-          </a:solidFill>
-        </p:spPr>
-        <p:style>
-          <a:lnRef idx="2">
-            <a:schemeClr val="accent1">
-              <a:shade val="50000"/>
-            </a:schemeClr>
-          </a:lnRef>
-          <a:fillRef idx="1">
-            <a:schemeClr val="accent1"/>
-          </a:fillRef>
-          <a:effectRef idx="0">
-            <a:schemeClr val="accent1"/>
-          </a:effectRef>
-          <a:fontRef idx="minor">
-            <a:schemeClr val="lt1"/>
-          </a:fontRef>
-        </p:style>
-        <p:txBody>
-          <a:bodyPr rtlCol="0" anchor="ctr"/>
-          <a:lstStyle/>
-          <a:p>
-            <a:pPr algn="ctr"/>
-            <a:r>
-              <a:rPr lang="ru-RU" dirty="0"/>
-              <a:t>Не правильно</a:t>
-            </a:r>
-          </a:p>
-        </p:txBody>
-      </p:sp>
-      <p:sp>
-        <p:nvSpPr>
-          <p:cNvPr id="13" name="Прямоугольник 12"/>
-          <p:cNvSpPr/>
-          <p:nvPr/>
-        </p:nvSpPr>
-        <p:spPr>
-          <a:xfrm>
-            <a:off x="3450871" y="574000"/>
-            <a:ext cx="3534508" cy="738554"/>
-          </a:xfrm>
-          <a:prstGeom prst="rect">
-            <a:avLst/>
-          </a:prstGeom>
-          <a:solidFill>
-            <a:srgbClr val="FF0000"/>
-          </a:solidFill>
-        </p:spPr>
-        <p:style>
-          <a:lnRef idx="2">
-            <a:schemeClr val="accent1">
-              <a:shade val="50000"/>
-            </a:schemeClr>
-          </a:lnRef>
-          <a:fillRef idx="1">
-            <a:schemeClr val="accent1"/>
-          </a:fillRef>
-          <a:effectRef idx="0">
-            <a:schemeClr val="accent1"/>
-          </a:effectRef>
-          <a:fontRef idx="minor">
-            <a:schemeClr val="lt1"/>
-          </a:fontRef>
-        </p:style>
-        <p:txBody>
-          <a:bodyPr rtlCol="0" anchor="ctr"/>
-          <a:lstStyle/>
-          <a:p>
-            <a:pPr algn="ctr"/>
-            <a:r>
-              <a:rPr lang="ru-RU" dirty="0"/>
-              <a:t>Не правильно</a:t>
-            </a:r>
-          </a:p>
-        </p:txBody>
-      </p:sp>
-      <p:sp>
-        <p:nvSpPr>
           <p:cNvPr id="11" name="Прямоугольник 10"/>
           <p:cNvSpPr/>
           <p:nvPr/>
         </p:nvSpPr>
         <p:spPr>
           <a:xfrm>
-            <a:off x="3450871" y="580800"/>
+            <a:off x="3866132" y="581146"/>
             <a:ext cx="3534508" cy="738554"/>
           </a:xfrm>
           <a:prstGeom prst="rect">
@@ -4402,7 +4407,7 @@
                             </p:stCondLst>
                             <p:childTnLst>
                               <p:par>
-                                <p:cTn id="5" presetID="2" presetClass="entr" presetSubtype="4" fill="hold" grpId="0" nodeType="clickEffect">
+                                <p:cTn id="5" presetID="22" presetClass="entr" presetSubtype="4" fill="hold" grpId="0" nodeType="withEffect">
                                   <p:stCondLst>
                                     <p:cond delay="0"/>
                                   </p:stCondLst>
@@ -4410,79 +4415,6 @@
                                     <p:set>
                                       <p:cBhvr>
                                         <p:cTn id="6" dur="1" fill="hold">
-                                          <p:stCondLst>
-                                            <p:cond delay="0"/>
-                                          </p:stCondLst>
-                                        </p:cTn>
-                                        <p:tgtEl>
-                                          <p:spTgt spid="11"/>
-                                        </p:tgtEl>
-                                        <p:attrNameLst>
-                                          <p:attrName>style.visibility</p:attrName>
-                                        </p:attrNameLst>
-                                      </p:cBhvr>
-                                      <p:to>
-                                        <p:strVal val="visible"/>
-                                      </p:to>
-                                    </p:set>
-                                    <p:anim calcmode="lin" valueType="num">
-                                      <p:cBhvr additive="base">
-                                        <p:cTn id="7" dur="500" fill="hold"/>
-                                        <p:tgtEl>
-                                          <p:spTgt spid="11"/>
-                                        </p:tgtEl>
-                                        <p:attrNameLst>
-                                          <p:attrName>ppt_x</p:attrName>
-                                        </p:attrNameLst>
-                                      </p:cBhvr>
-                                      <p:tavLst>
-                                        <p:tav tm="0">
-                                          <p:val>
-                                            <p:strVal val="#ppt_x"/>
-                                          </p:val>
-                                        </p:tav>
-                                        <p:tav tm="100000">
-                                          <p:val>
-                                            <p:strVal val="#ppt_x"/>
-                                          </p:val>
-                                        </p:tav>
-                                      </p:tavLst>
-                                    </p:anim>
-                                    <p:anim calcmode="lin" valueType="num">
-                                      <p:cBhvr additive="base">
-                                        <p:cTn id="8" dur="500" fill="hold"/>
-                                        <p:tgtEl>
-                                          <p:spTgt spid="11"/>
-                                        </p:tgtEl>
-                                        <p:attrNameLst>
-                                          <p:attrName>ppt_y</p:attrName>
-                                        </p:attrNameLst>
-                                      </p:cBhvr>
-                                      <p:tavLst>
-                                        <p:tav tm="0">
-                                          <p:val>
-                                            <p:strVal val="1+#ppt_h/2"/>
-                                          </p:val>
-                                        </p:tav>
-                                        <p:tav tm="100000">
-                                          <p:val>
-                                            <p:strVal val="#ppt_y"/>
-                                          </p:val>
-                                        </p:tav>
-                                      </p:tavLst>
-                                    </p:anim>
-                                  </p:childTnLst>
-                                </p:cTn>
-                              </p:par>
-                              <p:par>
-                                <p:cTn id="9" presetID="22" presetClass="entr" presetSubtype="4" fill="hold" grpId="0" nodeType="withEffect">
-                                  <p:stCondLst>
-                                    <p:cond delay="0"/>
-                                  </p:stCondLst>
-                                  <p:childTnLst>
-                                    <p:set>
-                                      <p:cBhvr>
-                                        <p:cTn id="10" dur="1" fill="hold">
                                           <p:stCondLst>
                                             <p:cond delay="0"/>
                                           </p:stCondLst>
@@ -4500,9 +4432,44 @@
                                     </p:set>
                                     <p:animEffect transition="in" filter="wipe(down)">
                                       <p:cBhvr>
-                                        <p:cTn id="11" dur="500"/>
+                                        <p:cTn id="7" dur="500"/>
                                         <p:tgtEl>
                                           <p:spTgt spid="14"/>
+                                        </p:tgtEl>
+                                      </p:cBhvr>
+                                    </p:animEffect>
+                                  </p:childTnLst>
+                                </p:cTn>
+                              </p:par>
+                              <p:par>
+                                <p:cTn id="8" presetID="14" presetClass="entr" presetSubtype="10" fill="hold" grpId="0" nodeType="withEffect">
+                                  <p:stCondLst>
+                                    <p:cond delay="0"/>
+                                  </p:stCondLst>
+                                  <p:childTnLst>
+                                    <p:set>
+                                      <p:cBhvr>
+                                        <p:cTn id="9" dur="1" fill="hold">
+                                          <p:stCondLst>
+                                            <p:cond delay="0"/>
+                                          </p:stCondLst>
+                                        </p:cTn>
+                                        <p:tgtEl>
+                                          <p:spTgt spid="11"/>
+                                        </p:tgtEl>
+                                        <p:attrNameLst>
+                                          <p:attrName>style.visibility</p:attrName>
+                                        </p:attrNameLst>
+                                      </p:cBhvr>
+                                      <p:to>
+                                        <p:strVal val="visible"/>
+                                      </p:to>
+                                    </p:set>
+                                    <p:animEffect transition="in" filter="randombar(horizontal)">
+                                      <p:cBhvr>
+                                        <p:cTn id="10" dur="500"/>
+                                        <p:tgtEl>
+                                          <p:spTgt spid="11"/>
                                         </p:tgtEl>
                                       </p:cBhvr>
                                     </p:animEffect>
@@ -4525,241 +4492,11 @@
                 </p:cond>
               </p:nextCondLst>
             </p:seq>
-            <p:seq concurrent="1" nextAc="seek">
-              <p:cTn id="12" restart="whenNotActive" fill="hold" evtFilter="cancelBubble" nodeType="interactiveSeq">
-                <p:stCondLst>
-                  <p:cond evt="onClick" delay="0">
-                    <p:tgtEl>
-                      <p:spTgt spid="5"/>
-                    </p:tgtEl>
-                  </p:cond>
-                </p:stCondLst>
-                <p:endSync evt="end" delay="0">
-                  <p:rtn val="all"/>
-                </p:endSync>
-                <p:childTnLst>
-                  <p:par>
-                    <p:cTn id="13" fill="hold">
-                      <p:stCondLst>
-                        <p:cond delay="0"/>
-                      </p:stCondLst>
-                      <p:childTnLst>
-                        <p:par>
-                          <p:cTn id="14" fill="hold">
-                            <p:stCondLst>
-                              <p:cond delay="0"/>
-                            </p:stCondLst>
-                            <p:childTnLst>
-                              <p:par>
-                                <p:cTn id="15" presetID="2" presetClass="entr" presetSubtype="4" fill="hold" grpId="0" nodeType="clickEffect">
-                                  <p:stCondLst>
-                                    <p:cond delay="0"/>
-                                  </p:stCondLst>
-                                  <p:childTnLst>
-                                    <p:set>
-                                      <p:cBhvr>
-                                        <p:cTn id="16" dur="1" fill="hold">
-                                          <p:stCondLst>
-                                            <p:cond delay="0"/>
-                                          </p:stCondLst>
-                                        </p:cTn>
-                                        <p:tgtEl>
-                                          <p:spTgt spid="12"/>
-                                        </p:tgtEl>
-                                        <p:attrNameLst>
-                                          <p:attrName>style.visibility</p:attrName>
-                                        </p:attrNameLst>
-                                      </p:cBhvr>
-                                      <p:to>
-                                        <p:strVal val="visible"/>
-                                      </p:to>
-                                    </p:set>
-                                    <p:anim calcmode="lin" valueType="num">
-                                      <p:cBhvr additive="base">
-                                        <p:cTn id="17" dur="500" fill="hold"/>
-                                        <p:tgtEl>
-                                          <p:spTgt spid="12"/>
-                                        </p:tgtEl>
-                                        <p:attrNameLst>
-                                          <p:attrName>ppt_x</p:attrName>
-                                        </p:attrNameLst>
-                                      </p:cBhvr>
-                                      <p:tavLst>
-                                        <p:tav tm="0">
-                                          <p:val>
-                                            <p:strVal val="#ppt_x"/>
-                                          </p:val>
-                                        </p:tav>
-                                        <p:tav tm="100000">
-                                          <p:val>
-                                            <p:strVal val="#ppt_x"/>
-                                          </p:val>
-                                        </p:tav>
-                                      </p:tavLst>
-                                    </p:anim>
-                                    <p:anim calcmode="lin" valueType="num">
-                                      <p:cBhvr additive="base">
-                                        <p:cTn id="18" dur="500" fill="hold"/>
-                                        <p:tgtEl>
-                                          <p:spTgt spid="12"/>
-                                        </p:tgtEl>
-                                        <p:attrNameLst>
-                                          <p:attrName>ppt_y</p:attrName>
-                                        </p:attrNameLst>
-                                      </p:cBhvr>
-                                      <p:tavLst>
-                                        <p:tav tm="0">
-                                          <p:val>
-                                            <p:strVal val="1+#ppt_h/2"/>
-                                          </p:val>
-                                        </p:tav>
-                                        <p:tav tm="100000">
-                                          <p:val>
-                                            <p:strVal val="#ppt_y"/>
-                                          </p:val>
-                                        </p:tav>
-                                      </p:tavLst>
-                                    </p:anim>
-                                  </p:childTnLst>
-                                </p:cTn>
-                              </p:par>
-                            </p:childTnLst>
-                          </p:cTn>
-                        </p:par>
-                      </p:childTnLst>
-                    </p:cTn>
-                  </p:par>
-                </p:childTnLst>
-              </p:cTn>
-              <p:nextCondLst>
-                <p:cond evt="onClick" delay="0">
-                  <p:tgtEl>
-                    <p:spTgt spid="5"/>
-                  </p:tgtEl>
-                </p:cond>
-              </p:nextCondLst>
-            </p:seq>
-            <p:seq concurrent="1" nextAc="seek">
-              <p:cTn id="19" restart="whenNotActive" fill="hold" evtFilter="cancelBubble" nodeType="interactiveSeq">
-                <p:stCondLst>
-                  <p:cond evt="onClick" delay="0">
-                    <p:tgtEl>
-                      <p:spTgt spid="7"/>
-                    </p:tgtEl>
-                  </p:cond>
-                </p:stCondLst>
-                <p:endSync evt="end" delay="0">
-                  <p:rtn val="all"/>
-                </p:endSync>
-                <p:childTnLst>
-                  <p:par>
-                    <p:cTn id="20" fill="hold">
-                      <p:stCondLst>
-                        <p:cond delay="0"/>
-                      </p:stCondLst>
-                      <p:childTnLst>
-                        <p:par>
-                          <p:cTn id="21" fill="hold">
-                            <p:stCondLst>
-                              <p:cond delay="0"/>
-                            </p:stCondLst>
-                            <p:childTnLst>
-                              <p:par>
-                                <p:cTn id="22" presetID="2" presetClass="entr" presetSubtype="4" fill="hold" grpId="0" nodeType="clickEffect">
-                                  <p:stCondLst>
-                                    <p:cond delay="0"/>
-                                  </p:stCondLst>
-                                  <p:childTnLst>
-                                    <p:set>
-                                      <p:cBhvr>
-                                        <p:cTn id="23" dur="1" fill="hold">
-                                          <p:stCondLst>
-                                            <p:cond delay="0"/>
-                                          </p:stCondLst>
-                                        </p:cTn>
-                                        <p:tgtEl>
-                                          <p:spTgt spid="13"/>
-                                        </p:tgtEl>
-                                        <p:attrNameLst>
-                                          <p:attrName>style.visibility</p:attrName>
-                                        </p:attrNameLst>
-                                      </p:cBhvr>
-                                      <p:to>
-                                        <p:strVal val="visible"/>
-                                      </p:to>
-                                    </p:set>
-                                    <p:anim calcmode="lin" valueType="num">
-                                      <p:cBhvr additive="base">
-                                        <p:cTn id="24" dur="500" fill="hold"/>
-                                        <p:tgtEl>
-                                          <p:spTgt spid="13"/>
-                                        </p:tgtEl>
-                                        <p:attrNameLst>
-                                          <p:attrName>ppt_x</p:attrName>
-                                        </p:attrNameLst>
-                                      </p:cBhvr>
-                                      <p:tavLst>
-                                        <p:tav tm="0">
-                                          <p:val>
-                                            <p:strVal val="#ppt_x"/>
-                                          </p:val>
-                                        </p:tav>
-                                        <p:tav tm="100000">
-                                          <p:val>
-                                            <p:strVal val="#ppt_x"/>
-                                          </p:val>
-                                        </p:tav>
-                                      </p:tavLst>
-                                    </p:anim>
-                                    <p:anim calcmode="lin" valueType="num">
-                                      <p:cBhvr additive="base">
-                                        <p:cTn id="25" dur="500" fill="hold"/>
-                                        <p:tgtEl>
-                                          <p:spTgt spid="13"/>
-                                        </p:tgtEl>
-                                        <p:attrNameLst>
-                                          <p:attrName>ppt_y</p:attrName>
-                                        </p:attrNameLst>
-                                      </p:cBhvr>
-                                      <p:tavLst>
-                                        <p:tav tm="0">
-                                          <p:val>
-                                            <p:strVal val="1+#ppt_h/2"/>
-                                          </p:val>
-                                        </p:tav>
-                                        <p:tav tm="100000">
-                                          <p:val>
-                                            <p:strVal val="#ppt_y"/>
-                                          </p:val>
-                                        </p:tav>
-                                      </p:tavLst>
-                                    </p:anim>
-                                  </p:childTnLst>
-                                </p:cTn>
-                              </p:par>
-                            </p:childTnLst>
-                          </p:cTn>
-                        </p:par>
-                      </p:childTnLst>
-                    </p:cTn>
-                  </p:par>
-                </p:childTnLst>
-              </p:cTn>
-              <p:nextCondLst>
-                <p:cond evt="onClick" delay="0">
-                  <p:tgtEl>
-                    <p:spTgt spid="7"/>
-                  </p:tgtEl>
-                </p:cond>
-              </p:nextCondLst>
-            </p:seq>
           </p:childTnLst>
         </p:cTn>
       </p:par>
     </p:tnLst>
     <p:bldLst>
-      <p:bldP spid="12" grpId="0" animBg="1"/>
-      <p:bldP spid="13" grpId="0" animBg="1"/>
       <p:bldP spid="11" grpId="0" animBg="1"/>
       <p:bldP spid="14" grpId="0" animBg="1"/>
     </p:bldLst>
@@ -5027,105 +4764,13 @@
       </p:sp>
       <p:sp>
         <p:nvSpPr>
-          <p:cNvPr id="12" name="Прямоугольник 11"/>
-          <p:cNvSpPr/>
-          <p:nvPr/>
-        </p:nvSpPr>
-        <p:spPr>
-          <a:xfrm>
-            <a:off x="3450871" y="567200"/>
-            <a:ext cx="3534508" cy="738554"/>
-          </a:xfrm>
-          <a:prstGeom prst="rect">
-            <a:avLst/>
-          </a:prstGeom>
-          <a:solidFill>
-            <a:srgbClr val="FF0000"/>
-          </a:solidFill>
-        </p:spPr>
-        <p:style>
-          <a:lnRef idx="2">
-            <a:schemeClr val="accent1">
-              <a:shade val="50000"/>
-            </a:schemeClr>
-          </a:lnRef>
-          <a:fillRef idx="1">
-            <a:schemeClr val="accent1"/>
-          </a:fillRef>
-          <a:effectRef idx="0">
-            <a:schemeClr val="accent1"/>
-          </a:effectRef>
-          <a:fontRef idx="minor">
-            <a:schemeClr val="lt1"/>
-          </a:fontRef>
-        </p:style>
-        <p:txBody>
-          <a:bodyPr rtlCol="0" anchor="ctr"/>
-          <a:lstStyle/>
-          <a:p>
-            <a:pPr algn="ctr"/>
-            <a:r>
-              <a:rPr lang="ru-RU" dirty="0"/>
-              <a:t>Не правильно</a:t>
-            </a:r>
-          </a:p>
-        </p:txBody>
-      </p:sp>
-      <p:sp>
-        <p:nvSpPr>
-          <p:cNvPr id="13" name="Прямоугольник 12"/>
-          <p:cNvSpPr/>
-          <p:nvPr/>
-        </p:nvSpPr>
-        <p:spPr>
-          <a:xfrm>
-            <a:off x="3450871" y="560031"/>
-            <a:ext cx="3534508" cy="738554"/>
-          </a:xfrm>
-          <a:prstGeom prst="rect">
-            <a:avLst/>
-          </a:prstGeom>
-          <a:solidFill>
-            <a:srgbClr val="FF0000"/>
-          </a:solidFill>
-        </p:spPr>
-        <p:style>
-          <a:lnRef idx="2">
-            <a:schemeClr val="accent1">
-              <a:shade val="50000"/>
-            </a:schemeClr>
-          </a:lnRef>
-          <a:fillRef idx="1">
-            <a:schemeClr val="accent1"/>
-          </a:fillRef>
-          <a:effectRef idx="0">
-            <a:schemeClr val="accent1"/>
-          </a:effectRef>
-          <a:fontRef idx="minor">
-            <a:schemeClr val="lt1"/>
-          </a:fontRef>
-        </p:style>
-        <p:txBody>
-          <a:bodyPr rtlCol="0" anchor="ctr"/>
-          <a:lstStyle/>
-          <a:p>
-            <a:pPr algn="ctr"/>
-            <a:r>
-              <a:rPr lang="ru-RU" dirty="0"/>
-              <a:t>Не правильно</a:t>
-            </a:r>
-          </a:p>
-        </p:txBody>
-      </p:sp>
-      <p:sp>
-        <p:nvSpPr>
           <p:cNvPr id="11" name="Прямоугольник 10"/>
           <p:cNvSpPr/>
           <p:nvPr/>
         </p:nvSpPr>
         <p:spPr>
           <a:xfrm>
-            <a:off x="3450871" y="561277"/>
+            <a:off x="3869855" y="495686"/>
             <a:ext cx="3534508" cy="738554"/>
           </a:xfrm>
           <a:prstGeom prst="rect">
@@ -5251,7 +4896,7 @@
                             </p:stCondLst>
                             <p:childTnLst>
                               <p:par>
-                                <p:cTn id="5" presetID="2" presetClass="entr" presetSubtype="4" fill="hold" grpId="0" nodeType="clickEffect">
+                                <p:cTn id="5" presetID="22" presetClass="entr" presetSubtype="4" fill="hold" grpId="0" nodeType="withEffect">
                                   <p:stCondLst>
                                     <p:cond delay="0"/>
                                   </p:stCondLst>
@@ -5259,79 +4904,6 @@
                                     <p:set>
                                       <p:cBhvr>
                                         <p:cTn id="6" dur="1" fill="hold">
-                                          <p:stCondLst>
-                                            <p:cond delay="0"/>
-                                          </p:stCondLst>
-                                        </p:cTn>
-                                        <p:tgtEl>
-                                          <p:spTgt spid="11"/>
-                                        </p:tgtEl>
-                                        <p:attrNameLst>
-                                          <p:attrName>style.visibility</p:attrName>
-                                        </p:attrNameLst>
-                                      </p:cBhvr>
-                                      <p:to>
-                                        <p:strVal val="visible"/>
-                                      </p:to>
-                                    </p:set>
-                                    <p:anim calcmode="lin" valueType="num">
-                                      <p:cBhvr additive="base">
-                                        <p:cTn id="7" dur="500" fill="hold"/>
-                                        <p:tgtEl>
-                                          <p:spTgt spid="11"/>
-                                        </p:tgtEl>
-                                        <p:attrNameLst>
-                                          <p:attrName>ppt_x</p:attrName>
-                                        </p:attrNameLst>
-                                      </p:cBhvr>
-                                      <p:tavLst>
-                                        <p:tav tm="0">
-                                          <p:val>
-                                            <p:strVal val="#ppt_x"/>
-                                          </p:val>
-                                        </p:tav>
-                                        <p:tav tm="100000">
-                                          <p:val>
-                                            <p:strVal val="#ppt_x"/>
-                                          </p:val>
-                                        </p:tav>
-                                      </p:tavLst>
-                                    </p:anim>
-                                    <p:anim calcmode="lin" valueType="num">
-                                      <p:cBhvr additive="base">
-                                        <p:cTn id="8" dur="500" fill="hold"/>
-                                        <p:tgtEl>
-                                          <p:spTgt spid="11"/>
-                                        </p:tgtEl>
-                                        <p:attrNameLst>
-                                          <p:attrName>ppt_y</p:attrName>
-                                        </p:attrNameLst>
-                                      </p:cBhvr>
-                                      <p:tavLst>
-                                        <p:tav tm="0">
-                                          <p:val>
-                                            <p:strVal val="1+#ppt_h/2"/>
-                                          </p:val>
-                                        </p:tav>
-                                        <p:tav tm="100000">
-                                          <p:val>
-                                            <p:strVal val="#ppt_y"/>
-                                          </p:val>
-                                        </p:tav>
-                                      </p:tavLst>
-                                    </p:anim>
-                                  </p:childTnLst>
-                                </p:cTn>
-                              </p:par>
-                              <p:par>
-                                <p:cTn id="9" presetID="22" presetClass="entr" presetSubtype="4" fill="hold" grpId="0" nodeType="withEffect">
-                                  <p:stCondLst>
-                                    <p:cond delay="0"/>
-                                  </p:stCondLst>
-                                  <p:childTnLst>
-                                    <p:set>
-                                      <p:cBhvr>
-                                        <p:cTn id="10" dur="1" fill="hold">
                                           <p:stCondLst>
                                             <p:cond delay="0"/>
                                           </p:stCondLst>
@@ -5349,9 +4921,44 @@
                                     </p:set>
                                     <p:animEffect transition="in" filter="wipe(down)">
                                       <p:cBhvr>
-                                        <p:cTn id="11" dur="500"/>
+                                        <p:cTn id="7" dur="500"/>
                                         <p:tgtEl>
                                           <p:spTgt spid="14"/>
+                                        </p:tgtEl>
+                                      </p:cBhvr>
+                                    </p:animEffect>
+                                  </p:childTnLst>
+                                </p:cTn>
+                              </p:par>
+                              <p:par>
+                                <p:cTn id="8" presetID="14" presetClass="entr" presetSubtype="10" fill="hold" grpId="0" nodeType="withEffect">
+                                  <p:stCondLst>
+                                    <p:cond delay="0"/>
+                                  </p:stCondLst>
+                                  <p:childTnLst>
+                                    <p:set>
+                                      <p:cBhvr>
+                                        <p:cTn id="9" dur="1" fill="hold">
+                                          <p:stCondLst>
+                                            <p:cond delay="0"/>
+                                          </p:stCondLst>
+                                        </p:cTn>
+                                        <p:tgtEl>
+                                          <p:spTgt spid="11"/>
+                                        </p:tgtEl>
+                                        <p:attrNameLst>
+                                          <p:attrName>style.visibility</p:attrName>
+                                        </p:attrNameLst>
+                                      </p:cBhvr>
+                                      <p:to>
+                                        <p:strVal val="visible"/>
+                                      </p:to>
+                                    </p:set>
+                                    <p:animEffect transition="in" filter="randombar(horizontal)">
+                                      <p:cBhvr>
+                                        <p:cTn id="10" dur="500"/>
+                                        <p:tgtEl>
+                                          <p:spTgt spid="11"/>
                                         </p:tgtEl>
                                       </p:cBhvr>
                                     </p:animEffect>
@@ -5374,241 +4981,11 @@
                 </p:cond>
               </p:nextCondLst>
             </p:seq>
-            <p:seq concurrent="1" nextAc="seek">
-              <p:cTn id="12" restart="whenNotActive" fill="hold" evtFilter="cancelBubble" nodeType="interactiveSeq">
-                <p:stCondLst>
-                  <p:cond evt="onClick" delay="0">
-                    <p:tgtEl>
-                      <p:spTgt spid="6"/>
-                    </p:tgtEl>
-                  </p:cond>
-                </p:stCondLst>
-                <p:endSync evt="end" delay="0">
-                  <p:rtn val="all"/>
-                </p:endSync>
-                <p:childTnLst>
-                  <p:par>
-                    <p:cTn id="13" fill="hold">
-                      <p:stCondLst>
-                        <p:cond delay="0"/>
-                      </p:stCondLst>
-                      <p:childTnLst>
-                        <p:par>
-                          <p:cTn id="14" fill="hold">
-                            <p:stCondLst>
-                              <p:cond delay="0"/>
-                            </p:stCondLst>
-                            <p:childTnLst>
-                              <p:par>
-                                <p:cTn id="15" presetID="2" presetClass="entr" presetSubtype="4" fill="hold" grpId="0" nodeType="clickEffect">
-                                  <p:stCondLst>
-                                    <p:cond delay="0"/>
-                                  </p:stCondLst>
-                                  <p:childTnLst>
-                                    <p:set>
-                                      <p:cBhvr>
-                                        <p:cTn id="16" dur="1" fill="hold">
-                                          <p:stCondLst>
-                                            <p:cond delay="0"/>
-                                          </p:stCondLst>
-                                        </p:cTn>
-                                        <p:tgtEl>
-                                          <p:spTgt spid="13"/>
-                                        </p:tgtEl>
-                                        <p:attrNameLst>
-                                          <p:attrName>style.visibility</p:attrName>
-                                        </p:attrNameLst>
-                                      </p:cBhvr>
-                                      <p:to>
-                                        <p:strVal val="visible"/>
-                                      </p:to>
-                                    </p:set>
-                                    <p:anim calcmode="lin" valueType="num">
-                                      <p:cBhvr additive="base">
-                                        <p:cTn id="17" dur="500" fill="hold"/>
-                                        <p:tgtEl>
-                                          <p:spTgt spid="13"/>
-                                        </p:tgtEl>
-                                        <p:attrNameLst>
-                                          <p:attrName>ppt_x</p:attrName>
-                                        </p:attrNameLst>
-                                      </p:cBhvr>
-                                      <p:tavLst>
-                                        <p:tav tm="0">
-                                          <p:val>
-                                            <p:strVal val="#ppt_x"/>
-                                          </p:val>
-                                        </p:tav>
-                                        <p:tav tm="100000">
-                                          <p:val>
-                                            <p:strVal val="#ppt_x"/>
-                                          </p:val>
-                                        </p:tav>
-                                      </p:tavLst>
-                                    </p:anim>
-                                    <p:anim calcmode="lin" valueType="num">
-                                      <p:cBhvr additive="base">
-                                        <p:cTn id="18" dur="500" fill="hold"/>
-                                        <p:tgtEl>
-                                          <p:spTgt spid="13"/>
-                                        </p:tgtEl>
-                                        <p:attrNameLst>
-                                          <p:attrName>ppt_y</p:attrName>
-                                        </p:attrNameLst>
-                                      </p:cBhvr>
-                                      <p:tavLst>
-                                        <p:tav tm="0">
-                                          <p:val>
-                                            <p:strVal val="1+#ppt_h/2"/>
-                                          </p:val>
-                                        </p:tav>
-                                        <p:tav tm="100000">
-                                          <p:val>
-                                            <p:strVal val="#ppt_y"/>
-                                          </p:val>
-                                        </p:tav>
-                                      </p:tavLst>
-                                    </p:anim>
-                                  </p:childTnLst>
-                                </p:cTn>
-                              </p:par>
-                            </p:childTnLst>
-                          </p:cTn>
-                        </p:par>
-                      </p:childTnLst>
-                    </p:cTn>
-                  </p:par>
-                </p:childTnLst>
-              </p:cTn>
-              <p:nextCondLst>
-                <p:cond evt="onClick" delay="0">
-                  <p:tgtEl>
-                    <p:spTgt spid="6"/>
-                  </p:tgtEl>
-                </p:cond>
-              </p:nextCondLst>
-            </p:seq>
-            <p:seq concurrent="1" nextAc="seek">
-              <p:cTn id="19" restart="whenNotActive" fill="hold" evtFilter="cancelBubble" nodeType="interactiveSeq">
-                <p:stCondLst>
-                  <p:cond evt="onClick" delay="0">
-                    <p:tgtEl>
-                      <p:spTgt spid="7"/>
-                    </p:tgtEl>
-                  </p:cond>
-                </p:stCondLst>
-                <p:endSync evt="end" delay="0">
-                  <p:rtn val="all"/>
-                </p:endSync>
-                <p:childTnLst>
-                  <p:par>
-                    <p:cTn id="20" fill="hold">
-                      <p:stCondLst>
-                        <p:cond delay="0"/>
-                      </p:stCondLst>
-                      <p:childTnLst>
-                        <p:par>
-                          <p:cTn id="21" fill="hold">
-                            <p:stCondLst>
-                              <p:cond delay="0"/>
-                            </p:stCondLst>
-                            <p:childTnLst>
-                              <p:par>
-                                <p:cTn id="22" presetID="2" presetClass="entr" presetSubtype="4" fill="hold" grpId="0" nodeType="clickEffect">
-                                  <p:stCondLst>
-                                    <p:cond delay="0"/>
-                                  </p:stCondLst>
-                                  <p:childTnLst>
-                                    <p:set>
-                                      <p:cBhvr>
-                                        <p:cTn id="23" dur="1" fill="hold">
-                                          <p:stCondLst>
-                                            <p:cond delay="0"/>
-                                          </p:stCondLst>
-                                        </p:cTn>
-                                        <p:tgtEl>
-                                          <p:spTgt spid="12"/>
-                                        </p:tgtEl>
-                                        <p:attrNameLst>
-                                          <p:attrName>style.visibility</p:attrName>
-                                        </p:attrNameLst>
-                                      </p:cBhvr>
-                                      <p:to>
-                                        <p:strVal val="visible"/>
-                                      </p:to>
-                                    </p:set>
-                                    <p:anim calcmode="lin" valueType="num">
-                                      <p:cBhvr additive="base">
-                                        <p:cTn id="24" dur="500" fill="hold"/>
-                                        <p:tgtEl>
-                                          <p:spTgt spid="12"/>
-                                        </p:tgtEl>
-                                        <p:attrNameLst>
-                                          <p:attrName>ppt_x</p:attrName>
-                                        </p:attrNameLst>
-                                      </p:cBhvr>
-                                      <p:tavLst>
-                                        <p:tav tm="0">
-                                          <p:val>
-                                            <p:strVal val="#ppt_x"/>
-                                          </p:val>
-                                        </p:tav>
-                                        <p:tav tm="100000">
-                                          <p:val>
-                                            <p:strVal val="#ppt_x"/>
-                                          </p:val>
-                                        </p:tav>
-                                      </p:tavLst>
-                                    </p:anim>
-                                    <p:anim calcmode="lin" valueType="num">
-                                      <p:cBhvr additive="base">
-                                        <p:cTn id="25" dur="500" fill="hold"/>
-                                        <p:tgtEl>
-                                          <p:spTgt spid="12"/>
-                                        </p:tgtEl>
-                                        <p:attrNameLst>
-                                          <p:attrName>ppt_y</p:attrName>
-                                        </p:attrNameLst>
-                                      </p:cBhvr>
-                                      <p:tavLst>
-                                        <p:tav tm="0">
-                                          <p:val>
-                                            <p:strVal val="1+#ppt_h/2"/>
-                                          </p:val>
-                                        </p:tav>
-                                        <p:tav tm="100000">
-                                          <p:val>
-                                            <p:strVal val="#ppt_y"/>
-                                          </p:val>
-                                        </p:tav>
-                                      </p:tavLst>
-                                    </p:anim>
-                                  </p:childTnLst>
-                                </p:cTn>
-                              </p:par>
-                            </p:childTnLst>
-                          </p:cTn>
-                        </p:par>
-                      </p:childTnLst>
-                    </p:cTn>
-                  </p:par>
-                </p:childTnLst>
-              </p:cTn>
-              <p:nextCondLst>
-                <p:cond evt="onClick" delay="0">
-                  <p:tgtEl>
-                    <p:spTgt spid="7"/>
-                  </p:tgtEl>
-                </p:cond>
-              </p:nextCondLst>
-            </p:seq>
           </p:childTnLst>
         </p:cTn>
       </p:par>
     </p:tnLst>
     <p:bldLst>
-      <p:bldP spid="12" grpId="0" animBg="1"/>
-      <p:bldP spid="13" grpId="0" animBg="1"/>
       <p:bldP spid="11" grpId="0" animBg="1"/>
       <p:bldP spid="14" grpId="0" animBg="1"/>
     </p:bldLst>
@@ -5779,105 +5156,13 @@
       </p:sp>
       <p:sp>
         <p:nvSpPr>
-          <p:cNvPr id="12" name="Прямоугольник 11"/>
-          <p:cNvSpPr/>
-          <p:nvPr/>
-        </p:nvSpPr>
-        <p:spPr>
-          <a:xfrm>
-            <a:off x="3450871" y="567200"/>
-            <a:ext cx="3534508" cy="738554"/>
-          </a:xfrm>
-          <a:prstGeom prst="rect">
-            <a:avLst/>
-          </a:prstGeom>
-          <a:solidFill>
-            <a:srgbClr val="FF0000"/>
-          </a:solidFill>
-        </p:spPr>
-        <p:style>
-          <a:lnRef idx="2">
-            <a:schemeClr val="accent1">
-              <a:shade val="50000"/>
-            </a:schemeClr>
-          </a:lnRef>
-          <a:fillRef idx="1">
-            <a:schemeClr val="accent1"/>
-          </a:fillRef>
-          <a:effectRef idx="0">
-            <a:schemeClr val="accent1"/>
-          </a:effectRef>
-          <a:fontRef idx="minor">
-            <a:schemeClr val="lt1"/>
-          </a:fontRef>
-        </p:style>
-        <p:txBody>
-          <a:bodyPr rtlCol="0" anchor="ctr"/>
-          <a:lstStyle/>
-          <a:p>
-            <a:pPr algn="ctr"/>
-            <a:r>
-              <a:rPr lang="ru-RU" dirty="0"/>
-              <a:t>Не правильно</a:t>
-            </a:r>
-          </a:p>
-        </p:txBody>
-      </p:sp>
-      <p:sp>
-        <p:nvSpPr>
-          <p:cNvPr id="13" name="Прямоугольник 12"/>
-          <p:cNvSpPr/>
-          <p:nvPr/>
-        </p:nvSpPr>
-        <p:spPr>
-          <a:xfrm>
-            <a:off x="3450871" y="567200"/>
-            <a:ext cx="3534508" cy="738554"/>
-          </a:xfrm>
-          <a:prstGeom prst="rect">
-            <a:avLst/>
-          </a:prstGeom>
-          <a:solidFill>
-            <a:srgbClr val="FF0000"/>
-          </a:solidFill>
-        </p:spPr>
-        <p:style>
-          <a:lnRef idx="2">
-            <a:schemeClr val="accent1">
-              <a:shade val="50000"/>
-            </a:schemeClr>
-          </a:lnRef>
-          <a:fillRef idx="1">
-            <a:schemeClr val="accent1"/>
-          </a:fillRef>
-          <a:effectRef idx="0">
-            <a:schemeClr val="accent1"/>
-          </a:effectRef>
-          <a:fontRef idx="minor">
-            <a:schemeClr val="lt1"/>
-          </a:fontRef>
-        </p:style>
-        <p:txBody>
-          <a:bodyPr rtlCol="0" anchor="ctr"/>
-          <a:lstStyle/>
-          <a:p>
-            <a:pPr algn="ctr"/>
-            <a:r>
-              <a:rPr lang="ru-RU" dirty="0"/>
-              <a:t>Не правильно</a:t>
-            </a:r>
-          </a:p>
-        </p:txBody>
-      </p:sp>
-      <p:sp>
-        <p:nvSpPr>
           <p:cNvPr id="11" name="Прямоугольник 10"/>
           <p:cNvSpPr/>
           <p:nvPr/>
         </p:nvSpPr>
         <p:spPr>
           <a:xfrm>
-            <a:off x="3450871" y="567200"/>
+            <a:off x="3842777" y="555567"/>
             <a:ext cx="3534508" cy="738554"/>
           </a:xfrm>
           <a:prstGeom prst="rect">
@@ -6069,209 +5354,7 @@
         <p:cTn id="1" dur="indefinite" restart="never" nodeType="tmRoot">
           <p:childTnLst>
             <p:seq concurrent="1" nextAc="seek">
-              <p:cTn id="2" dur="indefinite" nodeType="mainSeq">
-                <p:childTnLst>
-                  <p:par>
-                    <p:cTn id="3" fill="hold">
-                      <p:stCondLst>
-                        <p:cond delay="indefinite"/>
-                      </p:stCondLst>
-                      <p:childTnLst>
-                        <p:par>
-                          <p:cTn id="4" fill="hold">
-                            <p:stCondLst>
-                              <p:cond delay="0"/>
-                            </p:stCondLst>
-                            <p:childTnLst>
-                              <p:par>
-                                <p:cTn id="5" presetID="2" presetClass="entr" presetSubtype="4" fill="hold" grpId="0" nodeType="clickEffect">
-                                  <p:stCondLst>
-                                    <p:cond delay="0"/>
-                                  </p:stCondLst>
-                                  <p:childTnLst>
-                                    <p:set>
-                                      <p:cBhvr>
-                                        <p:cTn id="6" dur="1" fill="hold">
-                                          <p:stCondLst>
-                                            <p:cond delay="0"/>
-                                          </p:stCondLst>
-                                        </p:cTn>
-                                        <p:tgtEl>
-                                          <p:spTgt spid="13"/>
-                                        </p:tgtEl>
-                                        <p:attrNameLst>
-                                          <p:attrName>style.visibility</p:attrName>
-                                        </p:attrNameLst>
-                                      </p:cBhvr>
-                                      <p:to>
-                                        <p:strVal val="visible"/>
-                                      </p:to>
-                                    </p:set>
-                                    <p:anim calcmode="lin" valueType="num">
-                                      <p:cBhvr additive="base">
-                                        <p:cTn id="7" dur="500" fill="hold"/>
-                                        <p:tgtEl>
-                                          <p:spTgt spid="13"/>
-                                        </p:tgtEl>
-                                        <p:attrNameLst>
-                                          <p:attrName>ppt_x</p:attrName>
-                                        </p:attrNameLst>
-                                      </p:cBhvr>
-                                      <p:tavLst>
-                                        <p:tav tm="0">
-                                          <p:val>
-                                            <p:strVal val="#ppt_x"/>
-                                          </p:val>
-                                        </p:tav>
-                                        <p:tav tm="100000">
-                                          <p:val>
-                                            <p:strVal val="#ppt_x"/>
-                                          </p:val>
-                                        </p:tav>
-                                      </p:tavLst>
-                                    </p:anim>
-                                    <p:anim calcmode="lin" valueType="num">
-                                      <p:cBhvr additive="base">
-                                        <p:cTn id="8" dur="500" fill="hold"/>
-                                        <p:tgtEl>
-                                          <p:spTgt spid="13"/>
-                                        </p:tgtEl>
-                                        <p:attrNameLst>
-                                          <p:attrName>ppt_y</p:attrName>
-                                        </p:attrNameLst>
-                                      </p:cBhvr>
-                                      <p:tavLst>
-                                        <p:tav tm="0">
-                                          <p:val>
-                                            <p:strVal val="1+#ppt_h/2"/>
-                                          </p:val>
-                                        </p:tav>
-                                        <p:tav tm="100000">
-                                          <p:val>
-                                            <p:strVal val="#ppt_y"/>
-                                          </p:val>
-                                        </p:tav>
-                                      </p:tavLst>
-                                    </p:anim>
-                                  </p:childTnLst>
-                                </p:cTn>
-                              </p:par>
-                            </p:childTnLst>
-                          </p:cTn>
-                        </p:par>
-                      </p:childTnLst>
-                    </p:cTn>
-                  </p:par>
-                  <p:par>
-                    <p:cTn id="9" fill="hold">
-                      <p:stCondLst>
-                        <p:cond delay="indefinite"/>
-                      </p:stCondLst>
-                      <p:childTnLst>
-                        <p:par>
-                          <p:cTn id="10" fill="hold">
-                            <p:stCondLst>
-                              <p:cond delay="0"/>
-                            </p:stCondLst>
-                            <p:childTnLst>
-                              <p:par>
-                                <p:cTn id="11" presetID="2" presetClass="entr" presetSubtype="4" fill="hold" grpId="0" nodeType="clickEffect">
-                                  <p:stCondLst>
-                                    <p:cond delay="0"/>
-                                  </p:stCondLst>
-                                  <p:childTnLst>
-                                    <p:set>
-                                      <p:cBhvr>
-                                        <p:cTn id="12" dur="1" fill="hold">
-                                          <p:stCondLst>
-                                            <p:cond delay="0"/>
-                                          </p:stCondLst>
-                                        </p:cTn>
-                                        <p:tgtEl>
-                                          <p:spTgt spid="12"/>
-                                        </p:tgtEl>
-                                        <p:attrNameLst>
-                                          <p:attrName>style.visibility</p:attrName>
-                                        </p:attrNameLst>
-                                      </p:cBhvr>
-                                      <p:to>
-                                        <p:strVal val="visible"/>
-                                      </p:to>
-                                    </p:set>
-                                    <p:anim calcmode="lin" valueType="num">
-                                      <p:cBhvr additive="base">
-                                        <p:cTn id="13" dur="500" fill="hold"/>
-                                        <p:tgtEl>
-                                          <p:spTgt spid="12"/>
-                                        </p:tgtEl>
-                                        <p:attrNameLst>
-                                          <p:attrName>ppt_x</p:attrName>
-                                        </p:attrNameLst>
-                                      </p:cBhvr>
-                                      <p:tavLst>
-                                        <p:tav tm="0">
-                                          <p:val>
-                                            <p:strVal val="#ppt_x"/>
-                                          </p:val>
-                                        </p:tav>
-                                        <p:tav tm="100000">
-                                          <p:val>
-                                            <p:strVal val="#ppt_x"/>
-                                          </p:val>
-                                        </p:tav>
-                                      </p:tavLst>
-                                    </p:anim>
-                                    <p:anim calcmode="lin" valueType="num">
-                                      <p:cBhvr additive="base">
-                                        <p:cTn id="14" dur="500" fill="hold"/>
-                                        <p:tgtEl>
-                                          <p:spTgt spid="12"/>
-                                        </p:tgtEl>
-                                        <p:attrNameLst>
-                                          <p:attrName>ppt_y</p:attrName>
-                                        </p:attrNameLst>
-                                      </p:cBhvr>
-                                      <p:tavLst>
-                                        <p:tav tm="0">
-                                          <p:val>
-                                            <p:strVal val="1+#ppt_h/2"/>
-                                          </p:val>
-                                        </p:tav>
-                                        <p:tav tm="100000">
-                                          <p:val>
-                                            <p:strVal val="#ppt_y"/>
-                                          </p:val>
-                                        </p:tav>
-                                      </p:tavLst>
-                                    </p:anim>
-                                  </p:childTnLst>
-                                </p:cTn>
-                              </p:par>
-                            </p:childTnLst>
-                          </p:cTn>
-                        </p:par>
-                      </p:childTnLst>
-                    </p:cTn>
-                  </p:par>
-                </p:childTnLst>
-              </p:cTn>
-              <p:prevCondLst>
-                <p:cond evt="onPrev" delay="0">
-                  <p:tgtEl>
-                    <p:sldTgt/>
-                  </p:tgtEl>
-                </p:cond>
-              </p:prevCondLst>
-              <p:nextCondLst>
-                <p:cond evt="onNext" delay="0">
-                  <p:tgtEl>
-                    <p:sldTgt/>
-                  </p:tgtEl>
-                </p:cond>
-              </p:nextCondLst>
-            </p:seq>
-            <p:seq concurrent="1" nextAc="seek">
-              <p:cTn id="15" restart="whenNotActive" fill="hold" evtFilter="cancelBubble" nodeType="interactiveSeq">
+              <p:cTn id="2" restart="whenNotActive" fill="hold" evtFilter="cancelBubble" nodeType="interactiveSeq">
                 <p:stCondLst>
                   <p:cond evt="onClick" delay="0">
                     <p:tgtEl>
@@ -6284,99 +5367,26 @@
                 </p:endSync>
                 <p:childTnLst>
                   <p:par>
-                    <p:cTn id="16" fill="hold">
+                    <p:cTn id="3" fill="hold">
                       <p:stCondLst>
                         <p:cond delay="0"/>
                       </p:stCondLst>
                       <p:childTnLst>
                         <p:par>
-                          <p:cTn id="17" fill="hold">
+                          <p:cTn id="4" fill="hold">
                             <p:stCondLst>
                               <p:cond delay="0"/>
                             </p:stCondLst>
                             <p:childTnLst>
                               <p:par>
-                                <p:cTn id="18" presetID="2" presetClass="entr" presetSubtype="4" fill="hold" grpId="0" nodeType="clickEffect">
+                                <p:cTn id="5" presetID="22" presetClass="entr" presetSubtype="4" fill="hold" grpId="0" nodeType="withEffect">
                                   <p:stCondLst>
                                     <p:cond delay="0"/>
                                   </p:stCondLst>
                                   <p:childTnLst>
                                     <p:set>
                                       <p:cBhvr>
-                                        <p:cTn id="19" dur="1" fill="hold">
-                                          <p:stCondLst>
-                                            <p:cond delay="0"/>
-                                          </p:stCondLst>
-                                        </p:cTn>
-                                        <p:tgtEl>
-                                          <p:spTgt spid="11"/>
-                                        </p:tgtEl>
-                                        <p:attrNameLst>
-                                          <p:attrName>style.visibility</p:attrName>
-                                        </p:attrNameLst>
-                                      </p:cBhvr>
-                                      <p:to>
-                                        <p:strVal val="visible"/>
-                                      </p:to>
-                                    </p:set>
-                                    <p:anim calcmode="lin" valueType="num">
-                                      <p:cBhvr additive="base">
-                                        <p:cTn id="20" dur="500" fill="hold"/>
-                                        <p:tgtEl>
-                                          <p:spTgt spid="11"/>
-                                        </p:tgtEl>
-                                        <p:attrNameLst>
-                                          <p:attrName>ppt_x</p:attrName>
-                                        </p:attrNameLst>
-                                      </p:cBhvr>
-                                      <p:tavLst>
-                                        <p:tav tm="0">
-                                          <p:val>
-                                            <p:strVal val="#ppt_x"/>
-                                          </p:val>
-                                        </p:tav>
-                                        <p:tav tm="100000">
-                                          <p:val>
-                                            <p:strVal val="#ppt_x"/>
-                                          </p:val>
-                                        </p:tav>
-                                      </p:tavLst>
-                                    </p:anim>
-                                    <p:anim calcmode="lin" valueType="num">
-                                      <p:cBhvr additive="base">
-                                        <p:cTn id="21" dur="500" fill="hold"/>
-                                        <p:tgtEl>
-                                          <p:spTgt spid="11"/>
-                                        </p:tgtEl>
-                                        <p:attrNameLst>
-                                          <p:attrName>ppt_y</p:attrName>
-                                        </p:attrNameLst>
-                                      </p:cBhvr>
-                                      <p:tavLst>
-                                        <p:tav tm="0">
-                                          <p:val>
-                                            <p:strVal val="1+#ppt_h/2"/>
-                                          </p:val>
-                                        </p:tav>
-                                        <p:tav tm="100000">
-                                          <p:val>
-                                            <p:strVal val="#ppt_y"/>
-                                          </p:val>
-                                        </p:tav>
-                                      </p:tavLst>
-                                    </p:anim>
-                                  </p:childTnLst>
-                                </p:cTn>
-                              </p:par>
-                              <p:par>
-                                <p:cTn id="22" presetID="22" presetClass="entr" presetSubtype="4" fill="hold" grpId="0" nodeType="withEffect">
-                                  <p:stCondLst>
-                                    <p:cond delay="0"/>
-                                  </p:stCondLst>
-                                  <p:childTnLst>
-                                    <p:set>
-                                      <p:cBhvr>
-                                        <p:cTn id="23" dur="1" fill="hold">
+                                        <p:cTn id="6" dur="1" fill="hold">
                                           <p:stCondLst>
                                             <p:cond delay="0"/>
                                           </p:stCondLst>
@@ -6394,9 +5404,44 @@
                                     </p:set>
                                     <p:animEffect transition="in" filter="wipe(down)">
                                       <p:cBhvr>
-                                        <p:cTn id="24" dur="500"/>
+                                        <p:cTn id="7" dur="500"/>
                                         <p:tgtEl>
                                           <p:spTgt spid="16"/>
+                                        </p:tgtEl>
+                                      </p:cBhvr>
+                                    </p:animEffect>
+                                  </p:childTnLst>
+                                </p:cTn>
+                              </p:par>
+                              <p:par>
+                                <p:cTn id="8" presetID="14" presetClass="entr" presetSubtype="10" fill="hold" grpId="0" nodeType="withEffect">
+                                  <p:stCondLst>
+                                    <p:cond delay="0"/>
+                                  </p:stCondLst>
+                                  <p:childTnLst>
+                                    <p:set>
+                                      <p:cBhvr>
+                                        <p:cTn id="9" dur="1" fill="hold">
+                                          <p:stCondLst>
+                                            <p:cond delay="0"/>
+                                          </p:stCondLst>
+                                        </p:cTn>
+                                        <p:tgtEl>
+                                          <p:spTgt spid="11"/>
+                                        </p:tgtEl>
+                                        <p:attrNameLst>
+                                          <p:attrName>style.visibility</p:attrName>
+                                        </p:attrNameLst>
+                                      </p:cBhvr>
+                                      <p:to>
+                                        <p:strVal val="visible"/>
+                                      </p:to>
+                                    </p:set>
+                                    <p:animEffect transition="in" filter="randombar(horizontal)">
+                                      <p:cBhvr>
+                                        <p:cTn id="10" dur="500"/>
+                                        <p:tgtEl>
+                                          <p:spTgt spid="11"/>
                                         </p:tgtEl>
                                       </p:cBhvr>
                                     </p:animEffect>
@@ -6424,8 +5469,6 @@
       </p:par>
     </p:tnLst>
     <p:bldLst>
-      <p:bldP spid="12" grpId="0" animBg="1"/>
-      <p:bldP spid="13" grpId="0" animBg="1"/>
       <p:bldP spid="11" grpId="0" animBg="1"/>
       <p:bldP spid="16" grpId="0" animBg="1"/>
     </p:bldLst>
@@ -6593,105 +5636,13 @@
       </p:sp>
       <p:sp>
         <p:nvSpPr>
-          <p:cNvPr id="12" name="Прямоугольник 11"/>
-          <p:cNvSpPr/>
-          <p:nvPr/>
-        </p:nvSpPr>
-        <p:spPr>
-          <a:xfrm>
-            <a:off x="3450871" y="567200"/>
-            <a:ext cx="3534508" cy="738554"/>
-          </a:xfrm>
-          <a:prstGeom prst="rect">
-            <a:avLst/>
-          </a:prstGeom>
-          <a:solidFill>
-            <a:srgbClr val="FF0000"/>
-          </a:solidFill>
-        </p:spPr>
-        <p:style>
-          <a:lnRef idx="2">
-            <a:schemeClr val="accent1">
-              <a:shade val="50000"/>
-            </a:schemeClr>
-          </a:lnRef>
-          <a:fillRef idx="1">
-            <a:schemeClr val="accent1"/>
-          </a:fillRef>
-          <a:effectRef idx="0">
-            <a:schemeClr val="accent1"/>
-          </a:effectRef>
-          <a:fontRef idx="minor">
-            <a:schemeClr val="lt1"/>
-          </a:fontRef>
-        </p:style>
-        <p:txBody>
-          <a:bodyPr rtlCol="0" anchor="ctr"/>
-          <a:lstStyle/>
-          <a:p>
-            <a:pPr algn="ctr"/>
-            <a:r>
-              <a:rPr lang="ru-RU" dirty="0"/>
-              <a:t>Не правильно</a:t>
-            </a:r>
-          </a:p>
-        </p:txBody>
-      </p:sp>
-      <p:sp>
-        <p:nvSpPr>
-          <p:cNvPr id="13" name="Прямоугольник 12"/>
-          <p:cNvSpPr/>
-          <p:nvPr/>
-        </p:nvSpPr>
-        <p:spPr>
-          <a:xfrm>
-            <a:off x="3450871" y="580900"/>
-            <a:ext cx="3534508" cy="738554"/>
-          </a:xfrm>
-          <a:prstGeom prst="rect">
-            <a:avLst/>
-          </a:prstGeom>
-          <a:solidFill>
-            <a:srgbClr val="FF0000"/>
-          </a:solidFill>
-        </p:spPr>
-        <p:style>
-          <a:lnRef idx="2">
-            <a:schemeClr val="accent1">
-              <a:shade val="50000"/>
-            </a:schemeClr>
-          </a:lnRef>
-          <a:fillRef idx="1">
-            <a:schemeClr val="accent1"/>
-          </a:fillRef>
-          <a:effectRef idx="0">
-            <a:schemeClr val="accent1"/>
-          </a:effectRef>
-          <a:fontRef idx="minor">
-            <a:schemeClr val="lt1"/>
-          </a:fontRef>
-        </p:style>
-        <p:txBody>
-          <a:bodyPr rtlCol="0" anchor="ctr"/>
-          <a:lstStyle/>
-          <a:p>
-            <a:pPr algn="ctr"/>
-            <a:r>
-              <a:rPr lang="ru-RU" dirty="0"/>
-              <a:t>Не правильно</a:t>
-            </a:r>
-          </a:p>
-        </p:txBody>
-      </p:sp>
-      <p:sp>
-        <p:nvSpPr>
           <p:cNvPr id="11" name="Прямоугольник 10"/>
           <p:cNvSpPr/>
           <p:nvPr/>
         </p:nvSpPr>
         <p:spPr>
           <a:xfrm>
-            <a:off x="3450871" y="580900"/>
+            <a:off x="3962454" y="575184"/>
             <a:ext cx="3534508" cy="738554"/>
           </a:xfrm>
           <a:prstGeom prst="rect">
@@ -6884,12 +5835,22 @@
         <p:cTn id="1" dur="indefinite" restart="never" nodeType="tmRoot">
           <p:childTnLst>
             <p:seq concurrent="1" nextAc="seek">
-              <p:cTn id="2" dur="indefinite" nodeType="mainSeq">
+              <p:cTn id="2" restart="whenNotActive" fill="hold" evtFilter="cancelBubble" nodeType="interactiveSeq">
+                <p:stCondLst>
+                  <p:cond evt="onClick" delay="0">
+                    <p:tgtEl>
+                      <p:spTgt spid="5"/>
+                    </p:tgtEl>
+                  </p:cond>
+                </p:stCondLst>
+                <p:endSync evt="end" delay="0">
+                  <p:rtn val="all"/>
+                </p:endSync>
                 <p:childTnLst>
                   <p:par>
                     <p:cTn id="3" fill="hold">
                       <p:stCondLst>
-                        <p:cond delay="indefinite"/>
+                        <p:cond delay="0"/>
                       </p:stCondLst>
                       <p:childTnLst>
                         <p:par>
@@ -6899,7 +5860,7 @@
                             </p:stCondLst>
                             <p:childTnLst>
                               <p:par>
-                                <p:cTn id="5" presetID="2" presetClass="entr" presetSubtype="4" fill="hold" grpId="0" nodeType="clickEffect">
+                                <p:cTn id="5" presetID="14" presetClass="entr" presetSubtype="10" fill="hold" grpId="0" nodeType="withEffect">
                                   <p:stCondLst>
                                     <p:cond delay="0"/>
                                   </p:stCondLst>
@@ -6912,7 +5873,7 @@
                                           </p:stCondLst>
                                         </p:cTn>
                                         <p:tgtEl>
-                                          <p:spTgt spid="13"/>
+                                          <p:spTgt spid="11"/>
                                         </p:tgtEl>
                                         <p:attrNameLst>
                                           <p:attrName>style.visibility</p:attrName>
@@ -6922,155 +5883,26 @@
                                         <p:strVal val="visible"/>
                                       </p:to>
                                     </p:set>
-                                    <p:anim calcmode="lin" valueType="num">
-                                      <p:cBhvr additive="base">
-                                        <p:cTn id="7" dur="500" fill="hold"/>
+                                    <p:animEffect transition="in" filter="randombar(horizontal)">
+                                      <p:cBhvr>
+                                        <p:cTn id="7" dur="500"/>
                                         <p:tgtEl>
-                                          <p:spTgt spid="13"/>
+                                          <p:spTgt spid="11"/>
                                         </p:tgtEl>
-                                        <p:attrNameLst>
-                                          <p:attrName>ppt_x</p:attrName>
-                                        </p:attrNameLst>
                                       </p:cBhvr>
-                                      <p:tavLst>
-                                        <p:tav tm="0">
-                                          <p:val>
-                                            <p:strVal val="#ppt_x"/>
-                                          </p:val>
-                                        </p:tav>
-                                        <p:tav tm="100000">
-                                          <p:val>
-                                            <p:strVal val="#ppt_x"/>
-                                          </p:val>
-                                        </p:tav>
-                                      </p:tavLst>
-                                    </p:anim>
-                                    <p:anim calcmode="lin" valueType="num">
-                                      <p:cBhvr additive="base">
-                                        <p:cTn id="8" dur="500" fill="hold"/>
-                                        <p:tgtEl>
-                                          <p:spTgt spid="13"/>
-                                        </p:tgtEl>
-                                        <p:attrNameLst>
-                                          <p:attrName>ppt_y</p:attrName>
-                                        </p:attrNameLst>
-                                      </p:cBhvr>
-                                      <p:tavLst>
-                                        <p:tav tm="0">
-                                          <p:val>
-                                            <p:strVal val="1+#ppt_h/2"/>
-                                          </p:val>
-                                        </p:tav>
-                                        <p:tav tm="100000">
-                                          <p:val>
-                                            <p:strVal val="#ppt_y"/>
-                                          </p:val>
-                                        </p:tav>
-                                      </p:tavLst>
-                                    </p:anim>
+                                    </p:animEffect>
                                   </p:childTnLst>
                                 </p:cTn>
                               </p:par>
-                            </p:childTnLst>
-                          </p:cTn>
-                        </p:par>
-                      </p:childTnLst>
-                    </p:cTn>
-                  </p:par>
-                  <p:par>
-                    <p:cTn id="9" fill="hold">
-                      <p:stCondLst>
-                        <p:cond delay="indefinite"/>
-                      </p:stCondLst>
-                      <p:childTnLst>
-                        <p:par>
-                          <p:cTn id="10" fill="hold">
-                            <p:stCondLst>
-                              <p:cond delay="0"/>
-                            </p:stCondLst>
-                            <p:childTnLst>
                               <p:par>
-                                <p:cTn id="11" presetID="2" presetClass="entr" presetSubtype="4" fill="hold" grpId="0" nodeType="clickEffect">
+                                <p:cTn id="8" presetID="22" presetClass="entr" presetSubtype="4" fill="hold" grpId="0" nodeType="withEffect">
                                   <p:stCondLst>
                                     <p:cond delay="0"/>
                                   </p:stCondLst>
                                   <p:childTnLst>
                                     <p:set>
                                       <p:cBhvr>
-                                        <p:cTn id="12" dur="1" fill="hold">
-                                          <p:stCondLst>
-                                            <p:cond delay="0"/>
-                                          </p:stCondLst>
-                                        </p:cTn>
-                                        <p:tgtEl>
-                                          <p:spTgt spid="12"/>
-                                        </p:tgtEl>
-                                        <p:attrNameLst>
-                                          <p:attrName>style.visibility</p:attrName>
-                                        </p:attrNameLst>
-                                      </p:cBhvr>
-                                      <p:to>
-                                        <p:strVal val="visible"/>
-                                      </p:to>
-                                    </p:set>
-                                    <p:anim calcmode="lin" valueType="num">
-                                      <p:cBhvr additive="base">
-                                        <p:cTn id="13" dur="500" fill="hold"/>
-                                        <p:tgtEl>
-                                          <p:spTgt spid="12"/>
-                                        </p:tgtEl>
-                                        <p:attrNameLst>
-                                          <p:attrName>ppt_x</p:attrName>
-                                        </p:attrNameLst>
-                                      </p:cBhvr>
-                                      <p:tavLst>
-                                        <p:tav tm="0">
-                                          <p:val>
-                                            <p:strVal val="#ppt_x"/>
-                                          </p:val>
-                                        </p:tav>
-                                        <p:tav tm="100000">
-                                          <p:val>
-                                            <p:strVal val="#ppt_x"/>
-                                          </p:val>
-                                        </p:tav>
-                                      </p:tavLst>
-                                    </p:anim>
-                                    <p:anim calcmode="lin" valueType="num">
-                                      <p:cBhvr additive="base">
-                                        <p:cTn id="14" dur="500" fill="hold"/>
-                                        <p:tgtEl>
-                                          <p:spTgt spid="12"/>
-                                        </p:tgtEl>
-                                        <p:attrNameLst>
-                                          <p:attrName>ppt_y</p:attrName>
-                                        </p:attrNameLst>
-                                      </p:cBhvr>
-                                      <p:tavLst>
-                                        <p:tav tm="0">
-                                          <p:val>
-                                            <p:strVal val="1+#ppt_h/2"/>
-                                          </p:val>
-                                        </p:tav>
-                                        <p:tav tm="100000">
-                                          <p:val>
-                                            <p:strVal val="#ppt_y"/>
-                                          </p:val>
-                                        </p:tav>
-                                      </p:tavLst>
-                                    </p:anim>
-                                  </p:childTnLst>
-                                </p:cTn>
-                              </p:par>
-                              <p:par>
-                                <p:cTn id="15" presetID="22" presetClass="entr" presetSubtype="4" fill="hold" grpId="0" nodeType="withEffect">
-                                  <p:stCondLst>
-                                    <p:cond delay="0"/>
-                                  </p:stCondLst>
-                                  <p:childTnLst>
-                                    <p:set>
-                                      <p:cBhvr>
-                                        <p:cTn id="16" dur="1" fill="hold">
+                                        <p:cTn id="9" dur="1" fill="hold">
                                           <p:stCondLst>
                                             <p:cond delay="0"/>
                                           </p:stCondLst>
@@ -7088,133 +5920,12 @@
                                     </p:set>
                                     <p:animEffect transition="in" filter="wipe(down)">
                                       <p:cBhvr>
-                                        <p:cTn id="17" dur="500"/>
+                                        <p:cTn id="10" dur="500"/>
                                         <p:tgtEl>
                                           <p:spTgt spid="16"/>
                                         </p:tgtEl>
                                       </p:cBhvr>
                                     </p:animEffect>
-                                  </p:childTnLst>
-                                </p:cTn>
-                              </p:par>
-                            </p:childTnLst>
-                          </p:cTn>
-                        </p:par>
-                      </p:childTnLst>
-                    </p:cTn>
-                  </p:par>
-                </p:childTnLst>
-              </p:cTn>
-              <p:prevCondLst>
-                <p:cond evt="onPrev" delay="0">
-                  <p:tgtEl>
-                    <p:sldTgt/>
-                  </p:tgtEl>
-                </p:cond>
-              </p:prevCondLst>
-              <p:nextCondLst>
-                <p:cond evt="onNext" delay="0">
-                  <p:tgtEl>
-                    <p:sldTgt/>
-                  </p:tgtEl>
-                </p:cond>
-              </p:nextCondLst>
-            </p:seq>
-            <p:seq concurrent="1" nextAc="seek">
-              <p:cTn id="18" restart="whenNotActive" fill="hold" evtFilter="cancelBubble" nodeType="interactiveSeq">
-                <p:stCondLst>
-                  <p:cond evt="onClick" delay="0">
-                    <p:tgtEl>
-                      <p:spTgt spid="5"/>
-                    </p:tgtEl>
-                  </p:cond>
-                </p:stCondLst>
-                <p:endSync evt="end" delay="0">
-                  <p:rtn val="all"/>
-                </p:endSync>
-                <p:childTnLst>
-                  <p:par>
-                    <p:cTn id="19" fill="hold">
-                      <p:stCondLst>
-                        <p:cond delay="0"/>
-                      </p:stCondLst>
-                      <p:childTnLst>
-                        <p:par>
-                          <p:cTn id="20" fill="hold">
-                            <p:stCondLst>
-                              <p:cond delay="0"/>
-                            </p:stCondLst>
-                            <p:childTnLst>
-                              <p:par>
-                                <p:cTn id="21" presetID="2" presetClass="entr" presetSubtype="4" fill="hold" grpId="0" nodeType="clickEffect">
-                                  <p:stCondLst>
-                                    <p:cond delay="0"/>
-                                  </p:stCondLst>
-                                  <p:childTnLst>
-                                    <p:set>
-                                      <p:cBhvr>
-                                        <p:cTn id="22" dur="1" fill="hold">
-                                          <p:stCondLst>
-                                            <p:cond delay="0"/>
-                                          </p:stCondLst>
-                                        </p:cTn>
-                                        <p:tgtEl>
-                                          <p:spTgt spid="11"/>
-                                        </p:tgtEl>
-                                        <p:attrNameLst>
-                                          <p:attrName>style.visibility</p:attrName>
-                                        </p:attrNameLst>
-                                      </p:cBhvr>
-                                      <p:to>
-                                        <p:strVal val="visible"/>
-                                      </p:to>
-                                    </p:set>
-                                    <p:anim calcmode="lin" valueType="num">
-                                      <p:cBhvr additive="base">
-                                        <p:cTn id="23" dur="500" fill="hold"/>
-                                        <p:tgtEl>
-                                          <p:spTgt spid="11"/>
-                                        </p:tgtEl>
-                                        <p:attrNameLst>
-                                          <p:attrName>ppt_x</p:attrName>
-                                        </p:attrNameLst>
-                                      </p:cBhvr>
-                                      <p:tavLst>
-                                        <p:tav tm="0">
-                                          <p:val>
-                                            <p:strVal val="#ppt_x"/>
-                                          </p:val>
-                                        </p:tav>
-                                        <p:tav tm="100000">
-                                          <p:val>
-                                            <p:strVal val="#ppt_x"/>
-                                          </p:val>
-                                        </p:tav>
-                                      </p:tavLst>
-                                    </p:anim>
-                                    <p:anim calcmode="lin" valueType="num">
-                                      <p:cBhvr additive="base">
-                                        <p:cTn id="24" dur="500" fill="hold"/>
-                                        <p:tgtEl>
-                                          <p:spTgt spid="11"/>
-                                        </p:tgtEl>
-                                        <p:attrNameLst>
-                                          <p:attrName>ppt_y</p:attrName>
-                                        </p:attrNameLst>
-                                      </p:cBhvr>
-                                      <p:tavLst>
-                                        <p:tav tm="0">
-                                          <p:val>
-                                            <p:strVal val="1+#ppt_h/2"/>
-                                          </p:val>
-                                        </p:tav>
-                                        <p:tav tm="100000">
-                                          <p:val>
-                                            <p:strVal val="#ppt_y"/>
-                                          </p:val>
-                                        </p:tav>
-                                      </p:tavLst>
-                                    </p:anim>
                                   </p:childTnLst>
                                 </p:cTn>
                               </p:par>
@@ -7239,8 +5950,6 @@
       </p:par>
     </p:tnLst>
     <p:bldLst>
-      <p:bldP spid="12" grpId="0" animBg="1"/>
-      <p:bldP spid="13" grpId="0" animBg="1"/>
       <p:bldP spid="11" grpId="0" animBg="1"/>
       <p:bldP spid="16" grpId="0" animBg="1"/>
     </p:bldLst>
@@ -7425,20 +6134,20 @@
       </p:sp>
       <p:sp>
         <p:nvSpPr>
-          <p:cNvPr id="12" name="Прямоугольник 11"/>
+          <p:cNvPr id="11" name="Прямоугольник 10"/>
           <p:cNvSpPr/>
           <p:nvPr/>
         </p:nvSpPr>
         <p:spPr>
           <a:xfrm>
-            <a:off x="3450871" y="567200"/>
+            <a:off x="3513114" y="583507"/>
             <a:ext cx="3534508" cy="738554"/>
           </a:xfrm>
           <a:prstGeom prst="rect">
             <a:avLst/>
           </a:prstGeom>
           <a:solidFill>
-            <a:srgbClr val="FF0000"/>
+            <a:srgbClr val="00B050"/>
           </a:solidFill>
         </p:spPr>
         <p:style>
@@ -7464,98 +6173,6 @@
             <a:pPr algn="ctr"/>
             <a:r>
               <a:rPr lang="ru-RU" dirty="0"/>
-              <a:t>Не правильно</a:t>
-            </a:r>
-          </a:p>
-        </p:txBody>
-      </p:sp>
-      <p:sp>
-        <p:nvSpPr>
-          <p:cNvPr id="13" name="Прямоугольник 12"/>
-          <p:cNvSpPr/>
-          <p:nvPr/>
-        </p:nvSpPr>
-        <p:spPr>
-          <a:xfrm>
-            <a:off x="3450871" y="574479"/>
-            <a:ext cx="3534508" cy="738554"/>
-          </a:xfrm>
-          <a:prstGeom prst="rect">
-            <a:avLst/>
-          </a:prstGeom>
-          <a:solidFill>
-            <a:srgbClr val="FF0000"/>
-          </a:solidFill>
-        </p:spPr>
-        <p:style>
-          <a:lnRef idx="2">
-            <a:schemeClr val="accent1">
-              <a:shade val="50000"/>
-            </a:schemeClr>
-          </a:lnRef>
-          <a:fillRef idx="1">
-            <a:schemeClr val="accent1"/>
-          </a:fillRef>
-          <a:effectRef idx="0">
-            <a:schemeClr val="accent1"/>
-          </a:effectRef>
-          <a:fontRef idx="minor">
-            <a:schemeClr val="lt1"/>
-          </a:fontRef>
-        </p:style>
-        <p:txBody>
-          <a:bodyPr rtlCol="0" anchor="ctr"/>
-          <a:lstStyle/>
-          <a:p>
-            <a:pPr algn="ctr"/>
-            <a:r>
-              <a:rPr lang="ru-RU" dirty="0"/>
-              <a:t>Не правильно</a:t>
-            </a:r>
-          </a:p>
-        </p:txBody>
-      </p:sp>
-      <p:sp>
-        <p:nvSpPr>
-          <p:cNvPr id="11" name="Прямоугольник 10"/>
-          <p:cNvSpPr/>
-          <p:nvPr/>
-        </p:nvSpPr>
-        <p:spPr>
-          <a:xfrm>
-            <a:off x="3450871" y="567200"/>
-            <a:ext cx="3534508" cy="738554"/>
-          </a:xfrm>
-          <a:prstGeom prst="rect">
-            <a:avLst/>
-          </a:prstGeom>
-          <a:solidFill>
-            <a:srgbClr val="00B050"/>
-          </a:solidFill>
-        </p:spPr>
-        <p:style>
-          <a:lnRef idx="2">
-            <a:schemeClr val="accent1">
-              <a:shade val="50000"/>
-            </a:schemeClr>
-          </a:lnRef>
-          <a:fillRef idx="1">
-            <a:schemeClr val="accent1"/>
-          </a:fillRef>
-          <a:effectRef idx="0">
-            <a:schemeClr val="accent1"/>
-          </a:effectRef>
-          <a:fontRef idx="minor">
-            <a:schemeClr val="lt1"/>
-          </a:fontRef>
-        </p:style>
-        <p:txBody>
-          <a:bodyPr rtlCol="0" anchor="ctr"/>
-          <a:lstStyle/>
-          <a:p>
-            <a:pPr algn="ctr"/>
-            <a:r>
-              <a:rPr lang="ru-RU" dirty="0"/>
               <a:t>Правильно</a:t>
             </a:r>
           </a:p>
@@ -7641,6 +6258,7 @@
       <p:pic>
         <p:nvPicPr>
           <p:cNvPr id="18" name="Рисунок 17">
+            <a:hlinkClick r:id="rId4" action="ppaction://hlinksldjump"/>
             <a:extLst>
               <a:ext uri="{FF2B5EF4-FFF2-40B4-BE49-F238E27FC236}">
                 <a16:creationId xmlns:a16="http://schemas.microsoft.com/office/drawing/2014/main" id="{36DA2025-CE3E-4C71-9A2F-6B099A682F28}"/>
@@ -7653,7 +6271,7 @@
           <p:nvPr/>
         </p:nvPicPr>
         <p:blipFill>
-          <a:blip r:embed="rId4"/>
+          <a:blip r:embed="rId5"/>
           <a:stretch>
             <a:fillRect/>
           </a:stretch>
@@ -7684,7 +6302,7 @@
           <p:nvPr/>
         </p:nvPicPr>
         <p:blipFill>
-          <a:blip r:embed="rId5"/>
+          <a:blip r:embed="rId6"/>
           <a:stretch>
             <a:fillRect/>
           </a:stretch>
@@ -7715,12 +6333,22 @@
         <p:cTn id="1" dur="indefinite" restart="never" nodeType="tmRoot">
           <p:childTnLst>
             <p:seq concurrent="1" nextAc="seek">
-              <p:cTn id="2" dur="indefinite" nodeType="mainSeq">
+              <p:cTn id="2" restart="whenNotActive" fill="hold" evtFilter="cancelBubble" nodeType="interactiveSeq">
+                <p:stCondLst>
+                  <p:cond evt="onClick" delay="0">
+                    <p:tgtEl>
+                      <p:spTgt spid="18"/>
+                    </p:tgtEl>
+                  </p:cond>
+                </p:stCondLst>
+                <p:endSync evt="end" delay="0">
+                  <p:rtn val="all"/>
+                </p:endSync>
                 <p:childTnLst>
                   <p:par>
                     <p:cTn id="3" fill="hold">
                       <p:stCondLst>
-                        <p:cond delay="indefinite"/>
+                        <p:cond delay="0"/>
                       </p:stCondLst>
                       <p:childTnLst>
                         <p:par>
@@ -7730,7 +6358,7 @@
                             </p:stCondLst>
                             <p:childTnLst>
                               <p:par>
-                                <p:cTn id="5" presetID="2" presetClass="entr" presetSubtype="4" fill="hold" grpId="0" nodeType="clickEffect">
+                                <p:cTn id="5" presetID="22" presetClass="entr" presetSubtype="4" fill="hold" grpId="0" nodeType="withEffect">
                                   <p:stCondLst>
                                     <p:cond delay="0"/>
                                   </p:stCondLst>
@@ -7738,79 +6366,6 @@
                                     <p:set>
                                       <p:cBhvr>
                                         <p:cTn id="6" dur="1" fill="hold">
-                                          <p:stCondLst>
-                                            <p:cond delay="0"/>
-                                          </p:stCondLst>
-                                        </p:cTn>
-                                        <p:tgtEl>
-                                          <p:spTgt spid="12"/>
-                                        </p:tgtEl>
-                                        <p:attrNameLst>
-                                          <p:attrName>style.visibility</p:attrName>
-                                        </p:attrNameLst>
-                                      </p:cBhvr>
-                                      <p:to>
-                                        <p:strVal val="visible"/>
-                                      </p:to>
-                                    </p:set>
-                                    <p:anim calcmode="lin" valueType="num">
-                                      <p:cBhvr additive="base">
-                                        <p:cTn id="7" dur="500" fill="hold"/>
-                                        <p:tgtEl>
-                                          <p:spTgt spid="12"/>
-                                        </p:tgtEl>
-                                        <p:attrNameLst>
-                                          <p:attrName>ppt_x</p:attrName>
-                                        </p:attrNameLst>
-                                      </p:cBhvr>
-                                      <p:tavLst>
-                                        <p:tav tm="0">
-                                          <p:val>
-                                            <p:strVal val="#ppt_x"/>
-                                          </p:val>
-                                        </p:tav>
-                                        <p:tav tm="100000">
-                                          <p:val>
-                                            <p:strVal val="#ppt_x"/>
-                                          </p:val>
-                                        </p:tav>
-                                      </p:tavLst>
-                                    </p:anim>
-                                    <p:anim calcmode="lin" valueType="num">
-                                      <p:cBhvr additive="base">
-                                        <p:cTn id="8" dur="500" fill="hold"/>
-                                        <p:tgtEl>
-                                          <p:spTgt spid="12"/>
-                                        </p:tgtEl>
-                                        <p:attrNameLst>
-                                          <p:attrName>ppt_y</p:attrName>
-                                        </p:attrNameLst>
-                                      </p:cBhvr>
-                                      <p:tavLst>
-                                        <p:tav tm="0">
-                                          <p:val>
-                                            <p:strVal val="1+#ppt_h/2"/>
-                                          </p:val>
-                                        </p:tav>
-                                        <p:tav tm="100000">
-                                          <p:val>
-                                            <p:strVal val="#ppt_y"/>
-                                          </p:val>
-                                        </p:tav>
-                                      </p:tavLst>
-                                    </p:anim>
-                                  </p:childTnLst>
-                                </p:cTn>
-                              </p:par>
-                              <p:par>
-                                <p:cTn id="9" presetID="22" presetClass="entr" presetSubtype="4" fill="hold" grpId="0" nodeType="withEffect">
-                                  <p:stCondLst>
-                                    <p:cond delay="0"/>
-                                  </p:stCondLst>
-                                  <p:childTnLst>
-                                    <p:set>
-                                      <p:cBhvr>
-                                        <p:cTn id="10" dur="1" fill="hold">
                                           <p:stCondLst>
                                             <p:cond delay="0"/>
                                           </p:stCondLst>
@@ -7828,7 +6383,7 @@
                                     </p:set>
                                     <p:animEffect transition="in" filter="wipe(down)">
                                       <p:cBhvr>
-                                        <p:cTn id="11" dur="500"/>
+                                        <p:cTn id="7" dur="500"/>
                                         <p:tgtEl>
                                           <p:spTgt spid="16"/>
                                         </p:tgtEl>
@@ -7837,154 +6392,15 @@
                                   </p:childTnLst>
                                 </p:cTn>
                               </p:par>
-                            </p:childTnLst>
-                          </p:cTn>
-                        </p:par>
-                      </p:childTnLst>
-                    </p:cTn>
-                  </p:par>
-                  <p:par>
-                    <p:cTn id="12" fill="hold">
-                      <p:stCondLst>
-                        <p:cond delay="indefinite"/>
-                      </p:stCondLst>
-                      <p:childTnLst>
-                        <p:par>
-                          <p:cTn id="13" fill="hold">
-                            <p:stCondLst>
-                              <p:cond delay="0"/>
-                            </p:stCondLst>
-                            <p:childTnLst>
                               <p:par>
-                                <p:cTn id="14" presetID="2" presetClass="entr" presetSubtype="4" fill="hold" grpId="0" nodeType="clickEffect">
+                                <p:cTn id="8" presetID="14" presetClass="entr" presetSubtype="10" fill="hold" grpId="0" nodeType="withEffect">
                                   <p:stCondLst>
                                     <p:cond delay="0"/>
                                   </p:stCondLst>
                                   <p:childTnLst>
                                     <p:set>
                                       <p:cBhvr>
-                                        <p:cTn id="15" dur="1" fill="hold">
-                                          <p:stCondLst>
-                                            <p:cond delay="0"/>
-                                          </p:stCondLst>
-                                        </p:cTn>
-                                        <p:tgtEl>
-                                          <p:spTgt spid="13"/>
-                                        </p:tgtEl>
-                                        <p:attrNameLst>
-                                          <p:attrName>style.visibility</p:attrName>
-                                        </p:attrNameLst>
-                                      </p:cBhvr>
-                                      <p:to>
-                                        <p:strVal val="visible"/>
-                                      </p:to>
-                                    </p:set>
-                                    <p:anim calcmode="lin" valueType="num">
-                                      <p:cBhvr additive="base">
-                                        <p:cTn id="16" dur="500" fill="hold"/>
-                                        <p:tgtEl>
-                                          <p:spTgt spid="13"/>
-                                        </p:tgtEl>
-                                        <p:attrNameLst>
-                                          <p:attrName>ppt_x</p:attrName>
-                                        </p:attrNameLst>
-                                      </p:cBhvr>
-                                      <p:tavLst>
-                                        <p:tav tm="0">
-                                          <p:val>
-                                            <p:strVal val="#ppt_x"/>
-                                          </p:val>
-                                        </p:tav>
-                                        <p:tav tm="100000">
-                                          <p:val>
-                                            <p:strVal val="#ppt_x"/>
-                                          </p:val>
-                                        </p:tav>
-                                      </p:tavLst>
-                                    </p:anim>
-                                    <p:anim calcmode="lin" valueType="num">
-                                      <p:cBhvr additive="base">
-                                        <p:cTn id="17" dur="500" fill="hold"/>
-                                        <p:tgtEl>
-                                          <p:spTgt spid="13"/>
-                                        </p:tgtEl>
-                                        <p:attrNameLst>
-                                          <p:attrName>ppt_y</p:attrName>
-                                        </p:attrNameLst>
-                                      </p:cBhvr>
-                                      <p:tavLst>
-                                        <p:tav tm="0">
-                                          <p:val>
-                                            <p:strVal val="1+#ppt_h/2"/>
-                                          </p:val>
-                                        </p:tav>
-                                        <p:tav tm="100000">
-                                          <p:val>
-                                            <p:strVal val="#ppt_y"/>
-                                          </p:val>
-                                        </p:tav>
-                                      </p:tavLst>
-                                    </p:anim>
-                                  </p:childTnLst>
-                                </p:cTn>
-                              </p:par>
-                            </p:childTnLst>
-                          </p:cTn>
-                        </p:par>
-                      </p:childTnLst>
-                    </p:cTn>
-                  </p:par>
-                </p:childTnLst>
-              </p:cTn>
-              <p:prevCondLst>
-                <p:cond evt="onPrev" delay="0">
-                  <p:tgtEl>
-                    <p:sldTgt/>
-                  </p:tgtEl>
-                </p:cond>
-              </p:prevCondLst>
-              <p:nextCondLst>
-                <p:cond evt="onNext" delay="0">
-                  <p:tgtEl>
-                    <p:sldTgt/>
-                  </p:tgtEl>
-                </p:cond>
-              </p:nextCondLst>
-            </p:seq>
-            <p:seq concurrent="1" nextAc="seek">
-              <p:cTn id="18" restart="whenNotActive" fill="hold" evtFilter="cancelBubble" nodeType="interactiveSeq">
-                <p:stCondLst>
-                  <p:cond evt="onClick" delay="0">
-                    <p:tgtEl>
-                      <p:spTgt spid="18"/>
-                    </p:tgtEl>
-                  </p:cond>
-                </p:stCondLst>
-                <p:endSync evt="end" delay="0">
-                  <p:rtn val="all"/>
-                </p:endSync>
-                <p:childTnLst>
-                  <p:par>
-                    <p:cTn id="19" fill="hold">
-                      <p:stCondLst>
-                        <p:cond delay="0"/>
-                      </p:stCondLst>
-                      <p:childTnLst>
-                        <p:par>
-                          <p:cTn id="20" fill="hold">
-                            <p:stCondLst>
-                              <p:cond delay="0"/>
-                            </p:stCondLst>
-                            <p:childTnLst>
-                              <p:par>
-                                <p:cTn id="21" presetID="2" presetClass="entr" presetSubtype="4" fill="hold" grpId="0" nodeType="clickEffect">
-                                  <p:stCondLst>
-                                    <p:cond delay="0"/>
-                                  </p:stCondLst>
-                                  <p:childTnLst>
-                                    <p:set>
-                                      <p:cBhvr>
-                                        <p:cTn id="22" dur="1" fill="hold">
+                                        <p:cTn id="9" dur="1" fill="hold">
                                           <p:stCondLst>
                                             <p:cond delay="0"/>
                                           </p:stCondLst>
@@ -8000,52 +6416,14 @@
                                         <p:strVal val="visible"/>
                                       </p:to>
                                     </p:set>
-                                    <p:anim calcmode="lin" valueType="num">
-                                      <p:cBhvr additive="base">
-                                        <p:cTn id="23" dur="500" fill="hold"/>
+                                    <p:animEffect transition="in" filter="randombar(horizontal)">
+                                      <p:cBhvr>
+                                        <p:cTn id="10" dur="500"/>
                                         <p:tgtEl>
                                           <p:spTgt spid="11"/>
                                         </p:tgtEl>
-                                        <p:attrNameLst>
-                                          <p:attrName>ppt_x</p:attrName>
-                                        </p:attrNameLst>
                                       </p:cBhvr>
-                                      <p:tavLst>
-                                        <p:tav tm="0">
-                                          <p:val>
-                                            <p:strVal val="#ppt_x"/>
-                                          </p:val>
-                                        </p:tav>
-                                        <p:tav tm="100000">
-                                          <p:val>
-                                            <p:strVal val="#ppt_x"/>
-                                          </p:val>
-                                        </p:tav>
-                                      </p:tavLst>
-                                    </p:anim>
-                                    <p:anim calcmode="lin" valueType="num">
-                                      <p:cBhvr additive="base">
-                                        <p:cTn id="24" dur="500" fill="hold"/>
-                                        <p:tgtEl>
-                                          <p:spTgt spid="11"/>
-                                        </p:tgtEl>
-                                        <p:attrNameLst>
-                                          <p:attrName>ppt_y</p:attrName>
-                                        </p:attrNameLst>
-                                      </p:cBhvr>
-                                      <p:tavLst>
-                                        <p:tav tm="0">
-                                          <p:val>
-                                            <p:strVal val="1+#ppt_h/2"/>
-                                          </p:val>
-                                        </p:tav>
-                                        <p:tav tm="100000">
-                                          <p:val>
-                                            <p:strVal val="#ppt_y"/>
-                                          </p:val>
-                                        </p:tav>
-                                      </p:tavLst>
-                                    </p:anim>
+                                    </p:animEffect>
                                   </p:childTnLst>
                                 </p:cTn>
                               </p:par>
@@ -8070,12 +6448,813 @@
       </p:par>
     </p:tnLst>
     <p:bldLst>
-      <p:bldP spid="12" grpId="0" animBg="1"/>
-      <p:bldP spid="13" grpId="0" animBg="1"/>
       <p:bldP spid="11" grpId="0" animBg="1"/>
       <p:bldP spid="16" grpId="0" animBg="1"/>
     </p:bldLst>
   </p:timing>
+</p:sld>
+</file>
+
+<file path=ppt/slides/slide18.xml><?xml version="1.0" encoding="utf-8"?>
+<p:sld xmlns:a="http://schemas.openxmlformats.org/drawingml/2006/main" xmlns:r="http://schemas.openxmlformats.org/officeDocument/2006/relationships" xmlns:p="http://schemas.openxmlformats.org/presentationml/2006/main">
+  <p:cSld>
+    <p:spTree>
+      <p:nvGrpSpPr>
+        <p:cNvPr id="1" name=""/>
+        <p:cNvGrpSpPr/>
+        <p:nvPr/>
+      </p:nvGrpSpPr>
+      <p:grpSpPr>
+        <a:xfrm>
+          <a:off x="0" y="0"/>
+          <a:ext cx="0" cy="0"/>
+          <a:chOff x="0" y="0"/>
+          <a:chExt cx="0" cy="0"/>
+        </a:xfrm>
+      </p:grpSpPr>
+      <p:pic>
+        <p:nvPicPr>
+          <p:cNvPr id="1026" name="Picture 2" descr="Pubg Winner Winner Chicken Dinner Transparent Image - Winner Winner Chicken  Dinner Png, Png Download , Transparent Png Image - PNGitem">
+            <a:hlinkClick r:id="rId2" action="ppaction://hlinksldjump"/>
+            <a:extLst>
+              <a:ext uri="{FF2B5EF4-FFF2-40B4-BE49-F238E27FC236}">
+                <a16:creationId xmlns:a16="http://schemas.microsoft.com/office/drawing/2014/main" id="{D79C4F43-ACAD-4C56-BAB1-B868D1FE82F0}"/>
+              </a:ext>
+            </a:extLst>
+          </p:cNvPr>
+          <p:cNvPicPr>
+            <a:picLocks noChangeAspect="1" noChangeArrowheads="1"/>
+          </p:cNvPicPr>
+          <p:nvPr/>
+        </p:nvPicPr>
+        <p:blipFill>
+          <a:blip r:embed="rId3">
+            <a:extLst>
+              <a:ext uri="{28A0092B-C50C-407E-A947-70E740481C1C}">
+                <a14:useLocalDpi xmlns:a14="http://schemas.microsoft.com/office/drawing/2010/main" val="0"/>
+              </a:ext>
+            </a:extLst>
+          </a:blip>
+          <a:srcRect/>
+          <a:stretch>
+            <a:fillRect/>
+          </a:stretch>
+        </p:blipFill>
+        <p:spPr bwMode="auto">
+          <a:xfrm>
+            <a:off x="0" y="-4506"/>
+            <a:ext cx="12192000" cy="6862506"/>
+          </a:xfrm>
+          <a:prstGeom prst="rect">
+            <a:avLst/>
+          </a:prstGeom>
+          <a:noFill/>
+          <a:extLst>
+            <a:ext uri="{909E8E84-426E-40DD-AFC4-6F175D3DCCD1}">
+              <a14:hiddenFill xmlns:a14="http://schemas.microsoft.com/office/drawing/2010/main">
+                <a:solidFill>
+                  <a:srgbClr val="FFFFFF"/>
+                </a:solidFill>
+              </a14:hiddenFill>
+            </a:ext>
+          </a:extLst>
+        </p:spPr>
+      </p:pic>
+      <p:sp>
+        <p:nvSpPr>
+          <p:cNvPr id="2" name="Заголовок 1">
+            <a:extLst>
+              <a:ext uri="{FF2B5EF4-FFF2-40B4-BE49-F238E27FC236}">
+                <a16:creationId xmlns:a16="http://schemas.microsoft.com/office/drawing/2014/main" id="{CF4456D1-33EA-4CEE-A0CF-778AF5A4EB82}"/>
+              </a:ext>
+            </a:extLst>
+          </p:cNvPr>
+          <p:cNvSpPr>
+            <a:spLocks noGrp="1"/>
+          </p:cNvSpPr>
+          <p:nvPr>
+            <p:ph type="title"/>
+          </p:nvPr>
+        </p:nvSpPr>
+        <p:spPr/>
+        <p:txBody>
+          <a:bodyPr/>
+          <a:lstStyle/>
+          <a:p>
+            <a:endParaRPr lang="ru-RU"/>
+          </a:p>
+        </p:txBody>
+      </p:sp>
+      <p:sp>
+        <p:nvSpPr>
+          <p:cNvPr id="3" name="Объект 2">
+            <a:extLst>
+              <a:ext uri="{FF2B5EF4-FFF2-40B4-BE49-F238E27FC236}">
+                <a16:creationId xmlns:a16="http://schemas.microsoft.com/office/drawing/2014/main" id="{380AEF1D-EDD7-48BD-9153-92C2C49A45F1}"/>
+              </a:ext>
+            </a:extLst>
+          </p:cNvPr>
+          <p:cNvSpPr>
+            <a:spLocks noGrp="1"/>
+          </p:cNvSpPr>
+          <p:nvPr>
+            <p:ph idx="1"/>
+          </p:nvPr>
+        </p:nvSpPr>
+        <p:spPr/>
+        <p:txBody>
+          <a:bodyPr/>
+          <a:lstStyle/>
+          <a:p>
+            <a:endParaRPr lang="ru-RU" dirty="0"/>
+          </a:p>
+        </p:txBody>
+      </p:sp>
+      <p:sp>
+        <p:nvSpPr>
+          <p:cNvPr id="5" name="Объект 5">
+            <a:extLst>
+              <a:ext uri="{FF2B5EF4-FFF2-40B4-BE49-F238E27FC236}">
+                <a16:creationId xmlns:a16="http://schemas.microsoft.com/office/drawing/2014/main" id="{4635CF88-A920-4FBE-BC93-590D19F26A6A}"/>
+              </a:ext>
+            </a:extLst>
+          </p:cNvPr>
+          <p:cNvSpPr txBox="1">
+            <a:spLocks/>
+          </p:cNvSpPr>
+          <p:nvPr/>
+        </p:nvSpPr>
+        <p:spPr>
+          <a:xfrm>
+            <a:off x="838200" y="3428999"/>
+            <a:ext cx="5544671" cy="2747963"/>
+          </a:xfrm>
+          <a:prstGeom prst="rect">
+            <a:avLst/>
+          </a:prstGeom>
+        </p:spPr>
+        <p:txBody>
+          <a:bodyPr vert="horz" lIns="91440" tIns="45720" rIns="91440" bIns="45720" rtlCol="0">
+            <a:normAutofit/>
+          </a:bodyPr>
+          <a:lstStyle>
+            <a:lvl1pPr marL="228600" indent="-228600" algn="l" defTabSz="914400" rtl="0" eaLnBrk="1" latinLnBrk="0" hangingPunct="1">
+              <a:lnSpc>
+                <a:spcPct val="90000"/>
+              </a:lnSpc>
+              <a:spcBef>
+                <a:spcPts val="1000"/>
+              </a:spcBef>
+              <a:buFont typeface="Arial" panose="020B0604020202020204" pitchFamily="34" charset="0"/>
+              <a:buChar char="•"/>
+              <a:defRPr sz="2800" kern="1200">
+                <a:solidFill>
+                  <a:schemeClr val="tx1"/>
+                </a:solidFill>
+                <a:latin typeface="+mn-lt"/>
+                <a:ea typeface="+mn-ea"/>
+                <a:cs typeface="+mn-cs"/>
+              </a:defRPr>
+            </a:lvl1pPr>
+            <a:lvl2pPr marL="685800" indent="-228600" algn="l" defTabSz="914400" rtl="0" eaLnBrk="1" latinLnBrk="0" hangingPunct="1">
+              <a:lnSpc>
+                <a:spcPct val="90000"/>
+              </a:lnSpc>
+              <a:spcBef>
+                <a:spcPts val="500"/>
+              </a:spcBef>
+              <a:buFont typeface="Arial" panose="020B0604020202020204" pitchFamily="34" charset="0"/>
+              <a:buChar char="•"/>
+              <a:defRPr sz="2400" kern="1200">
+                <a:solidFill>
+                  <a:schemeClr val="tx1"/>
+                </a:solidFill>
+                <a:latin typeface="+mn-lt"/>
+                <a:ea typeface="+mn-ea"/>
+                <a:cs typeface="+mn-cs"/>
+              </a:defRPr>
+            </a:lvl2pPr>
+            <a:lvl3pPr marL="1143000" indent="-228600" algn="l" defTabSz="914400" rtl="0" eaLnBrk="1" latinLnBrk="0" hangingPunct="1">
+              <a:lnSpc>
+                <a:spcPct val="90000"/>
+              </a:lnSpc>
+              <a:spcBef>
+                <a:spcPts val="500"/>
+              </a:spcBef>
+              <a:buFont typeface="Arial" panose="020B0604020202020204" pitchFamily="34" charset="0"/>
+              <a:buChar char="•"/>
+              <a:defRPr sz="2000" kern="1200">
+                <a:solidFill>
+                  <a:schemeClr val="tx1"/>
+                </a:solidFill>
+                <a:latin typeface="+mn-lt"/>
+                <a:ea typeface="+mn-ea"/>
+                <a:cs typeface="+mn-cs"/>
+              </a:defRPr>
+            </a:lvl3pPr>
+            <a:lvl4pPr marL="1600200" indent="-228600" algn="l" defTabSz="914400" rtl="0" eaLnBrk="1" latinLnBrk="0" hangingPunct="1">
+              <a:lnSpc>
+                <a:spcPct val="90000"/>
+              </a:lnSpc>
+              <a:spcBef>
+                <a:spcPts val="500"/>
+              </a:spcBef>
+              <a:buFont typeface="Arial" panose="020B0604020202020204" pitchFamily="34" charset="0"/>
+              <a:buChar char="•"/>
+              <a:defRPr sz="1800" kern="1200">
+                <a:solidFill>
+                  <a:schemeClr val="tx1"/>
+                </a:solidFill>
+                <a:latin typeface="+mn-lt"/>
+                <a:ea typeface="+mn-ea"/>
+                <a:cs typeface="+mn-cs"/>
+              </a:defRPr>
+            </a:lvl4pPr>
+            <a:lvl5pPr marL="2057400" indent="-228600" algn="l" defTabSz="914400" rtl="0" eaLnBrk="1" latinLnBrk="0" hangingPunct="1">
+              <a:lnSpc>
+                <a:spcPct val="90000"/>
+              </a:lnSpc>
+              <a:spcBef>
+                <a:spcPts val="500"/>
+              </a:spcBef>
+              <a:buFont typeface="Arial" panose="020B0604020202020204" pitchFamily="34" charset="0"/>
+              <a:buChar char="•"/>
+              <a:defRPr sz="1800" kern="1200">
+                <a:solidFill>
+                  <a:schemeClr val="tx1"/>
+                </a:solidFill>
+                <a:latin typeface="+mn-lt"/>
+                <a:ea typeface="+mn-ea"/>
+                <a:cs typeface="+mn-cs"/>
+              </a:defRPr>
+            </a:lvl5pPr>
+            <a:lvl6pPr marL="2514600" indent="-228600" algn="l" defTabSz="914400" rtl="0" eaLnBrk="1" latinLnBrk="0" hangingPunct="1">
+              <a:lnSpc>
+                <a:spcPct val="90000"/>
+              </a:lnSpc>
+              <a:spcBef>
+                <a:spcPts val="500"/>
+              </a:spcBef>
+              <a:buFont typeface="Arial" panose="020B0604020202020204" pitchFamily="34" charset="0"/>
+              <a:buChar char="•"/>
+              <a:defRPr sz="1800" kern="1200">
+                <a:solidFill>
+                  <a:schemeClr val="tx1"/>
+                </a:solidFill>
+                <a:latin typeface="+mn-lt"/>
+                <a:ea typeface="+mn-ea"/>
+                <a:cs typeface="+mn-cs"/>
+              </a:defRPr>
+            </a:lvl6pPr>
+            <a:lvl7pPr marL="2971800" indent="-228600" algn="l" defTabSz="914400" rtl="0" eaLnBrk="1" latinLnBrk="0" hangingPunct="1">
+              <a:lnSpc>
+                <a:spcPct val="90000"/>
+              </a:lnSpc>
+              <a:spcBef>
+                <a:spcPts val="500"/>
+              </a:spcBef>
+              <a:buFont typeface="Arial" panose="020B0604020202020204" pitchFamily="34" charset="0"/>
+              <a:buChar char="•"/>
+              <a:defRPr sz="1800" kern="1200">
+                <a:solidFill>
+                  <a:schemeClr val="tx1"/>
+                </a:solidFill>
+                <a:latin typeface="+mn-lt"/>
+                <a:ea typeface="+mn-ea"/>
+                <a:cs typeface="+mn-cs"/>
+              </a:defRPr>
+            </a:lvl7pPr>
+            <a:lvl8pPr marL="3429000" indent="-228600" algn="l" defTabSz="914400" rtl="0" eaLnBrk="1" latinLnBrk="0" hangingPunct="1">
+              <a:lnSpc>
+                <a:spcPct val="90000"/>
+              </a:lnSpc>
+              <a:spcBef>
+                <a:spcPts val="500"/>
+              </a:spcBef>
+              <a:buFont typeface="Arial" panose="020B0604020202020204" pitchFamily="34" charset="0"/>
+              <a:buChar char="•"/>
+              <a:defRPr sz="1800" kern="1200">
+                <a:solidFill>
+                  <a:schemeClr val="tx1"/>
+                </a:solidFill>
+                <a:latin typeface="+mn-lt"/>
+                <a:ea typeface="+mn-ea"/>
+                <a:cs typeface="+mn-cs"/>
+              </a:defRPr>
+            </a:lvl8pPr>
+            <a:lvl9pPr marL="3886200" indent="-228600" algn="l" defTabSz="914400" rtl="0" eaLnBrk="1" latinLnBrk="0" hangingPunct="1">
+              <a:lnSpc>
+                <a:spcPct val="90000"/>
+              </a:lnSpc>
+              <a:spcBef>
+                <a:spcPts val="500"/>
+              </a:spcBef>
+              <a:buFont typeface="Arial" panose="020B0604020202020204" pitchFamily="34" charset="0"/>
+              <a:buChar char="•"/>
+              <a:defRPr sz="1800" kern="1200">
+                <a:solidFill>
+                  <a:schemeClr val="tx1"/>
+                </a:solidFill>
+                <a:latin typeface="+mn-lt"/>
+                <a:ea typeface="+mn-ea"/>
+                <a:cs typeface="+mn-cs"/>
+              </a:defRPr>
+            </a:lvl9pPr>
+          </a:lstStyle>
+          <a:p>
+            <a:endParaRPr lang="en-US" dirty="0"/>
+          </a:p>
+          <a:p>
+            <a:endParaRPr lang="en-US" dirty="0"/>
+          </a:p>
+          <a:p>
+            <a:endParaRPr lang="en-US" dirty="0"/>
+          </a:p>
+          <a:p>
+            <a:endParaRPr lang="en-US" dirty="0"/>
+          </a:p>
+          <a:p>
+            <a:r>
+              <a:rPr lang="ru-RU" dirty="0"/>
+              <a:t>Перейти к карте</a:t>
+            </a:r>
+          </a:p>
+        </p:txBody>
+      </p:sp>
+      <p:pic>
+        <p:nvPicPr>
+          <p:cNvPr id="6" name="Picture 2" descr="Picture background">
+            <a:hlinkClick r:id="rId2" action="ppaction://hlinksldjump"/>
+            <a:extLst>
+              <a:ext uri="{FF2B5EF4-FFF2-40B4-BE49-F238E27FC236}">
+                <a16:creationId xmlns:a16="http://schemas.microsoft.com/office/drawing/2014/main" id="{ED9D1848-F075-4C8B-87CE-5F921E70FA54}"/>
+              </a:ext>
+            </a:extLst>
+          </p:cNvPr>
+          <p:cNvPicPr>
+            <a:picLocks noChangeAspect="1" noChangeArrowheads="1"/>
+          </p:cNvPicPr>
+          <p:nvPr/>
+        </p:nvPicPr>
+        <p:blipFill>
+          <a:blip r:embed="rId4">
+            <a:extLst>
+              <a:ext uri="{28A0092B-C50C-407E-A947-70E740481C1C}">
+                <a14:useLocalDpi xmlns:a14="http://schemas.microsoft.com/office/drawing/2010/main" val="0"/>
+              </a:ext>
+            </a:extLst>
+          </a:blip>
+          <a:srcRect/>
+          <a:stretch>
+            <a:fillRect/>
+          </a:stretch>
+        </p:blipFill>
+        <p:spPr bwMode="auto">
+          <a:xfrm>
+            <a:off x="3420036" y="4740275"/>
+            <a:ext cx="1752600" cy="1752600"/>
+          </a:xfrm>
+          <a:prstGeom prst="rect">
+            <a:avLst/>
+          </a:prstGeom>
+          <a:noFill/>
+          <a:extLst>
+            <a:ext uri="{909E8E84-426E-40DD-AFC4-6F175D3DCCD1}">
+              <a14:hiddenFill xmlns:a14="http://schemas.microsoft.com/office/drawing/2010/main">
+                <a:solidFill>
+                  <a:srgbClr val="FFFFFF"/>
+                </a:solidFill>
+              </a14:hiddenFill>
+            </a:ext>
+          </a:extLst>
+        </p:spPr>
+      </p:pic>
+    </p:spTree>
+    <p:extLst>
+      <p:ext uri="{BB962C8B-B14F-4D97-AF65-F5344CB8AC3E}">
+        <p14:creationId xmlns:p14="http://schemas.microsoft.com/office/powerpoint/2010/main" val="4038504365"/>
+      </p:ext>
+    </p:extLst>
+  </p:cSld>
+  <p:clrMapOvr>
+    <a:masterClrMapping/>
+  </p:clrMapOvr>
+</p:sld>
+</file>
+
+<file path=ppt/slides/slide19.xml><?xml version="1.0" encoding="utf-8"?>
+<p:sld xmlns:a="http://schemas.openxmlformats.org/drawingml/2006/main" xmlns:r="http://schemas.openxmlformats.org/officeDocument/2006/relationships" xmlns:p="http://schemas.openxmlformats.org/presentationml/2006/main">
+  <p:cSld>
+    <p:spTree>
+      <p:nvGrpSpPr>
+        <p:cNvPr id="1" name=""/>
+        <p:cNvGrpSpPr/>
+        <p:nvPr/>
+      </p:nvGrpSpPr>
+      <p:grpSpPr>
+        <a:xfrm>
+          <a:off x="0" y="0"/>
+          <a:ext cx="0" cy="0"/>
+          <a:chOff x="0" y="0"/>
+          <a:chExt cx="0" cy="0"/>
+        </a:xfrm>
+      </p:grpSpPr>
+      <p:sp>
+        <p:nvSpPr>
+          <p:cNvPr id="2" name="Заголовок 1">
+            <a:extLst>
+              <a:ext uri="{FF2B5EF4-FFF2-40B4-BE49-F238E27FC236}">
+                <a16:creationId xmlns:a16="http://schemas.microsoft.com/office/drawing/2014/main" id="{17819CDD-EB3C-4941-B8F9-3FBA2B8C0842}"/>
+              </a:ext>
+            </a:extLst>
+          </p:cNvPr>
+          <p:cNvSpPr>
+            <a:spLocks noGrp="1"/>
+          </p:cNvSpPr>
+          <p:nvPr>
+            <p:ph type="title"/>
+          </p:nvPr>
+        </p:nvSpPr>
+        <p:spPr/>
+        <p:txBody>
+          <a:bodyPr/>
+          <a:lstStyle/>
+          <a:p>
+            <a:r>
+              <a:rPr lang="ru-RU" dirty="0"/>
+              <a:t>Создание коллекций</a:t>
+            </a:r>
+          </a:p>
+        </p:txBody>
+      </p:sp>
+      <p:pic>
+        <p:nvPicPr>
+          <p:cNvPr id="4" name="Объект 3">
+            <a:extLst>
+              <a:ext uri="{FF2B5EF4-FFF2-40B4-BE49-F238E27FC236}">
+                <a16:creationId xmlns:a16="http://schemas.microsoft.com/office/drawing/2014/main" id="{B653F12C-AF37-4A31-9DFE-2EC4EA0A09B3}"/>
+              </a:ext>
+            </a:extLst>
+          </p:cNvPr>
+          <p:cNvPicPr>
+            <a:picLocks noGrp="1" noChangeAspect="1"/>
+          </p:cNvPicPr>
+          <p:nvPr>
+            <p:ph idx="1"/>
+          </p:nvPr>
+        </p:nvPicPr>
+        <p:blipFill>
+          <a:blip r:embed="rId2"/>
+          <a:stretch>
+            <a:fillRect/>
+          </a:stretch>
+        </p:blipFill>
+        <p:spPr>
+          <a:xfrm>
+            <a:off x="838201" y="1394534"/>
+            <a:ext cx="4728882" cy="3047999"/>
+          </a:xfrm>
+          <a:prstGeom prst="rect">
+            <a:avLst/>
+          </a:prstGeom>
+        </p:spPr>
+      </p:pic>
+      <p:pic>
+        <p:nvPicPr>
+          <p:cNvPr id="5" name="Рисунок 4">
+            <a:extLst>
+              <a:ext uri="{FF2B5EF4-FFF2-40B4-BE49-F238E27FC236}">
+                <a16:creationId xmlns:a16="http://schemas.microsoft.com/office/drawing/2014/main" id="{4B956323-E642-4C55-B046-B8F3F5ECE8E8}"/>
+              </a:ext>
+            </a:extLst>
+          </p:cNvPr>
+          <p:cNvPicPr>
+            <a:picLocks noChangeAspect="1"/>
+          </p:cNvPicPr>
+          <p:nvPr/>
+        </p:nvPicPr>
+        <p:blipFill>
+          <a:blip r:embed="rId3"/>
+          <a:stretch>
+            <a:fillRect/>
+          </a:stretch>
+        </p:blipFill>
+        <p:spPr>
+          <a:xfrm>
+            <a:off x="6302188" y="1394535"/>
+            <a:ext cx="4522694" cy="3046188"/>
+          </a:xfrm>
+          <a:prstGeom prst="rect">
+            <a:avLst/>
+          </a:prstGeom>
+        </p:spPr>
+      </p:pic>
+      <p:sp>
+        <p:nvSpPr>
+          <p:cNvPr id="6" name="Прямоугольник 5">
+            <a:extLst>
+              <a:ext uri="{FF2B5EF4-FFF2-40B4-BE49-F238E27FC236}">
+                <a16:creationId xmlns:a16="http://schemas.microsoft.com/office/drawing/2014/main" id="{92B88838-C610-4AFC-9997-2D9180FD5A22}"/>
+              </a:ext>
+            </a:extLst>
+          </p:cNvPr>
+          <p:cNvSpPr/>
+          <p:nvPr/>
+        </p:nvSpPr>
+        <p:spPr>
+          <a:xfrm>
+            <a:off x="1165411" y="2612520"/>
+            <a:ext cx="1210235" cy="215153"/>
+          </a:xfrm>
+          <a:prstGeom prst="rect">
+            <a:avLst/>
+          </a:prstGeom>
+          <a:noFill/>
+          <a:ln w="38100">
+            <a:solidFill>
+              <a:srgbClr val="FF0000"/>
+            </a:solidFill>
+          </a:ln>
+        </p:spPr>
+        <p:style>
+          <a:lnRef idx="2">
+            <a:schemeClr val="accent6"/>
+          </a:lnRef>
+          <a:fillRef idx="1">
+            <a:schemeClr val="lt1"/>
+          </a:fillRef>
+          <a:effectRef idx="0">
+            <a:schemeClr val="accent6"/>
+          </a:effectRef>
+          <a:fontRef idx="minor">
+            <a:schemeClr val="dk1"/>
+          </a:fontRef>
+        </p:style>
+        <p:txBody>
+          <a:bodyPr rtlCol="0" anchor="ctr"/>
+          <a:lstStyle/>
+          <a:p>
+            <a:pPr algn="ctr"/>
+            <a:endParaRPr lang="ru-RU"/>
+          </a:p>
+        </p:txBody>
+      </p:sp>
+      <p:sp>
+        <p:nvSpPr>
+          <p:cNvPr id="7" name="Прямоугольник 6">
+            <a:extLst>
+              <a:ext uri="{FF2B5EF4-FFF2-40B4-BE49-F238E27FC236}">
+                <a16:creationId xmlns:a16="http://schemas.microsoft.com/office/drawing/2014/main" id="{4E6252F3-7155-4BE1-B964-D77B686BBA0B}"/>
+              </a:ext>
+            </a:extLst>
+          </p:cNvPr>
+          <p:cNvSpPr/>
+          <p:nvPr/>
+        </p:nvSpPr>
+        <p:spPr>
+          <a:xfrm>
+            <a:off x="7100044" y="2577543"/>
+            <a:ext cx="2259107" cy="292045"/>
+          </a:xfrm>
+          <a:prstGeom prst="rect">
+            <a:avLst/>
+          </a:prstGeom>
+          <a:noFill/>
+          <a:ln w="38100">
+            <a:solidFill>
+              <a:srgbClr val="FF0000"/>
+            </a:solidFill>
+          </a:ln>
+        </p:spPr>
+        <p:style>
+          <a:lnRef idx="2">
+            <a:schemeClr val="accent6"/>
+          </a:lnRef>
+          <a:fillRef idx="1">
+            <a:schemeClr val="lt1"/>
+          </a:fillRef>
+          <a:effectRef idx="0">
+            <a:schemeClr val="accent6"/>
+          </a:effectRef>
+          <a:fontRef idx="minor">
+            <a:schemeClr val="dk1"/>
+          </a:fontRef>
+        </p:style>
+        <p:txBody>
+          <a:bodyPr rtlCol="0" anchor="ctr"/>
+          <a:lstStyle/>
+          <a:p>
+            <a:pPr algn="ctr"/>
+            <a:endParaRPr lang="ru-RU"/>
+          </a:p>
+        </p:txBody>
+      </p:sp>
+      <p:cxnSp>
+        <p:nvCxnSpPr>
+          <p:cNvPr id="9" name="Прямая со стрелкой 8">
+            <a:extLst>
+              <a:ext uri="{FF2B5EF4-FFF2-40B4-BE49-F238E27FC236}">
+                <a16:creationId xmlns:a16="http://schemas.microsoft.com/office/drawing/2014/main" id="{2C65AB02-34DC-4AF6-AC65-8FEE4579E5C2}"/>
+              </a:ext>
+            </a:extLst>
+          </p:cNvPr>
+          <p:cNvCxnSpPr>
+            <a:cxnSpLocks/>
+          </p:cNvCxnSpPr>
+          <p:nvPr/>
+        </p:nvCxnSpPr>
+        <p:spPr>
+          <a:xfrm flipH="1">
+            <a:off x="1900518" y="2008168"/>
+            <a:ext cx="600635" cy="286872"/>
+          </a:xfrm>
+          <a:prstGeom prst="straightConnector1">
+            <a:avLst/>
+          </a:prstGeom>
+          <a:ln w="38100">
+            <a:solidFill>
+              <a:srgbClr val="FF0000"/>
+            </a:solidFill>
+            <a:tailEnd type="triangle"/>
+          </a:ln>
+        </p:spPr>
+        <p:style>
+          <a:lnRef idx="1">
+            <a:schemeClr val="accent1"/>
+          </a:lnRef>
+          <a:fillRef idx="0">
+            <a:schemeClr val="accent1"/>
+          </a:fillRef>
+          <a:effectRef idx="0">
+            <a:schemeClr val="accent1"/>
+          </a:effectRef>
+          <a:fontRef idx="minor">
+            <a:schemeClr val="tx1"/>
+          </a:fontRef>
+        </p:style>
+      </p:cxnSp>
+      <p:sp>
+        <p:nvSpPr>
+          <p:cNvPr id="11" name="TextBox 10">
+            <a:extLst>
+              <a:ext uri="{FF2B5EF4-FFF2-40B4-BE49-F238E27FC236}">
+                <a16:creationId xmlns:a16="http://schemas.microsoft.com/office/drawing/2014/main" id="{BA01CE5E-76FC-407D-A0E4-7709AB3D16A4}"/>
+              </a:ext>
+            </a:extLst>
+          </p:cNvPr>
+          <p:cNvSpPr txBox="1"/>
+          <p:nvPr/>
+        </p:nvSpPr>
+        <p:spPr>
+          <a:xfrm>
+            <a:off x="2501153" y="1782272"/>
+            <a:ext cx="359394" cy="369332"/>
+          </a:xfrm>
+          <a:prstGeom prst="rect">
+            <a:avLst/>
+          </a:prstGeom>
+          <a:noFill/>
+        </p:spPr>
+        <p:txBody>
+          <a:bodyPr wrap="none" rtlCol="0">
+            <a:spAutoFit/>
+          </a:bodyPr>
+          <a:lstStyle/>
+          <a:p>
+            <a:r>
+              <a:rPr lang="ru-RU" dirty="0"/>
+              <a:t>1.</a:t>
+            </a:r>
+          </a:p>
+        </p:txBody>
+      </p:sp>
+      <p:sp>
+        <p:nvSpPr>
+          <p:cNvPr id="12" name="TextBox 11">
+            <a:extLst>
+              <a:ext uri="{FF2B5EF4-FFF2-40B4-BE49-F238E27FC236}">
+                <a16:creationId xmlns:a16="http://schemas.microsoft.com/office/drawing/2014/main" id="{37DB4172-2778-409D-B40D-DDB83B3D0830}"/>
+              </a:ext>
+            </a:extLst>
+          </p:cNvPr>
+          <p:cNvSpPr txBox="1"/>
+          <p:nvPr/>
+        </p:nvSpPr>
+        <p:spPr>
+          <a:xfrm>
+            <a:off x="2321456" y="2392877"/>
+            <a:ext cx="359394" cy="369332"/>
+          </a:xfrm>
+          <a:prstGeom prst="rect">
+            <a:avLst/>
+          </a:prstGeom>
+          <a:noFill/>
+        </p:spPr>
+        <p:txBody>
+          <a:bodyPr wrap="none" rtlCol="0">
+            <a:spAutoFit/>
+          </a:bodyPr>
+          <a:lstStyle/>
+          <a:p>
+            <a:r>
+              <a:rPr lang="ru-RU" dirty="0"/>
+              <a:t>2.</a:t>
+            </a:r>
+          </a:p>
+        </p:txBody>
+      </p:sp>
+      <p:sp>
+        <p:nvSpPr>
+          <p:cNvPr id="13" name="TextBox 12">
+            <a:extLst>
+              <a:ext uri="{FF2B5EF4-FFF2-40B4-BE49-F238E27FC236}">
+                <a16:creationId xmlns:a16="http://schemas.microsoft.com/office/drawing/2014/main" id="{3CF3A71A-AE6B-4568-AC7B-B5B3E3D4A773}"/>
+              </a:ext>
+            </a:extLst>
+          </p:cNvPr>
+          <p:cNvSpPr txBox="1"/>
+          <p:nvPr/>
+        </p:nvSpPr>
+        <p:spPr>
+          <a:xfrm>
+            <a:off x="8999757" y="2243188"/>
+            <a:ext cx="359394" cy="369332"/>
+          </a:xfrm>
+          <a:prstGeom prst="rect">
+            <a:avLst/>
+          </a:prstGeom>
+          <a:noFill/>
+        </p:spPr>
+        <p:txBody>
+          <a:bodyPr wrap="none" rtlCol="0">
+            <a:spAutoFit/>
+          </a:bodyPr>
+          <a:lstStyle/>
+          <a:p>
+            <a:r>
+              <a:rPr lang="ru-RU" dirty="0"/>
+              <a:t>3.</a:t>
+            </a:r>
+          </a:p>
+        </p:txBody>
+      </p:sp>
+      <p:sp>
+        <p:nvSpPr>
+          <p:cNvPr id="17" name="Стрелка: влево 3">
+            <a:hlinkClick r:id="rId4" action="ppaction://hlinksldjump"/>
+            <a:extLst>
+              <a:ext uri="{FF2B5EF4-FFF2-40B4-BE49-F238E27FC236}">
+                <a16:creationId xmlns:a16="http://schemas.microsoft.com/office/drawing/2014/main" id="{55536A4C-BC6F-4F3D-8693-DF446C8F1A4A}"/>
+              </a:ext>
+            </a:extLst>
+          </p:cNvPr>
+          <p:cNvSpPr/>
+          <p:nvPr/>
+        </p:nvSpPr>
+        <p:spPr>
+          <a:xfrm rot="10800000">
+            <a:off x="11183471" y="5999400"/>
+            <a:ext cx="1008529" cy="858600"/>
+          </a:xfrm>
+          <a:prstGeom prst="leftArrow">
+            <a:avLst/>
+          </a:prstGeom>
+        </p:spPr>
+        <p:style>
+          <a:lnRef idx="2">
+            <a:schemeClr val="dk1">
+              <a:shade val="50000"/>
+            </a:schemeClr>
+          </a:lnRef>
+          <a:fillRef idx="1">
+            <a:schemeClr val="dk1"/>
+          </a:fillRef>
+          <a:effectRef idx="0">
+            <a:schemeClr val="dk1"/>
+          </a:effectRef>
+          <a:fontRef idx="minor">
+            <a:schemeClr val="lt1"/>
+          </a:fontRef>
+        </p:style>
+        <p:txBody>
+          <a:bodyPr rtlCol="0" anchor="ctr"/>
+          <a:lstStyle/>
+          <a:p>
+            <a:pPr algn="ctr"/>
+            <a:endParaRPr lang="ru-RU" dirty="0"/>
+          </a:p>
+        </p:txBody>
+      </p:sp>
+    </p:spTree>
+    <p:extLst>
+      <p:ext uri="{BB962C8B-B14F-4D97-AF65-F5344CB8AC3E}">
+        <p14:creationId xmlns:p14="http://schemas.microsoft.com/office/powerpoint/2010/main" val="2121179308"/>
+      </p:ext>
+    </p:extLst>
+  </p:cSld>
+  <p:clrMapOvr>
+    <a:masterClrMapping/>
+  </p:clrMapOvr>
 </p:sld>
 </file>
 
@@ -8211,7 +7390,7 @@
         </p:blipFill>
         <p:spPr>
           <a:xfrm>
-            <a:off x="1167810" y="3134266"/>
+            <a:off x="1167809" y="3580363"/>
             <a:ext cx="2220159" cy="2220159"/>
           </a:xfrm>
           <a:prstGeom prst="rect">
@@ -8227,7 +7406,7 @@
         </p:nvSpPr>
         <p:spPr>
           <a:xfrm>
-            <a:off x="1104116" y="2611046"/>
+            <a:off x="1016192" y="2905780"/>
             <a:ext cx="2523392" cy="523220"/>
           </a:xfrm>
           <a:prstGeom prst="rect">
@@ -8271,7 +7450,7 @@
         </p:blipFill>
         <p:spPr>
           <a:xfrm>
-            <a:off x="7652529" y="510587"/>
+            <a:off x="7763505" y="1561390"/>
             <a:ext cx="2220159" cy="2220159"/>
           </a:xfrm>
           <a:prstGeom prst="rect">
@@ -8287,7 +7466,7 @@
         </p:nvSpPr>
         <p:spPr>
           <a:xfrm>
-            <a:off x="7523966" y="57706"/>
+            <a:off x="7675583" y="1038170"/>
             <a:ext cx="2523392" cy="523220"/>
           </a:xfrm>
           <a:prstGeom prst="rect">
@@ -8305,6 +7484,152 @@
             <a:r>
               <a:rPr lang="ru-RU" sz="2800" b="1" dirty="0"/>
               <a:t>Тест(ур.3)</a:t>
+            </a:r>
+          </a:p>
+        </p:txBody>
+      </p:sp>
+      <p:pic>
+        <p:nvPicPr>
+          <p:cNvPr id="9" name="Рисунок 8">
+            <a:hlinkClick r:id="rId6" action="ppaction://hlinksldjump"/>
+            <a:extLst>
+              <a:ext uri="{FF2B5EF4-FFF2-40B4-BE49-F238E27FC236}">
+                <a16:creationId xmlns:a16="http://schemas.microsoft.com/office/drawing/2014/main" id="{874C0E4A-A9D5-4E70-909E-0F6033720291}"/>
+              </a:ext>
+            </a:extLst>
+          </p:cNvPr>
+          <p:cNvPicPr>
+            <a:picLocks noChangeAspect="1"/>
+          </p:cNvPicPr>
+          <p:nvPr/>
+        </p:nvPicPr>
+        <p:blipFill>
+          <a:blip r:embed="rId4" cstate="print">
+            <a:extLst>
+              <a:ext uri="{28A0092B-C50C-407E-A947-70E740481C1C}">
+                <a14:useLocalDpi xmlns:a14="http://schemas.microsoft.com/office/drawing/2010/main" val="0"/>
+              </a:ext>
+            </a:extLst>
+          </a:blip>
+          <a:stretch>
+            <a:fillRect/>
+          </a:stretch>
+        </p:blipFill>
+        <p:spPr>
+          <a:xfrm>
+            <a:off x="2402365" y="792082"/>
+            <a:ext cx="1962335" cy="1962335"/>
+          </a:xfrm>
+          <a:prstGeom prst="rect">
+            <a:avLst/>
+          </a:prstGeom>
+        </p:spPr>
+      </p:pic>
+      <p:pic>
+        <p:nvPicPr>
+          <p:cNvPr id="11" name="Рисунок 10">
+            <a:hlinkClick r:id="rId7" action="ppaction://hlinksldjump"/>
+            <a:extLst>
+              <a:ext uri="{FF2B5EF4-FFF2-40B4-BE49-F238E27FC236}">
+                <a16:creationId xmlns:a16="http://schemas.microsoft.com/office/drawing/2014/main" id="{74FC703B-EED4-43C1-BCFC-DF4041C18E7A}"/>
+              </a:ext>
+            </a:extLst>
+          </p:cNvPr>
+          <p:cNvPicPr>
+            <a:picLocks noChangeAspect="1"/>
+          </p:cNvPicPr>
+          <p:nvPr/>
+        </p:nvPicPr>
+        <p:blipFill>
+          <a:blip r:embed="rId4" cstate="print">
+            <a:extLst>
+              <a:ext uri="{28A0092B-C50C-407E-A947-70E740481C1C}">
+                <a14:useLocalDpi xmlns:a14="http://schemas.microsoft.com/office/drawing/2010/main" val="0"/>
+              </a:ext>
+            </a:extLst>
+          </a:blip>
+          <a:stretch>
+            <a:fillRect/>
+          </a:stretch>
+        </p:blipFill>
+        <p:spPr>
+          <a:xfrm>
+            <a:off x="6652898" y="321750"/>
+            <a:ext cx="1120846" cy="1120846"/>
+          </a:xfrm>
+          <a:prstGeom prst="rect">
+            <a:avLst/>
+          </a:prstGeom>
+        </p:spPr>
+      </p:pic>
+      <p:sp>
+        <p:nvSpPr>
+          <p:cNvPr id="12" name="TextBox 11">
+            <a:extLst>
+              <a:ext uri="{FF2B5EF4-FFF2-40B4-BE49-F238E27FC236}">
+                <a16:creationId xmlns:a16="http://schemas.microsoft.com/office/drawing/2014/main" id="{B3C7C9D5-6FFC-401F-9784-C0F90C93501F}"/>
+              </a:ext>
+            </a:extLst>
+          </p:cNvPr>
+          <p:cNvSpPr txBox="1"/>
+          <p:nvPr/>
+        </p:nvSpPr>
+        <p:spPr>
+          <a:xfrm>
+            <a:off x="1347542" y="-81012"/>
+            <a:ext cx="4071979" cy="954107"/>
+          </a:xfrm>
+          <a:prstGeom prst="rect">
+            <a:avLst/>
+          </a:prstGeom>
+          <a:noFill/>
+        </p:spPr>
+        <p:txBody>
+          <a:bodyPr wrap="square" rtlCol="0">
+            <a:spAutoFit/>
+          </a:bodyPr>
+          <a:lstStyle/>
+          <a:p>
+            <a:pPr algn="ctr"/>
+            <a:r>
+              <a:rPr lang="ru-RU" sz="2800" b="1" dirty="0"/>
+              <a:t>Практика. Коллекции(ур.4)</a:t>
+            </a:r>
+          </a:p>
+        </p:txBody>
+      </p:sp>
+      <p:sp>
+        <p:nvSpPr>
+          <p:cNvPr id="17" name="TextBox 16">
+            <a:extLst>
+              <a:ext uri="{FF2B5EF4-FFF2-40B4-BE49-F238E27FC236}">
+                <a16:creationId xmlns:a16="http://schemas.microsoft.com/office/drawing/2014/main" id="{FD149839-5C52-4C16-8638-C7D1CC57B5F6}"/>
+              </a:ext>
+            </a:extLst>
+          </p:cNvPr>
+          <p:cNvSpPr txBox="1"/>
+          <p:nvPr/>
+        </p:nvSpPr>
+        <p:spPr>
+          <a:xfrm>
+            <a:off x="6204266" y="-127179"/>
+            <a:ext cx="4159821" cy="523220"/>
+          </a:xfrm>
+          <a:prstGeom prst="rect">
+            <a:avLst/>
+          </a:prstGeom>
+          <a:noFill/>
+        </p:spPr>
+        <p:txBody>
+          <a:bodyPr wrap="square" rtlCol="0">
+            <a:spAutoFit/>
+          </a:bodyPr>
+          <a:lstStyle/>
+          <a:p>
+            <a:pPr algn="ctr"/>
+            <a:r>
+              <a:rPr lang="ru-RU" sz="2800" b="1" dirty="0"/>
+              <a:t>Практика. Запросы(ур.5)</a:t>
             </a:r>
           </a:p>
         </p:txBody>
@@ -8313,6 +7638,1366 @@
     <p:extLst>
       <p:ext uri="{BB962C8B-B14F-4D97-AF65-F5344CB8AC3E}">
         <p14:creationId xmlns:p14="http://schemas.microsoft.com/office/powerpoint/2010/main" val="2259443627"/>
+      </p:ext>
+    </p:extLst>
+  </p:cSld>
+  <p:clrMapOvr>
+    <a:masterClrMapping/>
+  </p:clrMapOvr>
+</p:sld>
+</file>
+
+<file path=ppt/slides/slide20.xml><?xml version="1.0" encoding="utf-8"?>
+<p:sld xmlns:a="http://schemas.openxmlformats.org/drawingml/2006/main" xmlns:r="http://schemas.openxmlformats.org/officeDocument/2006/relationships" xmlns:p="http://schemas.openxmlformats.org/presentationml/2006/main">
+  <p:cSld>
+    <p:spTree>
+      <p:nvGrpSpPr>
+        <p:cNvPr id="1" name=""/>
+        <p:cNvGrpSpPr/>
+        <p:nvPr/>
+      </p:nvGrpSpPr>
+      <p:grpSpPr>
+        <a:xfrm>
+          <a:off x="0" y="0"/>
+          <a:ext cx="0" cy="0"/>
+          <a:chOff x="0" y="0"/>
+          <a:chExt cx="0" cy="0"/>
+        </a:xfrm>
+      </p:grpSpPr>
+      <p:sp>
+        <p:nvSpPr>
+          <p:cNvPr id="2" name="Заголовок 1">
+            <a:extLst>
+              <a:ext uri="{FF2B5EF4-FFF2-40B4-BE49-F238E27FC236}">
+                <a16:creationId xmlns:a16="http://schemas.microsoft.com/office/drawing/2014/main" id="{17819CDD-EB3C-4941-B8F9-3FBA2B8C0842}"/>
+              </a:ext>
+            </a:extLst>
+          </p:cNvPr>
+          <p:cNvSpPr>
+            <a:spLocks noGrp="1"/>
+          </p:cNvSpPr>
+          <p:nvPr>
+            <p:ph type="title"/>
+          </p:nvPr>
+        </p:nvSpPr>
+        <p:spPr/>
+        <p:txBody>
+          <a:bodyPr/>
+          <a:lstStyle/>
+          <a:p>
+            <a:r>
+              <a:rPr lang="ru-RU" dirty="0"/>
+              <a:t>Создание запросов</a:t>
+            </a:r>
+          </a:p>
+        </p:txBody>
+      </p:sp>
+      <p:pic>
+        <p:nvPicPr>
+          <p:cNvPr id="4" name="Объект 3">
+            <a:extLst>
+              <a:ext uri="{FF2B5EF4-FFF2-40B4-BE49-F238E27FC236}">
+                <a16:creationId xmlns:a16="http://schemas.microsoft.com/office/drawing/2014/main" id="{1208CDB5-04B0-4A2C-9EA9-D44AC2DD4235}"/>
+              </a:ext>
+            </a:extLst>
+          </p:cNvPr>
+          <p:cNvPicPr>
+            <a:picLocks noGrp="1" noChangeAspect="1"/>
+          </p:cNvPicPr>
+          <p:nvPr>
+            <p:ph idx="1"/>
+          </p:nvPr>
+        </p:nvPicPr>
+        <p:blipFill>
+          <a:blip r:embed="rId2"/>
+          <a:stretch>
+            <a:fillRect/>
+          </a:stretch>
+        </p:blipFill>
+        <p:spPr>
+          <a:xfrm>
+            <a:off x="434788" y="1298155"/>
+            <a:ext cx="3635189" cy="3755309"/>
+          </a:xfrm>
+          <a:prstGeom prst="rect">
+            <a:avLst/>
+          </a:prstGeom>
+        </p:spPr>
+      </p:pic>
+      <p:sp>
+        <p:nvSpPr>
+          <p:cNvPr id="5" name="Прямоугольник 4">
+            <a:extLst>
+              <a:ext uri="{FF2B5EF4-FFF2-40B4-BE49-F238E27FC236}">
+                <a16:creationId xmlns:a16="http://schemas.microsoft.com/office/drawing/2014/main" id="{FEBA74AB-537F-467B-A263-73D539725D45}"/>
+              </a:ext>
+            </a:extLst>
+          </p:cNvPr>
+          <p:cNvSpPr/>
+          <p:nvPr/>
+        </p:nvSpPr>
+        <p:spPr>
+          <a:xfrm>
+            <a:off x="1810871" y="4761419"/>
+            <a:ext cx="1470212" cy="292045"/>
+          </a:xfrm>
+          <a:prstGeom prst="rect">
+            <a:avLst/>
+          </a:prstGeom>
+          <a:noFill/>
+          <a:ln w="38100">
+            <a:solidFill>
+              <a:srgbClr val="FF0000"/>
+            </a:solidFill>
+          </a:ln>
+        </p:spPr>
+        <p:style>
+          <a:lnRef idx="2">
+            <a:schemeClr val="accent6"/>
+          </a:lnRef>
+          <a:fillRef idx="1">
+            <a:schemeClr val="lt1"/>
+          </a:fillRef>
+          <a:effectRef idx="0">
+            <a:schemeClr val="accent6"/>
+          </a:effectRef>
+          <a:fontRef idx="minor">
+            <a:schemeClr val="dk1"/>
+          </a:fontRef>
+        </p:style>
+        <p:txBody>
+          <a:bodyPr rtlCol="0" anchor="ctr"/>
+          <a:lstStyle/>
+          <a:p>
+            <a:pPr algn="ctr"/>
+            <a:endParaRPr lang="ru-RU"/>
+          </a:p>
+        </p:txBody>
+      </p:sp>
+      <p:pic>
+        <p:nvPicPr>
+          <p:cNvPr id="7" name="Рисунок 6">
+            <a:extLst>
+              <a:ext uri="{FF2B5EF4-FFF2-40B4-BE49-F238E27FC236}">
+                <a16:creationId xmlns:a16="http://schemas.microsoft.com/office/drawing/2014/main" id="{A92335EA-7AC2-4D3B-9B12-7C71EA459877}"/>
+              </a:ext>
+            </a:extLst>
+          </p:cNvPr>
+          <p:cNvPicPr>
+            <a:picLocks noChangeAspect="1"/>
+          </p:cNvPicPr>
+          <p:nvPr/>
+        </p:nvPicPr>
+        <p:blipFill>
+          <a:blip r:embed="rId3"/>
+          <a:stretch>
+            <a:fillRect/>
+          </a:stretch>
+        </p:blipFill>
+        <p:spPr>
+          <a:xfrm>
+            <a:off x="5274199" y="1298154"/>
+            <a:ext cx="6232001" cy="3755309"/>
+          </a:xfrm>
+          <a:prstGeom prst="rect">
+            <a:avLst/>
+          </a:prstGeom>
+        </p:spPr>
+      </p:pic>
+      <p:sp>
+        <p:nvSpPr>
+          <p:cNvPr id="8" name="Прямоугольник 7">
+            <a:extLst>
+              <a:ext uri="{FF2B5EF4-FFF2-40B4-BE49-F238E27FC236}">
+                <a16:creationId xmlns:a16="http://schemas.microsoft.com/office/drawing/2014/main" id="{0E0AFB99-752C-45BD-8249-6CBC4C27032C}"/>
+              </a:ext>
+            </a:extLst>
+          </p:cNvPr>
+          <p:cNvSpPr/>
+          <p:nvPr/>
+        </p:nvSpPr>
+        <p:spPr>
+          <a:xfrm>
+            <a:off x="6324601" y="4761419"/>
+            <a:ext cx="3697940" cy="292045"/>
+          </a:xfrm>
+          <a:prstGeom prst="rect">
+            <a:avLst/>
+          </a:prstGeom>
+          <a:noFill/>
+          <a:ln w="38100">
+            <a:solidFill>
+              <a:srgbClr val="FF0000"/>
+            </a:solidFill>
+          </a:ln>
+        </p:spPr>
+        <p:style>
+          <a:lnRef idx="2">
+            <a:schemeClr val="accent6"/>
+          </a:lnRef>
+          <a:fillRef idx="1">
+            <a:schemeClr val="lt1"/>
+          </a:fillRef>
+          <a:effectRef idx="0">
+            <a:schemeClr val="accent6"/>
+          </a:effectRef>
+          <a:fontRef idx="minor">
+            <a:schemeClr val="dk1"/>
+          </a:fontRef>
+        </p:style>
+        <p:txBody>
+          <a:bodyPr rtlCol="0" anchor="ctr"/>
+          <a:lstStyle/>
+          <a:p>
+            <a:pPr algn="ctr"/>
+            <a:endParaRPr lang="ru-RU"/>
+          </a:p>
+        </p:txBody>
+      </p:sp>
+      <p:sp>
+        <p:nvSpPr>
+          <p:cNvPr id="10" name="TextBox 9">
+            <a:extLst>
+              <a:ext uri="{FF2B5EF4-FFF2-40B4-BE49-F238E27FC236}">
+                <a16:creationId xmlns:a16="http://schemas.microsoft.com/office/drawing/2014/main" id="{13CD2AAA-F41B-4598-98AB-203527185EFD}"/>
+              </a:ext>
+            </a:extLst>
+          </p:cNvPr>
+          <p:cNvSpPr txBox="1"/>
+          <p:nvPr/>
+        </p:nvSpPr>
+        <p:spPr>
+          <a:xfrm>
+            <a:off x="17123" y="1298155"/>
+            <a:ext cx="668677" cy="523220"/>
+          </a:xfrm>
+          <a:prstGeom prst="rect">
+            <a:avLst/>
+          </a:prstGeom>
+          <a:noFill/>
+        </p:spPr>
+        <p:txBody>
+          <a:bodyPr wrap="square" rtlCol="0">
+            <a:spAutoFit/>
+          </a:bodyPr>
+          <a:lstStyle/>
+          <a:p>
+            <a:r>
+              <a:rPr lang="ru-RU" sz="2800" dirty="0"/>
+              <a:t>1.</a:t>
+            </a:r>
+          </a:p>
+        </p:txBody>
+      </p:sp>
+      <p:sp>
+        <p:nvSpPr>
+          <p:cNvPr id="11" name="TextBox 10">
+            <a:extLst>
+              <a:ext uri="{FF2B5EF4-FFF2-40B4-BE49-F238E27FC236}">
+                <a16:creationId xmlns:a16="http://schemas.microsoft.com/office/drawing/2014/main" id="{1D102BC5-A5E1-4B20-A609-DDFE37EB3EBA}"/>
+              </a:ext>
+            </a:extLst>
+          </p:cNvPr>
+          <p:cNvSpPr txBox="1"/>
+          <p:nvPr/>
+        </p:nvSpPr>
+        <p:spPr>
+          <a:xfrm>
+            <a:off x="4862950" y="1298155"/>
+            <a:ext cx="668677" cy="523220"/>
+          </a:xfrm>
+          <a:prstGeom prst="rect">
+            <a:avLst/>
+          </a:prstGeom>
+          <a:noFill/>
+        </p:spPr>
+        <p:txBody>
+          <a:bodyPr wrap="square" rtlCol="0">
+            <a:spAutoFit/>
+          </a:bodyPr>
+          <a:lstStyle/>
+          <a:p>
+            <a:r>
+              <a:rPr lang="ru-RU" sz="2800" dirty="0"/>
+              <a:t>2.</a:t>
+            </a:r>
+          </a:p>
+        </p:txBody>
+      </p:sp>
+      <p:sp>
+        <p:nvSpPr>
+          <p:cNvPr id="12" name="TextBox 11">
+            <a:extLst>
+              <a:ext uri="{FF2B5EF4-FFF2-40B4-BE49-F238E27FC236}">
+                <a16:creationId xmlns:a16="http://schemas.microsoft.com/office/drawing/2014/main" id="{690B0643-D89D-497D-A4B6-DDF5E939F00C}"/>
+              </a:ext>
+            </a:extLst>
+          </p:cNvPr>
+          <p:cNvSpPr txBox="1"/>
+          <p:nvPr/>
+        </p:nvSpPr>
+        <p:spPr>
+          <a:xfrm>
+            <a:off x="914399" y="5190513"/>
+            <a:ext cx="2052613" cy="369332"/>
+          </a:xfrm>
+          <a:prstGeom prst="rect">
+            <a:avLst/>
+          </a:prstGeom>
+          <a:noFill/>
+        </p:spPr>
+        <p:txBody>
+          <a:bodyPr wrap="none" rtlCol="0">
+            <a:spAutoFit/>
+          </a:bodyPr>
+          <a:lstStyle/>
+          <a:p>
+            <a:r>
+              <a:rPr lang="ru-RU" dirty="0"/>
+              <a:t>ПКМ по коллекции</a:t>
+            </a:r>
+          </a:p>
+        </p:txBody>
+      </p:sp>
+      <p:sp>
+        <p:nvSpPr>
+          <p:cNvPr id="13" name="TextBox 12">
+            <a:extLst>
+              <a:ext uri="{FF2B5EF4-FFF2-40B4-BE49-F238E27FC236}">
+                <a16:creationId xmlns:a16="http://schemas.microsoft.com/office/drawing/2014/main" id="{4C6334F7-C30F-42D4-99E5-E038852E0FA6}"/>
+              </a:ext>
+            </a:extLst>
+          </p:cNvPr>
+          <p:cNvSpPr txBox="1"/>
+          <p:nvPr/>
+        </p:nvSpPr>
+        <p:spPr>
+          <a:xfrm>
+            <a:off x="6544234" y="5190513"/>
+            <a:ext cx="3343864" cy="369332"/>
+          </a:xfrm>
+          <a:prstGeom prst="rect">
+            <a:avLst/>
+          </a:prstGeom>
+          <a:noFill/>
+        </p:spPr>
+        <p:txBody>
+          <a:bodyPr wrap="none" rtlCol="0">
+            <a:spAutoFit/>
+          </a:bodyPr>
+          <a:lstStyle/>
+          <a:p>
+            <a:r>
+              <a:rPr lang="ru-RU" dirty="0"/>
+              <a:t>Вы создали свой первый запрос</a:t>
+            </a:r>
+          </a:p>
+        </p:txBody>
+      </p:sp>
+      <p:sp>
+        <p:nvSpPr>
+          <p:cNvPr id="16" name="Стрелка: влево 3">
+            <a:hlinkClick r:id="rId4" action="ppaction://hlinksldjump"/>
+            <a:extLst>
+              <a:ext uri="{FF2B5EF4-FFF2-40B4-BE49-F238E27FC236}">
+                <a16:creationId xmlns:a16="http://schemas.microsoft.com/office/drawing/2014/main" id="{142882DD-7CCE-40BD-901D-1115F9FD63DE}"/>
+              </a:ext>
+            </a:extLst>
+          </p:cNvPr>
+          <p:cNvSpPr/>
+          <p:nvPr/>
+        </p:nvSpPr>
+        <p:spPr>
+          <a:xfrm>
+            <a:off x="10111260" y="5999400"/>
+            <a:ext cx="1008529" cy="858600"/>
+          </a:xfrm>
+          <a:prstGeom prst="leftArrow">
+            <a:avLst/>
+          </a:prstGeom>
+        </p:spPr>
+        <p:style>
+          <a:lnRef idx="2">
+            <a:schemeClr val="dk1">
+              <a:shade val="50000"/>
+            </a:schemeClr>
+          </a:lnRef>
+          <a:fillRef idx="1">
+            <a:schemeClr val="dk1"/>
+          </a:fillRef>
+          <a:effectRef idx="0">
+            <a:schemeClr val="dk1"/>
+          </a:effectRef>
+          <a:fontRef idx="minor">
+            <a:schemeClr val="lt1"/>
+          </a:fontRef>
+        </p:style>
+        <p:txBody>
+          <a:bodyPr rtlCol="0" anchor="ctr"/>
+          <a:lstStyle/>
+          <a:p>
+            <a:pPr algn="ctr"/>
+            <a:endParaRPr lang="ru-RU" dirty="0"/>
+          </a:p>
+        </p:txBody>
+      </p:sp>
+      <p:sp>
+        <p:nvSpPr>
+          <p:cNvPr id="17" name="Стрелка: влево 3">
+            <a:hlinkClick r:id="rId5" action="ppaction://hlinksldjump"/>
+            <a:extLst>
+              <a:ext uri="{FF2B5EF4-FFF2-40B4-BE49-F238E27FC236}">
+                <a16:creationId xmlns:a16="http://schemas.microsoft.com/office/drawing/2014/main" id="{8E429502-474A-46E8-B82A-46ACEC8B27D1}"/>
+              </a:ext>
+            </a:extLst>
+          </p:cNvPr>
+          <p:cNvSpPr/>
+          <p:nvPr/>
+        </p:nvSpPr>
+        <p:spPr>
+          <a:xfrm rot="10800000">
+            <a:off x="11183471" y="5999400"/>
+            <a:ext cx="1008529" cy="858600"/>
+          </a:xfrm>
+          <a:prstGeom prst="leftArrow">
+            <a:avLst/>
+          </a:prstGeom>
+        </p:spPr>
+        <p:style>
+          <a:lnRef idx="2">
+            <a:schemeClr val="dk1">
+              <a:shade val="50000"/>
+            </a:schemeClr>
+          </a:lnRef>
+          <a:fillRef idx="1">
+            <a:schemeClr val="dk1"/>
+          </a:fillRef>
+          <a:effectRef idx="0">
+            <a:schemeClr val="dk1"/>
+          </a:effectRef>
+          <a:fontRef idx="minor">
+            <a:schemeClr val="lt1"/>
+          </a:fontRef>
+        </p:style>
+        <p:txBody>
+          <a:bodyPr rtlCol="0" anchor="ctr"/>
+          <a:lstStyle/>
+          <a:p>
+            <a:pPr algn="ctr"/>
+            <a:endParaRPr lang="ru-RU" dirty="0"/>
+          </a:p>
+        </p:txBody>
+      </p:sp>
+    </p:spTree>
+    <p:extLst>
+      <p:ext uri="{BB962C8B-B14F-4D97-AF65-F5344CB8AC3E}">
+        <p14:creationId xmlns:p14="http://schemas.microsoft.com/office/powerpoint/2010/main" val="1327927557"/>
+      </p:ext>
+    </p:extLst>
+  </p:cSld>
+  <p:clrMapOvr>
+    <a:masterClrMapping/>
+  </p:clrMapOvr>
+</p:sld>
+</file>
+
+<file path=ppt/slides/slide21.xml><?xml version="1.0" encoding="utf-8"?>
+<p:sld xmlns:a="http://schemas.openxmlformats.org/drawingml/2006/main" xmlns:r="http://schemas.openxmlformats.org/officeDocument/2006/relationships" xmlns:p="http://schemas.openxmlformats.org/presentationml/2006/main">
+  <p:cSld>
+    <p:spTree>
+      <p:nvGrpSpPr>
+        <p:cNvPr id="1" name=""/>
+        <p:cNvGrpSpPr/>
+        <p:nvPr/>
+      </p:nvGrpSpPr>
+      <p:grpSpPr>
+        <a:xfrm>
+          <a:off x="0" y="0"/>
+          <a:ext cx="0" cy="0"/>
+          <a:chOff x="0" y="0"/>
+          <a:chExt cx="0" cy="0"/>
+        </a:xfrm>
+      </p:grpSpPr>
+      <p:sp>
+        <p:nvSpPr>
+          <p:cNvPr id="2" name="Заголовок 1">
+            <a:extLst>
+              <a:ext uri="{FF2B5EF4-FFF2-40B4-BE49-F238E27FC236}">
+                <a16:creationId xmlns:a16="http://schemas.microsoft.com/office/drawing/2014/main" id="{17819CDD-EB3C-4941-B8F9-3FBA2B8C0842}"/>
+              </a:ext>
+            </a:extLst>
+          </p:cNvPr>
+          <p:cNvSpPr>
+            <a:spLocks noGrp="1"/>
+          </p:cNvSpPr>
+          <p:nvPr>
+            <p:ph type="title"/>
+          </p:nvPr>
+        </p:nvSpPr>
+        <p:spPr>
+          <a:xfrm>
+            <a:off x="731044" y="0"/>
+            <a:ext cx="10515600" cy="1325563"/>
+          </a:xfrm>
+        </p:spPr>
+        <p:txBody>
+          <a:bodyPr/>
+          <a:lstStyle/>
+          <a:p>
+            <a:r>
+              <a:rPr lang="en-US" dirty="0"/>
+              <a:t>GET-</a:t>
+            </a:r>
+            <a:r>
+              <a:rPr lang="ru-RU" dirty="0"/>
+              <a:t>запрос</a:t>
+            </a:r>
+          </a:p>
+        </p:txBody>
+      </p:sp>
+      <p:pic>
+        <p:nvPicPr>
+          <p:cNvPr id="11" name="Рисунок 10">
+            <a:extLst>
+              <a:ext uri="{FF2B5EF4-FFF2-40B4-BE49-F238E27FC236}">
+                <a16:creationId xmlns:a16="http://schemas.microsoft.com/office/drawing/2014/main" id="{5AF4AD80-3C36-4964-B860-F1C2C2F365EC}"/>
+              </a:ext>
+            </a:extLst>
+          </p:cNvPr>
+          <p:cNvPicPr>
+            <a:picLocks noChangeAspect="1"/>
+          </p:cNvPicPr>
+          <p:nvPr/>
+        </p:nvPicPr>
+        <p:blipFill>
+          <a:blip r:embed="rId2"/>
+          <a:stretch>
+            <a:fillRect/>
+          </a:stretch>
+        </p:blipFill>
+        <p:spPr>
+          <a:xfrm>
+            <a:off x="3182471" y="1075764"/>
+            <a:ext cx="9009529" cy="5782235"/>
+          </a:xfrm>
+          <a:prstGeom prst="rect">
+            <a:avLst/>
+          </a:prstGeom>
+        </p:spPr>
+      </p:pic>
+      <p:sp>
+        <p:nvSpPr>
+          <p:cNvPr id="12" name="TextBox 11">
+            <a:extLst>
+              <a:ext uri="{FF2B5EF4-FFF2-40B4-BE49-F238E27FC236}">
+                <a16:creationId xmlns:a16="http://schemas.microsoft.com/office/drawing/2014/main" id="{41F18EE4-8A07-4070-9DDE-A76F8B9849D1}"/>
+              </a:ext>
+            </a:extLst>
+          </p:cNvPr>
+          <p:cNvSpPr txBox="1"/>
+          <p:nvPr/>
+        </p:nvSpPr>
+        <p:spPr>
+          <a:xfrm>
+            <a:off x="0" y="1515035"/>
+            <a:ext cx="3110755" cy="923330"/>
+          </a:xfrm>
+          <a:prstGeom prst="rect">
+            <a:avLst/>
+          </a:prstGeom>
+          <a:noFill/>
+        </p:spPr>
+        <p:txBody>
+          <a:bodyPr wrap="square" rtlCol="0">
+            <a:spAutoFit/>
+          </a:bodyPr>
+          <a:lstStyle/>
+          <a:p>
+            <a:r>
+              <a:rPr lang="ru-RU" dirty="0"/>
+              <a:t>1. При создании нового запроса обычно создаётся </a:t>
+            </a:r>
+            <a:r>
+              <a:rPr lang="en-US" dirty="0"/>
+              <a:t>GET-</a:t>
+            </a:r>
+            <a:r>
+              <a:rPr lang="ru-RU" dirty="0"/>
+              <a:t>запрос</a:t>
+            </a:r>
+          </a:p>
+        </p:txBody>
+      </p:sp>
+      <p:sp>
+        <p:nvSpPr>
+          <p:cNvPr id="13" name="Прямоугольник 12">
+            <a:extLst>
+              <a:ext uri="{FF2B5EF4-FFF2-40B4-BE49-F238E27FC236}">
+                <a16:creationId xmlns:a16="http://schemas.microsoft.com/office/drawing/2014/main" id="{D6FAC537-475B-4A33-9AFF-3A1B489D6184}"/>
+              </a:ext>
+            </a:extLst>
+          </p:cNvPr>
+          <p:cNvSpPr/>
+          <p:nvPr/>
+        </p:nvSpPr>
+        <p:spPr>
+          <a:xfrm>
+            <a:off x="4204446" y="1830677"/>
+            <a:ext cx="6651813" cy="292045"/>
+          </a:xfrm>
+          <a:prstGeom prst="rect">
+            <a:avLst/>
+          </a:prstGeom>
+          <a:noFill/>
+          <a:ln w="38100">
+            <a:solidFill>
+              <a:srgbClr val="FF0000"/>
+            </a:solidFill>
+          </a:ln>
+        </p:spPr>
+        <p:style>
+          <a:lnRef idx="2">
+            <a:schemeClr val="accent6"/>
+          </a:lnRef>
+          <a:fillRef idx="1">
+            <a:schemeClr val="lt1"/>
+          </a:fillRef>
+          <a:effectRef idx="0">
+            <a:schemeClr val="accent6"/>
+          </a:effectRef>
+          <a:fontRef idx="minor">
+            <a:schemeClr val="dk1"/>
+          </a:fontRef>
+        </p:style>
+        <p:txBody>
+          <a:bodyPr rtlCol="0" anchor="ctr"/>
+          <a:lstStyle/>
+          <a:p>
+            <a:pPr algn="ctr"/>
+            <a:endParaRPr lang="ru-RU"/>
+          </a:p>
+        </p:txBody>
+      </p:sp>
+      <p:sp>
+        <p:nvSpPr>
+          <p:cNvPr id="14" name="TextBox 13">
+            <a:extLst>
+              <a:ext uri="{FF2B5EF4-FFF2-40B4-BE49-F238E27FC236}">
+                <a16:creationId xmlns:a16="http://schemas.microsoft.com/office/drawing/2014/main" id="{4ED019A4-8141-45A5-94C2-52F73715F164}"/>
+              </a:ext>
+            </a:extLst>
+          </p:cNvPr>
+          <p:cNvSpPr txBox="1"/>
+          <p:nvPr/>
+        </p:nvSpPr>
+        <p:spPr>
+          <a:xfrm>
+            <a:off x="5333998" y="1370521"/>
+            <a:ext cx="3747249" cy="369332"/>
+          </a:xfrm>
+          <a:prstGeom prst="rect">
+            <a:avLst/>
+          </a:prstGeom>
+          <a:noFill/>
+        </p:spPr>
+        <p:txBody>
+          <a:bodyPr wrap="square" rtlCol="0">
+            <a:spAutoFit/>
+          </a:bodyPr>
+          <a:lstStyle/>
+          <a:p>
+            <a:r>
+              <a:rPr lang="ru-RU" dirty="0"/>
+              <a:t>2. В данной строке вводится </a:t>
+            </a:r>
+            <a:r>
+              <a:rPr lang="en-US" dirty="0"/>
+              <a:t>URL</a:t>
+            </a:r>
+            <a:endParaRPr lang="ru-RU" dirty="0"/>
+          </a:p>
+        </p:txBody>
+      </p:sp>
+      <p:sp>
+        <p:nvSpPr>
+          <p:cNvPr id="15" name="Прямоугольник 14">
+            <a:extLst>
+              <a:ext uri="{FF2B5EF4-FFF2-40B4-BE49-F238E27FC236}">
+                <a16:creationId xmlns:a16="http://schemas.microsoft.com/office/drawing/2014/main" id="{9ECEBA5B-4C4E-49B3-8550-D59841F6F3BA}"/>
+              </a:ext>
+            </a:extLst>
+          </p:cNvPr>
+          <p:cNvSpPr/>
+          <p:nvPr/>
+        </p:nvSpPr>
+        <p:spPr>
+          <a:xfrm>
+            <a:off x="3307976" y="4941430"/>
+            <a:ext cx="8426824" cy="1826923"/>
+          </a:xfrm>
+          <a:prstGeom prst="rect">
+            <a:avLst/>
+          </a:prstGeom>
+          <a:noFill/>
+          <a:ln w="38100">
+            <a:solidFill>
+              <a:srgbClr val="FF0000"/>
+            </a:solidFill>
+          </a:ln>
+        </p:spPr>
+        <p:style>
+          <a:lnRef idx="2">
+            <a:schemeClr val="accent6"/>
+          </a:lnRef>
+          <a:fillRef idx="1">
+            <a:schemeClr val="lt1"/>
+          </a:fillRef>
+          <a:effectRef idx="0">
+            <a:schemeClr val="accent6"/>
+          </a:effectRef>
+          <a:fontRef idx="minor">
+            <a:schemeClr val="dk1"/>
+          </a:fontRef>
+        </p:style>
+        <p:txBody>
+          <a:bodyPr rtlCol="0" anchor="ctr"/>
+          <a:lstStyle/>
+          <a:p>
+            <a:pPr algn="ctr"/>
+            <a:endParaRPr lang="ru-RU"/>
+          </a:p>
+        </p:txBody>
+      </p:sp>
+      <p:sp>
+        <p:nvSpPr>
+          <p:cNvPr id="16" name="TextBox 15">
+            <a:extLst>
+              <a:ext uri="{FF2B5EF4-FFF2-40B4-BE49-F238E27FC236}">
+                <a16:creationId xmlns:a16="http://schemas.microsoft.com/office/drawing/2014/main" id="{802845BD-A2B9-4E7E-A801-E23CCAFDED24}"/>
+              </a:ext>
+            </a:extLst>
+          </p:cNvPr>
+          <p:cNvSpPr txBox="1"/>
+          <p:nvPr/>
+        </p:nvSpPr>
+        <p:spPr>
+          <a:xfrm>
+            <a:off x="134468" y="4941430"/>
+            <a:ext cx="3110755" cy="646331"/>
+          </a:xfrm>
+          <a:prstGeom prst="rect">
+            <a:avLst/>
+          </a:prstGeom>
+          <a:noFill/>
+        </p:spPr>
+        <p:txBody>
+          <a:bodyPr wrap="square" rtlCol="0">
+            <a:spAutoFit/>
+          </a:bodyPr>
+          <a:lstStyle/>
+          <a:p>
+            <a:r>
+              <a:rPr lang="ru-RU" dirty="0"/>
+              <a:t>4. В нижем окне</a:t>
+            </a:r>
+            <a:r>
+              <a:rPr lang="en-US" dirty="0"/>
+              <a:t> &gt;&gt;&gt;&gt;&gt;&gt;&gt;&gt;&gt;&gt;&gt;</a:t>
+            </a:r>
+            <a:r>
+              <a:rPr lang="ru-RU" dirty="0"/>
+              <a:t> показывается ответ на запрос</a:t>
+            </a:r>
+          </a:p>
+        </p:txBody>
+      </p:sp>
+      <p:sp>
+        <p:nvSpPr>
+          <p:cNvPr id="17" name="Прямоугольник 16">
+            <a:extLst>
+              <a:ext uri="{FF2B5EF4-FFF2-40B4-BE49-F238E27FC236}">
+                <a16:creationId xmlns:a16="http://schemas.microsoft.com/office/drawing/2014/main" id="{687930F7-D60D-4033-A3BD-815423422F27}"/>
+              </a:ext>
+            </a:extLst>
+          </p:cNvPr>
+          <p:cNvSpPr/>
+          <p:nvPr/>
+        </p:nvSpPr>
+        <p:spPr>
+          <a:xfrm>
+            <a:off x="55898" y="3105834"/>
+            <a:ext cx="2380395" cy="646331"/>
+          </a:xfrm>
+          <a:prstGeom prst="rect">
+            <a:avLst/>
+          </a:prstGeom>
+        </p:spPr>
+        <p:txBody>
+          <a:bodyPr wrap="none">
+            <a:spAutoFit/>
+          </a:bodyPr>
+          <a:lstStyle/>
+          <a:p>
+            <a:r>
+              <a:rPr lang="en-US" dirty="0"/>
+              <a:t>URL</a:t>
+            </a:r>
+            <a:r>
+              <a:rPr lang="ru-RU" dirty="0"/>
+              <a:t> для тестов</a:t>
+            </a:r>
+            <a:r>
+              <a:rPr lang="en-US" dirty="0"/>
+              <a:t>:</a:t>
+            </a:r>
+          </a:p>
+          <a:p>
+            <a:r>
+              <a:rPr lang="en-US" u="sng" dirty="0">
+                <a:solidFill>
+                  <a:schemeClr val="accent1">
+                    <a:lumMod val="75000"/>
+                  </a:schemeClr>
+                </a:solidFill>
+              </a:rPr>
+              <a:t>postman-echo.com/get</a:t>
+            </a:r>
+            <a:endParaRPr lang="ru-RU" u="sng" dirty="0">
+              <a:solidFill>
+                <a:schemeClr val="accent1">
+                  <a:lumMod val="75000"/>
+                </a:schemeClr>
+              </a:solidFill>
+            </a:endParaRPr>
+          </a:p>
+        </p:txBody>
+      </p:sp>
+      <p:sp>
+        <p:nvSpPr>
+          <p:cNvPr id="20" name="Стрелка: влево 3">
+            <a:hlinkClick r:id="rId3" action="ppaction://hlinksldjump"/>
+            <a:extLst>
+              <a:ext uri="{FF2B5EF4-FFF2-40B4-BE49-F238E27FC236}">
+                <a16:creationId xmlns:a16="http://schemas.microsoft.com/office/drawing/2014/main" id="{2C67A319-B580-496F-9591-AE6C0EC49962}"/>
+              </a:ext>
+            </a:extLst>
+          </p:cNvPr>
+          <p:cNvSpPr/>
+          <p:nvPr/>
+        </p:nvSpPr>
+        <p:spPr>
+          <a:xfrm>
+            <a:off x="10111260" y="5999400"/>
+            <a:ext cx="1008529" cy="858600"/>
+          </a:xfrm>
+          <a:prstGeom prst="leftArrow">
+            <a:avLst/>
+          </a:prstGeom>
+        </p:spPr>
+        <p:style>
+          <a:lnRef idx="2">
+            <a:schemeClr val="dk1">
+              <a:shade val="50000"/>
+            </a:schemeClr>
+          </a:lnRef>
+          <a:fillRef idx="1">
+            <a:schemeClr val="dk1"/>
+          </a:fillRef>
+          <a:effectRef idx="0">
+            <a:schemeClr val="dk1"/>
+          </a:effectRef>
+          <a:fontRef idx="minor">
+            <a:schemeClr val="lt1"/>
+          </a:fontRef>
+        </p:style>
+        <p:txBody>
+          <a:bodyPr rtlCol="0" anchor="ctr"/>
+          <a:lstStyle/>
+          <a:p>
+            <a:pPr algn="ctr"/>
+            <a:endParaRPr lang="ru-RU" dirty="0"/>
+          </a:p>
+        </p:txBody>
+      </p:sp>
+      <p:sp>
+        <p:nvSpPr>
+          <p:cNvPr id="21" name="Стрелка: влево 3">
+            <a:hlinkClick r:id="rId4" action="ppaction://hlinksldjump"/>
+            <a:extLst>
+              <a:ext uri="{FF2B5EF4-FFF2-40B4-BE49-F238E27FC236}">
+                <a16:creationId xmlns:a16="http://schemas.microsoft.com/office/drawing/2014/main" id="{C4BC09E4-F365-4CCB-BD2A-9EA653AE4C9D}"/>
+              </a:ext>
+            </a:extLst>
+          </p:cNvPr>
+          <p:cNvSpPr/>
+          <p:nvPr/>
+        </p:nvSpPr>
+        <p:spPr>
+          <a:xfrm rot="10800000">
+            <a:off x="11183471" y="5999400"/>
+            <a:ext cx="1008529" cy="858600"/>
+          </a:xfrm>
+          <a:prstGeom prst="leftArrow">
+            <a:avLst/>
+          </a:prstGeom>
+        </p:spPr>
+        <p:style>
+          <a:lnRef idx="2">
+            <a:schemeClr val="dk1">
+              <a:shade val="50000"/>
+            </a:schemeClr>
+          </a:lnRef>
+          <a:fillRef idx="1">
+            <a:schemeClr val="dk1"/>
+          </a:fillRef>
+          <a:effectRef idx="0">
+            <a:schemeClr val="dk1"/>
+          </a:effectRef>
+          <a:fontRef idx="minor">
+            <a:schemeClr val="lt1"/>
+          </a:fontRef>
+        </p:style>
+        <p:txBody>
+          <a:bodyPr rtlCol="0" anchor="ctr"/>
+          <a:lstStyle/>
+          <a:p>
+            <a:pPr algn="ctr"/>
+            <a:endParaRPr lang="ru-RU" dirty="0"/>
+          </a:p>
+        </p:txBody>
+      </p:sp>
+    </p:spTree>
+    <p:extLst>
+      <p:ext uri="{BB962C8B-B14F-4D97-AF65-F5344CB8AC3E}">
+        <p14:creationId xmlns:p14="http://schemas.microsoft.com/office/powerpoint/2010/main" val="2930682147"/>
+      </p:ext>
+    </p:extLst>
+  </p:cSld>
+  <p:clrMapOvr>
+    <a:masterClrMapping/>
+  </p:clrMapOvr>
+</p:sld>
+</file>
+
+<file path=ppt/slides/slide22.xml><?xml version="1.0" encoding="utf-8"?>
+<p:sld xmlns:a="http://schemas.openxmlformats.org/drawingml/2006/main" xmlns:r="http://schemas.openxmlformats.org/officeDocument/2006/relationships" xmlns:p="http://schemas.openxmlformats.org/presentationml/2006/main">
+  <p:cSld>
+    <p:spTree>
+      <p:nvGrpSpPr>
+        <p:cNvPr id="1" name=""/>
+        <p:cNvGrpSpPr/>
+        <p:nvPr/>
+      </p:nvGrpSpPr>
+      <p:grpSpPr>
+        <a:xfrm>
+          <a:off x="0" y="0"/>
+          <a:ext cx="0" cy="0"/>
+          <a:chOff x="0" y="0"/>
+          <a:chExt cx="0" cy="0"/>
+        </a:xfrm>
+      </p:grpSpPr>
+      <p:sp>
+        <p:nvSpPr>
+          <p:cNvPr id="2" name="Заголовок 1">
+            <a:extLst>
+              <a:ext uri="{FF2B5EF4-FFF2-40B4-BE49-F238E27FC236}">
+                <a16:creationId xmlns:a16="http://schemas.microsoft.com/office/drawing/2014/main" id="{17819CDD-EB3C-4941-B8F9-3FBA2B8C0842}"/>
+              </a:ext>
+            </a:extLst>
+          </p:cNvPr>
+          <p:cNvSpPr>
+            <a:spLocks noGrp="1"/>
+          </p:cNvSpPr>
+          <p:nvPr>
+            <p:ph type="title"/>
+          </p:nvPr>
+        </p:nvSpPr>
+        <p:spPr>
+          <a:xfrm>
+            <a:off x="739588" y="-112158"/>
+            <a:ext cx="10515600" cy="1325563"/>
+          </a:xfrm>
+        </p:spPr>
+        <p:txBody>
+          <a:bodyPr/>
+          <a:lstStyle/>
+          <a:p>
+            <a:r>
+              <a:rPr lang="en-US" dirty="0"/>
+              <a:t>POST-</a:t>
+            </a:r>
+            <a:r>
+              <a:rPr lang="ru-RU" dirty="0"/>
+              <a:t>запрос</a:t>
+            </a:r>
+          </a:p>
+        </p:txBody>
+      </p:sp>
+      <p:pic>
+        <p:nvPicPr>
+          <p:cNvPr id="5" name="Рисунок 4">
+            <a:extLst>
+              <a:ext uri="{FF2B5EF4-FFF2-40B4-BE49-F238E27FC236}">
+                <a16:creationId xmlns:a16="http://schemas.microsoft.com/office/drawing/2014/main" id="{C9F5153C-C7C0-4C3C-9714-2BAD0AD9601B}"/>
+              </a:ext>
+            </a:extLst>
+          </p:cNvPr>
+          <p:cNvPicPr>
+            <a:picLocks noChangeAspect="1"/>
+          </p:cNvPicPr>
+          <p:nvPr/>
+        </p:nvPicPr>
+        <p:blipFill>
+          <a:blip r:embed="rId2"/>
+          <a:stretch>
+            <a:fillRect/>
+          </a:stretch>
+        </p:blipFill>
+        <p:spPr>
+          <a:xfrm>
+            <a:off x="2704236" y="1003301"/>
+            <a:ext cx="9487764" cy="5854699"/>
+          </a:xfrm>
+          <a:prstGeom prst="rect">
+            <a:avLst/>
+          </a:prstGeom>
+        </p:spPr>
+      </p:pic>
+      <p:sp>
+        <p:nvSpPr>
+          <p:cNvPr id="6" name="Прямоугольник 5">
+            <a:extLst>
+              <a:ext uri="{FF2B5EF4-FFF2-40B4-BE49-F238E27FC236}">
+                <a16:creationId xmlns:a16="http://schemas.microsoft.com/office/drawing/2014/main" id="{492302E0-0757-4037-9E02-2DBA9416AB3F}"/>
+              </a:ext>
+            </a:extLst>
+          </p:cNvPr>
+          <p:cNvSpPr/>
+          <p:nvPr/>
+        </p:nvSpPr>
+        <p:spPr>
+          <a:xfrm>
+            <a:off x="2898703" y="2385483"/>
+            <a:ext cx="588567" cy="292045"/>
+          </a:xfrm>
+          <a:prstGeom prst="rect">
+            <a:avLst/>
+          </a:prstGeom>
+          <a:noFill/>
+          <a:ln w="38100">
+            <a:solidFill>
+              <a:srgbClr val="FF0000"/>
+            </a:solidFill>
+          </a:ln>
+        </p:spPr>
+        <p:style>
+          <a:lnRef idx="2">
+            <a:schemeClr val="accent6"/>
+          </a:lnRef>
+          <a:fillRef idx="1">
+            <a:schemeClr val="lt1"/>
+          </a:fillRef>
+          <a:effectRef idx="0">
+            <a:schemeClr val="accent6"/>
+          </a:effectRef>
+          <a:fontRef idx="minor">
+            <a:schemeClr val="dk1"/>
+          </a:fontRef>
+        </p:style>
+        <p:txBody>
+          <a:bodyPr rtlCol="0" anchor="ctr"/>
+          <a:lstStyle/>
+          <a:p>
+            <a:pPr algn="ctr"/>
+            <a:endParaRPr lang="ru-RU"/>
+          </a:p>
+        </p:txBody>
+      </p:sp>
+      <p:sp>
+        <p:nvSpPr>
+          <p:cNvPr id="7" name="TextBox 6">
+            <a:extLst>
+              <a:ext uri="{FF2B5EF4-FFF2-40B4-BE49-F238E27FC236}">
+                <a16:creationId xmlns:a16="http://schemas.microsoft.com/office/drawing/2014/main" id="{A467C5FD-45C0-4592-98B6-09459CC5CC7B}"/>
+              </a:ext>
+            </a:extLst>
+          </p:cNvPr>
+          <p:cNvSpPr txBox="1"/>
+          <p:nvPr/>
+        </p:nvSpPr>
+        <p:spPr>
+          <a:xfrm>
+            <a:off x="1" y="1739152"/>
+            <a:ext cx="2704236" cy="923330"/>
+          </a:xfrm>
+          <a:prstGeom prst="rect">
+            <a:avLst/>
+          </a:prstGeom>
+          <a:noFill/>
+        </p:spPr>
+        <p:txBody>
+          <a:bodyPr wrap="square" rtlCol="0">
+            <a:spAutoFit/>
+          </a:bodyPr>
+          <a:lstStyle/>
+          <a:p>
+            <a:r>
+              <a:rPr lang="ru-RU" dirty="0"/>
+              <a:t>1. Создаем новый запрос и в меню меняем </a:t>
+            </a:r>
+            <a:r>
+              <a:rPr lang="en-US" dirty="0"/>
+              <a:t>GET </a:t>
+            </a:r>
+            <a:r>
+              <a:rPr lang="ru-RU" dirty="0"/>
+              <a:t>на </a:t>
+            </a:r>
+            <a:r>
+              <a:rPr lang="en-US" dirty="0"/>
+              <a:t>POST</a:t>
+            </a:r>
+            <a:endParaRPr lang="ru-RU" dirty="0"/>
+          </a:p>
+        </p:txBody>
+      </p:sp>
+      <p:sp>
+        <p:nvSpPr>
+          <p:cNvPr id="10" name="Стрелка: влево 3">
+            <a:hlinkClick r:id="rId3" action="ppaction://hlinksldjump"/>
+            <a:extLst>
+              <a:ext uri="{FF2B5EF4-FFF2-40B4-BE49-F238E27FC236}">
+                <a16:creationId xmlns:a16="http://schemas.microsoft.com/office/drawing/2014/main" id="{430F0AC8-D404-4D98-865E-32A11E943FA9}"/>
+              </a:ext>
+            </a:extLst>
+          </p:cNvPr>
+          <p:cNvSpPr/>
+          <p:nvPr/>
+        </p:nvSpPr>
+        <p:spPr>
+          <a:xfrm>
+            <a:off x="10111260" y="5999400"/>
+            <a:ext cx="1008529" cy="858600"/>
+          </a:xfrm>
+          <a:prstGeom prst="leftArrow">
+            <a:avLst/>
+          </a:prstGeom>
+        </p:spPr>
+        <p:style>
+          <a:lnRef idx="2">
+            <a:schemeClr val="dk1">
+              <a:shade val="50000"/>
+            </a:schemeClr>
+          </a:lnRef>
+          <a:fillRef idx="1">
+            <a:schemeClr val="dk1"/>
+          </a:fillRef>
+          <a:effectRef idx="0">
+            <a:schemeClr val="dk1"/>
+          </a:effectRef>
+          <a:fontRef idx="minor">
+            <a:schemeClr val="lt1"/>
+          </a:fontRef>
+        </p:style>
+        <p:txBody>
+          <a:bodyPr rtlCol="0" anchor="ctr"/>
+          <a:lstStyle/>
+          <a:p>
+            <a:pPr algn="ctr"/>
+            <a:endParaRPr lang="ru-RU" dirty="0"/>
+          </a:p>
+        </p:txBody>
+      </p:sp>
+      <p:sp>
+        <p:nvSpPr>
+          <p:cNvPr id="11" name="Стрелка: влево 3">
+            <a:extLst>
+              <a:ext uri="{FF2B5EF4-FFF2-40B4-BE49-F238E27FC236}">
+                <a16:creationId xmlns:a16="http://schemas.microsoft.com/office/drawing/2014/main" id="{3FFB029B-E233-4B08-BE37-D6F29201A1D8}"/>
+              </a:ext>
+            </a:extLst>
+          </p:cNvPr>
+          <p:cNvSpPr/>
+          <p:nvPr/>
+        </p:nvSpPr>
+        <p:spPr>
+          <a:xfrm rot="10800000">
+            <a:off x="11183471" y="5999400"/>
+            <a:ext cx="1008529" cy="858600"/>
+          </a:xfrm>
+          <a:prstGeom prst="leftArrow">
+            <a:avLst/>
+          </a:prstGeom>
+        </p:spPr>
+        <p:style>
+          <a:lnRef idx="2">
+            <a:schemeClr val="dk1">
+              <a:shade val="50000"/>
+            </a:schemeClr>
+          </a:lnRef>
+          <a:fillRef idx="1">
+            <a:schemeClr val="dk1"/>
+          </a:fillRef>
+          <a:effectRef idx="0">
+            <a:schemeClr val="dk1"/>
+          </a:effectRef>
+          <a:fontRef idx="minor">
+            <a:schemeClr val="lt1"/>
+          </a:fontRef>
+        </p:style>
+        <p:txBody>
+          <a:bodyPr rtlCol="0" anchor="ctr"/>
+          <a:lstStyle/>
+          <a:p>
+            <a:pPr algn="ctr"/>
+            <a:endParaRPr lang="ru-RU" dirty="0"/>
+          </a:p>
+        </p:txBody>
+      </p:sp>
+    </p:spTree>
+    <p:extLst>
+      <p:ext uri="{BB962C8B-B14F-4D97-AF65-F5344CB8AC3E}">
+        <p14:creationId xmlns:p14="http://schemas.microsoft.com/office/powerpoint/2010/main" val="3595244817"/>
+      </p:ext>
+    </p:extLst>
+  </p:cSld>
+  <p:clrMapOvr>
+    <a:masterClrMapping/>
+  </p:clrMapOvr>
+</p:sld>
+</file>
+
+<file path=ppt/slides/slide23.xml><?xml version="1.0" encoding="utf-8"?>
+<p:sld xmlns:a="http://schemas.openxmlformats.org/drawingml/2006/main" xmlns:r="http://schemas.openxmlformats.org/officeDocument/2006/relationships" xmlns:p="http://schemas.openxmlformats.org/presentationml/2006/main">
+  <p:cSld>
+    <p:spTree>
+      <p:nvGrpSpPr>
+        <p:cNvPr id="1" name=""/>
+        <p:cNvGrpSpPr/>
+        <p:nvPr/>
+      </p:nvGrpSpPr>
+      <p:grpSpPr>
+        <a:xfrm>
+          <a:off x="0" y="0"/>
+          <a:ext cx="0" cy="0"/>
+          <a:chOff x="0" y="0"/>
+          <a:chExt cx="0" cy="0"/>
+        </a:xfrm>
+      </p:grpSpPr>
+      <p:sp>
+        <p:nvSpPr>
+          <p:cNvPr id="2" name="Заголовок 1">
+            <a:extLst>
+              <a:ext uri="{FF2B5EF4-FFF2-40B4-BE49-F238E27FC236}">
+                <a16:creationId xmlns:a16="http://schemas.microsoft.com/office/drawing/2014/main" id="{D7227686-59BA-487E-A002-D5B364B304E3}"/>
+              </a:ext>
+            </a:extLst>
+          </p:cNvPr>
+          <p:cNvSpPr>
+            <a:spLocks noGrp="1"/>
+          </p:cNvSpPr>
+          <p:nvPr>
+            <p:ph type="title"/>
+          </p:nvPr>
+        </p:nvSpPr>
+        <p:spPr/>
+        <p:txBody>
+          <a:bodyPr/>
+          <a:lstStyle/>
+          <a:p>
+            <a:r>
+              <a:rPr lang="ru-RU" dirty="0"/>
+              <a:t>Практическое задание</a:t>
+            </a:r>
+          </a:p>
+        </p:txBody>
+      </p:sp>
+      <p:sp>
+        <p:nvSpPr>
+          <p:cNvPr id="3" name="Объект 2">
+            <a:extLst>
+              <a:ext uri="{FF2B5EF4-FFF2-40B4-BE49-F238E27FC236}">
+                <a16:creationId xmlns:a16="http://schemas.microsoft.com/office/drawing/2014/main" id="{4ACBF7E0-B529-4AA0-B1E8-54FDBA7C6EEF}"/>
+              </a:ext>
+            </a:extLst>
+          </p:cNvPr>
+          <p:cNvSpPr>
+            <a:spLocks noGrp="1"/>
+          </p:cNvSpPr>
+          <p:nvPr>
+            <p:ph idx="1"/>
+          </p:nvPr>
+        </p:nvSpPr>
+        <p:spPr/>
+        <p:txBody>
+          <a:bodyPr/>
+          <a:lstStyle/>
+          <a:p>
+            <a:r>
+              <a:rPr lang="ru-RU" dirty="0"/>
+              <a:t>Вам необходимо создать коллекцию и в ней</a:t>
+            </a:r>
+            <a:r>
+              <a:rPr lang="en-US" dirty="0"/>
+              <a:t> </a:t>
+            </a:r>
+            <a:r>
+              <a:rPr lang="ru-RU" dirty="0"/>
+              <a:t>три запроса(</a:t>
+            </a:r>
+            <a:r>
+              <a:rPr lang="en-US" dirty="0"/>
+              <a:t>GET, POST, PUT)</a:t>
+            </a:r>
+          </a:p>
+          <a:p>
+            <a:r>
+              <a:rPr lang="ru-RU" dirty="0"/>
+              <a:t>Создать тесты и запустить коллекцию.</a:t>
+            </a:r>
+          </a:p>
+        </p:txBody>
+      </p:sp>
+      <p:pic>
+        <p:nvPicPr>
+          <p:cNvPr id="5" name="Рисунок 4">
+            <a:extLst>
+              <a:ext uri="{FF2B5EF4-FFF2-40B4-BE49-F238E27FC236}">
+                <a16:creationId xmlns:a16="http://schemas.microsoft.com/office/drawing/2014/main" id="{CD788F06-6008-44EF-819B-41822B530D20}"/>
+              </a:ext>
+            </a:extLst>
+          </p:cNvPr>
+          <p:cNvPicPr>
+            <a:picLocks noChangeAspect="1"/>
+          </p:cNvPicPr>
+          <p:nvPr/>
+        </p:nvPicPr>
+        <p:blipFill>
+          <a:blip r:embed="rId2">
+            <a:extLst>
+              <a:ext uri="{28A0092B-C50C-407E-A947-70E740481C1C}">
+                <a14:useLocalDpi xmlns:a14="http://schemas.microsoft.com/office/drawing/2010/main" val="0"/>
+              </a:ext>
+            </a:extLst>
+          </a:blip>
+          <a:stretch>
+            <a:fillRect/>
+          </a:stretch>
+        </p:blipFill>
+        <p:spPr>
+          <a:xfrm>
+            <a:off x="6315740" y="3586578"/>
+            <a:ext cx="5505893" cy="3076418"/>
+          </a:xfrm>
+          <a:prstGeom prst="rect">
+            <a:avLst/>
+          </a:prstGeom>
+        </p:spPr>
+      </p:pic>
+    </p:spTree>
+    <p:extLst>
+      <p:ext uri="{BB962C8B-B14F-4D97-AF65-F5344CB8AC3E}">
+        <p14:creationId xmlns:p14="http://schemas.microsoft.com/office/powerpoint/2010/main" val="3502608139"/>
       </p:ext>
     </p:extLst>
   </p:cSld>
@@ -9489,40 +10174,38 @@
           <a:chExt cx="0" cy="0"/>
         </a:xfrm>
       </p:grpSpPr>
-      <p:sp>
-        <p:nvSpPr>
-          <p:cNvPr id="2" name="Заголовок 1"/>
-          <p:cNvSpPr>
-            <a:spLocks noGrp="1"/>
-          </p:cNvSpPr>
-          <p:nvPr>
-            <p:ph type="title"/>
-          </p:nvPr>
-        </p:nvSpPr>
-        <p:spPr/>
-        <p:txBody>
-          <a:bodyPr/>
-          <a:lstStyle/>
-          <a:p>
-            <a:r>
-              <a:rPr lang="ru-RU" dirty="0"/>
-              <a:t>Вы прошли 1 уровень(запросы).</a:t>
-            </a:r>
-          </a:p>
-        </p:txBody>
-      </p:sp>
-      <p:sp>
-        <p:nvSpPr>
-          <p:cNvPr id="8" name="AutoShape 4" descr="Смайлик-эмодзи 🙏 'Сложенные руки' ВК (ВКонтакте), Инстаграм, Ватсап: код  смайла, значение и расшифровка"/>
-          <p:cNvSpPr>
-            <a:spLocks noChangeAspect="1" noChangeArrowheads="1"/>
-          </p:cNvSpPr>
-          <p:nvPr/>
-        </p:nvSpPr>
+      <p:pic>
+        <p:nvPicPr>
+          <p:cNvPr id="7" name="Picture 2" descr="Picture background">
+            <a:hlinkClick r:id="rId2" action="ppaction://hlinksldjump"/>
+            <a:extLst>
+              <a:ext uri="{FF2B5EF4-FFF2-40B4-BE49-F238E27FC236}">
+                <a16:creationId xmlns:a16="http://schemas.microsoft.com/office/drawing/2014/main" id="{3FD99191-3005-4CB7-8C69-A7FE2229C83D}"/>
+              </a:ext>
+            </a:extLst>
+          </p:cNvPr>
+          <p:cNvPicPr>
+            <a:picLocks noChangeAspect="1" noChangeArrowheads="1"/>
+          </p:cNvPicPr>
+          <p:nvPr/>
+        </p:nvPicPr>
+        <p:blipFill>
+          <a:blip r:embed="rId3">
+            <a:extLst>
+              <a:ext uri="{28A0092B-C50C-407E-A947-70E740481C1C}">
+                <a14:useLocalDpi xmlns:a14="http://schemas.microsoft.com/office/drawing/2010/main" val="0"/>
+              </a:ext>
+            </a:extLst>
+          </a:blip>
+          <a:srcRect/>
+          <a:stretch>
+            <a:fillRect/>
+          </a:stretch>
+        </p:blipFill>
         <p:spPr bwMode="auto">
           <a:xfrm>
-            <a:off x="155575" y="-144463"/>
-            <a:ext cx="304800" cy="304801"/>
+            <a:off x="-206188" y="-762001"/>
+            <a:ext cx="13312587" cy="8704845"/>
           </a:xfrm>
           <a:prstGeom prst="rect">
             <a:avLst/>
@@ -9538,6 +10221,56 @@
             </a:ext>
           </a:extLst>
         </p:spPr>
+      </p:pic>
+      <p:sp>
+        <p:nvSpPr>
+          <p:cNvPr id="2" name="Заголовок 1"/>
+          <p:cNvSpPr>
+            <a:spLocks noGrp="1"/>
+          </p:cNvSpPr>
+          <p:nvPr>
+            <p:ph type="title"/>
+          </p:nvPr>
+        </p:nvSpPr>
+        <p:spPr/>
+        <p:txBody>
+          <a:bodyPr/>
+          <a:lstStyle/>
+          <a:p>
+            <a:r>
+              <a:rPr lang="ru-RU" dirty="0"/>
+              <a:t>Вы прошли 1 уровень(запросы).</a:t>
+            </a:r>
+          </a:p>
+        </p:txBody>
+      </p:sp>
+      <p:sp>
+        <p:nvSpPr>
+          <p:cNvPr id="8" name="AutoShape 4" descr="Смайлик-эмодзи 🙏 'Сложенные руки' ВК (ВКонтакте), Инстаграм, Ватсап: код  смайла, значение и расшифровка"/>
+          <p:cNvSpPr>
+            <a:spLocks noChangeAspect="1" noChangeArrowheads="1"/>
+          </p:cNvSpPr>
+          <p:nvPr/>
+        </p:nvSpPr>
+        <p:spPr bwMode="auto">
+          <a:xfrm>
+            <a:off x="155575" y="-144463"/>
+            <a:ext cx="304800" cy="304801"/>
+          </a:xfrm>
+          <a:prstGeom prst="rect">
+            <a:avLst/>
+          </a:prstGeom>
+          <a:noFill/>
+          <a:extLst>
+            <a:ext uri="{909E8E84-426E-40DD-AFC4-6F175D3DCCD1}">
+              <a14:hiddenFill xmlns:a14="http://schemas.microsoft.com/office/drawing/2010/main">
+                <a:solidFill>
+                  <a:srgbClr val="FFFFFF"/>
+                </a:solidFill>
+              </a14:hiddenFill>
+            </a:ext>
+          </a:extLst>
+        </p:spPr>
         <p:txBody>
           <a:bodyPr vert="horz" wrap="square" lIns="91440" tIns="45720" rIns="91440" bIns="45720" numCol="1" anchor="t" anchorCtr="0" compatLnSpc="1">
             <a:prstTxWarp prst="textNoShape">
@@ -9606,7 +10339,7 @@
           <p:nvPr/>
         </p:nvPicPr>
         <p:blipFill>
-          <a:blip r:embed="rId3">
+          <a:blip r:embed="rId4">
             <a:extLst>
               <a:ext uri="{28A0092B-C50C-407E-A947-70E740481C1C}">
                 <a14:useLocalDpi xmlns:a14="http://schemas.microsoft.com/office/drawing/2010/main" val="0"/>
